--- a/results.pptx
+++ b/results.pptx
@@ -1941,7 +1941,7 @@
   <dgm:whole/>
   <dgm:extLst>
     <a:ext uri="http://schemas.microsoft.com/office/drawing/2008/diagram">
-      <dsp:dataModelExt xmlns:dsp="http://schemas.microsoft.com/office/drawing/2008/diagram" relId="rId6" minVer="http://schemas.openxmlformats.org/drawingml/2006/diagram"/>
+      <dsp:dataModelExt xmlns:dsp="http://schemas.microsoft.com/office/drawing/2008/diagram" relId="rId7" minVer="http://schemas.openxmlformats.org/drawingml/2006/diagram"/>
     </a:ext>
   </dgm:extLst>
 </dgm:dataModel>
@@ -9407,6 +9407,94 @@
           <a:p>
             <a:r>
               <a:rPr lang="en-US" dirty="0"/>
+              <a:t>Model architecture</a:t>
+            </a:r>
+            <a:endParaRPr lang="en-IL" dirty="0"/>
+          </a:p>
+        </p:txBody>
+      </p:sp>
+      <p:sp>
+        <p:nvSpPr>
+          <p:cNvPr id="4" name="Slide Number Placeholder 3"/>
+          <p:cNvSpPr>
+            <a:spLocks noGrp="1"/>
+          </p:cNvSpPr>
+          <p:nvPr>
+            <p:ph type="sldNum" sz="quarter" idx="5"/>
+          </p:nvPr>
+        </p:nvSpPr>
+        <p:spPr/>
+        <p:txBody>
+          <a:bodyPr/>
+          <a:lstStyle/>
+          <a:p>
+            <a:fld id="{E1992672-F9C1-406E-8F5D-2612E9678624}" type="slidenum">
+              <a:rPr lang="en-IL" smtClean="0"/>
+              <a:t>3</a:t>
+            </a:fld>
+            <a:endParaRPr lang="en-IL"/>
+          </a:p>
+        </p:txBody>
+      </p:sp>
+    </p:spTree>
+    <p:extLst>
+      <p:ext uri="{BB962C8B-B14F-4D97-AF65-F5344CB8AC3E}">
+        <p14:creationId xmlns:p14="http://schemas.microsoft.com/office/powerpoint/2010/main" val="2397535719"/>
+      </p:ext>
+    </p:extLst>
+  </p:cSld>
+  <p:clrMapOvr>
+    <a:masterClrMapping/>
+  </p:clrMapOvr>
+</p:notes>
+</file>
+
+<file path=ppt/notesSlides/notesSlide3.xml><?xml version="1.0" encoding="utf-8"?>
+<p:notes xmlns:a="http://schemas.openxmlformats.org/drawingml/2006/main" xmlns:r="http://schemas.openxmlformats.org/officeDocument/2006/relationships" xmlns:p="http://schemas.openxmlformats.org/presentationml/2006/main">
+  <p:cSld>
+    <p:spTree>
+      <p:nvGrpSpPr>
+        <p:cNvPr id="1" name=""/>
+        <p:cNvGrpSpPr/>
+        <p:nvPr/>
+      </p:nvGrpSpPr>
+      <p:grpSpPr>
+        <a:xfrm>
+          <a:off x="0" y="0"/>
+          <a:ext cx="0" cy="0"/>
+          <a:chOff x="0" y="0"/>
+          <a:chExt cx="0" cy="0"/>
+        </a:xfrm>
+      </p:grpSpPr>
+      <p:sp>
+        <p:nvSpPr>
+          <p:cNvPr id="2" name="Slide Image Placeholder 1"/>
+          <p:cNvSpPr>
+            <a:spLocks noGrp="1" noRot="1" noChangeAspect="1"/>
+          </p:cNvSpPr>
+          <p:nvPr>
+            <p:ph type="sldImg"/>
+          </p:nvPr>
+        </p:nvSpPr>
+        <p:spPr/>
+      </p:sp>
+      <p:sp>
+        <p:nvSpPr>
+          <p:cNvPr id="3" name="Notes Placeholder 2"/>
+          <p:cNvSpPr>
+            <a:spLocks noGrp="1"/>
+          </p:cNvSpPr>
+          <p:nvPr>
+            <p:ph type="body" idx="1"/>
+          </p:nvPr>
+        </p:nvSpPr>
+        <p:spPr/>
+        <p:txBody>
+          <a:bodyPr/>
+          <a:lstStyle/>
+          <a:p>
+            <a:r>
+              <a:rPr lang="en-US" dirty="0"/>
               <a:t>Best Lr = 0.001</a:t>
             </a:r>
             <a:br>
@@ -9414,7 +9502,7 @@
             </a:br>
             <a:r>
               <a:rPr lang="en-US" dirty="0"/>
-              <a:t>no change in shape and in the CNN architecture</a:t>
+              <a:t>no change in the image shape and the CNN architecture</a:t>
             </a:r>
           </a:p>
           <a:p>
@@ -9458,7 +9546,7 @@
 </p:notes>
 </file>
 
-<file path=ppt/notesSlides/notesSlide3.xml><?xml version="1.0" encoding="utf-8"?>
+<file path=ppt/notesSlides/notesSlide4.xml><?xml version="1.0" encoding="utf-8"?>
 <p:notes xmlns:a="http://schemas.openxmlformats.org/drawingml/2006/main" xmlns:r="http://schemas.openxmlformats.org/officeDocument/2006/relationships" xmlns:p="http://schemas.openxmlformats.org/presentationml/2006/main">
   <p:cSld>
     <p:spTree>
@@ -9549,7 +9637,109 @@
 </p:notes>
 </file>
 
-<file path=ppt/notesSlides/notesSlide4.xml><?xml version="1.0" encoding="utf-8"?>
+<file path=ppt/notesSlides/notesSlide5.xml><?xml version="1.0" encoding="utf-8"?>
+<p:notes xmlns:a="http://schemas.openxmlformats.org/drawingml/2006/main" xmlns:r="http://schemas.openxmlformats.org/officeDocument/2006/relationships" xmlns:p="http://schemas.openxmlformats.org/presentationml/2006/main">
+  <p:cSld>
+    <p:spTree>
+      <p:nvGrpSpPr>
+        <p:cNvPr id="1" name=""/>
+        <p:cNvGrpSpPr/>
+        <p:nvPr/>
+      </p:nvGrpSpPr>
+      <p:grpSpPr>
+        <a:xfrm>
+          <a:off x="0" y="0"/>
+          <a:ext cx="0" cy="0"/>
+          <a:chOff x="0" y="0"/>
+          <a:chExt cx="0" cy="0"/>
+        </a:xfrm>
+      </p:grpSpPr>
+      <p:sp>
+        <p:nvSpPr>
+          <p:cNvPr id="2" name="Slide Image Placeholder 1"/>
+          <p:cNvSpPr>
+            <a:spLocks noGrp="1" noRot="1" noChangeAspect="1"/>
+          </p:cNvSpPr>
+          <p:nvPr>
+            <p:ph type="sldImg"/>
+          </p:nvPr>
+        </p:nvSpPr>
+        <p:spPr/>
+      </p:sp>
+      <p:sp>
+        <p:nvSpPr>
+          <p:cNvPr id="3" name="Notes Placeholder 2"/>
+          <p:cNvSpPr>
+            <a:spLocks noGrp="1"/>
+          </p:cNvSpPr>
+          <p:nvPr>
+            <p:ph type="body" idx="1"/>
+          </p:nvPr>
+        </p:nvSpPr>
+        <p:spPr/>
+        <p:txBody>
+          <a:bodyPr/>
+          <a:lstStyle/>
+          <a:p>
+            <a:r>
+              <a:rPr lang="en-US" dirty="0"/>
+              <a:t>Result from </a:t>
+            </a:r>
+            <a:r>
+              <a:rPr lang="en-US" dirty="0" err="1"/>
+              <a:t>wandb</a:t>
+            </a:r>
+            <a:r>
+              <a:rPr lang="en-US" dirty="0"/>
+              <a:t> example</a:t>
+            </a:r>
+          </a:p>
+          <a:p>
+            <a:r>
+              <a:rPr lang="en-US" dirty="0"/>
+              <a:t>Overfitting check</a:t>
+            </a:r>
+            <a:endParaRPr lang="en-IL" dirty="0"/>
+          </a:p>
+        </p:txBody>
+      </p:sp>
+      <p:sp>
+        <p:nvSpPr>
+          <p:cNvPr id="4" name="Slide Number Placeholder 3"/>
+          <p:cNvSpPr>
+            <a:spLocks noGrp="1"/>
+          </p:cNvSpPr>
+          <p:nvPr>
+            <p:ph type="sldNum" sz="quarter" idx="5"/>
+          </p:nvPr>
+        </p:nvSpPr>
+        <p:spPr/>
+        <p:txBody>
+          <a:bodyPr/>
+          <a:lstStyle/>
+          <a:p>
+            <a:fld id="{E1992672-F9C1-406E-8F5D-2612E9678624}" type="slidenum">
+              <a:rPr lang="en-IL" smtClean="0"/>
+              <a:t>6</a:t>
+            </a:fld>
+            <a:endParaRPr lang="en-IL"/>
+          </a:p>
+        </p:txBody>
+      </p:sp>
+    </p:spTree>
+    <p:extLst>
+      <p:ext uri="{BB962C8B-B14F-4D97-AF65-F5344CB8AC3E}">
+        <p14:creationId xmlns:p14="http://schemas.microsoft.com/office/powerpoint/2010/main" val="1340574538"/>
+      </p:ext>
+    </p:extLst>
+  </p:cSld>
+  <p:clrMapOvr>
+    <a:masterClrMapping/>
+  </p:clrMapOvr>
+</p:notes>
+</file>
+
+<file path=ppt/notesSlides/notesSlide6.xml><?xml version="1.0" encoding="utf-8"?>
 <p:notes xmlns:a="http://schemas.openxmlformats.org/drawingml/2006/main" xmlns:r="http://schemas.openxmlformats.org/officeDocument/2006/relationships" xmlns:p="http://schemas.openxmlformats.org/presentationml/2006/main">
   <p:cSld>
     <p:spTree>
@@ -9639,7 +9829,7 @@
 </p:notes>
 </file>
 
-<file path=ppt/notesSlides/notesSlide5.xml><?xml version="1.0" encoding="utf-8"?>
+<file path=ppt/notesSlides/notesSlide7.xml><?xml version="1.0" encoding="utf-8"?>
 <p:notes xmlns:a="http://schemas.openxmlformats.org/drawingml/2006/main" xmlns:r="http://schemas.openxmlformats.org/officeDocument/2006/relationships" xmlns:p="http://schemas.openxmlformats.org/presentationml/2006/main">
   <p:cSld>
     <p:spTree>
@@ -9684,21 +9874,74 @@
           <a:lstStyle/>
           <a:p>
             <a:r>
-              <a:rPr lang="en-US" dirty="0"/>
-              <a:t>Data</a:t>
+              <a:rPr lang="en-US" b="0" i="0" dirty="0">
+                <a:solidFill>
+                  <a:srgbClr val="ECECEC"/>
+                </a:solidFill>
+                <a:effectLst/>
+                <a:latin typeface="Söhne"/>
+              </a:rPr>
+              <a:t>Data augmentation involves generating new training samples by applying various transformations to existing data, such as rotation, translation, scaling, flipping, cropping, and adjusting brightness or contrast.</a:t>
             </a:r>
           </a:p>
           <a:p>
             <a:r>
-              <a:rPr lang="en-US" dirty="0"/>
-              <a:t>Shape</a:t>
+              <a:rPr lang="en-US" b="0" i="0" dirty="0">
+                <a:solidFill>
+                  <a:srgbClr val="ECECEC"/>
+                </a:solidFill>
+                <a:effectLst/>
+                <a:latin typeface="Söhne"/>
+              </a:rPr>
+              <a:t>The goal of data augmentation is to increase the diversity and variability of the training dataset, which helps the model learn more robust and invariant features.</a:t>
             </a:r>
+            <a:br>
+              <a:rPr lang="en-US" b="0" i="0" dirty="0">
+                <a:solidFill>
+                  <a:srgbClr val="ECECEC"/>
+                </a:solidFill>
+                <a:effectLst/>
+                <a:latin typeface="Söhne"/>
+              </a:rPr>
+            </a:br>
+            <a:endParaRPr lang="en-US" b="0" i="0" dirty="0">
+              <a:solidFill>
+                <a:srgbClr val="ECECEC"/>
+              </a:solidFill>
+              <a:effectLst/>
+              <a:latin typeface="Söhne"/>
+            </a:endParaRPr>
           </a:p>
           <a:p>
             <a:r>
-              <a:rPr lang="en-US" dirty="0" err="1"/>
-              <a:t>cuda</a:t>
+              <a:rPr lang="en-US" b="1" i="0" dirty="0">
+                <a:solidFill>
+                  <a:srgbClr val="ECECEC"/>
+                </a:solidFill>
+                <a:effectLst/>
+                <a:latin typeface="Söhne"/>
+              </a:rPr>
+              <a:t>CNN and </a:t>
             </a:r>
+            <a:r>
+              <a:rPr lang="en-US" b="1" i="0" dirty="0" err="1">
+                <a:solidFill>
+                  <a:srgbClr val="ECECEC"/>
+                </a:solidFill>
+                <a:effectLst/>
+                <a:latin typeface="Söhne"/>
+              </a:rPr>
+              <a:t>ResNets</a:t>
+            </a:r>
+            <a:br>
+              <a:rPr lang="en-US" b="0" i="0" dirty="0">
+                <a:solidFill>
+                  <a:srgbClr val="ECECEC"/>
+                </a:solidFill>
+                <a:effectLst/>
+                <a:latin typeface="Söhne"/>
+              </a:rPr>
+            </a:br>
             <a:endParaRPr lang="en-IL" dirty="0"/>
           </a:p>
         </p:txBody>
@@ -12391,9 +12634,19 @@
 <p:sldMaster xmlns:a="http://schemas.openxmlformats.org/drawingml/2006/main" xmlns:r="http://schemas.openxmlformats.org/officeDocument/2006/relationships" xmlns:p="http://schemas.openxmlformats.org/presentationml/2006/main">
   <p:cSld>
     <p:bg>
-      <p:bgRef idx="1001">
-        <a:schemeClr val="bg1"/>
-      </p:bgRef>
+      <p:bgPr>
+        <a:blipFill dpi="0" rotWithShape="1">
+          <a:blip r:embed="rId13">
+            <a:alphaModFix amt="48000"/>
+            <a:lum/>
+          </a:blip>
+          <a:srcRect/>
+          <a:stretch>
+            <a:fillRect t="-19000" b="-19000"/>
+          </a:stretch>
+        </a:blipFill>
+        <a:effectLst/>
+      </p:bgPr>
     </p:bg>
     <p:spTree>
       <p:nvGrpSpPr>
@@ -12988,8 +13241,8 @@
         </p:nvSpPr>
         <p:spPr>
           <a:xfrm>
-            <a:off x="4318912" y="1616924"/>
-            <a:ext cx="3554178" cy="954107"/>
+            <a:off x="3690535" y="1432260"/>
+            <a:ext cx="4810932" cy="1323439"/>
           </a:xfrm>
           <a:prstGeom prst="rect">
             <a:avLst/>
@@ -13004,7 +13257,7 @@
           <a:p>
             <a:pPr algn="ctr"/>
             <a:r>
-              <a:rPr lang="fr-FR" sz="3200" b="0" i="0" dirty="0">
+              <a:rPr lang="fr-FR" sz="4400" b="0" i="0" dirty="0">
                 <a:effectLst/>
                 <a:latin typeface="Segoe UI Light" panose="020B0502040204020203" pitchFamily="34" charset="0"/>
                 <a:cs typeface="Segoe UI Light" panose="020B0502040204020203" pitchFamily="34" charset="0"/>
@@ -13015,14 +13268,14 @@
           <a:p>
             <a:pPr algn="ctr"/>
             <a:r>
-              <a:rPr lang="fr-FR" sz="2400" b="0" i="0" dirty="0">
+              <a:rPr lang="fr-FR" sz="3600" b="0" i="0" dirty="0">
                 <a:effectLst/>
                 <a:latin typeface="Segoe UI Light" panose="020B0502040204020203" pitchFamily="34" charset="0"/>
                 <a:cs typeface="Segoe UI Light" panose="020B0502040204020203" pitchFamily="34" charset="0"/>
               </a:rPr>
               <a:t>Faces vs Non-Faces</a:t>
             </a:r>
-            <a:endParaRPr lang="en-IL" sz="2400" dirty="0">
+            <a:endParaRPr lang="en-IL" sz="3600" dirty="0">
               <a:latin typeface="Segoe UI Light" panose="020B0502040204020203" pitchFamily="34" charset="0"/>
               <a:cs typeface="Segoe UI Light" panose="020B0502040204020203" pitchFamily="34" charset="0"/>
             </a:endParaRPr>
@@ -13043,8 +13296,8 @@
         </p:nvSpPr>
         <p:spPr>
           <a:xfrm>
-            <a:off x="256032" y="5920851"/>
-            <a:ext cx="2312621" cy="400110"/>
+            <a:off x="256032" y="5970679"/>
+            <a:ext cx="1889235" cy="338554"/>
           </a:xfrm>
           <a:prstGeom prst="rect">
             <a:avLst/>
@@ -13058,7 +13311,7 @@
           <a:lstStyle/>
           <a:p>
             <a:r>
-              <a:rPr lang="fr-FR" sz="2000" b="0" i="0" dirty="0">
+              <a:rPr lang="fr-FR" sz="1600" b="0" i="0" dirty="0">
                 <a:effectLst/>
                 <a:latin typeface="Segoe UI Light" panose="020B0502040204020203" pitchFamily="34" charset="0"/>
                 <a:cs typeface="Segoe UI Light" panose="020B0502040204020203" pitchFamily="34" charset="0"/>
@@ -13066,13 +13319,13 @@
               <a:t>Noa Tal, </a:t>
             </a:r>
             <a:r>
-              <a:rPr lang="fr-FR" sz="2000" dirty="0">
+              <a:rPr lang="fr-FR" sz="1600" dirty="0">
                 <a:latin typeface="Segoe UI Light" panose="020B0502040204020203" pitchFamily="34" charset="0"/>
                 <a:cs typeface="Segoe UI Light" panose="020B0502040204020203" pitchFamily="34" charset="0"/>
               </a:rPr>
-              <a:t>31/03/2024</a:t>
+              <a:t>01/04/2024</a:t>
             </a:r>
-            <a:endParaRPr lang="fr-FR" sz="2000" b="0" i="0" dirty="0">
+            <a:endParaRPr lang="fr-FR" sz="1600" b="0" i="0" dirty="0">
               <a:effectLst/>
               <a:latin typeface="Segoe UI Light" panose="020B0502040204020203" pitchFamily="34" charset="0"/>
               <a:cs typeface="Segoe UI Light" panose="020B0502040204020203" pitchFamily="34" charset="0"/>
@@ -13642,7 +13895,7 @@
         <p:spPr>
           <a:xfrm>
             <a:off x="496062" y="1690688"/>
-            <a:ext cx="11281410" cy="659320"/>
+            <a:ext cx="11281410" cy="646331"/>
           </a:xfrm>
           <a:prstGeom prst="rect">
             <a:avLst/>
@@ -13661,12 +13914,8 @@
                 <a:latin typeface="Segoe UI Light" panose="020B0502040204020203" pitchFamily="34" charset="0"/>
                 <a:cs typeface="Segoe UI Light" panose="020B0502040204020203" pitchFamily="34" charset="0"/>
               </a:rPr>
-              <a:t>Our image classifier model architecture is designed using convolutional neural networks (CNNs) to effectively capture spatial patterns and features in the input images.</a:t>
+              <a:t>Our image classifier model architecture is designed using a convolutional neural network (CNN) to effectively capture spatial patterns and features in the input images.</a:t>
             </a:r>
-            <a:endParaRPr lang="en-IL" dirty="0">
-              <a:latin typeface="Segoe UI Light" panose="020B0502040204020203" pitchFamily="34" charset="0"/>
-              <a:cs typeface="Segoe UI Light" panose="020B0502040204020203" pitchFamily="34" charset="0"/>
-            </a:endParaRPr>
           </a:p>
         </p:txBody>
       </p:sp>
@@ -13683,18 +13932,18 @@
           <p:nvPr>
             <p:extLst>
               <p:ext uri="{D42A27DB-BD31-4B8C-83A1-F6EECF244321}">
-                <p14:modId xmlns:p14="http://schemas.microsoft.com/office/powerpoint/2010/main" val="2659104449"/>
+                <p14:modId xmlns:p14="http://schemas.microsoft.com/office/powerpoint/2010/main" val="3193204150"/>
               </p:ext>
             </p:extLst>
           </p:nvPr>
         </p:nvGraphicFramePr>
         <p:xfrm>
-          <a:off x="496062" y="2350008"/>
+          <a:off x="477208" y="2368862"/>
           <a:ext cx="10954512" cy="3250098"/>
         </p:xfrm>
         <a:graphic>
           <a:graphicData uri="http://schemas.openxmlformats.org/drawingml/2006/diagram">
-            <dgm:relIds xmlns:dgm="http://schemas.openxmlformats.org/drawingml/2006/diagram" xmlns:r="http://schemas.openxmlformats.org/officeDocument/2006/relationships" r:dm="rId2" r:lo="rId3" r:qs="rId4" r:cs="rId5"/>
+            <dgm:relIds xmlns:dgm="http://schemas.openxmlformats.org/drawingml/2006/diagram" xmlns:r="http://schemas.openxmlformats.org/officeDocument/2006/relationships" r:dm="rId3" r:lo="rId4" r:qs="rId5" r:cs="rId6"/>
           </a:graphicData>
         </a:graphic>
       </p:graphicFrame>
@@ -13952,8 +14201,20 @@
                 <a:latin typeface="Segoe UI Light" panose="020B0502040204020203" pitchFamily="34" charset="0"/>
                 <a:cs typeface="Segoe UI Light" panose="020B0502040204020203" pitchFamily="34" charset="0"/>
               </a:rPr>
-              <a:t>): Explored values of 0.00001, 0.0001, and 0.001.</a:t>
+              <a:t>): Explored values of 0.00001, 0.0001, 0.001</a:t>
             </a:r>
+            <a:r>
+              <a:rPr lang="en-US" sz="1800" dirty="0">
+                <a:latin typeface="Segoe UI Light" panose="020B0502040204020203" pitchFamily="34" charset="0"/>
+                <a:cs typeface="Segoe UI Light" panose="020B0502040204020203" pitchFamily="34" charset="0"/>
+              </a:rPr>
+              <a:t> and 0.01.</a:t>
+            </a:r>
+            <a:endParaRPr lang="en-US" sz="1800" b="0" i="0" dirty="0">
+              <a:effectLst/>
+              <a:latin typeface="Segoe UI Light" panose="020B0502040204020203" pitchFamily="34" charset="0"/>
+              <a:cs typeface="Segoe UI Light" panose="020B0502040204020203" pitchFamily="34" charset="0"/>
+            </a:endParaRPr>
           </a:p>
           <a:p>
             <a:pPr algn="l">
@@ -14235,3359 +14496,6 @@
           </a:p>
         </p:txBody>
       </p:sp>
-      <p:graphicFrame>
-        <p:nvGraphicFramePr>
-          <p:cNvPr id="4" name="Table 3">
-            <a:extLst>
-              <a:ext uri="{FF2B5EF4-FFF2-40B4-BE49-F238E27FC236}">
-                <a16:creationId xmlns:a16="http://schemas.microsoft.com/office/drawing/2014/main" id="{0FDF9A34-7207-C941-65F4-814986B6D307}"/>
-              </a:ext>
-            </a:extLst>
-          </p:cNvPr>
-          <p:cNvGraphicFramePr>
-            <a:graphicFrameLocks noGrp="1"/>
-          </p:cNvGraphicFramePr>
-          <p:nvPr>
-            <p:extLst>
-              <p:ext uri="{D42A27DB-BD31-4B8C-83A1-F6EECF244321}">
-                <p14:modId xmlns:p14="http://schemas.microsoft.com/office/powerpoint/2010/main" val="432254"/>
-              </p:ext>
-            </p:extLst>
-          </p:nvPr>
-        </p:nvGraphicFramePr>
-        <p:xfrm>
-          <a:off x="1220085" y="1860372"/>
-          <a:ext cx="4171164" cy="2944084"/>
-        </p:xfrm>
-        <a:graphic>
-          <a:graphicData uri="http://schemas.openxmlformats.org/drawingml/2006/table">
-            <a:tbl>
-              <a:tblPr/>
-              <a:tblGrid>
-                <a:gridCol w="495426">
-                  <a:extLst>
-                    <a:ext uri="{9D8B030D-6E8A-4147-A177-3AD203B41FA5}">
-                      <a16:colId xmlns:a16="http://schemas.microsoft.com/office/drawing/2014/main" val="3653538751"/>
-                    </a:ext>
-                  </a:extLst>
-                </a:gridCol>
-                <a:gridCol w="1006833">
-                  <a:extLst>
-                    <a:ext uri="{9D8B030D-6E8A-4147-A177-3AD203B41FA5}">
-                      <a16:colId xmlns:a16="http://schemas.microsoft.com/office/drawing/2014/main" val="2529436592"/>
-                    </a:ext>
-                  </a:extLst>
-                </a:gridCol>
-                <a:gridCol w="623277">
-                  <a:extLst>
-                    <a:ext uri="{9D8B030D-6E8A-4147-A177-3AD203B41FA5}">
-                      <a16:colId xmlns:a16="http://schemas.microsoft.com/office/drawing/2014/main" val="24594902"/>
-                    </a:ext>
-                  </a:extLst>
-                </a:gridCol>
-                <a:gridCol w="751129">
-                  <a:extLst>
-                    <a:ext uri="{9D8B030D-6E8A-4147-A177-3AD203B41FA5}">
-                      <a16:colId xmlns:a16="http://schemas.microsoft.com/office/drawing/2014/main" val="2453434187"/>
-                    </a:ext>
-                  </a:extLst>
-                </a:gridCol>
-                <a:gridCol w="1294499">
-                  <a:extLst>
-                    <a:ext uri="{9D8B030D-6E8A-4147-A177-3AD203B41FA5}">
-                      <a16:colId xmlns:a16="http://schemas.microsoft.com/office/drawing/2014/main" val="3916124227"/>
-                    </a:ext>
-                  </a:extLst>
-                </a:gridCol>
-              </a:tblGrid>
-              <a:tr h="267644">
-                <a:tc>
-                  <a:txBody>
-                    <a:bodyPr/>
-                    <a:lstStyle/>
-                    <a:p>
-                      <a:pPr algn="ctr" fontAlgn="ctr"/>
-                      <a:r>
-                        <a:rPr lang="en-US" sz="1200" b="0" i="0" u="none" strike="noStrike">
-                          <a:solidFill>
-                            <a:srgbClr val="000000"/>
-                          </a:solidFill>
-                          <a:effectLst/>
-                          <a:latin typeface="Arial" panose="020B0604020202020204" pitchFamily="34" charset="0"/>
-                        </a:rPr>
-                        <a:t>num</a:t>
-                      </a:r>
-                    </a:p>
-                  </a:txBody>
-                  <a:tcPr marL="6350" marR="6350" marT="6350" marB="0" anchor="ctr">
-                    <a:lnL w="6350" cap="flat" cmpd="sng" algn="ctr">
-                      <a:solidFill>
-                        <a:srgbClr val="000000"/>
-                      </a:solidFill>
-                      <a:prstDash val="solid"/>
-                      <a:round/>
-                      <a:headEnd type="none" w="med" len="med"/>
-                      <a:tailEnd type="none" w="med" len="med"/>
-                    </a:lnL>
-                    <a:lnR w="6350" cap="flat" cmpd="sng" algn="ctr">
-                      <a:solidFill>
-                        <a:srgbClr val="000000"/>
-                      </a:solidFill>
-                      <a:prstDash val="solid"/>
-                      <a:round/>
-                      <a:headEnd type="none" w="med" len="med"/>
-                      <a:tailEnd type="none" w="med" len="med"/>
-                    </a:lnR>
-                    <a:lnT w="6350" cap="flat" cmpd="sng" algn="ctr">
-                      <a:solidFill>
-                        <a:srgbClr val="000000"/>
-                      </a:solidFill>
-                      <a:prstDash val="solid"/>
-                      <a:round/>
-                      <a:headEnd type="none" w="med" len="med"/>
-                      <a:tailEnd type="none" w="med" len="med"/>
-                    </a:lnT>
-                    <a:lnB w="6350" cap="flat" cmpd="sng" algn="ctr">
-                      <a:solidFill>
-                        <a:srgbClr val="000000"/>
-                      </a:solidFill>
-                      <a:prstDash val="solid"/>
-                      <a:round/>
-                      <a:headEnd type="none" w="med" len="med"/>
-                      <a:tailEnd type="none" w="med" len="med"/>
-                    </a:lnB>
-                    <a:solidFill>
-                      <a:srgbClr val="94DCF8"/>
-                    </a:solidFill>
-                  </a:tcPr>
-                </a:tc>
-                <a:tc>
-                  <a:txBody>
-                    <a:bodyPr/>
-                    <a:lstStyle/>
-                    <a:p>
-                      <a:pPr algn="ctr" fontAlgn="ctr"/>
-                      <a:r>
-                        <a:rPr lang="en-US" sz="1200" b="0" i="0" u="none" strike="noStrike">
-                          <a:solidFill>
-                            <a:srgbClr val="000000"/>
-                          </a:solidFill>
-                          <a:effectLst/>
-                          <a:latin typeface="Arial" panose="020B0604020202020204" pitchFamily="34" charset="0"/>
-                        </a:rPr>
-                        <a:t>batch_size</a:t>
-                      </a:r>
-                    </a:p>
-                  </a:txBody>
-                  <a:tcPr marL="6350" marR="6350" marT="6350" marB="0" anchor="ctr">
-                    <a:lnL w="6350" cap="flat" cmpd="sng" algn="ctr">
-                      <a:solidFill>
-                        <a:srgbClr val="000000"/>
-                      </a:solidFill>
-                      <a:prstDash val="solid"/>
-                      <a:round/>
-                      <a:headEnd type="none" w="med" len="med"/>
-                      <a:tailEnd type="none" w="med" len="med"/>
-                    </a:lnL>
-                    <a:lnR w="6350" cap="flat" cmpd="sng" algn="ctr">
-                      <a:solidFill>
-                        <a:srgbClr val="000000"/>
-                      </a:solidFill>
-                      <a:prstDash val="solid"/>
-                      <a:round/>
-                      <a:headEnd type="none" w="med" len="med"/>
-                      <a:tailEnd type="none" w="med" len="med"/>
-                    </a:lnR>
-                    <a:lnT w="6350" cap="flat" cmpd="sng" algn="ctr">
-                      <a:solidFill>
-                        <a:srgbClr val="000000"/>
-                      </a:solidFill>
-                      <a:prstDash val="solid"/>
-                      <a:round/>
-                      <a:headEnd type="none" w="med" len="med"/>
-                      <a:tailEnd type="none" w="med" len="med"/>
-                    </a:lnT>
-                    <a:lnB w="6350" cap="flat" cmpd="sng" algn="ctr">
-                      <a:solidFill>
-                        <a:srgbClr val="000000"/>
-                      </a:solidFill>
-                      <a:prstDash val="solid"/>
-                      <a:round/>
-                      <a:headEnd type="none" w="med" len="med"/>
-                      <a:tailEnd type="none" w="med" len="med"/>
-                    </a:lnB>
-                    <a:solidFill>
-                      <a:srgbClr val="94DCF8"/>
-                    </a:solidFill>
-                  </a:tcPr>
-                </a:tc>
-                <a:tc>
-                  <a:txBody>
-                    <a:bodyPr/>
-                    <a:lstStyle/>
-                    <a:p>
-                      <a:pPr algn="ctr" fontAlgn="ctr"/>
-                      <a:r>
-                        <a:rPr lang="en-US" sz="1200" b="0" i="0" u="none" strike="noStrike">
-                          <a:solidFill>
-                            <a:srgbClr val="000000"/>
-                          </a:solidFill>
-                          <a:effectLst/>
-                          <a:latin typeface="Arial" panose="020B0604020202020204" pitchFamily="34" charset="0"/>
-                        </a:rPr>
-                        <a:t>epoch</a:t>
-                      </a:r>
-                    </a:p>
-                  </a:txBody>
-                  <a:tcPr marL="6350" marR="6350" marT="6350" marB="0" anchor="ctr">
-                    <a:lnL w="6350" cap="flat" cmpd="sng" algn="ctr">
-                      <a:solidFill>
-                        <a:srgbClr val="000000"/>
-                      </a:solidFill>
-                      <a:prstDash val="solid"/>
-                      <a:round/>
-                      <a:headEnd type="none" w="med" len="med"/>
-                      <a:tailEnd type="none" w="med" len="med"/>
-                    </a:lnL>
-                    <a:lnR w="6350" cap="flat" cmpd="sng" algn="ctr">
-                      <a:solidFill>
-                        <a:srgbClr val="000000"/>
-                      </a:solidFill>
-                      <a:prstDash val="solid"/>
-                      <a:round/>
-                      <a:headEnd type="none" w="med" len="med"/>
-                      <a:tailEnd type="none" w="med" len="med"/>
-                    </a:lnR>
-                    <a:lnT w="6350" cap="flat" cmpd="sng" algn="ctr">
-                      <a:solidFill>
-                        <a:srgbClr val="000000"/>
-                      </a:solidFill>
-                      <a:prstDash val="solid"/>
-                      <a:round/>
-                      <a:headEnd type="none" w="med" len="med"/>
-                      <a:tailEnd type="none" w="med" len="med"/>
-                    </a:lnT>
-                    <a:lnB w="6350" cap="flat" cmpd="sng" algn="ctr">
-                      <a:solidFill>
-                        <a:srgbClr val="000000"/>
-                      </a:solidFill>
-                      <a:prstDash val="solid"/>
-                      <a:round/>
-                      <a:headEnd type="none" w="med" len="med"/>
-                      <a:tailEnd type="none" w="med" len="med"/>
-                    </a:lnB>
-                    <a:solidFill>
-                      <a:srgbClr val="94DCF8"/>
-                    </a:solidFill>
-                  </a:tcPr>
-                </a:tc>
-                <a:tc>
-                  <a:txBody>
-                    <a:bodyPr/>
-                    <a:lstStyle/>
-                    <a:p>
-                      <a:pPr algn="ctr" fontAlgn="ctr"/>
-                      <a:r>
-                        <a:rPr lang="en-US" sz="1200" b="0" i="0" u="none" strike="noStrike" dirty="0" err="1">
-                          <a:solidFill>
-                            <a:srgbClr val="000000"/>
-                          </a:solidFill>
-                          <a:effectLst/>
-                          <a:latin typeface="Arial" panose="020B0604020202020204" pitchFamily="34" charset="0"/>
-                        </a:rPr>
-                        <a:t>lr</a:t>
-                      </a:r>
-                      <a:endParaRPr lang="en-US" sz="1200" b="0" i="0" u="none" strike="noStrike" dirty="0">
-                        <a:solidFill>
-                          <a:srgbClr val="000000"/>
-                        </a:solidFill>
-                        <a:effectLst/>
-                        <a:latin typeface="Arial" panose="020B0604020202020204" pitchFamily="34" charset="0"/>
-                      </a:endParaRPr>
-                    </a:p>
-                  </a:txBody>
-                  <a:tcPr marL="6350" marR="6350" marT="6350" marB="0" anchor="ctr">
-                    <a:lnL w="6350" cap="flat" cmpd="sng" algn="ctr">
-                      <a:solidFill>
-                        <a:srgbClr val="000000"/>
-                      </a:solidFill>
-                      <a:prstDash val="solid"/>
-                      <a:round/>
-                      <a:headEnd type="none" w="med" len="med"/>
-                      <a:tailEnd type="none" w="med" len="med"/>
-                    </a:lnL>
-                    <a:lnR w="6350" cap="flat" cmpd="sng" algn="ctr">
-                      <a:solidFill>
-                        <a:srgbClr val="000000"/>
-                      </a:solidFill>
-                      <a:prstDash val="solid"/>
-                      <a:round/>
-                      <a:headEnd type="none" w="med" len="med"/>
-                      <a:tailEnd type="none" w="med" len="med"/>
-                    </a:lnR>
-                    <a:lnT w="6350" cap="flat" cmpd="sng" algn="ctr">
-                      <a:solidFill>
-                        <a:srgbClr val="000000"/>
-                      </a:solidFill>
-                      <a:prstDash val="solid"/>
-                      <a:round/>
-                      <a:headEnd type="none" w="med" len="med"/>
-                      <a:tailEnd type="none" w="med" len="med"/>
-                    </a:lnT>
-                    <a:lnB w="6350" cap="flat" cmpd="sng" algn="ctr">
-                      <a:solidFill>
-                        <a:srgbClr val="000000"/>
-                      </a:solidFill>
-                      <a:prstDash val="solid"/>
-                      <a:round/>
-                      <a:headEnd type="none" w="med" len="med"/>
-                      <a:tailEnd type="none" w="med" len="med"/>
-                    </a:lnB>
-                    <a:solidFill>
-                      <a:srgbClr val="94DCF8"/>
-                    </a:solidFill>
-                  </a:tcPr>
-                </a:tc>
-                <a:tc>
-                  <a:txBody>
-                    <a:bodyPr/>
-                    <a:lstStyle/>
-                    <a:p>
-                      <a:pPr algn="ctr" fontAlgn="ctr"/>
-                      <a:r>
-                        <a:rPr lang="en-US" sz="1200" b="0" i="0" u="none" strike="noStrike">
-                          <a:solidFill>
-                            <a:srgbClr val="000000"/>
-                          </a:solidFill>
-                          <a:effectLst/>
-                          <a:latin typeface="Arial" panose="020B0604020202020204" pitchFamily="34" charset="0"/>
-                        </a:rPr>
-                        <a:t>Test accuracy</a:t>
-                      </a:r>
-                    </a:p>
-                  </a:txBody>
-                  <a:tcPr marL="6350" marR="6350" marT="6350" marB="0" anchor="ctr">
-                    <a:lnL w="6350" cap="flat" cmpd="sng" algn="ctr">
-                      <a:solidFill>
-                        <a:srgbClr val="000000"/>
-                      </a:solidFill>
-                      <a:prstDash val="solid"/>
-                      <a:round/>
-                      <a:headEnd type="none" w="med" len="med"/>
-                      <a:tailEnd type="none" w="med" len="med"/>
-                    </a:lnL>
-                    <a:lnR w="6350" cap="flat" cmpd="sng" algn="ctr">
-                      <a:solidFill>
-                        <a:srgbClr val="000000"/>
-                      </a:solidFill>
-                      <a:prstDash val="solid"/>
-                      <a:round/>
-                      <a:headEnd type="none" w="med" len="med"/>
-                      <a:tailEnd type="none" w="med" len="med"/>
-                    </a:lnR>
-                    <a:lnT w="6350" cap="flat" cmpd="sng" algn="ctr">
-                      <a:solidFill>
-                        <a:srgbClr val="000000"/>
-                      </a:solidFill>
-                      <a:prstDash val="solid"/>
-                      <a:round/>
-                      <a:headEnd type="none" w="med" len="med"/>
-                      <a:tailEnd type="none" w="med" len="med"/>
-                    </a:lnT>
-                    <a:lnB w="6350" cap="flat" cmpd="sng" algn="ctr">
-                      <a:solidFill>
-                        <a:srgbClr val="000000"/>
-                      </a:solidFill>
-                      <a:prstDash val="solid"/>
-                      <a:round/>
-                      <a:headEnd type="none" w="med" len="med"/>
-                      <a:tailEnd type="none" w="med" len="med"/>
-                    </a:lnB>
-                    <a:solidFill>
-                      <a:srgbClr val="94DCF8"/>
-                    </a:solidFill>
-                  </a:tcPr>
-                </a:tc>
-                <a:extLst>
-                  <a:ext uri="{0D108BD9-81ED-4DB2-BD59-A6C34878D82A}">
-                    <a16:rowId xmlns:a16="http://schemas.microsoft.com/office/drawing/2014/main" val="2932330496"/>
-                  </a:ext>
-                </a:extLst>
-              </a:tr>
-              <a:tr h="267644">
-                <a:tc>
-                  <a:txBody>
-                    <a:bodyPr/>
-                    <a:lstStyle/>
-                    <a:p>
-                      <a:pPr algn="ctr" fontAlgn="ctr"/>
-                      <a:r>
-                        <a:rPr lang="en-IL" sz="1200" b="0" i="0" u="none" strike="noStrike">
-                          <a:solidFill>
-                            <a:srgbClr val="000000"/>
-                          </a:solidFill>
-                          <a:effectLst/>
-                          <a:latin typeface="Arial" panose="020B0604020202020204" pitchFamily="34" charset="0"/>
-                        </a:rPr>
-                        <a:t>1</a:t>
-                      </a:r>
-                    </a:p>
-                  </a:txBody>
-                  <a:tcPr marL="6350" marR="6350" marT="6350" marB="0" anchor="ctr">
-                    <a:lnL w="6350" cap="flat" cmpd="sng" algn="ctr">
-                      <a:solidFill>
-                        <a:srgbClr val="000000"/>
-                      </a:solidFill>
-                      <a:prstDash val="solid"/>
-                      <a:round/>
-                      <a:headEnd type="none" w="med" len="med"/>
-                      <a:tailEnd type="none" w="med" len="med"/>
-                    </a:lnL>
-                    <a:lnR w="6350" cap="flat" cmpd="sng" algn="ctr">
-                      <a:solidFill>
-                        <a:srgbClr val="000000"/>
-                      </a:solidFill>
-                      <a:prstDash val="solid"/>
-                      <a:round/>
-                      <a:headEnd type="none" w="med" len="med"/>
-                      <a:tailEnd type="none" w="med" len="med"/>
-                    </a:lnR>
-                    <a:lnT w="6350" cap="flat" cmpd="sng" algn="ctr">
-                      <a:solidFill>
-                        <a:srgbClr val="000000"/>
-                      </a:solidFill>
-                      <a:prstDash val="solid"/>
-                      <a:round/>
-                      <a:headEnd type="none" w="med" len="med"/>
-                      <a:tailEnd type="none" w="med" len="med"/>
-                    </a:lnT>
-                    <a:lnB w="6350" cap="flat" cmpd="sng" algn="ctr">
-                      <a:solidFill>
-                        <a:srgbClr val="000000"/>
-                      </a:solidFill>
-                      <a:prstDash val="solid"/>
-                      <a:round/>
-                      <a:headEnd type="none" w="med" len="med"/>
-                      <a:tailEnd type="none" w="med" len="med"/>
-                    </a:lnB>
-                    <a:noFill/>
-                  </a:tcPr>
-                </a:tc>
-                <a:tc>
-                  <a:txBody>
-                    <a:bodyPr/>
-                    <a:lstStyle/>
-                    <a:p>
-                      <a:pPr algn="ctr" fontAlgn="ctr"/>
-                      <a:r>
-                        <a:rPr lang="en-IL" sz="1200" b="0" i="0" u="none" strike="noStrike">
-                          <a:solidFill>
-                            <a:srgbClr val="000000"/>
-                          </a:solidFill>
-                          <a:effectLst/>
-                          <a:latin typeface="Arial" panose="020B0604020202020204" pitchFamily="34" charset="0"/>
-                        </a:rPr>
-                        <a:t>32</a:t>
-                      </a:r>
-                    </a:p>
-                  </a:txBody>
-                  <a:tcPr marL="6350" marR="6350" marT="6350" marB="0" anchor="ctr">
-                    <a:lnL w="6350" cap="flat" cmpd="sng" algn="ctr">
-                      <a:solidFill>
-                        <a:srgbClr val="000000"/>
-                      </a:solidFill>
-                      <a:prstDash val="solid"/>
-                      <a:round/>
-                      <a:headEnd type="none" w="med" len="med"/>
-                      <a:tailEnd type="none" w="med" len="med"/>
-                    </a:lnL>
-                    <a:lnR w="6350" cap="flat" cmpd="sng" algn="ctr">
-                      <a:solidFill>
-                        <a:srgbClr val="000000"/>
-                      </a:solidFill>
-                      <a:prstDash val="solid"/>
-                      <a:round/>
-                      <a:headEnd type="none" w="med" len="med"/>
-                      <a:tailEnd type="none" w="med" len="med"/>
-                    </a:lnR>
-                    <a:lnT w="6350" cap="flat" cmpd="sng" algn="ctr">
-                      <a:solidFill>
-                        <a:srgbClr val="000000"/>
-                      </a:solidFill>
-                      <a:prstDash val="solid"/>
-                      <a:round/>
-                      <a:headEnd type="none" w="med" len="med"/>
-                      <a:tailEnd type="none" w="med" len="med"/>
-                    </a:lnT>
-                    <a:lnB w="6350" cap="flat" cmpd="sng" algn="ctr">
-                      <a:solidFill>
-                        <a:srgbClr val="000000"/>
-                      </a:solidFill>
-                      <a:prstDash val="solid"/>
-                      <a:round/>
-                      <a:headEnd type="none" w="med" len="med"/>
-                      <a:tailEnd type="none" w="med" len="med"/>
-                    </a:lnB>
-                    <a:noFill/>
-                  </a:tcPr>
-                </a:tc>
-                <a:tc>
-                  <a:txBody>
-                    <a:bodyPr/>
-                    <a:lstStyle/>
-                    <a:p>
-                      <a:pPr algn="ctr" fontAlgn="ctr"/>
-                      <a:r>
-                        <a:rPr lang="en-IL" sz="1200" b="0" i="0" u="none" strike="noStrike">
-                          <a:solidFill>
-                            <a:srgbClr val="000000"/>
-                          </a:solidFill>
-                          <a:effectLst/>
-                          <a:latin typeface="Arial" panose="020B0604020202020204" pitchFamily="34" charset="0"/>
-                        </a:rPr>
-                        <a:t>10</a:t>
-                      </a:r>
-                    </a:p>
-                  </a:txBody>
-                  <a:tcPr marL="6350" marR="6350" marT="6350" marB="0" anchor="ctr">
-                    <a:lnL w="6350" cap="flat" cmpd="sng" algn="ctr">
-                      <a:solidFill>
-                        <a:srgbClr val="000000"/>
-                      </a:solidFill>
-                      <a:prstDash val="solid"/>
-                      <a:round/>
-                      <a:headEnd type="none" w="med" len="med"/>
-                      <a:tailEnd type="none" w="med" len="med"/>
-                    </a:lnL>
-                    <a:lnR w="6350" cap="flat" cmpd="sng" algn="ctr">
-                      <a:solidFill>
-                        <a:srgbClr val="000000"/>
-                      </a:solidFill>
-                      <a:prstDash val="solid"/>
-                      <a:round/>
-                      <a:headEnd type="none" w="med" len="med"/>
-                      <a:tailEnd type="none" w="med" len="med"/>
-                    </a:lnR>
-                    <a:lnT w="6350" cap="flat" cmpd="sng" algn="ctr">
-                      <a:solidFill>
-                        <a:srgbClr val="000000"/>
-                      </a:solidFill>
-                      <a:prstDash val="solid"/>
-                      <a:round/>
-                      <a:headEnd type="none" w="med" len="med"/>
-                      <a:tailEnd type="none" w="med" len="med"/>
-                    </a:lnT>
-                    <a:lnB w="6350" cap="flat" cmpd="sng" algn="ctr">
-                      <a:solidFill>
-                        <a:srgbClr val="000000"/>
-                      </a:solidFill>
-                      <a:prstDash val="solid"/>
-                      <a:round/>
-                      <a:headEnd type="none" w="med" len="med"/>
-                      <a:tailEnd type="none" w="med" len="med"/>
-                    </a:lnB>
-                    <a:noFill/>
-                  </a:tcPr>
-                </a:tc>
-                <a:tc>
-                  <a:txBody>
-                    <a:bodyPr/>
-                    <a:lstStyle/>
-                    <a:p>
-                      <a:pPr algn="ctr" fontAlgn="ctr"/>
-                      <a:r>
-                        <a:rPr lang="en-IL" sz="1200" b="0" i="0" u="none" strike="noStrike">
-                          <a:solidFill>
-                            <a:srgbClr val="000000"/>
-                          </a:solidFill>
-                          <a:effectLst/>
-                          <a:latin typeface="Arial" panose="020B0604020202020204" pitchFamily="34" charset="0"/>
-                        </a:rPr>
-                        <a:t>0.001</a:t>
-                      </a:r>
-                    </a:p>
-                  </a:txBody>
-                  <a:tcPr marL="6350" marR="6350" marT="6350" marB="0" anchor="ctr">
-                    <a:lnL w="6350" cap="flat" cmpd="sng" algn="ctr">
-                      <a:solidFill>
-                        <a:srgbClr val="000000"/>
-                      </a:solidFill>
-                      <a:prstDash val="solid"/>
-                      <a:round/>
-                      <a:headEnd type="none" w="med" len="med"/>
-                      <a:tailEnd type="none" w="med" len="med"/>
-                    </a:lnL>
-                    <a:lnR w="6350" cap="flat" cmpd="sng" algn="ctr">
-                      <a:solidFill>
-                        <a:srgbClr val="000000"/>
-                      </a:solidFill>
-                      <a:prstDash val="solid"/>
-                      <a:round/>
-                      <a:headEnd type="none" w="med" len="med"/>
-                      <a:tailEnd type="none" w="med" len="med"/>
-                    </a:lnR>
-                    <a:lnT w="6350" cap="flat" cmpd="sng" algn="ctr">
-                      <a:solidFill>
-                        <a:srgbClr val="000000"/>
-                      </a:solidFill>
-                      <a:prstDash val="solid"/>
-                      <a:round/>
-                      <a:headEnd type="none" w="med" len="med"/>
-                      <a:tailEnd type="none" w="med" len="med"/>
-                    </a:lnT>
-                    <a:lnB w="6350" cap="flat" cmpd="sng" algn="ctr">
-                      <a:solidFill>
-                        <a:srgbClr val="000000"/>
-                      </a:solidFill>
-                      <a:prstDash val="solid"/>
-                      <a:round/>
-                      <a:headEnd type="none" w="med" len="med"/>
-                      <a:tailEnd type="none" w="med" len="med"/>
-                    </a:lnB>
-                    <a:noFill/>
-                  </a:tcPr>
-                </a:tc>
-                <a:tc>
-                  <a:txBody>
-                    <a:bodyPr/>
-                    <a:lstStyle/>
-                    <a:p>
-                      <a:pPr algn="ctr" fontAlgn="ctr"/>
-                      <a:r>
-                        <a:rPr lang="en-IL" sz="1200" b="0" i="0" u="none" strike="noStrike">
-                          <a:solidFill>
-                            <a:srgbClr val="000000"/>
-                          </a:solidFill>
-                          <a:effectLst/>
-                          <a:latin typeface="Arial" panose="020B0604020202020204" pitchFamily="34" charset="0"/>
-                        </a:rPr>
-                        <a:t>98.18</a:t>
-                      </a:r>
-                    </a:p>
-                  </a:txBody>
-                  <a:tcPr marL="6350" marR="6350" marT="6350" marB="0" anchor="ctr">
-                    <a:lnL w="6350" cap="flat" cmpd="sng" algn="ctr">
-                      <a:solidFill>
-                        <a:srgbClr val="000000"/>
-                      </a:solidFill>
-                      <a:prstDash val="solid"/>
-                      <a:round/>
-                      <a:headEnd type="none" w="med" len="med"/>
-                      <a:tailEnd type="none" w="med" len="med"/>
-                    </a:lnL>
-                    <a:lnR w="6350" cap="flat" cmpd="sng" algn="ctr">
-                      <a:solidFill>
-                        <a:srgbClr val="000000"/>
-                      </a:solidFill>
-                      <a:prstDash val="solid"/>
-                      <a:round/>
-                      <a:headEnd type="none" w="med" len="med"/>
-                      <a:tailEnd type="none" w="med" len="med"/>
-                    </a:lnR>
-                    <a:lnT w="6350" cap="flat" cmpd="sng" algn="ctr">
-                      <a:solidFill>
-                        <a:srgbClr val="000000"/>
-                      </a:solidFill>
-                      <a:prstDash val="solid"/>
-                      <a:round/>
-                      <a:headEnd type="none" w="med" len="med"/>
-                      <a:tailEnd type="none" w="med" len="med"/>
-                    </a:lnT>
-                    <a:lnB w="6350" cap="flat" cmpd="sng" algn="ctr">
-                      <a:solidFill>
-                        <a:srgbClr val="000000"/>
-                      </a:solidFill>
-                      <a:prstDash val="solid"/>
-                      <a:round/>
-                      <a:headEnd type="none" w="med" len="med"/>
-                      <a:tailEnd type="none" w="med" len="med"/>
-                    </a:lnB>
-                    <a:noFill/>
-                  </a:tcPr>
-                </a:tc>
-                <a:extLst>
-                  <a:ext uri="{0D108BD9-81ED-4DB2-BD59-A6C34878D82A}">
-                    <a16:rowId xmlns:a16="http://schemas.microsoft.com/office/drawing/2014/main" val="3717373910"/>
-                  </a:ext>
-                </a:extLst>
-              </a:tr>
-              <a:tr h="267644">
-                <a:tc>
-                  <a:txBody>
-                    <a:bodyPr/>
-                    <a:lstStyle/>
-                    <a:p>
-                      <a:pPr algn="ctr" fontAlgn="ctr"/>
-                      <a:r>
-                        <a:rPr lang="en-IL" sz="1200" b="0" i="0" u="none" strike="noStrike">
-                          <a:solidFill>
-                            <a:srgbClr val="000000"/>
-                          </a:solidFill>
-                          <a:effectLst/>
-                          <a:latin typeface="Arial" panose="020B0604020202020204" pitchFamily="34" charset="0"/>
-                        </a:rPr>
-                        <a:t>2</a:t>
-                      </a:r>
-                    </a:p>
-                  </a:txBody>
-                  <a:tcPr marL="6350" marR="6350" marT="6350" marB="0" anchor="ctr">
-                    <a:lnL w="6350" cap="flat" cmpd="sng" algn="ctr">
-                      <a:solidFill>
-                        <a:srgbClr val="000000"/>
-                      </a:solidFill>
-                      <a:prstDash val="solid"/>
-                      <a:round/>
-                      <a:headEnd type="none" w="med" len="med"/>
-                      <a:tailEnd type="none" w="med" len="med"/>
-                    </a:lnL>
-                    <a:lnR w="6350" cap="flat" cmpd="sng" algn="ctr">
-                      <a:solidFill>
-                        <a:srgbClr val="000000"/>
-                      </a:solidFill>
-                      <a:prstDash val="solid"/>
-                      <a:round/>
-                      <a:headEnd type="none" w="med" len="med"/>
-                      <a:tailEnd type="none" w="med" len="med"/>
-                    </a:lnR>
-                    <a:lnT w="6350" cap="flat" cmpd="sng" algn="ctr">
-                      <a:solidFill>
-                        <a:srgbClr val="000000"/>
-                      </a:solidFill>
-                      <a:prstDash val="solid"/>
-                      <a:round/>
-                      <a:headEnd type="none" w="med" len="med"/>
-                      <a:tailEnd type="none" w="med" len="med"/>
-                    </a:lnT>
-                    <a:lnB w="6350" cap="flat" cmpd="sng" algn="ctr">
-                      <a:solidFill>
-                        <a:srgbClr val="000000"/>
-                      </a:solidFill>
-                      <a:prstDash val="solid"/>
-                      <a:round/>
-                      <a:headEnd type="none" w="med" len="med"/>
-                      <a:tailEnd type="none" w="med" len="med"/>
-                    </a:lnB>
-                    <a:noFill/>
-                  </a:tcPr>
-                </a:tc>
-                <a:tc>
-                  <a:txBody>
-                    <a:bodyPr/>
-                    <a:lstStyle/>
-                    <a:p>
-                      <a:pPr algn="ctr" fontAlgn="ctr"/>
-                      <a:r>
-                        <a:rPr lang="en-IL" sz="1200" b="0" i="0" u="none" strike="noStrike">
-                          <a:solidFill>
-                            <a:srgbClr val="000000"/>
-                          </a:solidFill>
-                          <a:effectLst/>
-                          <a:latin typeface="Arial" panose="020B0604020202020204" pitchFamily="34" charset="0"/>
-                        </a:rPr>
-                        <a:t>16</a:t>
-                      </a:r>
-                    </a:p>
-                  </a:txBody>
-                  <a:tcPr marL="6350" marR="6350" marT="6350" marB="0" anchor="ctr">
-                    <a:lnL w="6350" cap="flat" cmpd="sng" algn="ctr">
-                      <a:solidFill>
-                        <a:srgbClr val="000000"/>
-                      </a:solidFill>
-                      <a:prstDash val="solid"/>
-                      <a:round/>
-                      <a:headEnd type="none" w="med" len="med"/>
-                      <a:tailEnd type="none" w="med" len="med"/>
-                    </a:lnL>
-                    <a:lnR w="6350" cap="flat" cmpd="sng" algn="ctr">
-                      <a:solidFill>
-                        <a:srgbClr val="000000"/>
-                      </a:solidFill>
-                      <a:prstDash val="solid"/>
-                      <a:round/>
-                      <a:headEnd type="none" w="med" len="med"/>
-                      <a:tailEnd type="none" w="med" len="med"/>
-                    </a:lnR>
-                    <a:lnT w="6350" cap="flat" cmpd="sng" algn="ctr">
-                      <a:solidFill>
-                        <a:srgbClr val="000000"/>
-                      </a:solidFill>
-                      <a:prstDash val="solid"/>
-                      <a:round/>
-                      <a:headEnd type="none" w="med" len="med"/>
-                      <a:tailEnd type="none" w="med" len="med"/>
-                    </a:lnT>
-                    <a:lnB w="6350" cap="flat" cmpd="sng" algn="ctr">
-                      <a:solidFill>
-                        <a:srgbClr val="000000"/>
-                      </a:solidFill>
-                      <a:prstDash val="solid"/>
-                      <a:round/>
-                      <a:headEnd type="none" w="med" len="med"/>
-                      <a:tailEnd type="none" w="med" len="med"/>
-                    </a:lnB>
-                    <a:noFill/>
-                  </a:tcPr>
-                </a:tc>
-                <a:tc>
-                  <a:txBody>
-                    <a:bodyPr/>
-                    <a:lstStyle/>
-                    <a:p>
-                      <a:pPr algn="ctr" fontAlgn="ctr"/>
-                      <a:r>
-                        <a:rPr lang="en-IL" sz="1200" b="0" i="0" u="none" strike="noStrike">
-                          <a:solidFill>
-                            <a:srgbClr val="000000"/>
-                          </a:solidFill>
-                          <a:effectLst/>
-                          <a:latin typeface="Arial" panose="020B0604020202020204" pitchFamily="34" charset="0"/>
-                        </a:rPr>
-                        <a:t>10</a:t>
-                      </a:r>
-                    </a:p>
-                  </a:txBody>
-                  <a:tcPr marL="6350" marR="6350" marT="6350" marB="0" anchor="ctr">
-                    <a:lnL w="6350" cap="flat" cmpd="sng" algn="ctr">
-                      <a:solidFill>
-                        <a:srgbClr val="000000"/>
-                      </a:solidFill>
-                      <a:prstDash val="solid"/>
-                      <a:round/>
-                      <a:headEnd type="none" w="med" len="med"/>
-                      <a:tailEnd type="none" w="med" len="med"/>
-                    </a:lnL>
-                    <a:lnR w="6350" cap="flat" cmpd="sng" algn="ctr">
-                      <a:solidFill>
-                        <a:srgbClr val="000000"/>
-                      </a:solidFill>
-                      <a:prstDash val="solid"/>
-                      <a:round/>
-                      <a:headEnd type="none" w="med" len="med"/>
-                      <a:tailEnd type="none" w="med" len="med"/>
-                    </a:lnR>
-                    <a:lnT w="6350" cap="flat" cmpd="sng" algn="ctr">
-                      <a:solidFill>
-                        <a:srgbClr val="000000"/>
-                      </a:solidFill>
-                      <a:prstDash val="solid"/>
-                      <a:round/>
-                      <a:headEnd type="none" w="med" len="med"/>
-                      <a:tailEnd type="none" w="med" len="med"/>
-                    </a:lnT>
-                    <a:lnB w="6350" cap="flat" cmpd="sng" algn="ctr">
-                      <a:solidFill>
-                        <a:srgbClr val="000000"/>
-                      </a:solidFill>
-                      <a:prstDash val="solid"/>
-                      <a:round/>
-                      <a:headEnd type="none" w="med" len="med"/>
-                      <a:tailEnd type="none" w="med" len="med"/>
-                    </a:lnB>
-                    <a:noFill/>
-                  </a:tcPr>
-                </a:tc>
-                <a:tc>
-                  <a:txBody>
-                    <a:bodyPr/>
-                    <a:lstStyle/>
-                    <a:p>
-                      <a:pPr algn="ctr" fontAlgn="ctr"/>
-                      <a:r>
-                        <a:rPr lang="en-IL" sz="1200" b="0" i="0" u="none" strike="noStrike">
-                          <a:solidFill>
-                            <a:srgbClr val="000000"/>
-                          </a:solidFill>
-                          <a:effectLst/>
-                          <a:latin typeface="Arial" panose="020B0604020202020204" pitchFamily="34" charset="0"/>
-                        </a:rPr>
-                        <a:t>0.001</a:t>
-                      </a:r>
-                    </a:p>
-                  </a:txBody>
-                  <a:tcPr marL="6350" marR="6350" marT="6350" marB="0" anchor="ctr">
-                    <a:lnL w="6350" cap="flat" cmpd="sng" algn="ctr">
-                      <a:solidFill>
-                        <a:srgbClr val="000000"/>
-                      </a:solidFill>
-                      <a:prstDash val="solid"/>
-                      <a:round/>
-                      <a:headEnd type="none" w="med" len="med"/>
-                      <a:tailEnd type="none" w="med" len="med"/>
-                    </a:lnL>
-                    <a:lnR w="6350" cap="flat" cmpd="sng" algn="ctr">
-                      <a:solidFill>
-                        <a:srgbClr val="000000"/>
-                      </a:solidFill>
-                      <a:prstDash val="solid"/>
-                      <a:round/>
-                      <a:headEnd type="none" w="med" len="med"/>
-                      <a:tailEnd type="none" w="med" len="med"/>
-                    </a:lnR>
-                    <a:lnT w="6350" cap="flat" cmpd="sng" algn="ctr">
-                      <a:solidFill>
-                        <a:srgbClr val="000000"/>
-                      </a:solidFill>
-                      <a:prstDash val="solid"/>
-                      <a:round/>
-                      <a:headEnd type="none" w="med" len="med"/>
-                      <a:tailEnd type="none" w="med" len="med"/>
-                    </a:lnT>
-                    <a:lnB w="6350" cap="flat" cmpd="sng" algn="ctr">
-                      <a:solidFill>
-                        <a:srgbClr val="000000"/>
-                      </a:solidFill>
-                      <a:prstDash val="solid"/>
-                      <a:round/>
-                      <a:headEnd type="none" w="med" len="med"/>
-                      <a:tailEnd type="none" w="med" len="med"/>
-                    </a:lnB>
-                    <a:noFill/>
-                  </a:tcPr>
-                </a:tc>
-                <a:tc>
-                  <a:txBody>
-                    <a:bodyPr/>
-                    <a:lstStyle/>
-                    <a:p>
-                      <a:pPr algn="ctr" fontAlgn="ctr"/>
-                      <a:r>
-                        <a:rPr lang="en-IL" sz="1200" b="0" i="0" u="none" strike="noStrike">
-                          <a:solidFill>
-                            <a:srgbClr val="000000"/>
-                          </a:solidFill>
-                          <a:effectLst/>
-                          <a:latin typeface="Arial" panose="020B0604020202020204" pitchFamily="34" charset="0"/>
-                        </a:rPr>
-                        <a:t>98.17</a:t>
-                      </a:r>
-                    </a:p>
-                  </a:txBody>
-                  <a:tcPr marL="6350" marR="6350" marT="6350" marB="0" anchor="ctr">
-                    <a:lnL w="6350" cap="flat" cmpd="sng" algn="ctr">
-                      <a:solidFill>
-                        <a:srgbClr val="000000"/>
-                      </a:solidFill>
-                      <a:prstDash val="solid"/>
-                      <a:round/>
-                      <a:headEnd type="none" w="med" len="med"/>
-                      <a:tailEnd type="none" w="med" len="med"/>
-                    </a:lnL>
-                    <a:lnR w="6350" cap="flat" cmpd="sng" algn="ctr">
-                      <a:solidFill>
-                        <a:srgbClr val="000000"/>
-                      </a:solidFill>
-                      <a:prstDash val="solid"/>
-                      <a:round/>
-                      <a:headEnd type="none" w="med" len="med"/>
-                      <a:tailEnd type="none" w="med" len="med"/>
-                    </a:lnR>
-                    <a:lnT w="6350" cap="flat" cmpd="sng" algn="ctr">
-                      <a:solidFill>
-                        <a:srgbClr val="000000"/>
-                      </a:solidFill>
-                      <a:prstDash val="solid"/>
-                      <a:round/>
-                      <a:headEnd type="none" w="med" len="med"/>
-                      <a:tailEnd type="none" w="med" len="med"/>
-                    </a:lnT>
-                    <a:lnB w="6350" cap="flat" cmpd="sng" algn="ctr">
-                      <a:solidFill>
-                        <a:srgbClr val="000000"/>
-                      </a:solidFill>
-                      <a:prstDash val="solid"/>
-                      <a:round/>
-                      <a:headEnd type="none" w="med" len="med"/>
-                      <a:tailEnd type="none" w="med" len="med"/>
-                    </a:lnB>
-                    <a:noFill/>
-                  </a:tcPr>
-                </a:tc>
-                <a:extLst>
-                  <a:ext uri="{0D108BD9-81ED-4DB2-BD59-A6C34878D82A}">
-                    <a16:rowId xmlns:a16="http://schemas.microsoft.com/office/drawing/2014/main" val="3096364345"/>
-                  </a:ext>
-                </a:extLst>
-              </a:tr>
-              <a:tr h="267644">
-                <a:tc>
-                  <a:txBody>
-                    <a:bodyPr/>
-                    <a:lstStyle/>
-                    <a:p>
-                      <a:pPr algn="ctr" fontAlgn="ctr"/>
-                      <a:r>
-                        <a:rPr lang="en-IL" sz="1200" b="0" i="0" u="none" strike="noStrike">
-                          <a:solidFill>
-                            <a:srgbClr val="000000"/>
-                          </a:solidFill>
-                          <a:effectLst/>
-                          <a:latin typeface="Arial" panose="020B0604020202020204" pitchFamily="34" charset="0"/>
-                        </a:rPr>
-                        <a:t>3</a:t>
-                      </a:r>
-                    </a:p>
-                  </a:txBody>
-                  <a:tcPr marL="6350" marR="6350" marT="6350" marB="0" anchor="ctr">
-                    <a:lnL w="6350" cap="flat" cmpd="sng" algn="ctr">
-                      <a:solidFill>
-                        <a:srgbClr val="000000"/>
-                      </a:solidFill>
-                      <a:prstDash val="solid"/>
-                      <a:round/>
-                      <a:headEnd type="none" w="med" len="med"/>
-                      <a:tailEnd type="none" w="med" len="med"/>
-                    </a:lnL>
-                    <a:lnR w="6350" cap="flat" cmpd="sng" algn="ctr">
-                      <a:solidFill>
-                        <a:srgbClr val="000000"/>
-                      </a:solidFill>
-                      <a:prstDash val="solid"/>
-                      <a:round/>
-                      <a:headEnd type="none" w="med" len="med"/>
-                      <a:tailEnd type="none" w="med" len="med"/>
-                    </a:lnR>
-                    <a:lnT w="6350" cap="flat" cmpd="sng" algn="ctr">
-                      <a:solidFill>
-                        <a:srgbClr val="000000"/>
-                      </a:solidFill>
-                      <a:prstDash val="solid"/>
-                      <a:round/>
-                      <a:headEnd type="none" w="med" len="med"/>
-                      <a:tailEnd type="none" w="med" len="med"/>
-                    </a:lnT>
-                    <a:lnB w="6350" cap="flat" cmpd="sng" algn="ctr">
-                      <a:solidFill>
-                        <a:srgbClr val="000000"/>
-                      </a:solidFill>
-                      <a:prstDash val="solid"/>
-                      <a:round/>
-                      <a:headEnd type="none" w="med" len="med"/>
-                      <a:tailEnd type="none" w="med" len="med"/>
-                    </a:lnB>
-                    <a:noFill/>
-                  </a:tcPr>
-                </a:tc>
-                <a:tc>
-                  <a:txBody>
-                    <a:bodyPr/>
-                    <a:lstStyle/>
-                    <a:p>
-                      <a:pPr algn="ctr" fontAlgn="ctr"/>
-                      <a:r>
-                        <a:rPr lang="en-IL" sz="1200" b="0" i="0" u="none" strike="noStrike">
-                          <a:solidFill>
-                            <a:srgbClr val="000000"/>
-                          </a:solidFill>
-                          <a:effectLst/>
-                          <a:latin typeface="Arial" panose="020B0604020202020204" pitchFamily="34" charset="0"/>
-                        </a:rPr>
-                        <a:t>64</a:t>
-                      </a:r>
-                    </a:p>
-                  </a:txBody>
-                  <a:tcPr marL="6350" marR="6350" marT="6350" marB="0" anchor="ctr">
-                    <a:lnL w="6350" cap="flat" cmpd="sng" algn="ctr">
-                      <a:solidFill>
-                        <a:srgbClr val="000000"/>
-                      </a:solidFill>
-                      <a:prstDash val="solid"/>
-                      <a:round/>
-                      <a:headEnd type="none" w="med" len="med"/>
-                      <a:tailEnd type="none" w="med" len="med"/>
-                    </a:lnL>
-                    <a:lnR w="6350" cap="flat" cmpd="sng" algn="ctr">
-                      <a:solidFill>
-                        <a:srgbClr val="000000"/>
-                      </a:solidFill>
-                      <a:prstDash val="solid"/>
-                      <a:round/>
-                      <a:headEnd type="none" w="med" len="med"/>
-                      <a:tailEnd type="none" w="med" len="med"/>
-                    </a:lnR>
-                    <a:lnT w="6350" cap="flat" cmpd="sng" algn="ctr">
-                      <a:solidFill>
-                        <a:srgbClr val="000000"/>
-                      </a:solidFill>
-                      <a:prstDash val="solid"/>
-                      <a:round/>
-                      <a:headEnd type="none" w="med" len="med"/>
-                      <a:tailEnd type="none" w="med" len="med"/>
-                    </a:lnT>
-                    <a:lnB w="6350" cap="flat" cmpd="sng" algn="ctr">
-                      <a:solidFill>
-                        <a:srgbClr val="000000"/>
-                      </a:solidFill>
-                      <a:prstDash val="solid"/>
-                      <a:round/>
-                      <a:headEnd type="none" w="med" len="med"/>
-                      <a:tailEnd type="none" w="med" len="med"/>
-                    </a:lnB>
-                    <a:noFill/>
-                  </a:tcPr>
-                </a:tc>
-                <a:tc>
-                  <a:txBody>
-                    <a:bodyPr/>
-                    <a:lstStyle/>
-                    <a:p>
-                      <a:pPr algn="ctr" fontAlgn="ctr"/>
-                      <a:r>
-                        <a:rPr lang="en-IL" sz="1200" b="0" i="0" u="none" strike="noStrike">
-                          <a:solidFill>
-                            <a:srgbClr val="000000"/>
-                          </a:solidFill>
-                          <a:effectLst/>
-                          <a:latin typeface="Arial" panose="020B0604020202020204" pitchFamily="34" charset="0"/>
-                        </a:rPr>
-                        <a:t>20</a:t>
-                      </a:r>
-                    </a:p>
-                  </a:txBody>
-                  <a:tcPr marL="6350" marR="6350" marT="6350" marB="0" anchor="ctr">
-                    <a:lnL w="6350" cap="flat" cmpd="sng" algn="ctr">
-                      <a:solidFill>
-                        <a:srgbClr val="000000"/>
-                      </a:solidFill>
-                      <a:prstDash val="solid"/>
-                      <a:round/>
-                      <a:headEnd type="none" w="med" len="med"/>
-                      <a:tailEnd type="none" w="med" len="med"/>
-                    </a:lnL>
-                    <a:lnR w="6350" cap="flat" cmpd="sng" algn="ctr">
-                      <a:solidFill>
-                        <a:srgbClr val="000000"/>
-                      </a:solidFill>
-                      <a:prstDash val="solid"/>
-                      <a:round/>
-                      <a:headEnd type="none" w="med" len="med"/>
-                      <a:tailEnd type="none" w="med" len="med"/>
-                    </a:lnR>
-                    <a:lnT w="6350" cap="flat" cmpd="sng" algn="ctr">
-                      <a:solidFill>
-                        <a:srgbClr val="000000"/>
-                      </a:solidFill>
-                      <a:prstDash val="solid"/>
-                      <a:round/>
-                      <a:headEnd type="none" w="med" len="med"/>
-                      <a:tailEnd type="none" w="med" len="med"/>
-                    </a:lnT>
-                    <a:lnB w="6350" cap="flat" cmpd="sng" algn="ctr">
-                      <a:solidFill>
-                        <a:srgbClr val="000000"/>
-                      </a:solidFill>
-                      <a:prstDash val="solid"/>
-                      <a:round/>
-                      <a:headEnd type="none" w="med" len="med"/>
-                      <a:tailEnd type="none" w="med" len="med"/>
-                    </a:lnB>
-                    <a:noFill/>
-                  </a:tcPr>
-                </a:tc>
-                <a:tc>
-                  <a:txBody>
-                    <a:bodyPr/>
-                    <a:lstStyle/>
-                    <a:p>
-                      <a:pPr algn="ctr" fontAlgn="ctr"/>
-                      <a:r>
-                        <a:rPr lang="en-IL" sz="1200" b="0" i="0" u="none" strike="noStrike">
-                          <a:solidFill>
-                            <a:srgbClr val="000000"/>
-                          </a:solidFill>
-                          <a:effectLst/>
-                          <a:latin typeface="Arial" panose="020B0604020202020204" pitchFamily="34" charset="0"/>
-                        </a:rPr>
-                        <a:t>0.001</a:t>
-                      </a:r>
-                    </a:p>
-                  </a:txBody>
-                  <a:tcPr marL="6350" marR="6350" marT="6350" marB="0" anchor="ctr">
-                    <a:lnL w="6350" cap="flat" cmpd="sng" algn="ctr">
-                      <a:solidFill>
-                        <a:srgbClr val="000000"/>
-                      </a:solidFill>
-                      <a:prstDash val="solid"/>
-                      <a:round/>
-                      <a:headEnd type="none" w="med" len="med"/>
-                      <a:tailEnd type="none" w="med" len="med"/>
-                    </a:lnL>
-                    <a:lnR w="6350" cap="flat" cmpd="sng" algn="ctr">
-                      <a:solidFill>
-                        <a:srgbClr val="000000"/>
-                      </a:solidFill>
-                      <a:prstDash val="solid"/>
-                      <a:round/>
-                      <a:headEnd type="none" w="med" len="med"/>
-                      <a:tailEnd type="none" w="med" len="med"/>
-                    </a:lnR>
-                    <a:lnT w="6350" cap="flat" cmpd="sng" algn="ctr">
-                      <a:solidFill>
-                        <a:srgbClr val="000000"/>
-                      </a:solidFill>
-                      <a:prstDash val="solid"/>
-                      <a:round/>
-                      <a:headEnd type="none" w="med" len="med"/>
-                      <a:tailEnd type="none" w="med" len="med"/>
-                    </a:lnT>
-                    <a:lnB w="6350" cap="flat" cmpd="sng" algn="ctr">
-                      <a:solidFill>
-                        <a:srgbClr val="000000"/>
-                      </a:solidFill>
-                      <a:prstDash val="solid"/>
-                      <a:round/>
-                      <a:headEnd type="none" w="med" len="med"/>
-                      <a:tailEnd type="none" w="med" len="med"/>
-                    </a:lnB>
-                    <a:noFill/>
-                  </a:tcPr>
-                </a:tc>
-                <a:tc>
-                  <a:txBody>
-                    <a:bodyPr/>
-                    <a:lstStyle/>
-                    <a:p>
-                      <a:pPr algn="ctr" fontAlgn="ctr"/>
-                      <a:r>
-                        <a:rPr lang="en-IL" sz="1200" b="0" i="0" u="none" strike="noStrike" dirty="0">
-                          <a:solidFill>
-                            <a:srgbClr val="000000"/>
-                          </a:solidFill>
-                          <a:effectLst/>
-                          <a:latin typeface="Arial" panose="020B0604020202020204" pitchFamily="34" charset="0"/>
-                        </a:rPr>
-                        <a:t>98.14</a:t>
-                      </a:r>
-                    </a:p>
-                  </a:txBody>
-                  <a:tcPr marL="6350" marR="6350" marT="6350" marB="0" anchor="ctr">
-                    <a:lnL w="6350" cap="flat" cmpd="sng" algn="ctr">
-                      <a:solidFill>
-                        <a:srgbClr val="000000"/>
-                      </a:solidFill>
-                      <a:prstDash val="solid"/>
-                      <a:round/>
-                      <a:headEnd type="none" w="med" len="med"/>
-                      <a:tailEnd type="none" w="med" len="med"/>
-                    </a:lnL>
-                    <a:lnR w="6350" cap="flat" cmpd="sng" algn="ctr">
-                      <a:solidFill>
-                        <a:srgbClr val="000000"/>
-                      </a:solidFill>
-                      <a:prstDash val="solid"/>
-                      <a:round/>
-                      <a:headEnd type="none" w="med" len="med"/>
-                      <a:tailEnd type="none" w="med" len="med"/>
-                    </a:lnR>
-                    <a:lnT w="6350" cap="flat" cmpd="sng" algn="ctr">
-                      <a:solidFill>
-                        <a:srgbClr val="000000"/>
-                      </a:solidFill>
-                      <a:prstDash val="solid"/>
-                      <a:round/>
-                      <a:headEnd type="none" w="med" len="med"/>
-                      <a:tailEnd type="none" w="med" len="med"/>
-                    </a:lnT>
-                    <a:lnB w="6350" cap="flat" cmpd="sng" algn="ctr">
-                      <a:solidFill>
-                        <a:srgbClr val="000000"/>
-                      </a:solidFill>
-                      <a:prstDash val="solid"/>
-                      <a:round/>
-                      <a:headEnd type="none" w="med" len="med"/>
-                      <a:tailEnd type="none" w="med" len="med"/>
-                    </a:lnB>
-                    <a:noFill/>
-                  </a:tcPr>
-                </a:tc>
-                <a:extLst>
-                  <a:ext uri="{0D108BD9-81ED-4DB2-BD59-A6C34878D82A}">
-                    <a16:rowId xmlns:a16="http://schemas.microsoft.com/office/drawing/2014/main" val="1842445261"/>
-                  </a:ext>
-                </a:extLst>
-              </a:tr>
-              <a:tr h="267644">
-                <a:tc>
-                  <a:txBody>
-                    <a:bodyPr/>
-                    <a:lstStyle/>
-                    <a:p>
-                      <a:pPr algn="ctr" fontAlgn="ctr"/>
-                      <a:r>
-                        <a:rPr lang="en-IL" sz="1200" b="0" i="0" u="none" strike="noStrike">
-                          <a:solidFill>
-                            <a:srgbClr val="000000"/>
-                          </a:solidFill>
-                          <a:effectLst/>
-                          <a:latin typeface="Arial" panose="020B0604020202020204" pitchFamily="34" charset="0"/>
-                        </a:rPr>
-                        <a:t>4</a:t>
-                      </a:r>
-                    </a:p>
-                  </a:txBody>
-                  <a:tcPr marL="6350" marR="6350" marT="6350" marB="0" anchor="ctr">
-                    <a:lnL w="6350" cap="flat" cmpd="sng" algn="ctr">
-                      <a:solidFill>
-                        <a:srgbClr val="000000"/>
-                      </a:solidFill>
-                      <a:prstDash val="solid"/>
-                      <a:round/>
-                      <a:headEnd type="none" w="med" len="med"/>
-                      <a:tailEnd type="none" w="med" len="med"/>
-                    </a:lnL>
-                    <a:lnR w="6350" cap="flat" cmpd="sng" algn="ctr">
-                      <a:solidFill>
-                        <a:srgbClr val="000000"/>
-                      </a:solidFill>
-                      <a:prstDash val="solid"/>
-                      <a:round/>
-                      <a:headEnd type="none" w="med" len="med"/>
-                      <a:tailEnd type="none" w="med" len="med"/>
-                    </a:lnR>
-                    <a:lnT w="6350" cap="flat" cmpd="sng" algn="ctr">
-                      <a:solidFill>
-                        <a:srgbClr val="000000"/>
-                      </a:solidFill>
-                      <a:prstDash val="solid"/>
-                      <a:round/>
-                      <a:headEnd type="none" w="med" len="med"/>
-                      <a:tailEnd type="none" w="med" len="med"/>
-                    </a:lnT>
-                    <a:lnB w="6350" cap="flat" cmpd="sng" algn="ctr">
-                      <a:solidFill>
-                        <a:srgbClr val="000000"/>
-                      </a:solidFill>
-                      <a:prstDash val="solid"/>
-                      <a:round/>
-                      <a:headEnd type="none" w="med" len="med"/>
-                      <a:tailEnd type="none" w="med" len="med"/>
-                    </a:lnB>
-                    <a:noFill/>
-                  </a:tcPr>
-                </a:tc>
-                <a:tc>
-                  <a:txBody>
-                    <a:bodyPr/>
-                    <a:lstStyle/>
-                    <a:p>
-                      <a:pPr algn="ctr" fontAlgn="ctr"/>
-                      <a:r>
-                        <a:rPr lang="en-IL" sz="1200" b="0" i="0" u="none" strike="noStrike">
-                          <a:solidFill>
-                            <a:srgbClr val="000000"/>
-                          </a:solidFill>
-                          <a:effectLst/>
-                          <a:latin typeface="Arial" panose="020B0604020202020204" pitchFamily="34" charset="0"/>
-                        </a:rPr>
-                        <a:t>32</a:t>
-                      </a:r>
-                    </a:p>
-                  </a:txBody>
-                  <a:tcPr marL="6350" marR="6350" marT="6350" marB="0" anchor="ctr">
-                    <a:lnL w="6350" cap="flat" cmpd="sng" algn="ctr">
-                      <a:solidFill>
-                        <a:srgbClr val="000000"/>
-                      </a:solidFill>
-                      <a:prstDash val="solid"/>
-                      <a:round/>
-                      <a:headEnd type="none" w="med" len="med"/>
-                      <a:tailEnd type="none" w="med" len="med"/>
-                    </a:lnL>
-                    <a:lnR w="6350" cap="flat" cmpd="sng" algn="ctr">
-                      <a:solidFill>
-                        <a:srgbClr val="000000"/>
-                      </a:solidFill>
-                      <a:prstDash val="solid"/>
-                      <a:round/>
-                      <a:headEnd type="none" w="med" len="med"/>
-                      <a:tailEnd type="none" w="med" len="med"/>
-                    </a:lnR>
-                    <a:lnT w="6350" cap="flat" cmpd="sng" algn="ctr">
-                      <a:solidFill>
-                        <a:srgbClr val="000000"/>
-                      </a:solidFill>
-                      <a:prstDash val="solid"/>
-                      <a:round/>
-                      <a:headEnd type="none" w="med" len="med"/>
-                      <a:tailEnd type="none" w="med" len="med"/>
-                    </a:lnT>
-                    <a:lnB w="6350" cap="flat" cmpd="sng" algn="ctr">
-                      <a:solidFill>
-                        <a:srgbClr val="000000"/>
-                      </a:solidFill>
-                      <a:prstDash val="solid"/>
-                      <a:round/>
-                      <a:headEnd type="none" w="med" len="med"/>
-                      <a:tailEnd type="none" w="med" len="med"/>
-                    </a:lnB>
-                    <a:noFill/>
-                  </a:tcPr>
-                </a:tc>
-                <a:tc>
-                  <a:txBody>
-                    <a:bodyPr/>
-                    <a:lstStyle/>
-                    <a:p>
-                      <a:pPr algn="ctr" fontAlgn="ctr"/>
-                      <a:r>
-                        <a:rPr lang="en-IL" sz="1200" b="0" i="0" u="none" strike="noStrike">
-                          <a:solidFill>
-                            <a:srgbClr val="000000"/>
-                          </a:solidFill>
-                          <a:effectLst/>
-                          <a:latin typeface="Arial" panose="020B0604020202020204" pitchFamily="34" charset="0"/>
-                        </a:rPr>
-                        <a:t>30</a:t>
-                      </a:r>
-                    </a:p>
-                  </a:txBody>
-                  <a:tcPr marL="6350" marR="6350" marT="6350" marB="0" anchor="ctr">
-                    <a:lnL w="6350" cap="flat" cmpd="sng" algn="ctr">
-                      <a:solidFill>
-                        <a:srgbClr val="000000"/>
-                      </a:solidFill>
-                      <a:prstDash val="solid"/>
-                      <a:round/>
-                      <a:headEnd type="none" w="med" len="med"/>
-                      <a:tailEnd type="none" w="med" len="med"/>
-                    </a:lnL>
-                    <a:lnR w="6350" cap="flat" cmpd="sng" algn="ctr">
-                      <a:solidFill>
-                        <a:srgbClr val="000000"/>
-                      </a:solidFill>
-                      <a:prstDash val="solid"/>
-                      <a:round/>
-                      <a:headEnd type="none" w="med" len="med"/>
-                      <a:tailEnd type="none" w="med" len="med"/>
-                    </a:lnR>
-                    <a:lnT w="6350" cap="flat" cmpd="sng" algn="ctr">
-                      <a:solidFill>
-                        <a:srgbClr val="000000"/>
-                      </a:solidFill>
-                      <a:prstDash val="solid"/>
-                      <a:round/>
-                      <a:headEnd type="none" w="med" len="med"/>
-                      <a:tailEnd type="none" w="med" len="med"/>
-                    </a:lnT>
-                    <a:lnB w="6350" cap="flat" cmpd="sng" algn="ctr">
-                      <a:solidFill>
-                        <a:srgbClr val="000000"/>
-                      </a:solidFill>
-                      <a:prstDash val="solid"/>
-                      <a:round/>
-                      <a:headEnd type="none" w="med" len="med"/>
-                      <a:tailEnd type="none" w="med" len="med"/>
-                    </a:lnB>
-                    <a:noFill/>
-                  </a:tcPr>
-                </a:tc>
-                <a:tc>
-                  <a:txBody>
-                    <a:bodyPr/>
-                    <a:lstStyle/>
-                    <a:p>
-                      <a:pPr algn="ctr" fontAlgn="ctr"/>
-                      <a:r>
-                        <a:rPr lang="en-IL" sz="1200" b="0" i="0" u="none" strike="noStrike">
-                          <a:solidFill>
-                            <a:srgbClr val="000000"/>
-                          </a:solidFill>
-                          <a:effectLst/>
-                          <a:latin typeface="Arial" panose="020B0604020202020204" pitchFamily="34" charset="0"/>
-                        </a:rPr>
-                        <a:t>0.001</a:t>
-                      </a:r>
-                    </a:p>
-                  </a:txBody>
-                  <a:tcPr marL="6350" marR="6350" marT="6350" marB="0" anchor="ctr">
-                    <a:lnL w="6350" cap="flat" cmpd="sng" algn="ctr">
-                      <a:solidFill>
-                        <a:srgbClr val="000000"/>
-                      </a:solidFill>
-                      <a:prstDash val="solid"/>
-                      <a:round/>
-                      <a:headEnd type="none" w="med" len="med"/>
-                      <a:tailEnd type="none" w="med" len="med"/>
-                    </a:lnL>
-                    <a:lnR w="6350" cap="flat" cmpd="sng" algn="ctr">
-                      <a:solidFill>
-                        <a:srgbClr val="000000"/>
-                      </a:solidFill>
-                      <a:prstDash val="solid"/>
-                      <a:round/>
-                      <a:headEnd type="none" w="med" len="med"/>
-                      <a:tailEnd type="none" w="med" len="med"/>
-                    </a:lnR>
-                    <a:lnT w="6350" cap="flat" cmpd="sng" algn="ctr">
-                      <a:solidFill>
-                        <a:srgbClr val="000000"/>
-                      </a:solidFill>
-                      <a:prstDash val="solid"/>
-                      <a:round/>
-                      <a:headEnd type="none" w="med" len="med"/>
-                      <a:tailEnd type="none" w="med" len="med"/>
-                    </a:lnT>
-                    <a:lnB w="6350" cap="flat" cmpd="sng" algn="ctr">
-                      <a:solidFill>
-                        <a:srgbClr val="000000"/>
-                      </a:solidFill>
-                      <a:prstDash val="solid"/>
-                      <a:round/>
-                      <a:headEnd type="none" w="med" len="med"/>
-                      <a:tailEnd type="none" w="med" len="med"/>
-                    </a:lnB>
-                    <a:noFill/>
-                  </a:tcPr>
-                </a:tc>
-                <a:tc>
-                  <a:txBody>
-                    <a:bodyPr/>
-                    <a:lstStyle/>
-                    <a:p>
-                      <a:pPr algn="ctr" fontAlgn="ctr"/>
-                      <a:r>
-                        <a:rPr lang="en-IL" sz="1200" b="0" i="0" u="none" strike="noStrike" dirty="0">
-                          <a:solidFill>
-                            <a:srgbClr val="000000"/>
-                          </a:solidFill>
-                          <a:effectLst/>
-                          <a:latin typeface="Arial" panose="020B0604020202020204" pitchFamily="34" charset="0"/>
-                        </a:rPr>
-                        <a:t>98.12</a:t>
-                      </a:r>
-                    </a:p>
-                  </a:txBody>
-                  <a:tcPr marL="6350" marR="6350" marT="6350" marB="0" anchor="ctr">
-                    <a:lnL w="6350" cap="flat" cmpd="sng" algn="ctr">
-                      <a:solidFill>
-                        <a:srgbClr val="000000"/>
-                      </a:solidFill>
-                      <a:prstDash val="solid"/>
-                      <a:round/>
-                      <a:headEnd type="none" w="med" len="med"/>
-                      <a:tailEnd type="none" w="med" len="med"/>
-                    </a:lnL>
-                    <a:lnR w="6350" cap="flat" cmpd="sng" algn="ctr">
-                      <a:solidFill>
-                        <a:srgbClr val="000000"/>
-                      </a:solidFill>
-                      <a:prstDash val="solid"/>
-                      <a:round/>
-                      <a:headEnd type="none" w="med" len="med"/>
-                      <a:tailEnd type="none" w="med" len="med"/>
-                    </a:lnR>
-                    <a:lnT w="6350" cap="flat" cmpd="sng" algn="ctr">
-                      <a:solidFill>
-                        <a:srgbClr val="000000"/>
-                      </a:solidFill>
-                      <a:prstDash val="solid"/>
-                      <a:round/>
-                      <a:headEnd type="none" w="med" len="med"/>
-                      <a:tailEnd type="none" w="med" len="med"/>
-                    </a:lnT>
-                    <a:lnB w="6350" cap="flat" cmpd="sng" algn="ctr">
-                      <a:solidFill>
-                        <a:srgbClr val="000000"/>
-                      </a:solidFill>
-                      <a:prstDash val="solid"/>
-                      <a:round/>
-                      <a:headEnd type="none" w="med" len="med"/>
-                      <a:tailEnd type="none" w="med" len="med"/>
-                    </a:lnB>
-                    <a:noFill/>
-                  </a:tcPr>
-                </a:tc>
-                <a:extLst>
-                  <a:ext uri="{0D108BD9-81ED-4DB2-BD59-A6C34878D82A}">
-                    <a16:rowId xmlns:a16="http://schemas.microsoft.com/office/drawing/2014/main" val="3038067713"/>
-                  </a:ext>
-                </a:extLst>
-              </a:tr>
-              <a:tr h="267644">
-                <a:tc>
-                  <a:txBody>
-                    <a:bodyPr/>
-                    <a:lstStyle/>
-                    <a:p>
-                      <a:pPr algn="ctr" fontAlgn="ctr"/>
-                      <a:r>
-                        <a:rPr lang="en-IL" sz="1200" b="0" i="0" u="none" strike="noStrike">
-                          <a:solidFill>
-                            <a:srgbClr val="000000"/>
-                          </a:solidFill>
-                          <a:effectLst/>
-                          <a:latin typeface="Arial" panose="020B0604020202020204" pitchFamily="34" charset="0"/>
-                        </a:rPr>
-                        <a:t>5</a:t>
-                      </a:r>
-                    </a:p>
-                  </a:txBody>
-                  <a:tcPr marL="6350" marR="6350" marT="6350" marB="0" anchor="ctr">
-                    <a:lnL w="6350" cap="flat" cmpd="sng" algn="ctr">
-                      <a:solidFill>
-                        <a:srgbClr val="000000"/>
-                      </a:solidFill>
-                      <a:prstDash val="solid"/>
-                      <a:round/>
-                      <a:headEnd type="none" w="med" len="med"/>
-                      <a:tailEnd type="none" w="med" len="med"/>
-                    </a:lnL>
-                    <a:lnR w="6350" cap="flat" cmpd="sng" algn="ctr">
-                      <a:solidFill>
-                        <a:srgbClr val="000000"/>
-                      </a:solidFill>
-                      <a:prstDash val="solid"/>
-                      <a:round/>
-                      <a:headEnd type="none" w="med" len="med"/>
-                      <a:tailEnd type="none" w="med" len="med"/>
-                    </a:lnR>
-                    <a:lnT w="6350" cap="flat" cmpd="sng" algn="ctr">
-                      <a:solidFill>
-                        <a:srgbClr val="000000"/>
-                      </a:solidFill>
-                      <a:prstDash val="solid"/>
-                      <a:round/>
-                      <a:headEnd type="none" w="med" len="med"/>
-                      <a:tailEnd type="none" w="med" len="med"/>
-                    </a:lnT>
-                    <a:lnB w="6350" cap="flat" cmpd="sng" algn="ctr">
-                      <a:solidFill>
-                        <a:srgbClr val="000000"/>
-                      </a:solidFill>
-                      <a:prstDash val="solid"/>
-                      <a:round/>
-                      <a:headEnd type="none" w="med" len="med"/>
-                      <a:tailEnd type="none" w="med" len="med"/>
-                    </a:lnB>
-                    <a:noFill/>
-                  </a:tcPr>
-                </a:tc>
-                <a:tc>
-                  <a:txBody>
-                    <a:bodyPr/>
-                    <a:lstStyle/>
-                    <a:p>
-                      <a:pPr algn="ctr" fontAlgn="ctr"/>
-                      <a:r>
-                        <a:rPr lang="en-IL" sz="1200" b="0" i="0" u="none" strike="noStrike">
-                          <a:solidFill>
-                            <a:srgbClr val="000000"/>
-                          </a:solidFill>
-                          <a:effectLst/>
-                          <a:latin typeface="Arial" panose="020B0604020202020204" pitchFamily="34" charset="0"/>
-                        </a:rPr>
-                        <a:t>32</a:t>
-                      </a:r>
-                    </a:p>
-                  </a:txBody>
-                  <a:tcPr marL="6350" marR="6350" marT="6350" marB="0" anchor="ctr">
-                    <a:lnL w="6350" cap="flat" cmpd="sng" algn="ctr">
-                      <a:solidFill>
-                        <a:srgbClr val="000000"/>
-                      </a:solidFill>
-                      <a:prstDash val="solid"/>
-                      <a:round/>
-                      <a:headEnd type="none" w="med" len="med"/>
-                      <a:tailEnd type="none" w="med" len="med"/>
-                    </a:lnL>
-                    <a:lnR w="6350" cap="flat" cmpd="sng" algn="ctr">
-                      <a:solidFill>
-                        <a:srgbClr val="000000"/>
-                      </a:solidFill>
-                      <a:prstDash val="solid"/>
-                      <a:round/>
-                      <a:headEnd type="none" w="med" len="med"/>
-                      <a:tailEnd type="none" w="med" len="med"/>
-                    </a:lnR>
-                    <a:lnT w="6350" cap="flat" cmpd="sng" algn="ctr">
-                      <a:solidFill>
-                        <a:srgbClr val="000000"/>
-                      </a:solidFill>
-                      <a:prstDash val="solid"/>
-                      <a:round/>
-                      <a:headEnd type="none" w="med" len="med"/>
-                      <a:tailEnd type="none" w="med" len="med"/>
-                    </a:lnT>
-                    <a:lnB w="6350" cap="flat" cmpd="sng" algn="ctr">
-                      <a:solidFill>
-                        <a:srgbClr val="000000"/>
-                      </a:solidFill>
-                      <a:prstDash val="solid"/>
-                      <a:round/>
-                      <a:headEnd type="none" w="med" len="med"/>
-                      <a:tailEnd type="none" w="med" len="med"/>
-                    </a:lnB>
-                    <a:noFill/>
-                  </a:tcPr>
-                </a:tc>
-                <a:tc>
-                  <a:txBody>
-                    <a:bodyPr/>
-                    <a:lstStyle/>
-                    <a:p>
-                      <a:pPr algn="ctr" fontAlgn="ctr"/>
-                      <a:r>
-                        <a:rPr lang="en-IL" sz="1200" b="0" i="0" u="none" strike="noStrike">
-                          <a:solidFill>
-                            <a:srgbClr val="000000"/>
-                          </a:solidFill>
-                          <a:effectLst/>
-                          <a:latin typeface="Arial" panose="020B0604020202020204" pitchFamily="34" charset="0"/>
-                        </a:rPr>
-                        <a:t>20</a:t>
-                      </a:r>
-                    </a:p>
-                  </a:txBody>
-                  <a:tcPr marL="6350" marR="6350" marT="6350" marB="0" anchor="ctr">
-                    <a:lnL w="6350" cap="flat" cmpd="sng" algn="ctr">
-                      <a:solidFill>
-                        <a:srgbClr val="000000"/>
-                      </a:solidFill>
-                      <a:prstDash val="solid"/>
-                      <a:round/>
-                      <a:headEnd type="none" w="med" len="med"/>
-                      <a:tailEnd type="none" w="med" len="med"/>
-                    </a:lnL>
-                    <a:lnR w="6350" cap="flat" cmpd="sng" algn="ctr">
-                      <a:solidFill>
-                        <a:srgbClr val="000000"/>
-                      </a:solidFill>
-                      <a:prstDash val="solid"/>
-                      <a:round/>
-                      <a:headEnd type="none" w="med" len="med"/>
-                      <a:tailEnd type="none" w="med" len="med"/>
-                    </a:lnR>
-                    <a:lnT w="6350" cap="flat" cmpd="sng" algn="ctr">
-                      <a:solidFill>
-                        <a:srgbClr val="000000"/>
-                      </a:solidFill>
-                      <a:prstDash val="solid"/>
-                      <a:round/>
-                      <a:headEnd type="none" w="med" len="med"/>
-                      <a:tailEnd type="none" w="med" len="med"/>
-                    </a:lnT>
-                    <a:lnB w="6350" cap="flat" cmpd="sng" algn="ctr">
-                      <a:solidFill>
-                        <a:srgbClr val="000000"/>
-                      </a:solidFill>
-                      <a:prstDash val="solid"/>
-                      <a:round/>
-                      <a:headEnd type="none" w="med" len="med"/>
-                      <a:tailEnd type="none" w="med" len="med"/>
-                    </a:lnB>
-                    <a:noFill/>
-                  </a:tcPr>
-                </a:tc>
-                <a:tc>
-                  <a:txBody>
-                    <a:bodyPr/>
-                    <a:lstStyle/>
-                    <a:p>
-                      <a:pPr algn="ctr" fontAlgn="ctr"/>
-                      <a:r>
-                        <a:rPr lang="en-IL" sz="1200" b="0" i="0" u="none" strike="noStrike">
-                          <a:solidFill>
-                            <a:srgbClr val="000000"/>
-                          </a:solidFill>
-                          <a:effectLst/>
-                          <a:latin typeface="Arial" panose="020B0604020202020204" pitchFamily="34" charset="0"/>
-                        </a:rPr>
-                        <a:t>0.001</a:t>
-                      </a:r>
-                    </a:p>
-                  </a:txBody>
-                  <a:tcPr marL="6350" marR="6350" marT="6350" marB="0" anchor="ctr">
-                    <a:lnL w="6350" cap="flat" cmpd="sng" algn="ctr">
-                      <a:solidFill>
-                        <a:srgbClr val="000000"/>
-                      </a:solidFill>
-                      <a:prstDash val="solid"/>
-                      <a:round/>
-                      <a:headEnd type="none" w="med" len="med"/>
-                      <a:tailEnd type="none" w="med" len="med"/>
-                    </a:lnL>
-                    <a:lnR w="6350" cap="flat" cmpd="sng" algn="ctr">
-                      <a:solidFill>
-                        <a:srgbClr val="000000"/>
-                      </a:solidFill>
-                      <a:prstDash val="solid"/>
-                      <a:round/>
-                      <a:headEnd type="none" w="med" len="med"/>
-                      <a:tailEnd type="none" w="med" len="med"/>
-                    </a:lnR>
-                    <a:lnT w="6350" cap="flat" cmpd="sng" algn="ctr">
-                      <a:solidFill>
-                        <a:srgbClr val="000000"/>
-                      </a:solidFill>
-                      <a:prstDash val="solid"/>
-                      <a:round/>
-                      <a:headEnd type="none" w="med" len="med"/>
-                      <a:tailEnd type="none" w="med" len="med"/>
-                    </a:lnT>
-                    <a:lnB w="6350" cap="flat" cmpd="sng" algn="ctr">
-                      <a:solidFill>
-                        <a:srgbClr val="000000"/>
-                      </a:solidFill>
-                      <a:prstDash val="solid"/>
-                      <a:round/>
-                      <a:headEnd type="none" w="med" len="med"/>
-                      <a:tailEnd type="none" w="med" len="med"/>
-                    </a:lnB>
-                    <a:noFill/>
-                  </a:tcPr>
-                </a:tc>
-                <a:tc>
-                  <a:txBody>
-                    <a:bodyPr/>
-                    <a:lstStyle/>
-                    <a:p>
-                      <a:pPr algn="ctr" fontAlgn="ctr"/>
-                      <a:r>
-                        <a:rPr lang="en-IL" sz="1200" b="0" i="0" u="none" strike="noStrike" dirty="0">
-                          <a:solidFill>
-                            <a:srgbClr val="000000"/>
-                          </a:solidFill>
-                          <a:effectLst/>
-                          <a:latin typeface="Arial" panose="020B0604020202020204" pitchFamily="34" charset="0"/>
-                        </a:rPr>
-                        <a:t>98.09</a:t>
-                      </a:r>
-                    </a:p>
-                  </a:txBody>
-                  <a:tcPr marL="6350" marR="6350" marT="6350" marB="0" anchor="ctr">
-                    <a:lnL w="6350" cap="flat" cmpd="sng" algn="ctr">
-                      <a:solidFill>
-                        <a:srgbClr val="000000"/>
-                      </a:solidFill>
-                      <a:prstDash val="solid"/>
-                      <a:round/>
-                      <a:headEnd type="none" w="med" len="med"/>
-                      <a:tailEnd type="none" w="med" len="med"/>
-                    </a:lnL>
-                    <a:lnR w="6350" cap="flat" cmpd="sng" algn="ctr">
-                      <a:solidFill>
-                        <a:srgbClr val="000000"/>
-                      </a:solidFill>
-                      <a:prstDash val="solid"/>
-                      <a:round/>
-                      <a:headEnd type="none" w="med" len="med"/>
-                      <a:tailEnd type="none" w="med" len="med"/>
-                    </a:lnR>
-                    <a:lnT w="6350" cap="flat" cmpd="sng" algn="ctr">
-                      <a:solidFill>
-                        <a:srgbClr val="000000"/>
-                      </a:solidFill>
-                      <a:prstDash val="solid"/>
-                      <a:round/>
-                      <a:headEnd type="none" w="med" len="med"/>
-                      <a:tailEnd type="none" w="med" len="med"/>
-                    </a:lnT>
-                    <a:lnB w="6350" cap="flat" cmpd="sng" algn="ctr">
-                      <a:solidFill>
-                        <a:srgbClr val="000000"/>
-                      </a:solidFill>
-                      <a:prstDash val="solid"/>
-                      <a:round/>
-                      <a:headEnd type="none" w="med" len="med"/>
-                      <a:tailEnd type="none" w="med" len="med"/>
-                    </a:lnB>
-                    <a:noFill/>
-                  </a:tcPr>
-                </a:tc>
-                <a:extLst>
-                  <a:ext uri="{0D108BD9-81ED-4DB2-BD59-A6C34878D82A}">
-                    <a16:rowId xmlns:a16="http://schemas.microsoft.com/office/drawing/2014/main" val="4222854524"/>
-                  </a:ext>
-                </a:extLst>
-              </a:tr>
-              <a:tr h="267644">
-                <a:tc>
-                  <a:txBody>
-                    <a:bodyPr/>
-                    <a:lstStyle/>
-                    <a:p>
-                      <a:pPr algn="ctr" fontAlgn="ctr"/>
-                      <a:r>
-                        <a:rPr lang="en-IL" sz="1200" b="0" i="0" u="none" strike="noStrike">
-                          <a:solidFill>
-                            <a:srgbClr val="000000"/>
-                          </a:solidFill>
-                          <a:effectLst/>
-                          <a:latin typeface="Arial" panose="020B0604020202020204" pitchFamily="34" charset="0"/>
-                        </a:rPr>
-                        <a:t>6</a:t>
-                      </a:r>
-                    </a:p>
-                  </a:txBody>
-                  <a:tcPr marL="6350" marR="6350" marT="6350" marB="0" anchor="ctr">
-                    <a:lnL w="6350" cap="flat" cmpd="sng" algn="ctr">
-                      <a:solidFill>
-                        <a:srgbClr val="000000"/>
-                      </a:solidFill>
-                      <a:prstDash val="solid"/>
-                      <a:round/>
-                      <a:headEnd type="none" w="med" len="med"/>
-                      <a:tailEnd type="none" w="med" len="med"/>
-                    </a:lnL>
-                    <a:lnR w="6350" cap="flat" cmpd="sng" algn="ctr">
-                      <a:solidFill>
-                        <a:srgbClr val="000000"/>
-                      </a:solidFill>
-                      <a:prstDash val="solid"/>
-                      <a:round/>
-                      <a:headEnd type="none" w="med" len="med"/>
-                      <a:tailEnd type="none" w="med" len="med"/>
-                    </a:lnR>
-                    <a:lnT w="6350" cap="flat" cmpd="sng" algn="ctr">
-                      <a:solidFill>
-                        <a:srgbClr val="000000"/>
-                      </a:solidFill>
-                      <a:prstDash val="solid"/>
-                      <a:round/>
-                      <a:headEnd type="none" w="med" len="med"/>
-                      <a:tailEnd type="none" w="med" len="med"/>
-                    </a:lnT>
-                    <a:lnB w="6350" cap="flat" cmpd="sng" algn="ctr">
-                      <a:solidFill>
-                        <a:srgbClr val="000000"/>
-                      </a:solidFill>
-                      <a:prstDash val="solid"/>
-                      <a:round/>
-                      <a:headEnd type="none" w="med" len="med"/>
-                      <a:tailEnd type="none" w="med" len="med"/>
-                    </a:lnB>
-                    <a:noFill/>
-                  </a:tcPr>
-                </a:tc>
-                <a:tc>
-                  <a:txBody>
-                    <a:bodyPr/>
-                    <a:lstStyle/>
-                    <a:p>
-                      <a:pPr algn="ctr" fontAlgn="ctr"/>
-                      <a:r>
-                        <a:rPr lang="en-IL" sz="1200" b="0" i="0" u="none" strike="noStrike">
-                          <a:solidFill>
-                            <a:srgbClr val="000000"/>
-                          </a:solidFill>
-                          <a:effectLst/>
-                          <a:latin typeface="Arial" panose="020B0604020202020204" pitchFamily="34" charset="0"/>
-                        </a:rPr>
-                        <a:t>16</a:t>
-                      </a:r>
-                    </a:p>
-                  </a:txBody>
-                  <a:tcPr marL="6350" marR="6350" marT="6350" marB="0" anchor="ctr">
-                    <a:lnL w="6350" cap="flat" cmpd="sng" algn="ctr">
-                      <a:solidFill>
-                        <a:srgbClr val="000000"/>
-                      </a:solidFill>
-                      <a:prstDash val="solid"/>
-                      <a:round/>
-                      <a:headEnd type="none" w="med" len="med"/>
-                      <a:tailEnd type="none" w="med" len="med"/>
-                    </a:lnL>
-                    <a:lnR w="6350" cap="flat" cmpd="sng" algn="ctr">
-                      <a:solidFill>
-                        <a:srgbClr val="000000"/>
-                      </a:solidFill>
-                      <a:prstDash val="solid"/>
-                      <a:round/>
-                      <a:headEnd type="none" w="med" len="med"/>
-                      <a:tailEnd type="none" w="med" len="med"/>
-                    </a:lnR>
-                    <a:lnT w="6350" cap="flat" cmpd="sng" algn="ctr">
-                      <a:solidFill>
-                        <a:srgbClr val="000000"/>
-                      </a:solidFill>
-                      <a:prstDash val="solid"/>
-                      <a:round/>
-                      <a:headEnd type="none" w="med" len="med"/>
-                      <a:tailEnd type="none" w="med" len="med"/>
-                    </a:lnT>
-                    <a:lnB w="6350" cap="flat" cmpd="sng" algn="ctr">
-                      <a:solidFill>
-                        <a:srgbClr val="000000"/>
-                      </a:solidFill>
-                      <a:prstDash val="solid"/>
-                      <a:round/>
-                      <a:headEnd type="none" w="med" len="med"/>
-                      <a:tailEnd type="none" w="med" len="med"/>
-                    </a:lnB>
-                    <a:noFill/>
-                  </a:tcPr>
-                </a:tc>
-                <a:tc>
-                  <a:txBody>
-                    <a:bodyPr/>
-                    <a:lstStyle/>
-                    <a:p>
-                      <a:pPr algn="ctr" fontAlgn="ctr"/>
-                      <a:r>
-                        <a:rPr lang="en-IL" sz="1200" b="0" i="0" u="none" strike="noStrike">
-                          <a:solidFill>
-                            <a:srgbClr val="000000"/>
-                          </a:solidFill>
-                          <a:effectLst/>
-                          <a:latin typeface="Arial" panose="020B0604020202020204" pitchFamily="34" charset="0"/>
-                        </a:rPr>
-                        <a:t>30</a:t>
-                      </a:r>
-                    </a:p>
-                  </a:txBody>
-                  <a:tcPr marL="6350" marR="6350" marT="6350" marB="0" anchor="ctr">
-                    <a:lnL w="6350" cap="flat" cmpd="sng" algn="ctr">
-                      <a:solidFill>
-                        <a:srgbClr val="000000"/>
-                      </a:solidFill>
-                      <a:prstDash val="solid"/>
-                      <a:round/>
-                      <a:headEnd type="none" w="med" len="med"/>
-                      <a:tailEnd type="none" w="med" len="med"/>
-                    </a:lnL>
-                    <a:lnR w="6350" cap="flat" cmpd="sng" algn="ctr">
-                      <a:solidFill>
-                        <a:srgbClr val="000000"/>
-                      </a:solidFill>
-                      <a:prstDash val="solid"/>
-                      <a:round/>
-                      <a:headEnd type="none" w="med" len="med"/>
-                      <a:tailEnd type="none" w="med" len="med"/>
-                    </a:lnR>
-                    <a:lnT w="6350" cap="flat" cmpd="sng" algn="ctr">
-                      <a:solidFill>
-                        <a:srgbClr val="000000"/>
-                      </a:solidFill>
-                      <a:prstDash val="solid"/>
-                      <a:round/>
-                      <a:headEnd type="none" w="med" len="med"/>
-                      <a:tailEnd type="none" w="med" len="med"/>
-                    </a:lnT>
-                    <a:lnB w="6350" cap="flat" cmpd="sng" algn="ctr">
-                      <a:solidFill>
-                        <a:srgbClr val="000000"/>
-                      </a:solidFill>
-                      <a:prstDash val="solid"/>
-                      <a:round/>
-                      <a:headEnd type="none" w="med" len="med"/>
-                      <a:tailEnd type="none" w="med" len="med"/>
-                    </a:lnB>
-                    <a:noFill/>
-                  </a:tcPr>
-                </a:tc>
-                <a:tc>
-                  <a:txBody>
-                    <a:bodyPr/>
-                    <a:lstStyle/>
-                    <a:p>
-                      <a:pPr algn="ctr" fontAlgn="ctr"/>
-                      <a:r>
-                        <a:rPr lang="en-IL" sz="1200" b="0" i="0" u="none" strike="noStrike">
-                          <a:solidFill>
-                            <a:srgbClr val="000000"/>
-                          </a:solidFill>
-                          <a:effectLst/>
-                          <a:latin typeface="Arial" panose="020B0604020202020204" pitchFamily="34" charset="0"/>
-                        </a:rPr>
-                        <a:t>0.0001</a:t>
-                      </a:r>
-                    </a:p>
-                  </a:txBody>
-                  <a:tcPr marL="6350" marR="6350" marT="6350" marB="0" anchor="ctr">
-                    <a:lnL w="6350" cap="flat" cmpd="sng" algn="ctr">
-                      <a:solidFill>
-                        <a:srgbClr val="000000"/>
-                      </a:solidFill>
-                      <a:prstDash val="solid"/>
-                      <a:round/>
-                      <a:headEnd type="none" w="med" len="med"/>
-                      <a:tailEnd type="none" w="med" len="med"/>
-                    </a:lnL>
-                    <a:lnR w="6350" cap="flat" cmpd="sng" algn="ctr">
-                      <a:solidFill>
-                        <a:srgbClr val="000000"/>
-                      </a:solidFill>
-                      <a:prstDash val="solid"/>
-                      <a:round/>
-                      <a:headEnd type="none" w="med" len="med"/>
-                      <a:tailEnd type="none" w="med" len="med"/>
-                    </a:lnR>
-                    <a:lnT w="6350" cap="flat" cmpd="sng" algn="ctr">
-                      <a:solidFill>
-                        <a:srgbClr val="000000"/>
-                      </a:solidFill>
-                      <a:prstDash val="solid"/>
-                      <a:round/>
-                      <a:headEnd type="none" w="med" len="med"/>
-                      <a:tailEnd type="none" w="med" len="med"/>
-                    </a:lnT>
-                    <a:lnB w="6350" cap="flat" cmpd="sng" algn="ctr">
-                      <a:solidFill>
-                        <a:srgbClr val="000000"/>
-                      </a:solidFill>
-                      <a:prstDash val="solid"/>
-                      <a:round/>
-                      <a:headEnd type="none" w="med" len="med"/>
-                      <a:tailEnd type="none" w="med" len="med"/>
-                    </a:lnB>
-                    <a:noFill/>
-                  </a:tcPr>
-                </a:tc>
-                <a:tc>
-                  <a:txBody>
-                    <a:bodyPr/>
-                    <a:lstStyle/>
-                    <a:p>
-                      <a:pPr algn="ctr" fontAlgn="ctr"/>
-                      <a:r>
-                        <a:rPr lang="en-IL" sz="1200" b="0" i="0" u="none" strike="noStrike">
-                          <a:solidFill>
-                            <a:srgbClr val="000000"/>
-                          </a:solidFill>
-                          <a:effectLst/>
-                          <a:latin typeface="Arial" panose="020B0604020202020204" pitchFamily="34" charset="0"/>
-                        </a:rPr>
-                        <a:t>98.04</a:t>
-                      </a:r>
-                    </a:p>
-                  </a:txBody>
-                  <a:tcPr marL="6350" marR="6350" marT="6350" marB="0" anchor="ctr">
-                    <a:lnL w="6350" cap="flat" cmpd="sng" algn="ctr">
-                      <a:solidFill>
-                        <a:srgbClr val="000000"/>
-                      </a:solidFill>
-                      <a:prstDash val="solid"/>
-                      <a:round/>
-                      <a:headEnd type="none" w="med" len="med"/>
-                      <a:tailEnd type="none" w="med" len="med"/>
-                    </a:lnL>
-                    <a:lnR w="6350" cap="flat" cmpd="sng" algn="ctr">
-                      <a:solidFill>
-                        <a:srgbClr val="000000"/>
-                      </a:solidFill>
-                      <a:prstDash val="solid"/>
-                      <a:round/>
-                      <a:headEnd type="none" w="med" len="med"/>
-                      <a:tailEnd type="none" w="med" len="med"/>
-                    </a:lnR>
-                    <a:lnT w="6350" cap="flat" cmpd="sng" algn="ctr">
-                      <a:solidFill>
-                        <a:srgbClr val="000000"/>
-                      </a:solidFill>
-                      <a:prstDash val="solid"/>
-                      <a:round/>
-                      <a:headEnd type="none" w="med" len="med"/>
-                      <a:tailEnd type="none" w="med" len="med"/>
-                    </a:lnT>
-                    <a:lnB w="6350" cap="flat" cmpd="sng" algn="ctr">
-                      <a:solidFill>
-                        <a:srgbClr val="000000"/>
-                      </a:solidFill>
-                      <a:prstDash val="solid"/>
-                      <a:round/>
-                      <a:headEnd type="none" w="med" len="med"/>
-                      <a:tailEnd type="none" w="med" len="med"/>
-                    </a:lnB>
-                    <a:noFill/>
-                  </a:tcPr>
-                </a:tc>
-                <a:extLst>
-                  <a:ext uri="{0D108BD9-81ED-4DB2-BD59-A6C34878D82A}">
-                    <a16:rowId xmlns:a16="http://schemas.microsoft.com/office/drawing/2014/main" val="27126197"/>
-                  </a:ext>
-                </a:extLst>
-              </a:tr>
-              <a:tr h="267644">
-                <a:tc>
-                  <a:txBody>
-                    <a:bodyPr/>
-                    <a:lstStyle/>
-                    <a:p>
-                      <a:pPr algn="ctr" fontAlgn="ctr"/>
-                      <a:r>
-                        <a:rPr lang="en-IL" sz="1200" b="0" i="0" u="none" strike="noStrike">
-                          <a:solidFill>
-                            <a:srgbClr val="000000"/>
-                          </a:solidFill>
-                          <a:effectLst/>
-                          <a:latin typeface="Arial" panose="020B0604020202020204" pitchFamily="34" charset="0"/>
-                        </a:rPr>
-                        <a:t>7</a:t>
-                      </a:r>
-                    </a:p>
-                  </a:txBody>
-                  <a:tcPr marL="6350" marR="6350" marT="6350" marB="0" anchor="ctr">
-                    <a:lnL w="6350" cap="flat" cmpd="sng" algn="ctr">
-                      <a:solidFill>
-                        <a:srgbClr val="000000"/>
-                      </a:solidFill>
-                      <a:prstDash val="solid"/>
-                      <a:round/>
-                      <a:headEnd type="none" w="med" len="med"/>
-                      <a:tailEnd type="none" w="med" len="med"/>
-                    </a:lnL>
-                    <a:lnR w="6350" cap="flat" cmpd="sng" algn="ctr">
-                      <a:solidFill>
-                        <a:srgbClr val="000000"/>
-                      </a:solidFill>
-                      <a:prstDash val="solid"/>
-                      <a:round/>
-                      <a:headEnd type="none" w="med" len="med"/>
-                      <a:tailEnd type="none" w="med" len="med"/>
-                    </a:lnR>
-                    <a:lnT w="6350" cap="flat" cmpd="sng" algn="ctr">
-                      <a:solidFill>
-                        <a:srgbClr val="000000"/>
-                      </a:solidFill>
-                      <a:prstDash val="solid"/>
-                      <a:round/>
-                      <a:headEnd type="none" w="med" len="med"/>
-                      <a:tailEnd type="none" w="med" len="med"/>
-                    </a:lnT>
-                    <a:lnB w="6350" cap="flat" cmpd="sng" algn="ctr">
-                      <a:solidFill>
-                        <a:srgbClr val="000000"/>
-                      </a:solidFill>
-                      <a:prstDash val="solid"/>
-                      <a:round/>
-                      <a:headEnd type="none" w="med" len="med"/>
-                      <a:tailEnd type="none" w="med" len="med"/>
-                    </a:lnB>
-                    <a:noFill/>
-                  </a:tcPr>
-                </a:tc>
-                <a:tc>
-                  <a:txBody>
-                    <a:bodyPr/>
-                    <a:lstStyle/>
-                    <a:p>
-                      <a:pPr algn="ctr" fontAlgn="ctr"/>
-                      <a:r>
-                        <a:rPr lang="en-IL" sz="1200" b="0" i="0" u="none" strike="noStrike">
-                          <a:solidFill>
-                            <a:srgbClr val="000000"/>
-                          </a:solidFill>
-                          <a:effectLst/>
-                          <a:latin typeface="Arial" panose="020B0604020202020204" pitchFamily="34" charset="0"/>
-                        </a:rPr>
-                        <a:t>16</a:t>
-                      </a:r>
-                    </a:p>
-                  </a:txBody>
-                  <a:tcPr marL="6350" marR="6350" marT="6350" marB="0" anchor="ctr">
-                    <a:lnL w="6350" cap="flat" cmpd="sng" algn="ctr">
-                      <a:solidFill>
-                        <a:srgbClr val="000000"/>
-                      </a:solidFill>
-                      <a:prstDash val="solid"/>
-                      <a:round/>
-                      <a:headEnd type="none" w="med" len="med"/>
-                      <a:tailEnd type="none" w="med" len="med"/>
-                    </a:lnL>
-                    <a:lnR w="6350" cap="flat" cmpd="sng" algn="ctr">
-                      <a:solidFill>
-                        <a:srgbClr val="000000"/>
-                      </a:solidFill>
-                      <a:prstDash val="solid"/>
-                      <a:round/>
-                      <a:headEnd type="none" w="med" len="med"/>
-                      <a:tailEnd type="none" w="med" len="med"/>
-                    </a:lnR>
-                    <a:lnT w="6350" cap="flat" cmpd="sng" algn="ctr">
-                      <a:solidFill>
-                        <a:srgbClr val="000000"/>
-                      </a:solidFill>
-                      <a:prstDash val="solid"/>
-                      <a:round/>
-                      <a:headEnd type="none" w="med" len="med"/>
-                      <a:tailEnd type="none" w="med" len="med"/>
-                    </a:lnT>
-                    <a:lnB w="6350" cap="flat" cmpd="sng" algn="ctr">
-                      <a:solidFill>
-                        <a:srgbClr val="000000"/>
-                      </a:solidFill>
-                      <a:prstDash val="solid"/>
-                      <a:round/>
-                      <a:headEnd type="none" w="med" len="med"/>
-                      <a:tailEnd type="none" w="med" len="med"/>
-                    </a:lnB>
-                    <a:noFill/>
-                  </a:tcPr>
-                </a:tc>
-                <a:tc>
-                  <a:txBody>
-                    <a:bodyPr/>
-                    <a:lstStyle/>
-                    <a:p>
-                      <a:pPr algn="ctr" fontAlgn="ctr"/>
-                      <a:r>
-                        <a:rPr lang="en-IL" sz="1200" b="0" i="0" u="none" strike="noStrike">
-                          <a:solidFill>
-                            <a:srgbClr val="000000"/>
-                          </a:solidFill>
-                          <a:effectLst/>
-                          <a:latin typeface="Arial" panose="020B0604020202020204" pitchFamily="34" charset="0"/>
-                        </a:rPr>
-                        <a:t>30</a:t>
-                      </a:r>
-                    </a:p>
-                  </a:txBody>
-                  <a:tcPr marL="6350" marR="6350" marT="6350" marB="0" anchor="ctr">
-                    <a:lnL w="6350" cap="flat" cmpd="sng" algn="ctr">
-                      <a:solidFill>
-                        <a:srgbClr val="000000"/>
-                      </a:solidFill>
-                      <a:prstDash val="solid"/>
-                      <a:round/>
-                      <a:headEnd type="none" w="med" len="med"/>
-                      <a:tailEnd type="none" w="med" len="med"/>
-                    </a:lnL>
-                    <a:lnR w="6350" cap="flat" cmpd="sng" algn="ctr">
-                      <a:solidFill>
-                        <a:srgbClr val="000000"/>
-                      </a:solidFill>
-                      <a:prstDash val="solid"/>
-                      <a:round/>
-                      <a:headEnd type="none" w="med" len="med"/>
-                      <a:tailEnd type="none" w="med" len="med"/>
-                    </a:lnR>
-                    <a:lnT w="6350" cap="flat" cmpd="sng" algn="ctr">
-                      <a:solidFill>
-                        <a:srgbClr val="000000"/>
-                      </a:solidFill>
-                      <a:prstDash val="solid"/>
-                      <a:round/>
-                      <a:headEnd type="none" w="med" len="med"/>
-                      <a:tailEnd type="none" w="med" len="med"/>
-                    </a:lnT>
-                    <a:lnB w="6350" cap="flat" cmpd="sng" algn="ctr">
-                      <a:solidFill>
-                        <a:srgbClr val="000000"/>
-                      </a:solidFill>
-                      <a:prstDash val="solid"/>
-                      <a:round/>
-                      <a:headEnd type="none" w="med" len="med"/>
-                      <a:tailEnd type="none" w="med" len="med"/>
-                    </a:lnB>
-                    <a:noFill/>
-                  </a:tcPr>
-                </a:tc>
-                <a:tc>
-                  <a:txBody>
-                    <a:bodyPr/>
-                    <a:lstStyle/>
-                    <a:p>
-                      <a:pPr algn="ctr" fontAlgn="ctr"/>
-                      <a:r>
-                        <a:rPr lang="en-IL" sz="1200" b="0" i="0" u="none" strike="noStrike">
-                          <a:solidFill>
-                            <a:srgbClr val="000000"/>
-                          </a:solidFill>
-                          <a:effectLst/>
-                          <a:latin typeface="Arial" panose="020B0604020202020204" pitchFamily="34" charset="0"/>
-                        </a:rPr>
-                        <a:t>0.001</a:t>
-                      </a:r>
-                    </a:p>
-                  </a:txBody>
-                  <a:tcPr marL="6350" marR="6350" marT="6350" marB="0" anchor="ctr">
-                    <a:lnL w="6350" cap="flat" cmpd="sng" algn="ctr">
-                      <a:solidFill>
-                        <a:srgbClr val="000000"/>
-                      </a:solidFill>
-                      <a:prstDash val="solid"/>
-                      <a:round/>
-                      <a:headEnd type="none" w="med" len="med"/>
-                      <a:tailEnd type="none" w="med" len="med"/>
-                    </a:lnL>
-                    <a:lnR w="6350" cap="flat" cmpd="sng" algn="ctr">
-                      <a:solidFill>
-                        <a:srgbClr val="000000"/>
-                      </a:solidFill>
-                      <a:prstDash val="solid"/>
-                      <a:round/>
-                      <a:headEnd type="none" w="med" len="med"/>
-                      <a:tailEnd type="none" w="med" len="med"/>
-                    </a:lnR>
-                    <a:lnT w="6350" cap="flat" cmpd="sng" algn="ctr">
-                      <a:solidFill>
-                        <a:srgbClr val="000000"/>
-                      </a:solidFill>
-                      <a:prstDash val="solid"/>
-                      <a:round/>
-                      <a:headEnd type="none" w="med" len="med"/>
-                      <a:tailEnd type="none" w="med" len="med"/>
-                    </a:lnT>
-                    <a:lnB w="6350" cap="flat" cmpd="sng" algn="ctr">
-                      <a:solidFill>
-                        <a:srgbClr val="000000"/>
-                      </a:solidFill>
-                      <a:prstDash val="solid"/>
-                      <a:round/>
-                      <a:headEnd type="none" w="med" len="med"/>
-                      <a:tailEnd type="none" w="med" len="med"/>
-                    </a:lnB>
-                    <a:noFill/>
-                  </a:tcPr>
-                </a:tc>
-                <a:tc>
-                  <a:txBody>
-                    <a:bodyPr/>
-                    <a:lstStyle/>
-                    <a:p>
-                      <a:pPr algn="ctr" fontAlgn="ctr"/>
-                      <a:r>
-                        <a:rPr lang="en-IL" sz="1200" b="0" i="0" u="none" strike="noStrike">
-                          <a:solidFill>
-                            <a:srgbClr val="000000"/>
-                          </a:solidFill>
-                          <a:effectLst/>
-                          <a:latin typeface="Arial" panose="020B0604020202020204" pitchFamily="34" charset="0"/>
-                        </a:rPr>
-                        <a:t>98.02</a:t>
-                      </a:r>
-                    </a:p>
-                  </a:txBody>
-                  <a:tcPr marL="6350" marR="6350" marT="6350" marB="0" anchor="ctr">
-                    <a:lnL w="6350" cap="flat" cmpd="sng" algn="ctr">
-                      <a:solidFill>
-                        <a:srgbClr val="000000"/>
-                      </a:solidFill>
-                      <a:prstDash val="solid"/>
-                      <a:round/>
-                      <a:headEnd type="none" w="med" len="med"/>
-                      <a:tailEnd type="none" w="med" len="med"/>
-                    </a:lnL>
-                    <a:lnR w="6350" cap="flat" cmpd="sng" algn="ctr">
-                      <a:solidFill>
-                        <a:srgbClr val="000000"/>
-                      </a:solidFill>
-                      <a:prstDash val="solid"/>
-                      <a:round/>
-                      <a:headEnd type="none" w="med" len="med"/>
-                      <a:tailEnd type="none" w="med" len="med"/>
-                    </a:lnR>
-                    <a:lnT w="6350" cap="flat" cmpd="sng" algn="ctr">
-                      <a:solidFill>
-                        <a:srgbClr val="000000"/>
-                      </a:solidFill>
-                      <a:prstDash val="solid"/>
-                      <a:round/>
-                      <a:headEnd type="none" w="med" len="med"/>
-                      <a:tailEnd type="none" w="med" len="med"/>
-                    </a:lnT>
-                    <a:lnB w="6350" cap="flat" cmpd="sng" algn="ctr">
-                      <a:solidFill>
-                        <a:srgbClr val="000000"/>
-                      </a:solidFill>
-                      <a:prstDash val="solid"/>
-                      <a:round/>
-                      <a:headEnd type="none" w="med" len="med"/>
-                      <a:tailEnd type="none" w="med" len="med"/>
-                    </a:lnB>
-                    <a:noFill/>
-                  </a:tcPr>
-                </a:tc>
-                <a:extLst>
-                  <a:ext uri="{0D108BD9-81ED-4DB2-BD59-A6C34878D82A}">
-                    <a16:rowId xmlns:a16="http://schemas.microsoft.com/office/drawing/2014/main" val="4170110384"/>
-                  </a:ext>
-                </a:extLst>
-              </a:tr>
-              <a:tr h="267644">
-                <a:tc>
-                  <a:txBody>
-                    <a:bodyPr/>
-                    <a:lstStyle/>
-                    <a:p>
-                      <a:pPr algn="ctr" fontAlgn="ctr"/>
-                      <a:r>
-                        <a:rPr lang="en-IL" sz="1200" b="0" i="0" u="none" strike="noStrike">
-                          <a:solidFill>
-                            <a:srgbClr val="000000"/>
-                          </a:solidFill>
-                          <a:effectLst/>
-                          <a:latin typeface="Arial" panose="020B0604020202020204" pitchFamily="34" charset="0"/>
-                        </a:rPr>
-                        <a:t>8</a:t>
-                      </a:r>
-                    </a:p>
-                  </a:txBody>
-                  <a:tcPr marL="6350" marR="6350" marT="6350" marB="0" anchor="ctr">
-                    <a:lnL w="6350" cap="flat" cmpd="sng" algn="ctr">
-                      <a:solidFill>
-                        <a:srgbClr val="000000"/>
-                      </a:solidFill>
-                      <a:prstDash val="solid"/>
-                      <a:round/>
-                      <a:headEnd type="none" w="med" len="med"/>
-                      <a:tailEnd type="none" w="med" len="med"/>
-                    </a:lnL>
-                    <a:lnR w="6350" cap="flat" cmpd="sng" algn="ctr">
-                      <a:solidFill>
-                        <a:srgbClr val="000000"/>
-                      </a:solidFill>
-                      <a:prstDash val="solid"/>
-                      <a:round/>
-                      <a:headEnd type="none" w="med" len="med"/>
-                      <a:tailEnd type="none" w="med" len="med"/>
-                    </a:lnR>
-                    <a:lnT w="6350" cap="flat" cmpd="sng" algn="ctr">
-                      <a:solidFill>
-                        <a:srgbClr val="000000"/>
-                      </a:solidFill>
-                      <a:prstDash val="solid"/>
-                      <a:round/>
-                      <a:headEnd type="none" w="med" len="med"/>
-                      <a:tailEnd type="none" w="med" len="med"/>
-                    </a:lnT>
-                    <a:lnB w="6350" cap="flat" cmpd="sng" algn="ctr">
-                      <a:solidFill>
-                        <a:srgbClr val="000000"/>
-                      </a:solidFill>
-                      <a:prstDash val="solid"/>
-                      <a:round/>
-                      <a:headEnd type="none" w="med" len="med"/>
-                      <a:tailEnd type="none" w="med" len="med"/>
-                    </a:lnB>
-                    <a:noFill/>
-                  </a:tcPr>
-                </a:tc>
-                <a:tc>
-                  <a:txBody>
-                    <a:bodyPr/>
-                    <a:lstStyle/>
-                    <a:p>
-                      <a:pPr algn="ctr" fontAlgn="ctr"/>
-                      <a:r>
-                        <a:rPr lang="en-IL" sz="1200" b="0" i="0" u="none" strike="noStrike">
-                          <a:solidFill>
-                            <a:srgbClr val="000000"/>
-                          </a:solidFill>
-                          <a:effectLst/>
-                          <a:latin typeface="Arial" panose="020B0604020202020204" pitchFamily="34" charset="0"/>
-                        </a:rPr>
-                        <a:t>16</a:t>
-                      </a:r>
-                    </a:p>
-                  </a:txBody>
-                  <a:tcPr marL="6350" marR="6350" marT="6350" marB="0" anchor="ctr">
-                    <a:lnL w="6350" cap="flat" cmpd="sng" algn="ctr">
-                      <a:solidFill>
-                        <a:srgbClr val="000000"/>
-                      </a:solidFill>
-                      <a:prstDash val="solid"/>
-                      <a:round/>
-                      <a:headEnd type="none" w="med" len="med"/>
-                      <a:tailEnd type="none" w="med" len="med"/>
-                    </a:lnL>
-                    <a:lnR w="6350" cap="flat" cmpd="sng" algn="ctr">
-                      <a:solidFill>
-                        <a:srgbClr val="000000"/>
-                      </a:solidFill>
-                      <a:prstDash val="solid"/>
-                      <a:round/>
-                      <a:headEnd type="none" w="med" len="med"/>
-                      <a:tailEnd type="none" w="med" len="med"/>
-                    </a:lnR>
-                    <a:lnT w="6350" cap="flat" cmpd="sng" algn="ctr">
-                      <a:solidFill>
-                        <a:srgbClr val="000000"/>
-                      </a:solidFill>
-                      <a:prstDash val="solid"/>
-                      <a:round/>
-                      <a:headEnd type="none" w="med" len="med"/>
-                      <a:tailEnd type="none" w="med" len="med"/>
-                    </a:lnT>
-                    <a:lnB w="6350" cap="flat" cmpd="sng" algn="ctr">
-                      <a:solidFill>
-                        <a:srgbClr val="000000"/>
-                      </a:solidFill>
-                      <a:prstDash val="solid"/>
-                      <a:round/>
-                      <a:headEnd type="none" w="med" len="med"/>
-                      <a:tailEnd type="none" w="med" len="med"/>
-                    </a:lnB>
-                    <a:noFill/>
-                  </a:tcPr>
-                </a:tc>
-                <a:tc>
-                  <a:txBody>
-                    <a:bodyPr/>
-                    <a:lstStyle/>
-                    <a:p>
-                      <a:pPr algn="ctr" fontAlgn="ctr"/>
-                      <a:r>
-                        <a:rPr lang="en-IL" sz="1200" b="0" i="0" u="none" strike="noStrike">
-                          <a:solidFill>
-                            <a:srgbClr val="000000"/>
-                          </a:solidFill>
-                          <a:effectLst/>
-                          <a:latin typeface="Arial" panose="020B0604020202020204" pitchFamily="34" charset="0"/>
-                        </a:rPr>
-                        <a:t>20</a:t>
-                      </a:r>
-                    </a:p>
-                  </a:txBody>
-                  <a:tcPr marL="6350" marR="6350" marT="6350" marB="0" anchor="ctr">
-                    <a:lnL w="6350" cap="flat" cmpd="sng" algn="ctr">
-                      <a:solidFill>
-                        <a:srgbClr val="000000"/>
-                      </a:solidFill>
-                      <a:prstDash val="solid"/>
-                      <a:round/>
-                      <a:headEnd type="none" w="med" len="med"/>
-                      <a:tailEnd type="none" w="med" len="med"/>
-                    </a:lnL>
-                    <a:lnR w="6350" cap="flat" cmpd="sng" algn="ctr">
-                      <a:solidFill>
-                        <a:srgbClr val="000000"/>
-                      </a:solidFill>
-                      <a:prstDash val="solid"/>
-                      <a:round/>
-                      <a:headEnd type="none" w="med" len="med"/>
-                      <a:tailEnd type="none" w="med" len="med"/>
-                    </a:lnR>
-                    <a:lnT w="6350" cap="flat" cmpd="sng" algn="ctr">
-                      <a:solidFill>
-                        <a:srgbClr val="000000"/>
-                      </a:solidFill>
-                      <a:prstDash val="solid"/>
-                      <a:round/>
-                      <a:headEnd type="none" w="med" len="med"/>
-                      <a:tailEnd type="none" w="med" len="med"/>
-                    </a:lnT>
-                    <a:lnB w="6350" cap="flat" cmpd="sng" algn="ctr">
-                      <a:solidFill>
-                        <a:srgbClr val="000000"/>
-                      </a:solidFill>
-                      <a:prstDash val="solid"/>
-                      <a:round/>
-                      <a:headEnd type="none" w="med" len="med"/>
-                      <a:tailEnd type="none" w="med" len="med"/>
-                    </a:lnB>
-                    <a:noFill/>
-                  </a:tcPr>
-                </a:tc>
-                <a:tc>
-                  <a:txBody>
-                    <a:bodyPr/>
-                    <a:lstStyle/>
-                    <a:p>
-                      <a:pPr algn="ctr" fontAlgn="ctr"/>
-                      <a:r>
-                        <a:rPr lang="en-IL" sz="1200" b="0" i="0" u="none" strike="noStrike">
-                          <a:solidFill>
-                            <a:srgbClr val="000000"/>
-                          </a:solidFill>
-                          <a:effectLst/>
-                          <a:latin typeface="Arial" panose="020B0604020202020204" pitchFamily="34" charset="0"/>
-                        </a:rPr>
-                        <a:t>0.001</a:t>
-                      </a:r>
-                    </a:p>
-                  </a:txBody>
-                  <a:tcPr marL="6350" marR="6350" marT="6350" marB="0" anchor="ctr">
-                    <a:lnL w="6350" cap="flat" cmpd="sng" algn="ctr">
-                      <a:solidFill>
-                        <a:srgbClr val="000000"/>
-                      </a:solidFill>
-                      <a:prstDash val="solid"/>
-                      <a:round/>
-                      <a:headEnd type="none" w="med" len="med"/>
-                      <a:tailEnd type="none" w="med" len="med"/>
-                    </a:lnL>
-                    <a:lnR w="6350" cap="flat" cmpd="sng" algn="ctr">
-                      <a:solidFill>
-                        <a:srgbClr val="000000"/>
-                      </a:solidFill>
-                      <a:prstDash val="solid"/>
-                      <a:round/>
-                      <a:headEnd type="none" w="med" len="med"/>
-                      <a:tailEnd type="none" w="med" len="med"/>
-                    </a:lnR>
-                    <a:lnT w="6350" cap="flat" cmpd="sng" algn="ctr">
-                      <a:solidFill>
-                        <a:srgbClr val="000000"/>
-                      </a:solidFill>
-                      <a:prstDash val="solid"/>
-                      <a:round/>
-                      <a:headEnd type="none" w="med" len="med"/>
-                      <a:tailEnd type="none" w="med" len="med"/>
-                    </a:lnT>
-                    <a:lnB w="6350" cap="flat" cmpd="sng" algn="ctr">
-                      <a:solidFill>
-                        <a:srgbClr val="000000"/>
-                      </a:solidFill>
-                      <a:prstDash val="solid"/>
-                      <a:round/>
-                      <a:headEnd type="none" w="med" len="med"/>
-                      <a:tailEnd type="none" w="med" len="med"/>
-                    </a:lnB>
-                    <a:noFill/>
-                  </a:tcPr>
-                </a:tc>
-                <a:tc>
-                  <a:txBody>
-                    <a:bodyPr/>
-                    <a:lstStyle/>
-                    <a:p>
-                      <a:pPr algn="ctr" fontAlgn="ctr"/>
-                      <a:r>
-                        <a:rPr lang="en-IL" sz="1200" b="0" i="0" u="none" strike="noStrike">
-                          <a:solidFill>
-                            <a:srgbClr val="000000"/>
-                          </a:solidFill>
-                          <a:effectLst/>
-                          <a:latin typeface="Arial" panose="020B0604020202020204" pitchFamily="34" charset="0"/>
-                        </a:rPr>
-                        <a:t>98.02</a:t>
-                      </a:r>
-                    </a:p>
-                  </a:txBody>
-                  <a:tcPr marL="6350" marR="6350" marT="6350" marB="0" anchor="ctr">
-                    <a:lnL w="6350" cap="flat" cmpd="sng" algn="ctr">
-                      <a:solidFill>
-                        <a:srgbClr val="000000"/>
-                      </a:solidFill>
-                      <a:prstDash val="solid"/>
-                      <a:round/>
-                      <a:headEnd type="none" w="med" len="med"/>
-                      <a:tailEnd type="none" w="med" len="med"/>
-                    </a:lnL>
-                    <a:lnR w="6350" cap="flat" cmpd="sng" algn="ctr">
-                      <a:solidFill>
-                        <a:srgbClr val="000000"/>
-                      </a:solidFill>
-                      <a:prstDash val="solid"/>
-                      <a:round/>
-                      <a:headEnd type="none" w="med" len="med"/>
-                      <a:tailEnd type="none" w="med" len="med"/>
-                    </a:lnR>
-                    <a:lnT w="6350" cap="flat" cmpd="sng" algn="ctr">
-                      <a:solidFill>
-                        <a:srgbClr val="000000"/>
-                      </a:solidFill>
-                      <a:prstDash val="solid"/>
-                      <a:round/>
-                      <a:headEnd type="none" w="med" len="med"/>
-                      <a:tailEnd type="none" w="med" len="med"/>
-                    </a:lnT>
-                    <a:lnB w="6350" cap="flat" cmpd="sng" algn="ctr">
-                      <a:solidFill>
-                        <a:srgbClr val="000000"/>
-                      </a:solidFill>
-                      <a:prstDash val="solid"/>
-                      <a:round/>
-                      <a:headEnd type="none" w="med" len="med"/>
-                      <a:tailEnd type="none" w="med" len="med"/>
-                    </a:lnB>
-                    <a:noFill/>
-                  </a:tcPr>
-                </a:tc>
-                <a:extLst>
-                  <a:ext uri="{0D108BD9-81ED-4DB2-BD59-A6C34878D82A}">
-                    <a16:rowId xmlns:a16="http://schemas.microsoft.com/office/drawing/2014/main" val="2531909396"/>
-                  </a:ext>
-                </a:extLst>
-              </a:tr>
-              <a:tr h="267644">
-                <a:tc>
-                  <a:txBody>
-                    <a:bodyPr/>
-                    <a:lstStyle/>
-                    <a:p>
-                      <a:pPr algn="ctr" fontAlgn="ctr"/>
-                      <a:r>
-                        <a:rPr lang="en-IL" sz="1200" b="0" i="0" u="none" strike="noStrike">
-                          <a:solidFill>
-                            <a:srgbClr val="000000"/>
-                          </a:solidFill>
-                          <a:effectLst/>
-                          <a:latin typeface="Arial" panose="020B0604020202020204" pitchFamily="34" charset="0"/>
-                        </a:rPr>
-                        <a:t>9</a:t>
-                      </a:r>
-                    </a:p>
-                  </a:txBody>
-                  <a:tcPr marL="6350" marR="6350" marT="6350" marB="0" anchor="ctr">
-                    <a:lnL w="6350" cap="flat" cmpd="sng" algn="ctr">
-                      <a:solidFill>
-                        <a:srgbClr val="000000"/>
-                      </a:solidFill>
-                      <a:prstDash val="solid"/>
-                      <a:round/>
-                      <a:headEnd type="none" w="med" len="med"/>
-                      <a:tailEnd type="none" w="med" len="med"/>
-                    </a:lnL>
-                    <a:lnR w="6350" cap="flat" cmpd="sng" algn="ctr">
-                      <a:solidFill>
-                        <a:srgbClr val="000000"/>
-                      </a:solidFill>
-                      <a:prstDash val="solid"/>
-                      <a:round/>
-                      <a:headEnd type="none" w="med" len="med"/>
-                      <a:tailEnd type="none" w="med" len="med"/>
-                    </a:lnR>
-                    <a:lnT w="6350" cap="flat" cmpd="sng" algn="ctr">
-                      <a:solidFill>
-                        <a:srgbClr val="000000"/>
-                      </a:solidFill>
-                      <a:prstDash val="solid"/>
-                      <a:round/>
-                      <a:headEnd type="none" w="med" len="med"/>
-                      <a:tailEnd type="none" w="med" len="med"/>
-                    </a:lnT>
-                    <a:lnB w="6350" cap="flat" cmpd="sng" algn="ctr">
-                      <a:solidFill>
-                        <a:srgbClr val="000000"/>
-                      </a:solidFill>
-                      <a:prstDash val="solid"/>
-                      <a:round/>
-                      <a:headEnd type="none" w="med" len="med"/>
-                      <a:tailEnd type="none" w="med" len="med"/>
-                    </a:lnB>
-                    <a:noFill/>
-                  </a:tcPr>
-                </a:tc>
-                <a:tc>
-                  <a:txBody>
-                    <a:bodyPr/>
-                    <a:lstStyle/>
-                    <a:p>
-                      <a:pPr algn="ctr" fontAlgn="ctr"/>
-                      <a:r>
-                        <a:rPr lang="en-IL" sz="1200" b="0" i="0" u="none" strike="noStrike">
-                          <a:solidFill>
-                            <a:srgbClr val="000000"/>
-                          </a:solidFill>
-                          <a:effectLst/>
-                          <a:latin typeface="Arial" panose="020B0604020202020204" pitchFamily="34" charset="0"/>
-                        </a:rPr>
-                        <a:t>64</a:t>
-                      </a:r>
-                    </a:p>
-                  </a:txBody>
-                  <a:tcPr marL="6350" marR="6350" marT="6350" marB="0" anchor="ctr">
-                    <a:lnL w="6350" cap="flat" cmpd="sng" algn="ctr">
-                      <a:solidFill>
-                        <a:srgbClr val="000000"/>
-                      </a:solidFill>
-                      <a:prstDash val="solid"/>
-                      <a:round/>
-                      <a:headEnd type="none" w="med" len="med"/>
-                      <a:tailEnd type="none" w="med" len="med"/>
-                    </a:lnL>
-                    <a:lnR w="6350" cap="flat" cmpd="sng" algn="ctr">
-                      <a:solidFill>
-                        <a:srgbClr val="000000"/>
-                      </a:solidFill>
-                      <a:prstDash val="solid"/>
-                      <a:round/>
-                      <a:headEnd type="none" w="med" len="med"/>
-                      <a:tailEnd type="none" w="med" len="med"/>
-                    </a:lnR>
-                    <a:lnT w="6350" cap="flat" cmpd="sng" algn="ctr">
-                      <a:solidFill>
-                        <a:srgbClr val="000000"/>
-                      </a:solidFill>
-                      <a:prstDash val="solid"/>
-                      <a:round/>
-                      <a:headEnd type="none" w="med" len="med"/>
-                      <a:tailEnd type="none" w="med" len="med"/>
-                    </a:lnT>
-                    <a:lnB w="6350" cap="flat" cmpd="sng" algn="ctr">
-                      <a:solidFill>
-                        <a:srgbClr val="000000"/>
-                      </a:solidFill>
-                      <a:prstDash val="solid"/>
-                      <a:round/>
-                      <a:headEnd type="none" w="med" len="med"/>
-                      <a:tailEnd type="none" w="med" len="med"/>
-                    </a:lnB>
-                    <a:noFill/>
-                  </a:tcPr>
-                </a:tc>
-                <a:tc>
-                  <a:txBody>
-                    <a:bodyPr/>
-                    <a:lstStyle/>
-                    <a:p>
-                      <a:pPr algn="ctr" fontAlgn="ctr"/>
-                      <a:r>
-                        <a:rPr lang="en-IL" sz="1200" b="0" i="0" u="none" strike="noStrike">
-                          <a:solidFill>
-                            <a:srgbClr val="000000"/>
-                          </a:solidFill>
-                          <a:effectLst/>
-                          <a:latin typeface="Arial" panose="020B0604020202020204" pitchFamily="34" charset="0"/>
-                        </a:rPr>
-                        <a:t>10</a:t>
-                      </a:r>
-                    </a:p>
-                  </a:txBody>
-                  <a:tcPr marL="6350" marR="6350" marT="6350" marB="0" anchor="ctr">
-                    <a:lnL w="6350" cap="flat" cmpd="sng" algn="ctr">
-                      <a:solidFill>
-                        <a:srgbClr val="000000"/>
-                      </a:solidFill>
-                      <a:prstDash val="solid"/>
-                      <a:round/>
-                      <a:headEnd type="none" w="med" len="med"/>
-                      <a:tailEnd type="none" w="med" len="med"/>
-                    </a:lnL>
-                    <a:lnR w="6350" cap="flat" cmpd="sng" algn="ctr">
-                      <a:solidFill>
-                        <a:srgbClr val="000000"/>
-                      </a:solidFill>
-                      <a:prstDash val="solid"/>
-                      <a:round/>
-                      <a:headEnd type="none" w="med" len="med"/>
-                      <a:tailEnd type="none" w="med" len="med"/>
-                    </a:lnR>
-                    <a:lnT w="6350" cap="flat" cmpd="sng" algn="ctr">
-                      <a:solidFill>
-                        <a:srgbClr val="000000"/>
-                      </a:solidFill>
-                      <a:prstDash val="solid"/>
-                      <a:round/>
-                      <a:headEnd type="none" w="med" len="med"/>
-                      <a:tailEnd type="none" w="med" len="med"/>
-                    </a:lnT>
-                    <a:lnB w="6350" cap="flat" cmpd="sng" algn="ctr">
-                      <a:solidFill>
-                        <a:srgbClr val="000000"/>
-                      </a:solidFill>
-                      <a:prstDash val="solid"/>
-                      <a:round/>
-                      <a:headEnd type="none" w="med" len="med"/>
-                      <a:tailEnd type="none" w="med" len="med"/>
-                    </a:lnB>
-                    <a:noFill/>
-                  </a:tcPr>
-                </a:tc>
-                <a:tc>
-                  <a:txBody>
-                    <a:bodyPr/>
-                    <a:lstStyle/>
-                    <a:p>
-                      <a:pPr algn="ctr" fontAlgn="ctr"/>
-                      <a:r>
-                        <a:rPr lang="en-IL" sz="1200" b="0" i="0" u="none" strike="noStrike">
-                          <a:solidFill>
-                            <a:srgbClr val="000000"/>
-                          </a:solidFill>
-                          <a:effectLst/>
-                          <a:latin typeface="Arial" panose="020B0604020202020204" pitchFamily="34" charset="0"/>
-                        </a:rPr>
-                        <a:t>0.001</a:t>
-                      </a:r>
-                    </a:p>
-                  </a:txBody>
-                  <a:tcPr marL="6350" marR="6350" marT="6350" marB="0" anchor="ctr">
-                    <a:lnL w="6350" cap="flat" cmpd="sng" algn="ctr">
-                      <a:solidFill>
-                        <a:srgbClr val="000000"/>
-                      </a:solidFill>
-                      <a:prstDash val="solid"/>
-                      <a:round/>
-                      <a:headEnd type="none" w="med" len="med"/>
-                      <a:tailEnd type="none" w="med" len="med"/>
-                    </a:lnL>
-                    <a:lnR w="6350" cap="flat" cmpd="sng" algn="ctr">
-                      <a:solidFill>
-                        <a:srgbClr val="000000"/>
-                      </a:solidFill>
-                      <a:prstDash val="solid"/>
-                      <a:round/>
-                      <a:headEnd type="none" w="med" len="med"/>
-                      <a:tailEnd type="none" w="med" len="med"/>
-                    </a:lnR>
-                    <a:lnT w="6350" cap="flat" cmpd="sng" algn="ctr">
-                      <a:solidFill>
-                        <a:srgbClr val="000000"/>
-                      </a:solidFill>
-                      <a:prstDash val="solid"/>
-                      <a:round/>
-                      <a:headEnd type="none" w="med" len="med"/>
-                      <a:tailEnd type="none" w="med" len="med"/>
-                    </a:lnT>
-                    <a:lnB w="6350" cap="flat" cmpd="sng" algn="ctr">
-                      <a:solidFill>
-                        <a:srgbClr val="000000"/>
-                      </a:solidFill>
-                      <a:prstDash val="solid"/>
-                      <a:round/>
-                      <a:headEnd type="none" w="med" len="med"/>
-                      <a:tailEnd type="none" w="med" len="med"/>
-                    </a:lnB>
-                    <a:noFill/>
-                  </a:tcPr>
-                </a:tc>
-                <a:tc>
-                  <a:txBody>
-                    <a:bodyPr/>
-                    <a:lstStyle/>
-                    <a:p>
-                      <a:pPr algn="ctr" fontAlgn="ctr"/>
-                      <a:r>
-                        <a:rPr lang="en-IL" sz="1200" b="0" i="0" u="none" strike="noStrike">
-                          <a:solidFill>
-                            <a:srgbClr val="000000"/>
-                          </a:solidFill>
-                          <a:effectLst/>
-                          <a:latin typeface="Arial" panose="020B0604020202020204" pitchFamily="34" charset="0"/>
-                        </a:rPr>
-                        <a:t>97.96</a:t>
-                      </a:r>
-                    </a:p>
-                  </a:txBody>
-                  <a:tcPr marL="6350" marR="6350" marT="6350" marB="0" anchor="ctr">
-                    <a:lnL w="6350" cap="flat" cmpd="sng" algn="ctr">
-                      <a:solidFill>
-                        <a:srgbClr val="000000"/>
-                      </a:solidFill>
-                      <a:prstDash val="solid"/>
-                      <a:round/>
-                      <a:headEnd type="none" w="med" len="med"/>
-                      <a:tailEnd type="none" w="med" len="med"/>
-                    </a:lnL>
-                    <a:lnR w="6350" cap="flat" cmpd="sng" algn="ctr">
-                      <a:solidFill>
-                        <a:srgbClr val="000000"/>
-                      </a:solidFill>
-                      <a:prstDash val="solid"/>
-                      <a:round/>
-                      <a:headEnd type="none" w="med" len="med"/>
-                      <a:tailEnd type="none" w="med" len="med"/>
-                    </a:lnR>
-                    <a:lnT w="6350" cap="flat" cmpd="sng" algn="ctr">
-                      <a:solidFill>
-                        <a:srgbClr val="000000"/>
-                      </a:solidFill>
-                      <a:prstDash val="solid"/>
-                      <a:round/>
-                      <a:headEnd type="none" w="med" len="med"/>
-                      <a:tailEnd type="none" w="med" len="med"/>
-                    </a:lnT>
-                    <a:lnB w="6350" cap="flat" cmpd="sng" algn="ctr">
-                      <a:solidFill>
-                        <a:srgbClr val="000000"/>
-                      </a:solidFill>
-                      <a:prstDash val="solid"/>
-                      <a:round/>
-                      <a:headEnd type="none" w="med" len="med"/>
-                      <a:tailEnd type="none" w="med" len="med"/>
-                    </a:lnB>
-                    <a:noFill/>
-                  </a:tcPr>
-                </a:tc>
-                <a:extLst>
-                  <a:ext uri="{0D108BD9-81ED-4DB2-BD59-A6C34878D82A}">
-                    <a16:rowId xmlns:a16="http://schemas.microsoft.com/office/drawing/2014/main" val="2952368975"/>
-                  </a:ext>
-                </a:extLst>
-              </a:tr>
-              <a:tr h="267644">
-                <a:tc>
-                  <a:txBody>
-                    <a:bodyPr/>
-                    <a:lstStyle/>
-                    <a:p>
-                      <a:pPr algn="ctr" fontAlgn="ctr"/>
-                      <a:r>
-                        <a:rPr lang="en-IL" sz="1200" b="0" i="0" u="none" strike="noStrike">
-                          <a:solidFill>
-                            <a:srgbClr val="000000"/>
-                          </a:solidFill>
-                          <a:effectLst/>
-                          <a:latin typeface="Arial" panose="020B0604020202020204" pitchFamily="34" charset="0"/>
-                        </a:rPr>
-                        <a:t>10</a:t>
-                      </a:r>
-                    </a:p>
-                  </a:txBody>
-                  <a:tcPr marL="6350" marR="6350" marT="6350" marB="0" anchor="ctr">
-                    <a:lnL w="6350" cap="flat" cmpd="sng" algn="ctr">
-                      <a:solidFill>
-                        <a:srgbClr val="000000"/>
-                      </a:solidFill>
-                      <a:prstDash val="solid"/>
-                      <a:round/>
-                      <a:headEnd type="none" w="med" len="med"/>
-                      <a:tailEnd type="none" w="med" len="med"/>
-                    </a:lnL>
-                    <a:lnR w="6350" cap="flat" cmpd="sng" algn="ctr">
-                      <a:solidFill>
-                        <a:srgbClr val="000000"/>
-                      </a:solidFill>
-                      <a:prstDash val="solid"/>
-                      <a:round/>
-                      <a:headEnd type="none" w="med" len="med"/>
-                      <a:tailEnd type="none" w="med" len="med"/>
-                    </a:lnR>
-                    <a:lnT w="6350" cap="flat" cmpd="sng" algn="ctr">
-                      <a:solidFill>
-                        <a:srgbClr val="000000"/>
-                      </a:solidFill>
-                      <a:prstDash val="solid"/>
-                      <a:round/>
-                      <a:headEnd type="none" w="med" len="med"/>
-                      <a:tailEnd type="none" w="med" len="med"/>
-                    </a:lnT>
-                    <a:lnB w="6350" cap="flat" cmpd="sng" algn="ctr">
-                      <a:solidFill>
-                        <a:srgbClr val="000000"/>
-                      </a:solidFill>
-                      <a:prstDash val="solid"/>
-                      <a:round/>
-                      <a:headEnd type="none" w="med" len="med"/>
-                      <a:tailEnd type="none" w="med" len="med"/>
-                    </a:lnB>
-                    <a:noFill/>
-                  </a:tcPr>
-                </a:tc>
-                <a:tc>
-                  <a:txBody>
-                    <a:bodyPr/>
-                    <a:lstStyle/>
-                    <a:p>
-                      <a:pPr algn="ctr" fontAlgn="ctr"/>
-                      <a:r>
-                        <a:rPr lang="en-IL" sz="1200" b="0" i="0" u="none" strike="noStrike">
-                          <a:solidFill>
-                            <a:srgbClr val="000000"/>
-                          </a:solidFill>
-                          <a:effectLst/>
-                          <a:latin typeface="Arial" panose="020B0604020202020204" pitchFamily="34" charset="0"/>
-                        </a:rPr>
-                        <a:t>64</a:t>
-                      </a:r>
-                    </a:p>
-                  </a:txBody>
-                  <a:tcPr marL="6350" marR="6350" marT="6350" marB="0" anchor="ctr">
-                    <a:lnL w="6350" cap="flat" cmpd="sng" algn="ctr">
-                      <a:solidFill>
-                        <a:srgbClr val="000000"/>
-                      </a:solidFill>
-                      <a:prstDash val="solid"/>
-                      <a:round/>
-                      <a:headEnd type="none" w="med" len="med"/>
-                      <a:tailEnd type="none" w="med" len="med"/>
-                    </a:lnL>
-                    <a:lnR w="6350" cap="flat" cmpd="sng" algn="ctr">
-                      <a:solidFill>
-                        <a:srgbClr val="000000"/>
-                      </a:solidFill>
-                      <a:prstDash val="solid"/>
-                      <a:round/>
-                      <a:headEnd type="none" w="med" len="med"/>
-                      <a:tailEnd type="none" w="med" len="med"/>
-                    </a:lnR>
-                    <a:lnT w="6350" cap="flat" cmpd="sng" algn="ctr">
-                      <a:solidFill>
-                        <a:srgbClr val="000000"/>
-                      </a:solidFill>
-                      <a:prstDash val="solid"/>
-                      <a:round/>
-                      <a:headEnd type="none" w="med" len="med"/>
-                      <a:tailEnd type="none" w="med" len="med"/>
-                    </a:lnT>
-                    <a:lnB w="6350" cap="flat" cmpd="sng" algn="ctr">
-                      <a:solidFill>
-                        <a:srgbClr val="000000"/>
-                      </a:solidFill>
-                      <a:prstDash val="solid"/>
-                      <a:round/>
-                      <a:headEnd type="none" w="med" len="med"/>
-                      <a:tailEnd type="none" w="med" len="med"/>
-                    </a:lnB>
-                    <a:noFill/>
-                  </a:tcPr>
-                </a:tc>
-                <a:tc>
-                  <a:txBody>
-                    <a:bodyPr/>
-                    <a:lstStyle/>
-                    <a:p>
-                      <a:pPr algn="ctr" fontAlgn="ctr"/>
-                      <a:r>
-                        <a:rPr lang="en-IL" sz="1200" b="0" i="0" u="none" strike="noStrike">
-                          <a:solidFill>
-                            <a:srgbClr val="000000"/>
-                          </a:solidFill>
-                          <a:effectLst/>
-                          <a:latin typeface="Arial" panose="020B0604020202020204" pitchFamily="34" charset="0"/>
-                        </a:rPr>
-                        <a:t>30</a:t>
-                      </a:r>
-                    </a:p>
-                  </a:txBody>
-                  <a:tcPr marL="6350" marR="6350" marT="6350" marB="0" anchor="ctr">
-                    <a:lnL w="6350" cap="flat" cmpd="sng" algn="ctr">
-                      <a:solidFill>
-                        <a:srgbClr val="000000"/>
-                      </a:solidFill>
-                      <a:prstDash val="solid"/>
-                      <a:round/>
-                      <a:headEnd type="none" w="med" len="med"/>
-                      <a:tailEnd type="none" w="med" len="med"/>
-                    </a:lnL>
-                    <a:lnR w="6350" cap="flat" cmpd="sng" algn="ctr">
-                      <a:solidFill>
-                        <a:srgbClr val="000000"/>
-                      </a:solidFill>
-                      <a:prstDash val="solid"/>
-                      <a:round/>
-                      <a:headEnd type="none" w="med" len="med"/>
-                      <a:tailEnd type="none" w="med" len="med"/>
-                    </a:lnR>
-                    <a:lnT w="6350" cap="flat" cmpd="sng" algn="ctr">
-                      <a:solidFill>
-                        <a:srgbClr val="000000"/>
-                      </a:solidFill>
-                      <a:prstDash val="solid"/>
-                      <a:round/>
-                      <a:headEnd type="none" w="med" len="med"/>
-                      <a:tailEnd type="none" w="med" len="med"/>
-                    </a:lnT>
-                    <a:lnB w="6350" cap="flat" cmpd="sng" algn="ctr">
-                      <a:solidFill>
-                        <a:srgbClr val="000000"/>
-                      </a:solidFill>
-                      <a:prstDash val="solid"/>
-                      <a:round/>
-                      <a:headEnd type="none" w="med" len="med"/>
-                      <a:tailEnd type="none" w="med" len="med"/>
-                    </a:lnB>
-                    <a:noFill/>
-                  </a:tcPr>
-                </a:tc>
-                <a:tc>
-                  <a:txBody>
-                    <a:bodyPr/>
-                    <a:lstStyle/>
-                    <a:p>
-                      <a:pPr algn="ctr" fontAlgn="ctr"/>
-                      <a:r>
-                        <a:rPr lang="en-IL" sz="1200" b="0" i="0" u="none" strike="noStrike">
-                          <a:solidFill>
-                            <a:srgbClr val="000000"/>
-                          </a:solidFill>
-                          <a:effectLst/>
-                          <a:latin typeface="Arial" panose="020B0604020202020204" pitchFamily="34" charset="0"/>
-                        </a:rPr>
-                        <a:t>0.001</a:t>
-                      </a:r>
-                    </a:p>
-                  </a:txBody>
-                  <a:tcPr marL="6350" marR="6350" marT="6350" marB="0" anchor="ctr">
-                    <a:lnL w="6350" cap="flat" cmpd="sng" algn="ctr">
-                      <a:solidFill>
-                        <a:srgbClr val="000000"/>
-                      </a:solidFill>
-                      <a:prstDash val="solid"/>
-                      <a:round/>
-                      <a:headEnd type="none" w="med" len="med"/>
-                      <a:tailEnd type="none" w="med" len="med"/>
-                    </a:lnL>
-                    <a:lnR w="6350" cap="flat" cmpd="sng" algn="ctr">
-                      <a:solidFill>
-                        <a:srgbClr val="000000"/>
-                      </a:solidFill>
-                      <a:prstDash val="solid"/>
-                      <a:round/>
-                      <a:headEnd type="none" w="med" len="med"/>
-                      <a:tailEnd type="none" w="med" len="med"/>
-                    </a:lnR>
-                    <a:lnT w="6350" cap="flat" cmpd="sng" algn="ctr">
-                      <a:solidFill>
-                        <a:srgbClr val="000000"/>
-                      </a:solidFill>
-                      <a:prstDash val="solid"/>
-                      <a:round/>
-                      <a:headEnd type="none" w="med" len="med"/>
-                      <a:tailEnd type="none" w="med" len="med"/>
-                    </a:lnT>
-                    <a:lnB w="6350" cap="flat" cmpd="sng" algn="ctr">
-                      <a:solidFill>
-                        <a:srgbClr val="000000"/>
-                      </a:solidFill>
-                      <a:prstDash val="solid"/>
-                      <a:round/>
-                      <a:headEnd type="none" w="med" len="med"/>
-                      <a:tailEnd type="none" w="med" len="med"/>
-                    </a:lnB>
-                    <a:noFill/>
-                  </a:tcPr>
-                </a:tc>
-                <a:tc>
-                  <a:txBody>
-                    <a:bodyPr/>
-                    <a:lstStyle/>
-                    <a:p>
-                      <a:pPr algn="ctr" fontAlgn="ctr"/>
-                      <a:r>
-                        <a:rPr lang="en-IL" sz="1200" b="0" i="0" u="none" strike="noStrike" dirty="0">
-                          <a:solidFill>
-                            <a:srgbClr val="000000"/>
-                          </a:solidFill>
-                          <a:effectLst/>
-                          <a:latin typeface="Arial" panose="020B0604020202020204" pitchFamily="34" charset="0"/>
-                        </a:rPr>
-                        <a:t>97.92</a:t>
-                      </a:r>
-                    </a:p>
-                  </a:txBody>
-                  <a:tcPr marL="6350" marR="6350" marT="6350" marB="0" anchor="ctr">
-                    <a:lnL w="6350" cap="flat" cmpd="sng" algn="ctr">
-                      <a:solidFill>
-                        <a:srgbClr val="000000"/>
-                      </a:solidFill>
-                      <a:prstDash val="solid"/>
-                      <a:round/>
-                      <a:headEnd type="none" w="med" len="med"/>
-                      <a:tailEnd type="none" w="med" len="med"/>
-                    </a:lnL>
-                    <a:lnR w="6350" cap="flat" cmpd="sng" algn="ctr">
-                      <a:solidFill>
-                        <a:srgbClr val="000000"/>
-                      </a:solidFill>
-                      <a:prstDash val="solid"/>
-                      <a:round/>
-                      <a:headEnd type="none" w="med" len="med"/>
-                      <a:tailEnd type="none" w="med" len="med"/>
-                    </a:lnR>
-                    <a:lnT w="6350" cap="flat" cmpd="sng" algn="ctr">
-                      <a:solidFill>
-                        <a:srgbClr val="000000"/>
-                      </a:solidFill>
-                      <a:prstDash val="solid"/>
-                      <a:round/>
-                      <a:headEnd type="none" w="med" len="med"/>
-                      <a:tailEnd type="none" w="med" len="med"/>
-                    </a:lnT>
-                    <a:lnB w="6350" cap="flat" cmpd="sng" algn="ctr">
-                      <a:solidFill>
-                        <a:srgbClr val="000000"/>
-                      </a:solidFill>
-                      <a:prstDash val="solid"/>
-                      <a:round/>
-                      <a:headEnd type="none" w="med" len="med"/>
-                      <a:tailEnd type="none" w="med" len="med"/>
-                    </a:lnB>
-                    <a:noFill/>
-                  </a:tcPr>
-                </a:tc>
-                <a:extLst>
-                  <a:ext uri="{0D108BD9-81ED-4DB2-BD59-A6C34878D82A}">
-                    <a16:rowId xmlns:a16="http://schemas.microsoft.com/office/drawing/2014/main" val="3675774191"/>
-                  </a:ext>
-                </a:extLst>
-              </a:tr>
-            </a:tbl>
-          </a:graphicData>
-        </a:graphic>
-      </p:graphicFrame>
       <p:pic>
         <p:nvPicPr>
           <p:cNvPr id="10" name="Picture 9" descr="A graph of a graph&#10;&#10;Description automatically generated">
@@ -17603,7 +14511,7 @@
           <p:nvPr/>
         </p:nvPicPr>
         <p:blipFill>
-          <a:blip r:embed="rId2">
+          <a:blip r:embed="rId3">
             <a:extLst>
               <a:ext uri="{28A0092B-C50C-407E-A947-70E740481C1C}">
                 <a14:useLocalDpi xmlns:a14="http://schemas.microsoft.com/office/drawing/2010/main" val="0"/>
@@ -17616,14 +14524,3367 @@
         </p:blipFill>
         <p:spPr>
           <a:xfrm>
-            <a:off x="6395661" y="1429021"/>
-            <a:ext cx="5020197" cy="3765148"/>
+            <a:off x="117409" y="103696"/>
+            <a:ext cx="3049997" cy="2287498"/>
           </a:xfrm>
           <a:prstGeom prst="rect">
             <a:avLst/>
           </a:prstGeom>
         </p:spPr>
       </p:pic>
+      <p:graphicFrame>
+        <p:nvGraphicFramePr>
+          <p:cNvPr id="11" name="Table 10">
+            <a:extLst>
+              <a:ext uri="{FF2B5EF4-FFF2-40B4-BE49-F238E27FC236}">
+                <a16:creationId xmlns:a16="http://schemas.microsoft.com/office/drawing/2014/main" id="{5E5E23EF-C723-A9E1-ED50-89CBF26ED0B9}"/>
+              </a:ext>
+            </a:extLst>
+          </p:cNvPr>
+          <p:cNvGraphicFramePr>
+            <a:graphicFrameLocks noGrp="1"/>
+          </p:cNvGraphicFramePr>
+          <p:nvPr>
+            <p:extLst>
+              <p:ext uri="{D42A27DB-BD31-4B8C-83A1-F6EECF244321}">
+                <p14:modId xmlns:p14="http://schemas.microsoft.com/office/powerpoint/2010/main" val="3348187571"/>
+              </p:ext>
+            </p:extLst>
+          </p:nvPr>
+        </p:nvGraphicFramePr>
+        <p:xfrm>
+          <a:off x="3609549" y="1627989"/>
+          <a:ext cx="4714320" cy="2966159"/>
+        </p:xfrm>
+        <a:graphic>
+          <a:graphicData uri="http://schemas.openxmlformats.org/drawingml/2006/table">
+            <a:tbl>
+              <a:tblPr/>
+              <a:tblGrid>
+                <a:gridCol w="942864">
+                  <a:extLst>
+                    <a:ext uri="{9D8B030D-6E8A-4147-A177-3AD203B41FA5}">
+                      <a16:colId xmlns:a16="http://schemas.microsoft.com/office/drawing/2014/main" val="1140409735"/>
+                    </a:ext>
+                  </a:extLst>
+                </a:gridCol>
+                <a:gridCol w="942864">
+                  <a:extLst>
+                    <a:ext uri="{9D8B030D-6E8A-4147-A177-3AD203B41FA5}">
+                      <a16:colId xmlns:a16="http://schemas.microsoft.com/office/drawing/2014/main" val="3583208588"/>
+                    </a:ext>
+                  </a:extLst>
+                </a:gridCol>
+                <a:gridCol w="942864">
+                  <a:extLst>
+                    <a:ext uri="{9D8B030D-6E8A-4147-A177-3AD203B41FA5}">
+                      <a16:colId xmlns:a16="http://schemas.microsoft.com/office/drawing/2014/main" val="3214860489"/>
+                    </a:ext>
+                  </a:extLst>
+                </a:gridCol>
+                <a:gridCol w="942864">
+                  <a:extLst>
+                    <a:ext uri="{9D8B030D-6E8A-4147-A177-3AD203B41FA5}">
+                      <a16:colId xmlns:a16="http://schemas.microsoft.com/office/drawing/2014/main" val="1252967015"/>
+                    </a:ext>
+                  </a:extLst>
+                </a:gridCol>
+                <a:gridCol w="942864">
+                  <a:extLst>
+                    <a:ext uri="{9D8B030D-6E8A-4147-A177-3AD203B41FA5}">
+                      <a16:colId xmlns:a16="http://schemas.microsoft.com/office/drawing/2014/main" val="3685884748"/>
+                    </a:ext>
+                  </a:extLst>
+                </a:gridCol>
+              </a:tblGrid>
+              <a:tr h="494359">
+                <a:tc>
+                  <a:txBody>
+                    <a:bodyPr/>
+                    <a:lstStyle/>
+                    <a:p>
+                      <a:pPr algn="ctr" rtl="0" fontAlgn="ctr"/>
+                      <a:r>
+                        <a:rPr lang="en-US" sz="1200" b="0" i="0" u="none" strike="noStrike">
+                          <a:solidFill>
+                            <a:srgbClr val="000000"/>
+                          </a:solidFill>
+                          <a:effectLst/>
+                          <a:latin typeface="Segoe UI" panose="020B0502040204020203" pitchFamily="34" charset="0"/>
+                        </a:rPr>
+                        <a:t>num</a:t>
+                      </a:r>
+                    </a:p>
+                  </a:txBody>
+                  <a:tcPr marL="6350" marR="6350" marT="6350" marB="0" anchor="ctr">
+                    <a:lnL w="6350" cap="flat" cmpd="sng" algn="ctr">
+                      <a:solidFill>
+                        <a:srgbClr val="000000"/>
+                      </a:solidFill>
+                      <a:prstDash val="solid"/>
+                      <a:round/>
+                      <a:headEnd type="none" w="med" len="med"/>
+                      <a:tailEnd type="none" w="med" len="med"/>
+                    </a:lnL>
+                    <a:lnR w="6350" cap="flat" cmpd="sng" algn="ctr">
+                      <a:solidFill>
+                        <a:srgbClr val="000000"/>
+                      </a:solidFill>
+                      <a:prstDash val="solid"/>
+                      <a:round/>
+                      <a:headEnd type="none" w="med" len="med"/>
+                      <a:tailEnd type="none" w="med" len="med"/>
+                    </a:lnR>
+                    <a:lnT w="6350" cap="flat" cmpd="sng" algn="ctr">
+                      <a:solidFill>
+                        <a:srgbClr val="000000"/>
+                      </a:solidFill>
+                      <a:prstDash val="solid"/>
+                      <a:round/>
+                      <a:headEnd type="none" w="med" len="med"/>
+                      <a:tailEnd type="none" w="med" len="med"/>
+                    </a:lnT>
+                    <a:lnB w="6350" cap="flat" cmpd="sng" algn="ctr">
+                      <a:solidFill>
+                        <a:srgbClr val="000000"/>
+                      </a:solidFill>
+                      <a:prstDash val="solid"/>
+                      <a:round/>
+                      <a:headEnd type="none" w="med" len="med"/>
+                      <a:tailEnd type="none" w="med" len="med"/>
+                    </a:lnB>
+                    <a:solidFill>
+                      <a:srgbClr val="B5E6A2"/>
+                    </a:solidFill>
+                  </a:tcPr>
+                </a:tc>
+                <a:tc>
+                  <a:txBody>
+                    <a:bodyPr/>
+                    <a:lstStyle/>
+                    <a:p>
+                      <a:pPr algn="ctr" rtl="0" fontAlgn="ctr"/>
+                      <a:r>
+                        <a:rPr lang="en-US" sz="1200" b="0" i="0" u="none" strike="noStrike">
+                          <a:solidFill>
+                            <a:srgbClr val="000000"/>
+                          </a:solidFill>
+                          <a:effectLst/>
+                          <a:latin typeface="Segoe UI" panose="020B0502040204020203" pitchFamily="34" charset="0"/>
+                        </a:rPr>
+                        <a:t>batch_size</a:t>
+                      </a:r>
+                    </a:p>
+                  </a:txBody>
+                  <a:tcPr marL="6350" marR="6350" marT="6350" marB="0" anchor="ctr">
+                    <a:lnL w="6350" cap="flat" cmpd="sng" algn="ctr">
+                      <a:solidFill>
+                        <a:srgbClr val="000000"/>
+                      </a:solidFill>
+                      <a:prstDash val="solid"/>
+                      <a:round/>
+                      <a:headEnd type="none" w="med" len="med"/>
+                      <a:tailEnd type="none" w="med" len="med"/>
+                    </a:lnL>
+                    <a:lnR w="6350" cap="flat" cmpd="sng" algn="ctr">
+                      <a:solidFill>
+                        <a:srgbClr val="000000"/>
+                      </a:solidFill>
+                      <a:prstDash val="solid"/>
+                      <a:round/>
+                      <a:headEnd type="none" w="med" len="med"/>
+                      <a:tailEnd type="none" w="med" len="med"/>
+                    </a:lnR>
+                    <a:lnT w="6350" cap="flat" cmpd="sng" algn="ctr">
+                      <a:solidFill>
+                        <a:srgbClr val="000000"/>
+                      </a:solidFill>
+                      <a:prstDash val="solid"/>
+                      <a:round/>
+                      <a:headEnd type="none" w="med" len="med"/>
+                      <a:tailEnd type="none" w="med" len="med"/>
+                    </a:lnT>
+                    <a:lnB w="6350" cap="flat" cmpd="sng" algn="ctr">
+                      <a:solidFill>
+                        <a:srgbClr val="000000"/>
+                      </a:solidFill>
+                      <a:prstDash val="solid"/>
+                      <a:round/>
+                      <a:headEnd type="none" w="med" len="med"/>
+                      <a:tailEnd type="none" w="med" len="med"/>
+                    </a:lnB>
+                    <a:solidFill>
+                      <a:srgbClr val="B5E6A2"/>
+                    </a:solidFill>
+                  </a:tcPr>
+                </a:tc>
+                <a:tc>
+                  <a:txBody>
+                    <a:bodyPr/>
+                    <a:lstStyle/>
+                    <a:p>
+                      <a:pPr algn="ctr" rtl="0" fontAlgn="ctr"/>
+                      <a:r>
+                        <a:rPr lang="en-US" sz="1200" b="0" i="0" u="none" strike="noStrike">
+                          <a:solidFill>
+                            <a:srgbClr val="000000"/>
+                          </a:solidFill>
+                          <a:effectLst/>
+                          <a:latin typeface="Segoe UI" panose="020B0502040204020203" pitchFamily="34" charset="0"/>
+                        </a:rPr>
+                        <a:t>epoch</a:t>
+                      </a:r>
+                    </a:p>
+                  </a:txBody>
+                  <a:tcPr marL="6350" marR="6350" marT="6350" marB="0" anchor="ctr">
+                    <a:lnL w="6350" cap="flat" cmpd="sng" algn="ctr">
+                      <a:solidFill>
+                        <a:srgbClr val="000000"/>
+                      </a:solidFill>
+                      <a:prstDash val="solid"/>
+                      <a:round/>
+                      <a:headEnd type="none" w="med" len="med"/>
+                      <a:tailEnd type="none" w="med" len="med"/>
+                    </a:lnL>
+                    <a:lnR w="6350" cap="flat" cmpd="sng" algn="ctr">
+                      <a:solidFill>
+                        <a:srgbClr val="000000"/>
+                      </a:solidFill>
+                      <a:prstDash val="solid"/>
+                      <a:round/>
+                      <a:headEnd type="none" w="med" len="med"/>
+                      <a:tailEnd type="none" w="med" len="med"/>
+                    </a:lnR>
+                    <a:lnT w="6350" cap="flat" cmpd="sng" algn="ctr">
+                      <a:solidFill>
+                        <a:srgbClr val="000000"/>
+                      </a:solidFill>
+                      <a:prstDash val="solid"/>
+                      <a:round/>
+                      <a:headEnd type="none" w="med" len="med"/>
+                      <a:tailEnd type="none" w="med" len="med"/>
+                    </a:lnT>
+                    <a:lnB w="6350" cap="flat" cmpd="sng" algn="ctr">
+                      <a:solidFill>
+                        <a:srgbClr val="000000"/>
+                      </a:solidFill>
+                      <a:prstDash val="solid"/>
+                      <a:round/>
+                      <a:headEnd type="none" w="med" len="med"/>
+                      <a:tailEnd type="none" w="med" len="med"/>
+                    </a:lnB>
+                    <a:solidFill>
+                      <a:srgbClr val="B5E6A2"/>
+                    </a:solidFill>
+                  </a:tcPr>
+                </a:tc>
+                <a:tc>
+                  <a:txBody>
+                    <a:bodyPr/>
+                    <a:lstStyle/>
+                    <a:p>
+                      <a:pPr algn="ctr" rtl="0" fontAlgn="ctr"/>
+                      <a:r>
+                        <a:rPr lang="en-US" sz="1200" b="0" i="0" u="none" strike="noStrike" dirty="0" err="1">
+                          <a:solidFill>
+                            <a:srgbClr val="000000"/>
+                          </a:solidFill>
+                          <a:effectLst/>
+                          <a:latin typeface="Segoe UI" panose="020B0502040204020203" pitchFamily="34" charset="0"/>
+                        </a:rPr>
+                        <a:t>lr</a:t>
+                      </a:r>
+                      <a:endParaRPr lang="en-US" sz="1200" b="0" i="0" u="none" strike="noStrike" dirty="0">
+                        <a:solidFill>
+                          <a:srgbClr val="000000"/>
+                        </a:solidFill>
+                        <a:effectLst/>
+                        <a:latin typeface="Segoe UI" panose="020B0502040204020203" pitchFamily="34" charset="0"/>
+                      </a:endParaRPr>
+                    </a:p>
+                  </a:txBody>
+                  <a:tcPr marL="6350" marR="6350" marT="6350" marB="0" anchor="ctr">
+                    <a:lnL w="6350" cap="flat" cmpd="sng" algn="ctr">
+                      <a:solidFill>
+                        <a:srgbClr val="000000"/>
+                      </a:solidFill>
+                      <a:prstDash val="solid"/>
+                      <a:round/>
+                      <a:headEnd type="none" w="med" len="med"/>
+                      <a:tailEnd type="none" w="med" len="med"/>
+                    </a:lnL>
+                    <a:lnR w="6350" cap="flat" cmpd="sng" algn="ctr">
+                      <a:solidFill>
+                        <a:srgbClr val="000000"/>
+                      </a:solidFill>
+                      <a:prstDash val="solid"/>
+                      <a:round/>
+                      <a:headEnd type="none" w="med" len="med"/>
+                      <a:tailEnd type="none" w="med" len="med"/>
+                    </a:lnR>
+                    <a:lnT w="6350" cap="flat" cmpd="sng" algn="ctr">
+                      <a:solidFill>
+                        <a:srgbClr val="000000"/>
+                      </a:solidFill>
+                      <a:prstDash val="solid"/>
+                      <a:round/>
+                      <a:headEnd type="none" w="med" len="med"/>
+                      <a:tailEnd type="none" w="med" len="med"/>
+                    </a:lnT>
+                    <a:lnB w="6350" cap="flat" cmpd="sng" algn="ctr">
+                      <a:solidFill>
+                        <a:srgbClr val="000000"/>
+                      </a:solidFill>
+                      <a:prstDash val="solid"/>
+                      <a:round/>
+                      <a:headEnd type="none" w="med" len="med"/>
+                      <a:tailEnd type="none" w="med" len="med"/>
+                    </a:lnB>
+                    <a:solidFill>
+                      <a:srgbClr val="B5E6A2"/>
+                    </a:solidFill>
+                  </a:tcPr>
+                </a:tc>
+                <a:tc>
+                  <a:txBody>
+                    <a:bodyPr/>
+                    <a:lstStyle/>
+                    <a:p>
+                      <a:pPr algn="ctr" rtl="0" fontAlgn="ctr"/>
+                      <a:r>
+                        <a:rPr lang="en-US" sz="1200" b="0" i="0" u="none" strike="noStrike" dirty="0">
+                          <a:solidFill>
+                            <a:srgbClr val="000000"/>
+                          </a:solidFill>
+                          <a:effectLst/>
+                          <a:latin typeface="Segoe UI" panose="020B0502040204020203" pitchFamily="34" charset="0"/>
+                        </a:rPr>
+                        <a:t>Test accuracy</a:t>
+                      </a:r>
+                    </a:p>
+                  </a:txBody>
+                  <a:tcPr marL="6350" marR="6350" marT="6350" marB="0" anchor="ctr">
+                    <a:lnL w="6350" cap="flat" cmpd="sng" algn="ctr">
+                      <a:solidFill>
+                        <a:srgbClr val="000000"/>
+                      </a:solidFill>
+                      <a:prstDash val="solid"/>
+                      <a:round/>
+                      <a:headEnd type="none" w="med" len="med"/>
+                      <a:tailEnd type="none" w="med" len="med"/>
+                    </a:lnL>
+                    <a:lnR w="6350" cap="flat" cmpd="sng" algn="ctr">
+                      <a:solidFill>
+                        <a:srgbClr val="000000"/>
+                      </a:solidFill>
+                      <a:prstDash val="solid"/>
+                      <a:round/>
+                      <a:headEnd type="none" w="med" len="med"/>
+                      <a:tailEnd type="none" w="med" len="med"/>
+                    </a:lnR>
+                    <a:lnT w="6350" cap="flat" cmpd="sng" algn="ctr">
+                      <a:solidFill>
+                        <a:srgbClr val="000000"/>
+                      </a:solidFill>
+                      <a:prstDash val="solid"/>
+                      <a:round/>
+                      <a:headEnd type="none" w="med" len="med"/>
+                      <a:tailEnd type="none" w="med" len="med"/>
+                    </a:lnT>
+                    <a:lnB w="6350" cap="flat" cmpd="sng" algn="ctr">
+                      <a:solidFill>
+                        <a:srgbClr val="000000"/>
+                      </a:solidFill>
+                      <a:prstDash val="solid"/>
+                      <a:round/>
+                      <a:headEnd type="none" w="med" len="med"/>
+                      <a:tailEnd type="none" w="med" len="med"/>
+                    </a:lnB>
+                    <a:solidFill>
+                      <a:srgbClr val="B5E6A2"/>
+                    </a:solidFill>
+                  </a:tcPr>
+                </a:tc>
+                <a:extLst>
+                  <a:ext uri="{0D108BD9-81ED-4DB2-BD59-A6C34878D82A}">
+                    <a16:rowId xmlns:a16="http://schemas.microsoft.com/office/drawing/2014/main" val="4259544405"/>
+                  </a:ext>
+                </a:extLst>
+              </a:tr>
+              <a:tr h="247180">
+                <a:tc>
+                  <a:txBody>
+                    <a:bodyPr/>
+                    <a:lstStyle/>
+                    <a:p>
+                      <a:pPr algn="ctr" rtl="0" fontAlgn="ctr"/>
+                      <a:r>
+                        <a:rPr lang="en-IL" sz="1200" b="0" i="0" u="none" strike="noStrike">
+                          <a:solidFill>
+                            <a:srgbClr val="000000"/>
+                          </a:solidFill>
+                          <a:effectLst/>
+                          <a:latin typeface="Segoe UI" panose="020B0502040204020203" pitchFamily="34" charset="0"/>
+                        </a:rPr>
+                        <a:t>1</a:t>
+                      </a:r>
+                    </a:p>
+                  </a:txBody>
+                  <a:tcPr marL="6350" marR="6350" marT="6350" marB="0" anchor="ctr">
+                    <a:lnL w="6350" cap="flat" cmpd="sng" algn="ctr">
+                      <a:solidFill>
+                        <a:srgbClr val="000000"/>
+                      </a:solidFill>
+                      <a:prstDash val="solid"/>
+                      <a:round/>
+                      <a:headEnd type="none" w="med" len="med"/>
+                      <a:tailEnd type="none" w="med" len="med"/>
+                    </a:lnL>
+                    <a:lnR w="6350" cap="flat" cmpd="sng" algn="ctr">
+                      <a:solidFill>
+                        <a:srgbClr val="000000"/>
+                      </a:solidFill>
+                      <a:prstDash val="solid"/>
+                      <a:round/>
+                      <a:headEnd type="none" w="med" len="med"/>
+                      <a:tailEnd type="none" w="med" len="med"/>
+                    </a:lnR>
+                    <a:lnT w="6350" cap="flat" cmpd="sng" algn="ctr">
+                      <a:solidFill>
+                        <a:srgbClr val="000000"/>
+                      </a:solidFill>
+                      <a:prstDash val="solid"/>
+                      <a:round/>
+                      <a:headEnd type="none" w="med" len="med"/>
+                      <a:tailEnd type="none" w="med" len="med"/>
+                    </a:lnT>
+                    <a:lnB w="6350" cap="flat" cmpd="sng" algn="ctr">
+                      <a:solidFill>
+                        <a:srgbClr val="000000"/>
+                      </a:solidFill>
+                      <a:prstDash val="solid"/>
+                      <a:round/>
+                      <a:headEnd type="none" w="med" len="med"/>
+                      <a:tailEnd type="none" w="med" len="med"/>
+                    </a:lnB>
+                    <a:noFill/>
+                  </a:tcPr>
+                </a:tc>
+                <a:tc>
+                  <a:txBody>
+                    <a:bodyPr/>
+                    <a:lstStyle/>
+                    <a:p>
+                      <a:pPr algn="ctr" rtl="0" fontAlgn="ctr"/>
+                      <a:r>
+                        <a:rPr lang="en-IL" sz="1200" b="0" i="0" u="none" strike="noStrike">
+                          <a:solidFill>
+                            <a:srgbClr val="000000"/>
+                          </a:solidFill>
+                          <a:effectLst/>
+                          <a:latin typeface="Segoe UI" panose="020B0502040204020203" pitchFamily="34" charset="0"/>
+                        </a:rPr>
+                        <a:t>16</a:t>
+                      </a:r>
+                    </a:p>
+                  </a:txBody>
+                  <a:tcPr marL="6350" marR="6350" marT="6350" marB="0" anchor="ctr">
+                    <a:lnL w="6350" cap="flat" cmpd="sng" algn="ctr">
+                      <a:solidFill>
+                        <a:srgbClr val="000000"/>
+                      </a:solidFill>
+                      <a:prstDash val="solid"/>
+                      <a:round/>
+                      <a:headEnd type="none" w="med" len="med"/>
+                      <a:tailEnd type="none" w="med" len="med"/>
+                    </a:lnL>
+                    <a:lnR w="6350" cap="flat" cmpd="sng" algn="ctr">
+                      <a:solidFill>
+                        <a:srgbClr val="000000"/>
+                      </a:solidFill>
+                      <a:prstDash val="solid"/>
+                      <a:round/>
+                      <a:headEnd type="none" w="med" len="med"/>
+                      <a:tailEnd type="none" w="med" len="med"/>
+                    </a:lnR>
+                    <a:lnT w="6350" cap="flat" cmpd="sng" algn="ctr">
+                      <a:solidFill>
+                        <a:srgbClr val="000000"/>
+                      </a:solidFill>
+                      <a:prstDash val="solid"/>
+                      <a:round/>
+                      <a:headEnd type="none" w="med" len="med"/>
+                      <a:tailEnd type="none" w="med" len="med"/>
+                    </a:lnT>
+                    <a:lnB w="6350" cap="flat" cmpd="sng" algn="ctr">
+                      <a:solidFill>
+                        <a:srgbClr val="000000"/>
+                      </a:solidFill>
+                      <a:prstDash val="solid"/>
+                      <a:round/>
+                      <a:headEnd type="none" w="med" len="med"/>
+                      <a:tailEnd type="none" w="med" len="med"/>
+                    </a:lnB>
+                    <a:noFill/>
+                  </a:tcPr>
+                </a:tc>
+                <a:tc>
+                  <a:txBody>
+                    <a:bodyPr/>
+                    <a:lstStyle/>
+                    <a:p>
+                      <a:pPr algn="ctr" rtl="0" fontAlgn="ctr"/>
+                      <a:r>
+                        <a:rPr lang="en-IL" sz="1200" b="0" i="0" u="none" strike="noStrike">
+                          <a:solidFill>
+                            <a:srgbClr val="000000"/>
+                          </a:solidFill>
+                          <a:effectLst/>
+                          <a:latin typeface="Segoe UI" panose="020B0502040204020203" pitchFamily="34" charset="0"/>
+                        </a:rPr>
+                        <a:t>10</a:t>
+                      </a:r>
+                    </a:p>
+                  </a:txBody>
+                  <a:tcPr marL="6350" marR="6350" marT="6350" marB="0" anchor="ctr">
+                    <a:lnL w="6350" cap="flat" cmpd="sng" algn="ctr">
+                      <a:solidFill>
+                        <a:srgbClr val="000000"/>
+                      </a:solidFill>
+                      <a:prstDash val="solid"/>
+                      <a:round/>
+                      <a:headEnd type="none" w="med" len="med"/>
+                      <a:tailEnd type="none" w="med" len="med"/>
+                    </a:lnL>
+                    <a:lnR w="6350" cap="flat" cmpd="sng" algn="ctr">
+                      <a:solidFill>
+                        <a:srgbClr val="000000"/>
+                      </a:solidFill>
+                      <a:prstDash val="solid"/>
+                      <a:round/>
+                      <a:headEnd type="none" w="med" len="med"/>
+                      <a:tailEnd type="none" w="med" len="med"/>
+                    </a:lnR>
+                    <a:lnT w="6350" cap="flat" cmpd="sng" algn="ctr">
+                      <a:solidFill>
+                        <a:srgbClr val="000000"/>
+                      </a:solidFill>
+                      <a:prstDash val="solid"/>
+                      <a:round/>
+                      <a:headEnd type="none" w="med" len="med"/>
+                      <a:tailEnd type="none" w="med" len="med"/>
+                    </a:lnT>
+                    <a:lnB w="6350" cap="flat" cmpd="sng" algn="ctr">
+                      <a:solidFill>
+                        <a:srgbClr val="000000"/>
+                      </a:solidFill>
+                      <a:prstDash val="solid"/>
+                      <a:round/>
+                      <a:headEnd type="none" w="med" len="med"/>
+                      <a:tailEnd type="none" w="med" len="med"/>
+                    </a:lnB>
+                    <a:noFill/>
+                  </a:tcPr>
+                </a:tc>
+                <a:tc>
+                  <a:txBody>
+                    <a:bodyPr/>
+                    <a:lstStyle/>
+                    <a:p>
+                      <a:pPr algn="ctr" rtl="0" fontAlgn="ctr"/>
+                      <a:r>
+                        <a:rPr lang="en-IL" sz="1200" b="0" i="0" u="none" strike="noStrike">
+                          <a:solidFill>
+                            <a:srgbClr val="000000"/>
+                          </a:solidFill>
+                          <a:effectLst/>
+                          <a:latin typeface="Segoe UI" panose="020B0502040204020203" pitchFamily="34" charset="0"/>
+                        </a:rPr>
+                        <a:t>0.001</a:t>
+                      </a:r>
+                    </a:p>
+                  </a:txBody>
+                  <a:tcPr marL="6350" marR="6350" marT="6350" marB="0" anchor="ctr">
+                    <a:lnL w="6350" cap="flat" cmpd="sng" algn="ctr">
+                      <a:solidFill>
+                        <a:srgbClr val="000000"/>
+                      </a:solidFill>
+                      <a:prstDash val="solid"/>
+                      <a:round/>
+                      <a:headEnd type="none" w="med" len="med"/>
+                      <a:tailEnd type="none" w="med" len="med"/>
+                    </a:lnL>
+                    <a:lnR w="6350" cap="flat" cmpd="sng" algn="ctr">
+                      <a:solidFill>
+                        <a:srgbClr val="000000"/>
+                      </a:solidFill>
+                      <a:prstDash val="solid"/>
+                      <a:round/>
+                      <a:headEnd type="none" w="med" len="med"/>
+                      <a:tailEnd type="none" w="med" len="med"/>
+                    </a:lnR>
+                    <a:lnT w="6350" cap="flat" cmpd="sng" algn="ctr">
+                      <a:solidFill>
+                        <a:srgbClr val="000000"/>
+                      </a:solidFill>
+                      <a:prstDash val="solid"/>
+                      <a:round/>
+                      <a:headEnd type="none" w="med" len="med"/>
+                      <a:tailEnd type="none" w="med" len="med"/>
+                    </a:lnT>
+                    <a:lnB w="6350" cap="flat" cmpd="sng" algn="ctr">
+                      <a:solidFill>
+                        <a:srgbClr val="000000"/>
+                      </a:solidFill>
+                      <a:prstDash val="solid"/>
+                      <a:round/>
+                      <a:headEnd type="none" w="med" len="med"/>
+                      <a:tailEnd type="none" w="med" len="med"/>
+                    </a:lnB>
+                    <a:noFill/>
+                  </a:tcPr>
+                </a:tc>
+                <a:tc>
+                  <a:txBody>
+                    <a:bodyPr/>
+                    <a:lstStyle/>
+                    <a:p>
+                      <a:pPr algn="ctr" rtl="0" fontAlgn="ctr"/>
+                      <a:r>
+                        <a:rPr lang="en-IL" sz="1200" b="0" i="0" u="none" strike="noStrike">
+                          <a:solidFill>
+                            <a:srgbClr val="000000"/>
+                          </a:solidFill>
+                          <a:effectLst/>
+                          <a:latin typeface="Segoe UI" panose="020B0502040204020203" pitchFamily="34" charset="0"/>
+                        </a:rPr>
+                        <a:t>98.27</a:t>
+                      </a:r>
+                    </a:p>
+                  </a:txBody>
+                  <a:tcPr marL="6350" marR="6350" marT="6350" marB="0" anchor="ctr">
+                    <a:lnL w="6350" cap="flat" cmpd="sng" algn="ctr">
+                      <a:solidFill>
+                        <a:srgbClr val="000000"/>
+                      </a:solidFill>
+                      <a:prstDash val="solid"/>
+                      <a:round/>
+                      <a:headEnd type="none" w="med" len="med"/>
+                      <a:tailEnd type="none" w="med" len="med"/>
+                    </a:lnL>
+                    <a:lnR w="6350" cap="flat" cmpd="sng" algn="ctr">
+                      <a:solidFill>
+                        <a:srgbClr val="000000"/>
+                      </a:solidFill>
+                      <a:prstDash val="solid"/>
+                      <a:round/>
+                      <a:headEnd type="none" w="med" len="med"/>
+                      <a:tailEnd type="none" w="med" len="med"/>
+                    </a:lnR>
+                    <a:lnT w="6350" cap="flat" cmpd="sng" algn="ctr">
+                      <a:solidFill>
+                        <a:srgbClr val="000000"/>
+                      </a:solidFill>
+                      <a:prstDash val="solid"/>
+                      <a:round/>
+                      <a:headEnd type="none" w="med" len="med"/>
+                      <a:tailEnd type="none" w="med" len="med"/>
+                    </a:lnT>
+                    <a:lnB w="6350" cap="flat" cmpd="sng" algn="ctr">
+                      <a:solidFill>
+                        <a:srgbClr val="000000"/>
+                      </a:solidFill>
+                      <a:prstDash val="solid"/>
+                      <a:round/>
+                      <a:headEnd type="none" w="med" len="med"/>
+                      <a:tailEnd type="none" w="med" len="med"/>
+                    </a:lnB>
+                    <a:noFill/>
+                  </a:tcPr>
+                </a:tc>
+                <a:extLst>
+                  <a:ext uri="{0D108BD9-81ED-4DB2-BD59-A6C34878D82A}">
+                    <a16:rowId xmlns:a16="http://schemas.microsoft.com/office/drawing/2014/main" val="1507021055"/>
+                  </a:ext>
+                </a:extLst>
+              </a:tr>
+              <a:tr h="247180">
+                <a:tc>
+                  <a:txBody>
+                    <a:bodyPr/>
+                    <a:lstStyle/>
+                    <a:p>
+                      <a:pPr algn="ctr" rtl="0" fontAlgn="ctr"/>
+                      <a:r>
+                        <a:rPr lang="en-IL" sz="1200" b="0" i="0" u="none" strike="noStrike">
+                          <a:solidFill>
+                            <a:srgbClr val="000000"/>
+                          </a:solidFill>
+                          <a:effectLst/>
+                          <a:latin typeface="Segoe UI" panose="020B0502040204020203" pitchFamily="34" charset="0"/>
+                        </a:rPr>
+                        <a:t>2</a:t>
+                      </a:r>
+                    </a:p>
+                  </a:txBody>
+                  <a:tcPr marL="6350" marR="6350" marT="6350" marB="0" anchor="ctr">
+                    <a:lnL w="6350" cap="flat" cmpd="sng" algn="ctr">
+                      <a:solidFill>
+                        <a:srgbClr val="000000"/>
+                      </a:solidFill>
+                      <a:prstDash val="solid"/>
+                      <a:round/>
+                      <a:headEnd type="none" w="med" len="med"/>
+                      <a:tailEnd type="none" w="med" len="med"/>
+                    </a:lnL>
+                    <a:lnR w="6350" cap="flat" cmpd="sng" algn="ctr">
+                      <a:solidFill>
+                        <a:srgbClr val="000000"/>
+                      </a:solidFill>
+                      <a:prstDash val="solid"/>
+                      <a:round/>
+                      <a:headEnd type="none" w="med" len="med"/>
+                      <a:tailEnd type="none" w="med" len="med"/>
+                    </a:lnR>
+                    <a:lnT w="6350" cap="flat" cmpd="sng" algn="ctr">
+                      <a:solidFill>
+                        <a:srgbClr val="000000"/>
+                      </a:solidFill>
+                      <a:prstDash val="solid"/>
+                      <a:round/>
+                      <a:headEnd type="none" w="med" len="med"/>
+                      <a:tailEnd type="none" w="med" len="med"/>
+                    </a:lnT>
+                    <a:lnB w="6350" cap="flat" cmpd="sng" algn="ctr">
+                      <a:solidFill>
+                        <a:srgbClr val="000000"/>
+                      </a:solidFill>
+                      <a:prstDash val="solid"/>
+                      <a:round/>
+                      <a:headEnd type="none" w="med" len="med"/>
+                      <a:tailEnd type="none" w="med" len="med"/>
+                    </a:lnB>
+                    <a:noFill/>
+                  </a:tcPr>
+                </a:tc>
+                <a:tc>
+                  <a:txBody>
+                    <a:bodyPr/>
+                    <a:lstStyle/>
+                    <a:p>
+                      <a:pPr algn="ctr" rtl="0" fontAlgn="ctr"/>
+                      <a:r>
+                        <a:rPr lang="en-IL" sz="1200" b="0" i="0" u="none" strike="noStrike">
+                          <a:solidFill>
+                            <a:srgbClr val="000000"/>
+                          </a:solidFill>
+                          <a:effectLst/>
+                          <a:latin typeface="Segoe UI" panose="020B0502040204020203" pitchFamily="34" charset="0"/>
+                        </a:rPr>
+                        <a:t>64</a:t>
+                      </a:r>
+                    </a:p>
+                  </a:txBody>
+                  <a:tcPr marL="6350" marR="6350" marT="6350" marB="0" anchor="ctr">
+                    <a:lnL w="6350" cap="flat" cmpd="sng" algn="ctr">
+                      <a:solidFill>
+                        <a:srgbClr val="000000"/>
+                      </a:solidFill>
+                      <a:prstDash val="solid"/>
+                      <a:round/>
+                      <a:headEnd type="none" w="med" len="med"/>
+                      <a:tailEnd type="none" w="med" len="med"/>
+                    </a:lnL>
+                    <a:lnR w="6350" cap="flat" cmpd="sng" algn="ctr">
+                      <a:solidFill>
+                        <a:srgbClr val="000000"/>
+                      </a:solidFill>
+                      <a:prstDash val="solid"/>
+                      <a:round/>
+                      <a:headEnd type="none" w="med" len="med"/>
+                      <a:tailEnd type="none" w="med" len="med"/>
+                    </a:lnR>
+                    <a:lnT w="6350" cap="flat" cmpd="sng" algn="ctr">
+                      <a:solidFill>
+                        <a:srgbClr val="000000"/>
+                      </a:solidFill>
+                      <a:prstDash val="solid"/>
+                      <a:round/>
+                      <a:headEnd type="none" w="med" len="med"/>
+                      <a:tailEnd type="none" w="med" len="med"/>
+                    </a:lnT>
+                    <a:lnB w="6350" cap="flat" cmpd="sng" algn="ctr">
+                      <a:solidFill>
+                        <a:srgbClr val="000000"/>
+                      </a:solidFill>
+                      <a:prstDash val="solid"/>
+                      <a:round/>
+                      <a:headEnd type="none" w="med" len="med"/>
+                      <a:tailEnd type="none" w="med" len="med"/>
+                    </a:lnB>
+                    <a:noFill/>
+                  </a:tcPr>
+                </a:tc>
+                <a:tc>
+                  <a:txBody>
+                    <a:bodyPr/>
+                    <a:lstStyle/>
+                    <a:p>
+                      <a:pPr algn="ctr" rtl="0" fontAlgn="ctr"/>
+                      <a:r>
+                        <a:rPr lang="en-IL" sz="1200" b="0" i="0" u="none" strike="noStrike">
+                          <a:solidFill>
+                            <a:srgbClr val="000000"/>
+                          </a:solidFill>
+                          <a:effectLst/>
+                          <a:latin typeface="Segoe UI" panose="020B0502040204020203" pitchFamily="34" charset="0"/>
+                        </a:rPr>
+                        <a:t>10</a:t>
+                      </a:r>
+                    </a:p>
+                  </a:txBody>
+                  <a:tcPr marL="6350" marR="6350" marT="6350" marB="0" anchor="ctr">
+                    <a:lnL w="6350" cap="flat" cmpd="sng" algn="ctr">
+                      <a:solidFill>
+                        <a:srgbClr val="000000"/>
+                      </a:solidFill>
+                      <a:prstDash val="solid"/>
+                      <a:round/>
+                      <a:headEnd type="none" w="med" len="med"/>
+                      <a:tailEnd type="none" w="med" len="med"/>
+                    </a:lnL>
+                    <a:lnR w="6350" cap="flat" cmpd="sng" algn="ctr">
+                      <a:solidFill>
+                        <a:srgbClr val="000000"/>
+                      </a:solidFill>
+                      <a:prstDash val="solid"/>
+                      <a:round/>
+                      <a:headEnd type="none" w="med" len="med"/>
+                      <a:tailEnd type="none" w="med" len="med"/>
+                    </a:lnR>
+                    <a:lnT w="6350" cap="flat" cmpd="sng" algn="ctr">
+                      <a:solidFill>
+                        <a:srgbClr val="000000"/>
+                      </a:solidFill>
+                      <a:prstDash val="solid"/>
+                      <a:round/>
+                      <a:headEnd type="none" w="med" len="med"/>
+                      <a:tailEnd type="none" w="med" len="med"/>
+                    </a:lnT>
+                    <a:lnB w="6350" cap="flat" cmpd="sng" algn="ctr">
+                      <a:solidFill>
+                        <a:srgbClr val="000000"/>
+                      </a:solidFill>
+                      <a:prstDash val="solid"/>
+                      <a:round/>
+                      <a:headEnd type="none" w="med" len="med"/>
+                      <a:tailEnd type="none" w="med" len="med"/>
+                    </a:lnB>
+                    <a:noFill/>
+                  </a:tcPr>
+                </a:tc>
+                <a:tc>
+                  <a:txBody>
+                    <a:bodyPr/>
+                    <a:lstStyle/>
+                    <a:p>
+                      <a:pPr algn="ctr" rtl="0" fontAlgn="ctr"/>
+                      <a:r>
+                        <a:rPr lang="en-IL" sz="1200" b="0" i="0" u="none" strike="noStrike">
+                          <a:solidFill>
+                            <a:srgbClr val="000000"/>
+                          </a:solidFill>
+                          <a:effectLst/>
+                          <a:latin typeface="Segoe UI" panose="020B0502040204020203" pitchFamily="34" charset="0"/>
+                        </a:rPr>
+                        <a:t>0.001</a:t>
+                      </a:r>
+                    </a:p>
+                  </a:txBody>
+                  <a:tcPr marL="6350" marR="6350" marT="6350" marB="0" anchor="ctr">
+                    <a:lnL w="6350" cap="flat" cmpd="sng" algn="ctr">
+                      <a:solidFill>
+                        <a:srgbClr val="000000"/>
+                      </a:solidFill>
+                      <a:prstDash val="solid"/>
+                      <a:round/>
+                      <a:headEnd type="none" w="med" len="med"/>
+                      <a:tailEnd type="none" w="med" len="med"/>
+                    </a:lnL>
+                    <a:lnR w="6350" cap="flat" cmpd="sng" algn="ctr">
+                      <a:solidFill>
+                        <a:srgbClr val="000000"/>
+                      </a:solidFill>
+                      <a:prstDash val="solid"/>
+                      <a:round/>
+                      <a:headEnd type="none" w="med" len="med"/>
+                      <a:tailEnd type="none" w="med" len="med"/>
+                    </a:lnR>
+                    <a:lnT w="6350" cap="flat" cmpd="sng" algn="ctr">
+                      <a:solidFill>
+                        <a:srgbClr val="000000"/>
+                      </a:solidFill>
+                      <a:prstDash val="solid"/>
+                      <a:round/>
+                      <a:headEnd type="none" w="med" len="med"/>
+                      <a:tailEnd type="none" w="med" len="med"/>
+                    </a:lnT>
+                    <a:lnB w="6350" cap="flat" cmpd="sng" algn="ctr">
+                      <a:solidFill>
+                        <a:srgbClr val="000000"/>
+                      </a:solidFill>
+                      <a:prstDash val="solid"/>
+                      <a:round/>
+                      <a:headEnd type="none" w="med" len="med"/>
+                      <a:tailEnd type="none" w="med" len="med"/>
+                    </a:lnB>
+                    <a:noFill/>
+                  </a:tcPr>
+                </a:tc>
+                <a:tc>
+                  <a:txBody>
+                    <a:bodyPr/>
+                    <a:lstStyle/>
+                    <a:p>
+                      <a:pPr algn="ctr" rtl="0" fontAlgn="ctr"/>
+                      <a:r>
+                        <a:rPr lang="en-IL" sz="1200" b="0" i="0" u="none" strike="noStrike">
+                          <a:solidFill>
+                            <a:srgbClr val="000000"/>
+                          </a:solidFill>
+                          <a:effectLst/>
+                          <a:latin typeface="Segoe UI" panose="020B0502040204020203" pitchFamily="34" charset="0"/>
+                        </a:rPr>
+                        <a:t>98.24</a:t>
+                      </a:r>
+                    </a:p>
+                  </a:txBody>
+                  <a:tcPr marL="6350" marR="6350" marT="6350" marB="0" anchor="ctr">
+                    <a:lnL w="6350" cap="flat" cmpd="sng" algn="ctr">
+                      <a:solidFill>
+                        <a:srgbClr val="000000"/>
+                      </a:solidFill>
+                      <a:prstDash val="solid"/>
+                      <a:round/>
+                      <a:headEnd type="none" w="med" len="med"/>
+                      <a:tailEnd type="none" w="med" len="med"/>
+                    </a:lnL>
+                    <a:lnR w="6350" cap="flat" cmpd="sng" algn="ctr">
+                      <a:solidFill>
+                        <a:srgbClr val="000000"/>
+                      </a:solidFill>
+                      <a:prstDash val="solid"/>
+                      <a:round/>
+                      <a:headEnd type="none" w="med" len="med"/>
+                      <a:tailEnd type="none" w="med" len="med"/>
+                    </a:lnR>
+                    <a:lnT w="6350" cap="flat" cmpd="sng" algn="ctr">
+                      <a:solidFill>
+                        <a:srgbClr val="000000"/>
+                      </a:solidFill>
+                      <a:prstDash val="solid"/>
+                      <a:round/>
+                      <a:headEnd type="none" w="med" len="med"/>
+                      <a:tailEnd type="none" w="med" len="med"/>
+                    </a:lnT>
+                    <a:lnB w="6350" cap="flat" cmpd="sng" algn="ctr">
+                      <a:solidFill>
+                        <a:srgbClr val="000000"/>
+                      </a:solidFill>
+                      <a:prstDash val="solid"/>
+                      <a:round/>
+                      <a:headEnd type="none" w="med" len="med"/>
+                      <a:tailEnd type="none" w="med" len="med"/>
+                    </a:lnB>
+                    <a:noFill/>
+                  </a:tcPr>
+                </a:tc>
+                <a:extLst>
+                  <a:ext uri="{0D108BD9-81ED-4DB2-BD59-A6C34878D82A}">
+                    <a16:rowId xmlns:a16="http://schemas.microsoft.com/office/drawing/2014/main" val="3067002842"/>
+                  </a:ext>
+                </a:extLst>
+              </a:tr>
+              <a:tr h="247180">
+                <a:tc>
+                  <a:txBody>
+                    <a:bodyPr/>
+                    <a:lstStyle/>
+                    <a:p>
+                      <a:pPr algn="ctr" rtl="0" fontAlgn="ctr"/>
+                      <a:r>
+                        <a:rPr lang="en-IL" sz="1200" b="0" i="0" u="none" strike="noStrike">
+                          <a:solidFill>
+                            <a:srgbClr val="000000"/>
+                          </a:solidFill>
+                          <a:effectLst/>
+                          <a:latin typeface="Segoe UI" panose="020B0502040204020203" pitchFamily="34" charset="0"/>
+                        </a:rPr>
+                        <a:t>3</a:t>
+                      </a:r>
+                    </a:p>
+                  </a:txBody>
+                  <a:tcPr marL="6350" marR="6350" marT="6350" marB="0" anchor="ctr">
+                    <a:lnL w="6350" cap="flat" cmpd="sng" algn="ctr">
+                      <a:solidFill>
+                        <a:srgbClr val="000000"/>
+                      </a:solidFill>
+                      <a:prstDash val="solid"/>
+                      <a:round/>
+                      <a:headEnd type="none" w="med" len="med"/>
+                      <a:tailEnd type="none" w="med" len="med"/>
+                    </a:lnL>
+                    <a:lnR w="6350" cap="flat" cmpd="sng" algn="ctr">
+                      <a:solidFill>
+                        <a:srgbClr val="000000"/>
+                      </a:solidFill>
+                      <a:prstDash val="solid"/>
+                      <a:round/>
+                      <a:headEnd type="none" w="med" len="med"/>
+                      <a:tailEnd type="none" w="med" len="med"/>
+                    </a:lnR>
+                    <a:lnT w="6350" cap="flat" cmpd="sng" algn="ctr">
+                      <a:solidFill>
+                        <a:srgbClr val="000000"/>
+                      </a:solidFill>
+                      <a:prstDash val="solid"/>
+                      <a:round/>
+                      <a:headEnd type="none" w="med" len="med"/>
+                      <a:tailEnd type="none" w="med" len="med"/>
+                    </a:lnT>
+                    <a:lnB w="6350" cap="flat" cmpd="sng" algn="ctr">
+                      <a:solidFill>
+                        <a:srgbClr val="000000"/>
+                      </a:solidFill>
+                      <a:prstDash val="solid"/>
+                      <a:round/>
+                      <a:headEnd type="none" w="med" len="med"/>
+                      <a:tailEnd type="none" w="med" len="med"/>
+                    </a:lnB>
+                    <a:noFill/>
+                  </a:tcPr>
+                </a:tc>
+                <a:tc>
+                  <a:txBody>
+                    <a:bodyPr/>
+                    <a:lstStyle/>
+                    <a:p>
+                      <a:pPr algn="ctr" rtl="0" fontAlgn="ctr"/>
+                      <a:r>
+                        <a:rPr lang="en-IL" sz="1200" b="0" i="0" u="none" strike="noStrike">
+                          <a:solidFill>
+                            <a:srgbClr val="000000"/>
+                          </a:solidFill>
+                          <a:effectLst/>
+                          <a:latin typeface="Segoe UI" panose="020B0502040204020203" pitchFamily="34" charset="0"/>
+                        </a:rPr>
+                        <a:t>32</a:t>
+                      </a:r>
+                    </a:p>
+                  </a:txBody>
+                  <a:tcPr marL="6350" marR="6350" marT="6350" marB="0" anchor="ctr">
+                    <a:lnL w="6350" cap="flat" cmpd="sng" algn="ctr">
+                      <a:solidFill>
+                        <a:srgbClr val="000000"/>
+                      </a:solidFill>
+                      <a:prstDash val="solid"/>
+                      <a:round/>
+                      <a:headEnd type="none" w="med" len="med"/>
+                      <a:tailEnd type="none" w="med" len="med"/>
+                    </a:lnL>
+                    <a:lnR w="6350" cap="flat" cmpd="sng" algn="ctr">
+                      <a:solidFill>
+                        <a:srgbClr val="000000"/>
+                      </a:solidFill>
+                      <a:prstDash val="solid"/>
+                      <a:round/>
+                      <a:headEnd type="none" w="med" len="med"/>
+                      <a:tailEnd type="none" w="med" len="med"/>
+                    </a:lnR>
+                    <a:lnT w="6350" cap="flat" cmpd="sng" algn="ctr">
+                      <a:solidFill>
+                        <a:srgbClr val="000000"/>
+                      </a:solidFill>
+                      <a:prstDash val="solid"/>
+                      <a:round/>
+                      <a:headEnd type="none" w="med" len="med"/>
+                      <a:tailEnd type="none" w="med" len="med"/>
+                    </a:lnT>
+                    <a:lnB w="6350" cap="flat" cmpd="sng" algn="ctr">
+                      <a:solidFill>
+                        <a:srgbClr val="000000"/>
+                      </a:solidFill>
+                      <a:prstDash val="solid"/>
+                      <a:round/>
+                      <a:headEnd type="none" w="med" len="med"/>
+                      <a:tailEnd type="none" w="med" len="med"/>
+                    </a:lnB>
+                    <a:noFill/>
+                  </a:tcPr>
+                </a:tc>
+                <a:tc>
+                  <a:txBody>
+                    <a:bodyPr/>
+                    <a:lstStyle/>
+                    <a:p>
+                      <a:pPr algn="ctr" rtl="0" fontAlgn="ctr"/>
+                      <a:r>
+                        <a:rPr lang="en-IL" sz="1200" b="0" i="0" u="none" strike="noStrike">
+                          <a:solidFill>
+                            <a:srgbClr val="000000"/>
+                          </a:solidFill>
+                          <a:effectLst/>
+                          <a:latin typeface="Segoe UI" panose="020B0502040204020203" pitchFamily="34" charset="0"/>
+                        </a:rPr>
+                        <a:t>20</a:t>
+                      </a:r>
+                    </a:p>
+                  </a:txBody>
+                  <a:tcPr marL="6350" marR="6350" marT="6350" marB="0" anchor="ctr">
+                    <a:lnL w="6350" cap="flat" cmpd="sng" algn="ctr">
+                      <a:solidFill>
+                        <a:srgbClr val="000000"/>
+                      </a:solidFill>
+                      <a:prstDash val="solid"/>
+                      <a:round/>
+                      <a:headEnd type="none" w="med" len="med"/>
+                      <a:tailEnd type="none" w="med" len="med"/>
+                    </a:lnL>
+                    <a:lnR w="6350" cap="flat" cmpd="sng" algn="ctr">
+                      <a:solidFill>
+                        <a:srgbClr val="000000"/>
+                      </a:solidFill>
+                      <a:prstDash val="solid"/>
+                      <a:round/>
+                      <a:headEnd type="none" w="med" len="med"/>
+                      <a:tailEnd type="none" w="med" len="med"/>
+                    </a:lnR>
+                    <a:lnT w="6350" cap="flat" cmpd="sng" algn="ctr">
+                      <a:solidFill>
+                        <a:srgbClr val="000000"/>
+                      </a:solidFill>
+                      <a:prstDash val="solid"/>
+                      <a:round/>
+                      <a:headEnd type="none" w="med" len="med"/>
+                      <a:tailEnd type="none" w="med" len="med"/>
+                    </a:lnT>
+                    <a:lnB w="6350" cap="flat" cmpd="sng" algn="ctr">
+                      <a:solidFill>
+                        <a:srgbClr val="000000"/>
+                      </a:solidFill>
+                      <a:prstDash val="solid"/>
+                      <a:round/>
+                      <a:headEnd type="none" w="med" len="med"/>
+                      <a:tailEnd type="none" w="med" len="med"/>
+                    </a:lnB>
+                    <a:noFill/>
+                  </a:tcPr>
+                </a:tc>
+                <a:tc>
+                  <a:txBody>
+                    <a:bodyPr/>
+                    <a:lstStyle/>
+                    <a:p>
+                      <a:pPr algn="ctr" rtl="0" fontAlgn="ctr"/>
+                      <a:r>
+                        <a:rPr lang="en-IL" sz="1200" b="0" i="0" u="none" strike="noStrike">
+                          <a:solidFill>
+                            <a:srgbClr val="000000"/>
+                          </a:solidFill>
+                          <a:effectLst/>
+                          <a:latin typeface="Segoe UI" panose="020B0502040204020203" pitchFamily="34" charset="0"/>
+                        </a:rPr>
+                        <a:t>0.001</a:t>
+                      </a:r>
+                    </a:p>
+                  </a:txBody>
+                  <a:tcPr marL="6350" marR="6350" marT="6350" marB="0" anchor="ctr">
+                    <a:lnL w="6350" cap="flat" cmpd="sng" algn="ctr">
+                      <a:solidFill>
+                        <a:srgbClr val="000000"/>
+                      </a:solidFill>
+                      <a:prstDash val="solid"/>
+                      <a:round/>
+                      <a:headEnd type="none" w="med" len="med"/>
+                      <a:tailEnd type="none" w="med" len="med"/>
+                    </a:lnL>
+                    <a:lnR w="6350" cap="flat" cmpd="sng" algn="ctr">
+                      <a:solidFill>
+                        <a:srgbClr val="000000"/>
+                      </a:solidFill>
+                      <a:prstDash val="solid"/>
+                      <a:round/>
+                      <a:headEnd type="none" w="med" len="med"/>
+                      <a:tailEnd type="none" w="med" len="med"/>
+                    </a:lnR>
+                    <a:lnT w="6350" cap="flat" cmpd="sng" algn="ctr">
+                      <a:solidFill>
+                        <a:srgbClr val="000000"/>
+                      </a:solidFill>
+                      <a:prstDash val="solid"/>
+                      <a:round/>
+                      <a:headEnd type="none" w="med" len="med"/>
+                      <a:tailEnd type="none" w="med" len="med"/>
+                    </a:lnT>
+                    <a:lnB w="6350" cap="flat" cmpd="sng" algn="ctr">
+                      <a:solidFill>
+                        <a:srgbClr val="000000"/>
+                      </a:solidFill>
+                      <a:prstDash val="solid"/>
+                      <a:round/>
+                      <a:headEnd type="none" w="med" len="med"/>
+                      <a:tailEnd type="none" w="med" len="med"/>
+                    </a:lnB>
+                    <a:noFill/>
+                  </a:tcPr>
+                </a:tc>
+                <a:tc>
+                  <a:txBody>
+                    <a:bodyPr/>
+                    <a:lstStyle/>
+                    <a:p>
+                      <a:pPr algn="ctr" rtl="0" fontAlgn="ctr"/>
+                      <a:r>
+                        <a:rPr lang="en-IL" sz="1200" b="0" i="0" u="none" strike="noStrike">
+                          <a:solidFill>
+                            <a:srgbClr val="000000"/>
+                          </a:solidFill>
+                          <a:effectLst/>
+                          <a:latin typeface="Segoe UI" panose="020B0502040204020203" pitchFamily="34" charset="0"/>
+                        </a:rPr>
+                        <a:t>98.24</a:t>
+                      </a:r>
+                    </a:p>
+                  </a:txBody>
+                  <a:tcPr marL="6350" marR="6350" marT="6350" marB="0" anchor="ctr">
+                    <a:lnL w="6350" cap="flat" cmpd="sng" algn="ctr">
+                      <a:solidFill>
+                        <a:srgbClr val="000000"/>
+                      </a:solidFill>
+                      <a:prstDash val="solid"/>
+                      <a:round/>
+                      <a:headEnd type="none" w="med" len="med"/>
+                      <a:tailEnd type="none" w="med" len="med"/>
+                    </a:lnL>
+                    <a:lnR w="6350" cap="flat" cmpd="sng" algn="ctr">
+                      <a:solidFill>
+                        <a:srgbClr val="000000"/>
+                      </a:solidFill>
+                      <a:prstDash val="solid"/>
+                      <a:round/>
+                      <a:headEnd type="none" w="med" len="med"/>
+                      <a:tailEnd type="none" w="med" len="med"/>
+                    </a:lnR>
+                    <a:lnT w="6350" cap="flat" cmpd="sng" algn="ctr">
+                      <a:solidFill>
+                        <a:srgbClr val="000000"/>
+                      </a:solidFill>
+                      <a:prstDash val="solid"/>
+                      <a:round/>
+                      <a:headEnd type="none" w="med" len="med"/>
+                      <a:tailEnd type="none" w="med" len="med"/>
+                    </a:lnT>
+                    <a:lnB w="6350" cap="flat" cmpd="sng" algn="ctr">
+                      <a:solidFill>
+                        <a:srgbClr val="000000"/>
+                      </a:solidFill>
+                      <a:prstDash val="solid"/>
+                      <a:round/>
+                      <a:headEnd type="none" w="med" len="med"/>
+                      <a:tailEnd type="none" w="med" len="med"/>
+                    </a:lnB>
+                    <a:noFill/>
+                  </a:tcPr>
+                </a:tc>
+                <a:extLst>
+                  <a:ext uri="{0D108BD9-81ED-4DB2-BD59-A6C34878D82A}">
+                    <a16:rowId xmlns:a16="http://schemas.microsoft.com/office/drawing/2014/main" val="4137544288"/>
+                  </a:ext>
+                </a:extLst>
+              </a:tr>
+              <a:tr h="247180">
+                <a:tc>
+                  <a:txBody>
+                    <a:bodyPr/>
+                    <a:lstStyle/>
+                    <a:p>
+                      <a:pPr algn="ctr" rtl="0" fontAlgn="ctr"/>
+                      <a:r>
+                        <a:rPr lang="en-IL" sz="1200" b="0" i="0" u="none" strike="noStrike">
+                          <a:solidFill>
+                            <a:srgbClr val="000000"/>
+                          </a:solidFill>
+                          <a:effectLst/>
+                          <a:latin typeface="Segoe UI" panose="020B0502040204020203" pitchFamily="34" charset="0"/>
+                        </a:rPr>
+                        <a:t>4</a:t>
+                      </a:r>
+                    </a:p>
+                  </a:txBody>
+                  <a:tcPr marL="6350" marR="6350" marT="6350" marB="0" anchor="ctr">
+                    <a:lnL w="6350" cap="flat" cmpd="sng" algn="ctr">
+                      <a:solidFill>
+                        <a:srgbClr val="000000"/>
+                      </a:solidFill>
+                      <a:prstDash val="solid"/>
+                      <a:round/>
+                      <a:headEnd type="none" w="med" len="med"/>
+                      <a:tailEnd type="none" w="med" len="med"/>
+                    </a:lnL>
+                    <a:lnR w="6350" cap="flat" cmpd="sng" algn="ctr">
+                      <a:solidFill>
+                        <a:srgbClr val="000000"/>
+                      </a:solidFill>
+                      <a:prstDash val="solid"/>
+                      <a:round/>
+                      <a:headEnd type="none" w="med" len="med"/>
+                      <a:tailEnd type="none" w="med" len="med"/>
+                    </a:lnR>
+                    <a:lnT w="6350" cap="flat" cmpd="sng" algn="ctr">
+                      <a:solidFill>
+                        <a:srgbClr val="000000"/>
+                      </a:solidFill>
+                      <a:prstDash val="solid"/>
+                      <a:round/>
+                      <a:headEnd type="none" w="med" len="med"/>
+                      <a:tailEnd type="none" w="med" len="med"/>
+                    </a:lnT>
+                    <a:lnB w="6350" cap="flat" cmpd="sng" algn="ctr">
+                      <a:solidFill>
+                        <a:srgbClr val="000000"/>
+                      </a:solidFill>
+                      <a:prstDash val="solid"/>
+                      <a:round/>
+                      <a:headEnd type="none" w="med" len="med"/>
+                      <a:tailEnd type="none" w="med" len="med"/>
+                    </a:lnB>
+                    <a:noFill/>
+                  </a:tcPr>
+                </a:tc>
+                <a:tc>
+                  <a:txBody>
+                    <a:bodyPr/>
+                    <a:lstStyle/>
+                    <a:p>
+                      <a:pPr algn="ctr" rtl="0" fontAlgn="ctr"/>
+                      <a:r>
+                        <a:rPr lang="en-IL" sz="1200" b="0" i="0" u="none" strike="noStrike">
+                          <a:solidFill>
+                            <a:srgbClr val="000000"/>
+                          </a:solidFill>
+                          <a:effectLst/>
+                          <a:latin typeface="Segoe UI" panose="020B0502040204020203" pitchFamily="34" charset="0"/>
+                        </a:rPr>
+                        <a:t>64</a:t>
+                      </a:r>
+                    </a:p>
+                  </a:txBody>
+                  <a:tcPr marL="6350" marR="6350" marT="6350" marB="0" anchor="ctr">
+                    <a:lnL w="6350" cap="flat" cmpd="sng" algn="ctr">
+                      <a:solidFill>
+                        <a:srgbClr val="000000"/>
+                      </a:solidFill>
+                      <a:prstDash val="solid"/>
+                      <a:round/>
+                      <a:headEnd type="none" w="med" len="med"/>
+                      <a:tailEnd type="none" w="med" len="med"/>
+                    </a:lnL>
+                    <a:lnR w="6350" cap="flat" cmpd="sng" algn="ctr">
+                      <a:solidFill>
+                        <a:srgbClr val="000000"/>
+                      </a:solidFill>
+                      <a:prstDash val="solid"/>
+                      <a:round/>
+                      <a:headEnd type="none" w="med" len="med"/>
+                      <a:tailEnd type="none" w="med" len="med"/>
+                    </a:lnR>
+                    <a:lnT w="6350" cap="flat" cmpd="sng" algn="ctr">
+                      <a:solidFill>
+                        <a:srgbClr val="000000"/>
+                      </a:solidFill>
+                      <a:prstDash val="solid"/>
+                      <a:round/>
+                      <a:headEnd type="none" w="med" len="med"/>
+                      <a:tailEnd type="none" w="med" len="med"/>
+                    </a:lnT>
+                    <a:lnB w="6350" cap="flat" cmpd="sng" algn="ctr">
+                      <a:solidFill>
+                        <a:srgbClr val="000000"/>
+                      </a:solidFill>
+                      <a:prstDash val="solid"/>
+                      <a:round/>
+                      <a:headEnd type="none" w="med" len="med"/>
+                      <a:tailEnd type="none" w="med" len="med"/>
+                    </a:lnB>
+                    <a:noFill/>
+                  </a:tcPr>
+                </a:tc>
+                <a:tc>
+                  <a:txBody>
+                    <a:bodyPr/>
+                    <a:lstStyle/>
+                    <a:p>
+                      <a:pPr algn="ctr" rtl="0" fontAlgn="ctr"/>
+                      <a:r>
+                        <a:rPr lang="en-IL" sz="1200" b="0" i="0" u="none" strike="noStrike">
+                          <a:solidFill>
+                            <a:srgbClr val="000000"/>
+                          </a:solidFill>
+                          <a:effectLst/>
+                          <a:latin typeface="Segoe UI" panose="020B0502040204020203" pitchFamily="34" charset="0"/>
+                        </a:rPr>
+                        <a:t>20</a:t>
+                      </a:r>
+                    </a:p>
+                  </a:txBody>
+                  <a:tcPr marL="6350" marR="6350" marT="6350" marB="0" anchor="ctr">
+                    <a:lnL w="6350" cap="flat" cmpd="sng" algn="ctr">
+                      <a:solidFill>
+                        <a:srgbClr val="000000"/>
+                      </a:solidFill>
+                      <a:prstDash val="solid"/>
+                      <a:round/>
+                      <a:headEnd type="none" w="med" len="med"/>
+                      <a:tailEnd type="none" w="med" len="med"/>
+                    </a:lnL>
+                    <a:lnR w="6350" cap="flat" cmpd="sng" algn="ctr">
+                      <a:solidFill>
+                        <a:srgbClr val="000000"/>
+                      </a:solidFill>
+                      <a:prstDash val="solid"/>
+                      <a:round/>
+                      <a:headEnd type="none" w="med" len="med"/>
+                      <a:tailEnd type="none" w="med" len="med"/>
+                    </a:lnR>
+                    <a:lnT w="6350" cap="flat" cmpd="sng" algn="ctr">
+                      <a:solidFill>
+                        <a:srgbClr val="000000"/>
+                      </a:solidFill>
+                      <a:prstDash val="solid"/>
+                      <a:round/>
+                      <a:headEnd type="none" w="med" len="med"/>
+                      <a:tailEnd type="none" w="med" len="med"/>
+                    </a:lnT>
+                    <a:lnB w="6350" cap="flat" cmpd="sng" algn="ctr">
+                      <a:solidFill>
+                        <a:srgbClr val="000000"/>
+                      </a:solidFill>
+                      <a:prstDash val="solid"/>
+                      <a:round/>
+                      <a:headEnd type="none" w="med" len="med"/>
+                      <a:tailEnd type="none" w="med" len="med"/>
+                    </a:lnB>
+                    <a:noFill/>
+                  </a:tcPr>
+                </a:tc>
+                <a:tc>
+                  <a:txBody>
+                    <a:bodyPr/>
+                    <a:lstStyle/>
+                    <a:p>
+                      <a:pPr algn="ctr" rtl="0" fontAlgn="ctr"/>
+                      <a:r>
+                        <a:rPr lang="en-IL" sz="1200" b="0" i="0" u="none" strike="noStrike">
+                          <a:solidFill>
+                            <a:srgbClr val="000000"/>
+                          </a:solidFill>
+                          <a:effectLst/>
+                          <a:latin typeface="Segoe UI" panose="020B0502040204020203" pitchFamily="34" charset="0"/>
+                        </a:rPr>
+                        <a:t>0.001</a:t>
+                      </a:r>
+                    </a:p>
+                  </a:txBody>
+                  <a:tcPr marL="6350" marR="6350" marT="6350" marB="0" anchor="ctr">
+                    <a:lnL w="6350" cap="flat" cmpd="sng" algn="ctr">
+                      <a:solidFill>
+                        <a:srgbClr val="000000"/>
+                      </a:solidFill>
+                      <a:prstDash val="solid"/>
+                      <a:round/>
+                      <a:headEnd type="none" w="med" len="med"/>
+                      <a:tailEnd type="none" w="med" len="med"/>
+                    </a:lnL>
+                    <a:lnR w="6350" cap="flat" cmpd="sng" algn="ctr">
+                      <a:solidFill>
+                        <a:srgbClr val="000000"/>
+                      </a:solidFill>
+                      <a:prstDash val="solid"/>
+                      <a:round/>
+                      <a:headEnd type="none" w="med" len="med"/>
+                      <a:tailEnd type="none" w="med" len="med"/>
+                    </a:lnR>
+                    <a:lnT w="6350" cap="flat" cmpd="sng" algn="ctr">
+                      <a:solidFill>
+                        <a:srgbClr val="000000"/>
+                      </a:solidFill>
+                      <a:prstDash val="solid"/>
+                      <a:round/>
+                      <a:headEnd type="none" w="med" len="med"/>
+                      <a:tailEnd type="none" w="med" len="med"/>
+                    </a:lnT>
+                    <a:lnB w="6350" cap="flat" cmpd="sng" algn="ctr">
+                      <a:solidFill>
+                        <a:srgbClr val="000000"/>
+                      </a:solidFill>
+                      <a:prstDash val="solid"/>
+                      <a:round/>
+                      <a:headEnd type="none" w="med" len="med"/>
+                      <a:tailEnd type="none" w="med" len="med"/>
+                    </a:lnB>
+                    <a:noFill/>
+                  </a:tcPr>
+                </a:tc>
+                <a:tc>
+                  <a:txBody>
+                    <a:bodyPr/>
+                    <a:lstStyle/>
+                    <a:p>
+                      <a:pPr algn="ctr" rtl="0" fontAlgn="ctr"/>
+                      <a:r>
+                        <a:rPr lang="en-IL" sz="1200" b="0" i="0" u="none" strike="noStrike">
+                          <a:solidFill>
+                            <a:srgbClr val="000000"/>
+                          </a:solidFill>
+                          <a:effectLst/>
+                          <a:latin typeface="Segoe UI" panose="020B0502040204020203" pitchFamily="34" charset="0"/>
+                        </a:rPr>
+                        <a:t>98.1</a:t>
+                      </a:r>
+                    </a:p>
+                  </a:txBody>
+                  <a:tcPr marL="6350" marR="6350" marT="6350" marB="0" anchor="ctr">
+                    <a:lnL w="6350" cap="flat" cmpd="sng" algn="ctr">
+                      <a:solidFill>
+                        <a:srgbClr val="000000"/>
+                      </a:solidFill>
+                      <a:prstDash val="solid"/>
+                      <a:round/>
+                      <a:headEnd type="none" w="med" len="med"/>
+                      <a:tailEnd type="none" w="med" len="med"/>
+                    </a:lnL>
+                    <a:lnR w="6350" cap="flat" cmpd="sng" algn="ctr">
+                      <a:solidFill>
+                        <a:srgbClr val="000000"/>
+                      </a:solidFill>
+                      <a:prstDash val="solid"/>
+                      <a:round/>
+                      <a:headEnd type="none" w="med" len="med"/>
+                      <a:tailEnd type="none" w="med" len="med"/>
+                    </a:lnR>
+                    <a:lnT w="6350" cap="flat" cmpd="sng" algn="ctr">
+                      <a:solidFill>
+                        <a:srgbClr val="000000"/>
+                      </a:solidFill>
+                      <a:prstDash val="solid"/>
+                      <a:round/>
+                      <a:headEnd type="none" w="med" len="med"/>
+                      <a:tailEnd type="none" w="med" len="med"/>
+                    </a:lnT>
+                    <a:lnB w="6350" cap="flat" cmpd="sng" algn="ctr">
+                      <a:solidFill>
+                        <a:srgbClr val="000000"/>
+                      </a:solidFill>
+                      <a:prstDash val="solid"/>
+                      <a:round/>
+                      <a:headEnd type="none" w="med" len="med"/>
+                      <a:tailEnd type="none" w="med" len="med"/>
+                    </a:lnB>
+                    <a:noFill/>
+                  </a:tcPr>
+                </a:tc>
+                <a:extLst>
+                  <a:ext uri="{0D108BD9-81ED-4DB2-BD59-A6C34878D82A}">
+                    <a16:rowId xmlns:a16="http://schemas.microsoft.com/office/drawing/2014/main" val="2443691221"/>
+                  </a:ext>
+                </a:extLst>
+              </a:tr>
+              <a:tr h="247180">
+                <a:tc>
+                  <a:txBody>
+                    <a:bodyPr/>
+                    <a:lstStyle/>
+                    <a:p>
+                      <a:pPr algn="ctr" rtl="0" fontAlgn="ctr"/>
+                      <a:r>
+                        <a:rPr lang="en-IL" sz="1200" b="0" i="0" u="none" strike="noStrike">
+                          <a:solidFill>
+                            <a:srgbClr val="000000"/>
+                          </a:solidFill>
+                          <a:effectLst/>
+                          <a:latin typeface="Segoe UI" panose="020B0502040204020203" pitchFamily="34" charset="0"/>
+                        </a:rPr>
+                        <a:t>5</a:t>
+                      </a:r>
+                    </a:p>
+                  </a:txBody>
+                  <a:tcPr marL="6350" marR="6350" marT="6350" marB="0" anchor="ctr">
+                    <a:lnL w="6350" cap="flat" cmpd="sng" algn="ctr">
+                      <a:solidFill>
+                        <a:srgbClr val="000000"/>
+                      </a:solidFill>
+                      <a:prstDash val="solid"/>
+                      <a:round/>
+                      <a:headEnd type="none" w="med" len="med"/>
+                      <a:tailEnd type="none" w="med" len="med"/>
+                    </a:lnL>
+                    <a:lnR w="6350" cap="flat" cmpd="sng" algn="ctr">
+                      <a:solidFill>
+                        <a:srgbClr val="000000"/>
+                      </a:solidFill>
+                      <a:prstDash val="solid"/>
+                      <a:round/>
+                      <a:headEnd type="none" w="med" len="med"/>
+                      <a:tailEnd type="none" w="med" len="med"/>
+                    </a:lnR>
+                    <a:lnT w="6350" cap="flat" cmpd="sng" algn="ctr">
+                      <a:solidFill>
+                        <a:srgbClr val="000000"/>
+                      </a:solidFill>
+                      <a:prstDash val="solid"/>
+                      <a:round/>
+                      <a:headEnd type="none" w="med" len="med"/>
+                      <a:tailEnd type="none" w="med" len="med"/>
+                    </a:lnT>
+                    <a:lnB w="6350" cap="flat" cmpd="sng" algn="ctr">
+                      <a:solidFill>
+                        <a:srgbClr val="000000"/>
+                      </a:solidFill>
+                      <a:prstDash val="solid"/>
+                      <a:round/>
+                      <a:headEnd type="none" w="med" len="med"/>
+                      <a:tailEnd type="none" w="med" len="med"/>
+                    </a:lnB>
+                    <a:noFill/>
+                  </a:tcPr>
+                </a:tc>
+                <a:tc>
+                  <a:txBody>
+                    <a:bodyPr/>
+                    <a:lstStyle/>
+                    <a:p>
+                      <a:pPr algn="ctr" rtl="0" fontAlgn="ctr"/>
+                      <a:r>
+                        <a:rPr lang="en-IL" sz="1200" b="0" i="0" u="none" strike="noStrike">
+                          <a:solidFill>
+                            <a:srgbClr val="000000"/>
+                          </a:solidFill>
+                          <a:effectLst/>
+                          <a:latin typeface="Segoe UI" panose="020B0502040204020203" pitchFamily="34" charset="0"/>
+                        </a:rPr>
+                        <a:t>32</a:t>
+                      </a:r>
+                    </a:p>
+                  </a:txBody>
+                  <a:tcPr marL="6350" marR="6350" marT="6350" marB="0" anchor="ctr">
+                    <a:lnL w="6350" cap="flat" cmpd="sng" algn="ctr">
+                      <a:solidFill>
+                        <a:srgbClr val="000000"/>
+                      </a:solidFill>
+                      <a:prstDash val="solid"/>
+                      <a:round/>
+                      <a:headEnd type="none" w="med" len="med"/>
+                      <a:tailEnd type="none" w="med" len="med"/>
+                    </a:lnL>
+                    <a:lnR w="6350" cap="flat" cmpd="sng" algn="ctr">
+                      <a:solidFill>
+                        <a:srgbClr val="000000"/>
+                      </a:solidFill>
+                      <a:prstDash val="solid"/>
+                      <a:round/>
+                      <a:headEnd type="none" w="med" len="med"/>
+                      <a:tailEnd type="none" w="med" len="med"/>
+                    </a:lnR>
+                    <a:lnT w="6350" cap="flat" cmpd="sng" algn="ctr">
+                      <a:solidFill>
+                        <a:srgbClr val="000000"/>
+                      </a:solidFill>
+                      <a:prstDash val="solid"/>
+                      <a:round/>
+                      <a:headEnd type="none" w="med" len="med"/>
+                      <a:tailEnd type="none" w="med" len="med"/>
+                    </a:lnT>
+                    <a:lnB w="6350" cap="flat" cmpd="sng" algn="ctr">
+                      <a:solidFill>
+                        <a:srgbClr val="000000"/>
+                      </a:solidFill>
+                      <a:prstDash val="solid"/>
+                      <a:round/>
+                      <a:headEnd type="none" w="med" len="med"/>
+                      <a:tailEnd type="none" w="med" len="med"/>
+                    </a:lnB>
+                    <a:noFill/>
+                  </a:tcPr>
+                </a:tc>
+                <a:tc>
+                  <a:txBody>
+                    <a:bodyPr/>
+                    <a:lstStyle/>
+                    <a:p>
+                      <a:pPr algn="ctr" rtl="0" fontAlgn="ctr"/>
+                      <a:r>
+                        <a:rPr lang="en-IL" sz="1200" b="0" i="0" u="none" strike="noStrike">
+                          <a:solidFill>
+                            <a:srgbClr val="000000"/>
+                          </a:solidFill>
+                          <a:effectLst/>
+                          <a:latin typeface="Segoe UI" panose="020B0502040204020203" pitchFamily="34" charset="0"/>
+                        </a:rPr>
+                        <a:t>30</a:t>
+                      </a:r>
+                    </a:p>
+                  </a:txBody>
+                  <a:tcPr marL="6350" marR="6350" marT="6350" marB="0" anchor="ctr">
+                    <a:lnL w="6350" cap="flat" cmpd="sng" algn="ctr">
+                      <a:solidFill>
+                        <a:srgbClr val="000000"/>
+                      </a:solidFill>
+                      <a:prstDash val="solid"/>
+                      <a:round/>
+                      <a:headEnd type="none" w="med" len="med"/>
+                      <a:tailEnd type="none" w="med" len="med"/>
+                    </a:lnL>
+                    <a:lnR w="6350" cap="flat" cmpd="sng" algn="ctr">
+                      <a:solidFill>
+                        <a:srgbClr val="000000"/>
+                      </a:solidFill>
+                      <a:prstDash val="solid"/>
+                      <a:round/>
+                      <a:headEnd type="none" w="med" len="med"/>
+                      <a:tailEnd type="none" w="med" len="med"/>
+                    </a:lnR>
+                    <a:lnT w="6350" cap="flat" cmpd="sng" algn="ctr">
+                      <a:solidFill>
+                        <a:srgbClr val="000000"/>
+                      </a:solidFill>
+                      <a:prstDash val="solid"/>
+                      <a:round/>
+                      <a:headEnd type="none" w="med" len="med"/>
+                      <a:tailEnd type="none" w="med" len="med"/>
+                    </a:lnT>
+                    <a:lnB w="6350" cap="flat" cmpd="sng" algn="ctr">
+                      <a:solidFill>
+                        <a:srgbClr val="000000"/>
+                      </a:solidFill>
+                      <a:prstDash val="solid"/>
+                      <a:round/>
+                      <a:headEnd type="none" w="med" len="med"/>
+                      <a:tailEnd type="none" w="med" len="med"/>
+                    </a:lnB>
+                    <a:noFill/>
+                  </a:tcPr>
+                </a:tc>
+                <a:tc>
+                  <a:txBody>
+                    <a:bodyPr/>
+                    <a:lstStyle/>
+                    <a:p>
+                      <a:pPr algn="ctr" rtl="0" fontAlgn="ctr"/>
+                      <a:r>
+                        <a:rPr lang="en-IL" sz="1200" b="0" i="0" u="none" strike="noStrike">
+                          <a:solidFill>
+                            <a:srgbClr val="000000"/>
+                          </a:solidFill>
+                          <a:effectLst/>
+                          <a:latin typeface="Segoe UI" panose="020B0502040204020203" pitchFamily="34" charset="0"/>
+                        </a:rPr>
+                        <a:t>0.001</a:t>
+                      </a:r>
+                    </a:p>
+                  </a:txBody>
+                  <a:tcPr marL="6350" marR="6350" marT="6350" marB="0" anchor="ctr">
+                    <a:lnL w="6350" cap="flat" cmpd="sng" algn="ctr">
+                      <a:solidFill>
+                        <a:srgbClr val="000000"/>
+                      </a:solidFill>
+                      <a:prstDash val="solid"/>
+                      <a:round/>
+                      <a:headEnd type="none" w="med" len="med"/>
+                      <a:tailEnd type="none" w="med" len="med"/>
+                    </a:lnL>
+                    <a:lnR w="6350" cap="flat" cmpd="sng" algn="ctr">
+                      <a:solidFill>
+                        <a:srgbClr val="000000"/>
+                      </a:solidFill>
+                      <a:prstDash val="solid"/>
+                      <a:round/>
+                      <a:headEnd type="none" w="med" len="med"/>
+                      <a:tailEnd type="none" w="med" len="med"/>
+                    </a:lnR>
+                    <a:lnT w="6350" cap="flat" cmpd="sng" algn="ctr">
+                      <a:solidFill>
+                        <a:srgbClr val="000000"/>
+                      </a:solidFill>
+                      <a:prstDash val="solid"/>
+                      <a:round/>
+                      <a:headEnd type="none" w="med" len="med"/>
+                      <a:tailEnd type="none" w="med" len="med"/>
+                    </a:lnT>
+                    <a:lnB w="6350" cap="flat" cmpd="sng" algn="ctr">
+                      <a:solidFill>
+                        <a:srgbClr val="000000"/>
+                      </a:solidFill>
+                      <a:prstDash val="solid"/>
+                      <a:round/>
+                      <a:headEnd type="none" w="med" len="med"/>
+                      <a:tailEnd type="none" w="med" len="med"/>
+                    </a:lnB>
+                    <a:noFill/>
+                  </a:tcPr>
+                </a:tc>
+                <a:tc>
+                  <a:txBody>
+                    <a:bodyPr/>
+                    <a:lstStyle/>
+                    <a:p>
+                      <a:pPr algn="ctr" rtl="0" fontAlgn="ctr"/>
+                      <a:r>
+                        <a:rPr lang="en-IL" sz="1200" b="0" i="0" u="none" strike="noStrike">
+                          <a:solidFill>
+                            <a:srgbClr val="000000"/>
+                          </a:solidFill>
+                          <a:effectLst/>
+                          <a:latin typeface="Segoe UI" panose="020B0502040204020203" pitchFamily="34" charset="0"/>
+                        </a:rPr>
+                        <a:t>98.06</a:t>
+                      </a:r>
+                    </a:p>
+                  </a:txBody>
+                  <a:tcPr marL="6350" marR="6350" marT="6350" marB="0" anchor="ctr">
+                    <a:lnL w="6350" cap="flat" cmpd="sng" algn="ctr">
+                      <a:solidFill>
+                        <a:srgbClr val="000000"/>
+                      </a:solidFill>
+                      <a:prstDash val="solid"/>
+                      <a:round/>
+                      <a:headEnd type="none" w="med" len="med"/>
+                      <a:tailEnd type="none" w="med" len="med"/>
+                    </a:lnL>
+                    <a:lnR w="6350" cap="flat" cmpd="sng" algn="ctr">
+                      <a:solidFill>
+                        <a:srgbClr val="000000"/>
+                      </a:solidFill>
+                      <a:prstDash val="solid"/>
+                      <a:round/>
+                      <a:headEnd type="none" w="med" len="med"/>
+                      <a:tailEnd type="none" w="med" len="med"/>
+                    </a:lnR>
+                    <a:lnT w="6350" cap="flat" cmpd="sng" algn="ctr">
+                      <a:solidFill>
+                        <a:srgbClr val="000000"/>
+                      </a:solidFill>
+                      <a:prstDash val="solid"/>
+                      <a:round/>
+                      <a:headEnd type="none" w="med" len="med"/>
+                      <a:tailEnd type="none" w="med" len="med"/>
+                    </a:lnT>
+                    <a:lnB w="6350" cap="flat" cmpd="sng" algn="ctr">
+                      <a:solidFill>
+                        <a:srgbClr val="000000"/>
+                      </a:solidFill>
+                      <a:prstDash val="solid"/>
+                      <a:round/>
+                      <a:headEnd type="none" w="med" len="med"/>
+                      <a:tailEnd type="none" w="med" len="med"/>
+                    </a:lnB>
+                    <a:noFill/>
+                  </a:tcPr>
+                </a:tc>
+                <a:extLst>
+                  <a:ext uri="{0D108BD9-81ED-4DB2-BD59-A6C34878D82A}">
+                    <a16:rowId xmlns:a16="http://schemas.microsoft.com/office/drawing/2014/main" val="3148241908"/>
+                  </a:ext>
+                </a:extLst>
+              </a:tr>
+              <a:tr h="247180">
+                <a:tc>
+                  <a:txBody>
+                    <a:bodyPr/>
+                    <a:lstStyle/>
+                    <a:p>
+                      <a:pPr algn="ctr" rtl="0" fontAlgn="ctr"/>
+                      <a:r>
+                        <a:rPr lang="en-IL" sz="1200" b="0" i="0" u="none" strike="noStrike">
+                          <a:solidFill>
+                            <a:srgbClr val="000000"/>
+                          </a:solidFill>
+                          <a:effectLst/>
+                          <a:latin typeface="Segoe UI" panose="020B0502040204020203" pitchFamily="34" charset="0"/>
+                        </a:rPr>
+                        <a:t>6</a:t>
+                      </a:r>
+                    </a:p>
+                  </a:txBody>
+                  <a:tcPr marL="6350" marR="6350" marT="6350" marB="0" anchor="ctr">
+                    <a:lnL w="6350" cap="flat" cmpd="sng" algn="ctr">
+                      <a:solidFill>
+                        <a:srgbClr val="000000"/>
+                      </a:solidFill>
+                      <a:prstDash val="solid"/>
+                      <a:round/>
+                      <a:headEnd type="none" w="med" len="med"/>
+                      <a:tailEnd type="none" w="med" len="med"/>
+                    </a:lnL>
+                    <a:lnR w="6350" cap="flat" cmpd="sng" algn="ctr">
+                      <a:solidFill>
+                        <a:srgbClr val="000000"/>
+                      </a:solidFill>
+                      <a:prstDash val="solid"/>
+                      <a:round/>
+                      <a:headEnd type="none" w="med" len="med"/>
+                      <a:tailEnd type="none" w="med" len="med"/>
+                    </a:lnR>
+                    <a:lnT w="6350" cap="flat" cmpd="sng" algn="ctr">
+                      <a:solidFill>
+                        <a:srgbClr val="000000"/>
+                      </a:solidFill>
+                      <a:prstDash val="solid"/>
+                      <a:round/>
+                      <a:headEnd type="none" w="med" len="med"/>
+                      <a:tailEnd type="none" w="med" len="med"/>
+                    </a:lnT>
+                    <a:lnB w="6350" cap="flat" cmpd="sng" algn="ctr">
+                      <a:solidFill>
+                        <a:srgbClr val="000000"/>
+                      </a:solidFill>
+                      <a:prstDash val="solid"/>
+                      <a:round/>
+                      <a:headEnd type="none" w="med" len="med"/>
+                      <a:tailEnd type="none" w="med" len="med"/>
+                    </a:lnB>
+                    <a:noFill/>
+                  </a:tcPr>
+                </a:tc>
+                <a:tc>
+                  <a:txBody>
+                    <a:bodyPr/>
+                    <a:lstStyle/>
+                    <a:p>
+                      <a:pPr algn="ctr" rtl="0" fontAlgn="ctr"/>
+                      <a:r>
+                        <a:rPr lang="en-IL" sz="1200" b="0" i="0" u="none" strike="noStrike">
+                          <a:solidFill>
+                            <a:srgbClr val="000000"/>
+                          </a:solidFill>
+                          <a:effectLst/>
+                          <a:latin typeface="Segoe UI" panose="020B0502040204020203" pitchFamily="34" charset="0"/>
+                        </a:rPr>
+                        <a:t>16</a:t>
+                      </a:r>
+                    </a:p>
+                  </a:txBody>
+                  <a:tcPr marL="6350" marR="6350" marT="6350" marB="0" anchor="ctr">
+                    <a:lnL w="6350" cap="flat" cmpd="sng" algn="ctr">
+                      <a:solidFill>
+                        <a:srgbClr val="000000"/>
+                      </a:solidFill>
+                      <a:prstDash val="solid"/>
+                      <a:round/>
+                      <a:headEnd type="none" w="med" len="med"/>
+                      <a:tailEnd type="none" w="med" len="med"/>
+                    </a:lnL>
+                    <a:lnR w="6350" cap="flat" cmpd="sng" algn="ctr">
+                      <a:solidFill>
+                        <a:srgbClr val="000000"/>
+                      </a:solidFill>
+                      <a:prstDash val="solid"/>
+                      <a:round/>
+                      <a:headEnd type="none" w="med" len="med"/>
+                      <a:tailEnd type="none" w="med" len="med"/>
+                    </a:lnR>
+                    <a:lnT w="6350" cap="flat" cmpd="sng" algn="ctr">
+                      <a:solidFill>
+                        <a:srgbClr val="000000"/>
+                      </a:solidFill>
+                      <a:prstDash val="solid"/>
+                      <a:round/>
+                      <a:headEnd type="none" w="med" len="med"/>
+                      <a:tailEnd type="none" w="med" len="med"/>
+                    </a:lnT>
+                    <a:lnB w="6350" cap="flat" cmpd="sng" algn="ctr">
+                      <a:solidFill>
+                        <a:srgbClr val="000000"/>
+                      </a:solidFill>
+                      <a:prstDash val="solid"/>
+                      <a:round/>
+                      <a:headEnd type="none" w="med" len="med"/>
+                      <a:tailEnd type="none" w="med" len="med"/>
+                    </a:lnB>
+                    <a:noFill/>
+                  </a:tcPr>
+                </a:tc>
+                <a:tc>
+                  <a:txBody>
+                    <a:bodyPr/>
+                    <a:lstStyle/>
+                    <a:p>
+                      <a:pPr algn="ctr" rtl="0" fontAlgn="ctr"/>
+                      <a:r>
+                        <a:rPr lang="en-IL" sz="1200" b="0" i="0" u="none" strike="noStrike">
+                          <a:solidFill>
+                            <a:srgbClr val="000000"/>
+                          </a:solidFill>
+                          <a:effectLst/>
+                          <a:latin typeface="Segoe UI" panose="020B0502040204020203" pitchFamily="34" charset="0"/>
+                        </a:rPr>
+                        <a:t>30</a:t>
+                      </a:r>
+                    </a:p>
+                  </a:txBody>
+                  <a:tcPr marL="6350" marR="6350" marT="6350" marB="0" anchor="ctr">
+                    <a:lnL w="6350" cap="flat" cmpd="sng" algn="ctr">
+                      <a:solidFill>
+                        <a:srgbClr val="000000"/>
+                      </a:solidFill>
+                      <a:prstDash val="solid"/>
+                      <a:round/>
+                      <a:headEnd type="none" w="med" len="med"/>
+                      <a:tailEnd type="none" w="med" len="med"/>
+                    </a:lnL>
+                    <a:lnR w="6350" cap="flat" cmpd="sng" algn="ctr">
+                      <a:solidFill>
+                        <a:srgbClr val="000000"/>
+                      </a:solidFill>
+                      <a:prstDash val="solid"/>
+                      <a:round/>
+                      <a:headEnd type="none" w="med" len="med"/>
+                      <a:tailEnd type="none" w="med" len="med"/>
+                    </a:lnR>
+                    <a:lnT w="6350" cap="flat" cmpd="sng" algn="ctr">
+                      <a:solidFill>
+                        <a:srgbClr val="000000"/>
+                      </a:solidFill>
+                      <a:prstDash val="solid"/>
+                      <a:round/>
+                      <a:headEnd type="none" w="med" len="med"/>
+                      <a:tailEnd type="none" w="med" len="med"/>
+                    </a:lnT>
+                    <a:lnB w="6350" cap="flat" cmpd="sng" algn="ctr">
+                      <a:solidFill>
+                        <a:srgbClr val="000000"/>
+                      </a:solidFill>
+                      <a:prstDash val="solid"/>
+                      <a:round/>
+                      <a:headEnd type="none" w="med" len="med"/>
+                      <a:tailEnd type="none" w="med" len="med"/>
+                    </a:lnB>
+                    <a:noFill/>
+                  </a:tcPr>
+                </a:tc>
+                <a:tc>
+                  <a:txBody>
+                    <a:bodyPr/>
+                    <a:lstStyle/>
+                    <a:p>
+                      <a:pPr algn="ctr" rtl="0" fontAlgn="ctr"/>
+                      <a:r>
+                        <a:rPr lang="en-IL" sz="1200" b="0" i="0" u="none" strike="noStrike">
+                          <a:solidFill>
+                            <a:srgbClr val="000000"/>
+                          </a:solidFill>
+                          <a:effectLst/>
+                          <a:latin typeface="Segoe UI" panose="020B0502040204020203" pitchFamily="34" charset="0"/>
+                        </a:rPr>
+                        <a:t>0.01</a:t>
+                      </a:r>
+                    </a:p>
+                  </a:txBody>
+                  <a:tcPr marL="6350" marR="6350" marT="6350" marB="0" anchor="ctr">
+                    <a:lnL w="6350" cap="flat" cmpd="sng" algn="ctr">
+                      <a:solidFill>
+                        <a:srgbClr val="000000"/>
+                      </a:solidFill>
+                      <a:prstDash val="solid"/>
+                      <a:round/>
+                      <a:headEnd type="none" w="med" len="med"/>
+                      <a:tailEnd type="none" w="med" len="med"/>
+                    </a:lnL>
+                    <a:lnR w="6350" cap="flat" cmpd="sng" algn="ctr">
+                      <a:solidFill>
+                        <a:srgbClr val="000000"/>
+                      </a:solidFill>
+                      <a:prstDash val="solid"/>
+                      <a:round/>
+                      <a:headEnd type="none" w="med" len="med"/>
+                      <a:tailEnd type="none" w="med" len="med"/>
+                    </a:lnR>
+                    <a:lnT w="6350" cap="flat" cmpd="sng" algn="ctr">
+                      <a:solidFill>
+                        <a:srgbClr val="000000"/>
+                      </a:solidFill>
+                      <a:prstDash val="solid"/>
+                      <a:round/>
+                      <a:headEnd type="none" w="med" len="med"/>
+                      <a:tailEnd type="none" w="med" len="med"/>
+                    </a:lnT>
+                    <a:lnB w="6350" cap="flat" cmpd="sng" algn="ctr">
+                      <a:solidFill>
+                        <a:srgbClr val="000000"/>
+                      </a:solidFill>
+                      <a:prstDash val="solid"/>
+                      <a:round/>
+                      <a:headEnd type="none" w="med" len="med"/>
+                      <a:tailEnd type="none" w="med" len="med"/>
+                    </a:lnB>
+                    <a:noFill/>
+                  </a:tcPr>
+                </a:tc>
+                <a:tc>
+                  <a:txBody>
+                    <a:bodyPr/>
+                    <a:lstStyle/>
+                    <a:p>
+                      <a:pPr algn="ctr" rtl="0" fontAlgn="ctr"/>
+                      <a:r>
+                        <a:rPr lang="en-IL" sz="1200" b="0" i="0" u="none" strike="noStrike">
+                          <a:solidFill>
+                            <a:srgbClr val="000000"/>
+                          </a:solidFill>
+                          <a:effectLst/>
+                          <a:latin typeface="Segoe UI" panose="020B0502040204020203" pitchFamily="34" charset="0"/>
+                        </a:rPr>
+                        <a:t>98.02</a:t>
+                      </a:r>
+                    </a:p>
+                  </a:txBody>
+                  <a:tcPr marL="6350" marR="6350" marT="6350" marB="0" anchor="ctr">
+                    <a:lnL w="6350" cap="flat" cmpd="sng" algn="ctr">
+                      <a:solidFill>
+                        <a:srgbClr val="000000"/>
+                      </a:solidFill>
+                      <a:prstDash val="solid"/>
+                      <a:round/>
+                      <a:headEnd type="none" w="med" len="med"/>
+                      <a:tailEnd type="none" w="med" len="med"/>
+                    </a:lnL>
+                    <a:lnR w="6350" cap="flat" cmpd="sng" algn="ctr">
+                      <a:solidFill>
+                        <a:srgbClr val="000000"/>
+                      </a:solidFill>
+                      <a:prstDash val="solid"/>
+                      <a:round/>
+                      <a:headEnd type="none" w="med" len="med"/>
+                      <a:tailEnd type="none" w="med" len="med"/>
+                    </a:lnR>
+                    <a:lnT w="6350" cap="flat" cmpd="sng" algn="ctr">
+                      <a:solidFill>
+                        <a:srgbClr val="000000"/>
+                      </a:solidFill>
+                      <a:prstDash val="solid"/>
+                      <a:round/>
+                      <a:headEnd type="none" w="med" len="med"/>
+                      <a:tailEnd type="none" w="med" len="med"/>
+                    </a:lnT>
+                    <a:lnB w="6350" cap="flat" cmpd="sng" algn="ctr">
+                      <a:solidFill>
+                        <a:srgbClr val="000000"/>
+                      </a:solidFill>
+                      <a:prstDash val="solid"/>
+                      <a:round/>
+                      <a:headEnd type="none" w="med" len="med"/>
+                      <a:tailEnd type="none" w="med" len="med"/>
+                    </a:lnB>
+                    <a:noFill/>
+                  </a:tcPr>
+                </a:tc>
+                <a:extLst>
+                  <a:ext uri="{0D108BD9-81ED-4DB2-BD59-A6C34878D82A}">
+                    <a16:rowId xmlns:a16="http://schemas.microsoft.com/office/drawing/2014/main" val="1368989548"/>
+                  </a:ext>
+                </a:extLst>
+              </a:tr>
+              <a:tr h="247180">
+                <a:tc>
+                  <a:txBody>
+                    <a:bodyPr/>
+                    <a:lstStyle/>
+                    <a:p>
+                      <a:pPr algn="ctr" rtl="0" fontAlgn="ctr"/>
+                      <a:r>
+                        <a:rPr lang="en-IL" sz="1200" b="0" i="0" u="none" strike="noStrike">
+                          <a:solidFill>
+                            <a:srgbClr val="000000"/>
+                          </a:solidFill>
+                          <a:effectLst/>
+                          <a:latin typeface="Segoe UI" panose="020B0502040204020203" pitchFamily="34" charset="0"/>
+                        </a:rPr>
+                        <a:t>7</a:t>
+                      </a:r>
+                    </a:p>
+                  </a:txBody>
+                  <a:tcPr marL="6350" marR="6350" marT="6350" marB="0" anchor="ctr">
+                    <a:lnL w="6350" cap="flat" cmpd="sng" algn="ctr">
+                      <a:solidFill>
+                        <a:srgbClr val="000000"/>
+                      </a:solidFill>
+                      <a:prstDash val="solid"/>
+                      <a:round/>
+                      <a:headEnd type="none" w="med" len="med"/>
+                      <a:tailEnd type="none" w="med" len="med"/>
+                    </a:lnL>
+                    <a:lnR w="6350" cap="flat" cmpd="sng" algn="ctr">
+                      <a:solidFill>
+                        <a:srgbClr val="000000"/>
+                      </a:solidFill>
+                      <a:prstDash val="solid"/>
+                      <a:round/>
+                      <a:headEnd type="none" w="med" len="med"/>
+                      <a:tailEnd type="none" w="med" len="med"/>
+                    </a:lnR>
+                    <a:lnT w="6350" cap="flat" cmpd="sng" algn="ctr">
+                      <a:solidFill>
+                        <a:srgbClr val="000000"/>
+                      </a:solidFill>
+                      <a:prstDash val="solid"/>
+                      <a:round/>
+                      <a:headEnd type="none" w="med" len="med"/>
+                      <a:tailEnd type="none" w="med" len="med"/>
+                    </a:lnT>
+                    <a:lnB w="6350" cap="flat" cmpd="sng" algn="ctr">
+                      <a:solidFill>
+                        <a:srgbClr val="000000"/>
+                      </a:solidFill>
+                      <a:prstDash val="solid"/>
+                      <a:round/>
+                      <a:headEnd type="none" w="med" len="med"/>
+                      <a:tailEnd type="none" w="med" len="med"/>
+                    </a:lnB>
+                    <a:noFill/>
+                  </a:tcPr>
+                </a:tc>
+                <a:tc>
+                  <a:txBody>
+                    <a:bodyPr/>
+                    <a:lstStyle/>
+                    <a:p>
+                      <a:pPr algn="ctr" rtl="0" fontAlgn="ctr"/>
+                      <a:r>
+                        <a:rPr lang="en-IL" sz="1200" b="0" i="0" u="none" strike="noStrike">
+                          <a:solidFill>
+                            <a:srgbClr val="000000"/>
+                          </a:solidFill>
+                          <a:effectLst/>
+                          <a:latin typeface="Segoe UI" panose="020B0502040204020203" pitchFamily="34" charset="0"/>
+                        </a:rPr>
+                        <a:t>16</a:t>
+                      </a:r>
+                    </a:p>
+                  </a:txBody>
+                  <a:tcPr marL="6350" marR="6350" marT="6350" marB="0" anchor="ctr">
+                    <a:lnL w="6350" cap="flat" cmpd="sng" algn="ctr">
+                      <a:solidFill>
+                        <a:srgbClr val="000000"/>
+                      </a:solidFill>
+                      <a:prstDash val="solid"/>
+                      <a:round/>
+                      <a:headEnd type="none" w="med" len="med"/>
+                      <a:tailEnd type="none" w="med" len="med"/>
+                    </a:lnL>
+                    <a:lnR w="6350" cap="flat" cmpd="sng" algn="ctr">
+                      <a:solidFill>
+                        <a:srgbClr val="000000"/>
+                      </a:solidFill>
+                      <a:prstDash val="solid"/>
+                      <a:round/>
+                      <a:headEnd type="none" w="med" len="med"/>
+                      <a:tailEnd type="none" w="med" len="med"/>
+                    </a:lnR>
+                    <a:lnT w="6350" cap="flat" cmpd="sng" algn="ctr">
+                      <a:solidFill>
+                        <a:srgbClr val="000000"/>
+                      </a:solidFill>
+                      <a:prstDash val="solid"/>
+                      <a:round/>
+                      <a:headEnd type="none" w="med" len="med"/>
+                      <a:tailEnd type="none" w="med" len="med"/>
+                    </a:lnT>
+                    <a:lnB w="6350" cap="flat" cmpd="sng" algn="ctr">
+                      <a:solidFill>
+                        <a:srgbClr val="000000"/>
+                      </a:solidFill>
+                      <a:prstDash val="solid"/>
+                      <a:round/>
+                      <a:headEnd type="none" w="med" len="med"/>
+                      <a:tailEnd type="none" w="med" len="med"/>
+                    </a:lnB>
+                    <a:noFill/>
+                  </a:tcPr>
+                </a:tc>
+                <a:tc>
+                  <a:txBody>
+                    <a:bodyPr/>
+                    <a:lstStyle/>
+                    <a:p>
+                      <a:pPr algn="ctr" rtl="0" fontAlgn="ctr"/>
+                      <a:r>
+                        <a:rPr lang="en-IL" sz="1200" b="0" i="0" u="none" strike="noStrike">
+                          <a:solidFill>
+                            <a:srgbClr val="000000"/>
+                          </a:solidFill>
+                          <a:effectLst/>
+                          <a:latin typeface="Segoe UI" panose="020B0502040204020203" pitchFamily="34" charset="0"/>
+                        </a:rPr>
+                        <a:t>30</a:t>
+                      </a:r>
+                    </a:p>
+                  </a:txBody>
+                  <a:tcPr marL="6350" marR="6350" marT="6350" marB="0" anchor="ctr">
+                    <a:lnL w="6350" cap="flat" cmpd="sng" algn="ctr">
+                      <a:solidFill>
+                        <a:srgbClr val="000000"/>
+                      </a:solidFill>
+                      <a:prstDash val="solid"/>
+                      <a:round/>
+                      <a:headEnd type="none" w="med" len="med"/>
+                      <a:tailEnd type="none" w="med" len="med"/>
+                    </a:lnL>
+                    <a:lnR w="6350" cap="flat" cmpd="sng" algn="ctr">
+                      <a:solidFill>
+                        <a:srgbClr val="000000"/>
+                      </a:solidFill>
+                      <a:prstDash val="solid"/>
+                      <a:round/>
+                      <a:headEnd type="none" w="med" len="med"/>
+                      <a:tailEnd type="none" w="med" len="med"/>
+                    </a:lnR>
+                    <a:lnT w="6350" cap="flat" cmpd="sng" algn="ctr">
+                      <a:solidFill>
+                        <a:srgbClr val="000000"/>
+                      </a:solidFill>
+                      <a:prstDash val="solid"/>
+                      <a:round/>
+                      <a:headEnd type="none" w="med" len="med"/>
+                      <a:tailEnd type="none" w="med" len="med"/>
+                    </a:lnT>
+                    <a:lnB w="6350" cap="flat" cmpd="sng" algn="ctr">
+                      <a:solidFill>
+                        <a:srgbClr val="000000"/>
+                      </a:solidFill>
+                      <a:prstDash val="solid"/>
+                      <a:round/>
+                      <a:headEnd type="none" w="med" len="med"/>
+                      <a:tailEnd type="none" w="med" len="med"/>
+                    </a:lnB>
+                    <a:noFill/>
+                  </a:tcPr>
+                </a:tc>
+                <a:tc>
+                  <a:txBody>
+                    <a:bodyPr/>
+                    <a:lstStyle/>
+                    <a:p>
+                      <a:pPr algn="ctr" rtl="0" fontAlgn="ctr"/>
+                      <a:r>
+                        <a:rPr lang="en-IL" sz="1200" b="0" i="0" u="none" strike="noStrike">
+                          <a:solidFill>
+                            <a:srgbClr val="000000"/>
+                          </a:solidFill>
+                          <a:effectLst/>
+                          <a:latin typeface="Segoe UI" panose="020B0502040204020203" pitchFamily="34" charset="0"/>
+                        </a:rPr>
+                        <a:t>0.001</a:t>
+                      </a:r>
+                    </a:p>
+                  </a:txBody>
+                  <a:tcPr marL="6350" marR="6350" marT="6350" marB="0" anchor="ctr">
+                    <a:lnL w="6350" cap="flat" cmpd="sng" algn="ctr">
+                      <a:solidFill>
+                        <a:srgbClr val="000000"/>
+                      </a:solidFill>
+                      <a:prstDash val="solid"/>
+                      <a:round/>
+                      <a:headEnd type="none" w="med" len="med"/>
+                      <a:tailEnd type="none" w="med" len="med"/>
+                    </a:lnL>
+                    <a:lnR w="6350" cap="flat" cmpd="sng" algn="ctr">
+                      <a:solidFill>
+                        <a:srgbClr val="000000"/>
+                      </a:solidFill>
+                      <a:prstDash val="solid"/>
+                      <a:round/>
+                      <a:headEnd type="none" w="med" len="med"/>
+                      <a:tailEnd type="none" w="med" len="med"/>
+                    </a:lnR>
+                    <a:lnT w="6350" cap="flat" cmpd="sng" algn="ctr">
+                      <a:solidFill>
+                        <a:srgbClr val="000000"/>
+                      </a:solidFill>
+                      <a:prstDash val="solid"/>
+                      <a:round/>
+                      <a:headEnd type="none" w="med" len="med"/>
+                      <a:tailEnd type="none" w="med" len="med"/>
+                    </a:lnT>
+                    <a:lnB w="6350" cap="flat" cmpd="sng" algn="ctr">
+                      <a:solidFill>
+                        <a:srgbClr val="000000"/>
+                      </a:solidFill>
+                      <a:prstDash val="solid"/>
+                      <a:round/>
+                      <a:headEnd type="none" w="med" len="med"/>
+                      <a:tailEnd type="none" w="med" len="med"/>
+                    </a:lnB>
+                    <a:noFill/>
+                  </a:tcPr>
+                </a:tc>
+                <a:tc>
+                  <a:txBody>
+                    <a:bodyPr/>
+                    <a:lstStyle/>
+                    <a:p>
+                      <a:pPr algn="ctr" rtl="0" fontAlgn="ctr"/>
+                      <a:r>
+                        <a:rPr lang="en-IL" sz="1200" b="0" i="0" u="none" strike="noStrike">
+                          <a:solidFill>
+                            <a:srgbClr val="000000"/>
+                          </a:solidFill>
+                          <a:effectLst/>
+                          <a:latin typeface="Segoe UI" panose="020B0502040204020203" pitchFamily="34" charset="0"/>
+                        </a:rPr>
+                        <a:t>98.02</a:t>
+                      </a:r>
+                    </a:p>
+                  </a:txBody>
+                  <a:tcPr marL="6350" marR="6350" marT="6350" marB="0" anchor="ctr">
+                    <a:lnL w="6350" cap="flat" cmpd="sng" algn="ctr">
+                      <a:solidFill>
+                        <a:srgbClr val="000000"/>
+                      </a:solidFill>
+                      <a:prstDash val="solid"/>
+                      <a:round/>
+                      <a:headEnd type="none" w="med" len="med"/>
+                      <a:tailEnd type="none" w="med" len="med"/>
+                    </a:lnL>
+                    <a:lnR w="6350" cap="flat" cmpd="sng" algn="ctr">
+                      <a:solidFill>
+                        <a:srgbClr val="000000"/>
+                      </a:solidFill>
+                      <a:prstDash val="solid"/>
+                      <a:round/>
+                      <a:headEnd type="none" w="med" len="med"/>
+                      <a:tailEnd type="none" w="med" len="med"/>
+                    </a:lnR>
+                    <a:lnT w="6350" cap="flat" cmpd="sng" algn="ctr">
+                      <a:solidFill>
+                        <a:srgbClr val="000000"/>
+                      </a:solidFill>
+                      <a:prstDash val="solid"/>
+                      <a:round/>
+                      <a:headEnd type="none" w="med" len="med"/>
+                      <a:tailEnd type="none" w="med" len="med"/>
+                    </a:lnT>
+                    <a:lnB w="6350" cap="flat" cmpd="sng" algn="ctr">
+                      <a:solidFill>
+                        <a:srgbClr val="000000"/>
+                      </a:solidFill>
+                      <a:prstDash val="solid"/>
+                      <a:round/>
+                      <a:headEnd type="none" w="med" len="med"/>
+                      <a:tailEnd type="none" w="med" len="med"/>
+                    </a:lnB>
+                    <a:noFill/>
+                  </a:tcPr>
+                </a:tc>
+                <a:extLst>
+                  <a:ext uri="{0D108BD9-81ED-4DB2-BD59-A6C34878D82A}">
+                    <a16:rowId xmlns:a16="http://schemas.microsoft.com/office/drawing/2014/main" val="2583038421"/>
+                  </a:ext>
+                </a:extLst>
+              </a:tr>
+              <a:tr h="247180">
+                <a:tc>
+                  <a:txBody>
+                    <a:bodyPr/>
+                    <a:lstStyle/>
+                    <a:p>
+                      <a:pPr algn="ctr" rtl="0" fontAlgn="ctr"/>
+                      <a:r>
+                        <a:rPr lang="en-IL" sz="1200" b="0" i="0" u="none" strike="noStrike">
+                          <a:solidFill>
+                            <a:srgbClr val="000000"/>
+                          </a:solidFill>
+                          <a:effectLst/>
+                          <a:latin typeface="Segoe UI" panose="020B0502040204020203" pitchFamily="34" charset="0"/>
+                        </a:rPr>
+                        <a:t>8</a:t>
+                      </a:r>
+                    </a:p>
+                  </a:txBody>
+                  <a:tcPr marL="6350" marR="6350" marT="6350" marB="0" anchor="ctr">
+                    <a:lnL w="6350" cap="flat" cmpd="sng" algn="ctr">
+                      <a:solidFill>
+                        <a:srgbClr val="000000"/>
+                      </a:solidFill>
+                      <a:prstDash val="solid"/>
+                      <a:round/>
+                      <a:headEnd type="none" w="med" len="med"/>
+                      <a:tailEnd type="none" w="med" len="med"/>
+                    </a:lnL>
+                    <a:lnR w="6350" cap="flat" cmpd="sng" algn="ctr">
+                      <a:solidFill>
+                        <a:srgbClr val="000000"/>
+                      </a:solidFill>
+                      <a:prstDash val="solid"/>
+                      <a:round/>
+                      <a:headEnd type="none" w="med" len="med"/>
+                      <a:tailEnd type="none" w="med" len="med"/>
+                    </a:lnR>
+                    <a:lnT w="6350" cap="flat" cmpd="sng" algn="ctr">
+                      <a:solidFill>
+                        <a:srgbClr val="000000"/>
+                      </a:solidFill>
+                      <a:prstDash val="solid"/>
+                      <a:round/>
+                      <a:headEnd type="none" w="med" len="med"/>
+                      <a:tailEnd type="none" w="med" len="med"/>
+                    </a:lnT>
+                    <a:lnB w="6350" cap="flat" cmpd="sng" algn="ctr">
+                      <a:solidFill>
+                        <a:srgbClr val="000000"/>
+                      </a:solidFill>
+                      <a:prstDash val="solid"/>
+                      <a:round/>
+                      <a:headEnd type="none" w="med" len="med"/>
+                      <a:tailEnd type="none" w="med" len="med"/>
+                    </a:lnB>
+                    <a:noFill/>
+                  </a:tcPr>
+                </a:tc>
+                <a:tc>
+                  <a:txBody>
+                    <a:bodyPr/>
+                    <a:lstStyle/>
+                    <a:p>
+                      <a:pPr algn="ctr" rtl="0" fontAlgn="ctr"/>
+                      <a:r>
+                        <a:rPr lang="en-IL" sz="1200" b="0" i="0" u="none" strike="noStrike">
+                          <a:solidFill>
+                            <a:srgbClr val="000000"/>
+                          </a:solidFill>
+                          <a:effectLst/>
+                          <a:latin typeface="Segoe UI" panose="020B0502040204020203" pitchFamily="34" charset="0"/>
+                        </a:rPr>
+                        <a:t>16</a:t>
+                      </a:r>
+                    </a:p>
+                  </a:txBody>
+                  <a:tcPr marL="6350" marR="6350" marT="6350" marB="0" anchor="ctr">
+                    <a:lnL w="6350" cap="flat" cmpd="sng" algn="ctr">
+                      <a:solidFill>
+                        <a:srgbClr val="000000"/>
+                      </a:solidFill>
+                      <a:prstDash val="solid"/>
+                      <a:round/>
+                      <a:headEnd type="none" w="med" len="med"/>
+                      <a:tailEnd type="none" w="med" len="med"/>
+                    </a:lnL>
+                    <a:lnR w="6350" cap="flat" cmpd="sng" algn="ctr">
+                      <a:solidFill>
+                        <a:srgbClr val="000000"/>
+                      </a:solidFill>
+                      <a:prstDash val="solid"/>
+                      <a:round/>
+                      <a:headEnd type="none" w="med" len="med"/>
+                      <a:tailEnd type="none" w="med" len="med"/>
+                    </a:lnR>
+                    <a:lnT w="6350" cap="flat" cmpd="sng" algn="ctr">
+                      <a:solidFill>
+                        <a:srgbClr val="000000"/>
+                      </a:solidFill>
+                      <a:prstDash val="solid"/>
+                      <a:round/>
+                      <a:headEnd type="none" w="med" len="med"/>
+                      <a:tailEnd type="none" w="med" len="med"/>
+                    </a:lnT>
+                    <a:lnB w="6350" cap="flat" cmpd="sng" algn="ctr">
+                      <a:solidFill>
+                        <a:srgbClr val="000000"/>
+                      </a:solidFill>
+                      <a:prstDash val="solid"/>
+                      <a:round/>
+                      <a:headEnd type="none" w="med" len="med"/>
+                      <a:tailEnd type="none" w="med" len="med"/>
+                    </a:lnB>
+                    <a:noFill/>
+                  </a:tcPr>
+                </a:tc>
+                <a:tc>
+                  <a:txBody>
+                    <a:bodyPr/>
+                    <a:lstStyle/>
+                    <a:p>
+                      <a:pPr algn="ctr" rtl="0" fontAlgn="ctr"/>
+                      <a:r>
+                        <a:rPr lang="en-IL" sz="1200" b="0" i="0" u="none" strike="noStrike">
+                          <a:solidFill>
+                            <a:srgbClr val="000000"/>
+                          </a:solidFill>
+                          <a:effectLst/>
+                          <a:latin typeface="Segoe UI" panose="020B0502040204020203" pitchFamily="34" charset="0"/>
+                        </a:rPr>
+                        <a:t>20</a:t>
+                      </a:r>
+                    </a:p>
+                  </a:txBody>
+                  <a:tcPr marL="6350" marR="6350" marT="6350" marB="0" anchor="ctr">
+                    <a:lnL w="6350" cap="flat" cmpd="sng" algn="ctr">
+                      <a:solidFill>
+                        <a:srgbClr val="000000"/>
+                      </a:solidFill>
+                      <a:prstDash val="solid"/>
+                      <a:round/>
+                      <a:headEnd type="none" w="med" len="med"/>
+                      <a:tailEnd type="none" w="med" len="med"/>
+                    </a:lnL>
+                    <a:lnR w="6350" cap="flat" cmpd="sng" algn="ctr">
+                      <a:solidFill>
+                        <a:srgbClr val="000000"/>
+                      </a:solidFill>
+                      <a:prstDash val="solid"/>
+                      <a:round/>
+                      <a:headEnd type="none" w="med" len="med"/>
+                      <a:tailEnd type="none" w="med" len="med"/>
+                    </a:lnR>
+                    <a:lnT w="6350" cap="flat" cmpd="sng" algn="ctr">
+                      <a:solidFill>
+                        <a:srgbClr val="000000"/>
+                      </a:solidFill>
+                      <a:prstDash val="solid"/>
+                      <a:round/>
+                      <a:headEnd type="none" w="med" len="med"/>
+                      <a:tailEnd type="none" w="med" len="med"/>
+                    </a:lnT>
+                    <a:lnB w="6350" cap="flat" cmpd="sng" algn="ctr">
+                      <a:solidFill>
+                        <a:srgbClr val="000000"/>
+                      </a:solidFill>
+                      <a:prstDash val="solid"/>
+                      <a:round/>
+                      <a:headEnd type="none" w="med" len="med"/>
+                      <a:tailEnd type="none" w="med" len="med"/>
+                    </a:lnB>
+                    <a:noFill/>
+                  </a:tcPr>
+                </a:tc>
+                <a:tc>
+                  <a:txBody>
+                    <a:bodyPr/>
+                    <a:lstStyle/>
+                    <a:p>
+                      <a:pPr algn="ctr" rtl="0" fontAlgn="ctr"/>
+                      <a:r>
+                        <a:rPr lang="en-IL" sz="1200" b="0" i="0" u="none" strike="noStrike">
+                          <a:solidFill>
+                            <a:srgbClr val="000000"/>
+                          </a:solidFill>
+                          <a:effectLst/>
+                          <a:latin typeface="Segoe UI" panose="020B0502040204020203" pitchFamily="34" charset="0"/>
+                        </a:rPr>
+                        <a:t>0.01</a:t>
+                      </a:r>
+                    </a:p>
+                  </a:txBody>
+                  <a:tcPr marL="6350" marR="6350" marT="6350" marB="0" anchor="ctr">
+                    <a:lnL w="6350" cap="flat" cmpd="sng" algn="ctr">
+                      <a:solidFill>
+                        <a:srgbClr val="000000"/>
+                      </a:solidFill>
+                      <a:prstDash val="solid"/>
+                      <a:round/>
+                      <a:headEnd type="none" w="med" len="med"/>
+                      <a:tailEnd type="none" w="med" len="med"/>
+                    </a:lnL>
+                    <a:lnR w="6350" cap="flat" cmpd="sng" algn="ctr">
+                      <a:solidFill>
+                        <a:srgbClr val="000000"/>
+                      </a:solidFill>
+                      <a:prstDash val="solid"/>
+                      <a:round/>
+                      <a:headEnd type="none" w="med" len="med"/>
+                      <a:tailEnd type="none" w="med" len="med"/>
+                    </a:lnR>
+                    <a:lnT w="6350" cap="flat" cmpd="sng" algn="ctr">
+                      <a:solidFill>
+                        <a:srgbClr val="000000"/>
+                      </a:solidFill>
+                      <a:prstDash val="solid"/>
+                      <a:round/>
+                      <a:headEnd type="none" w="med" len="med"/>
+                      <a:tailEnd type="none" w="med" len="med"/>
+                    </a:lnT>
+                    <a:lnB w="6350" cap="flat" cmpd="sng" algn="ctr">
+                      <a:solidFill>
+                        <a:srgbClr val="000000"/>
+                      </a:solidFill>
+                      <a:prstDash val="solid"/>
+                      <a:round/>
+                      <a:headEnd type="none" w="med" len="med"/>
+                      <a:tailEnd type="none" w="med" len="med"/>
+                    </a:lnB>
+                    <a:noFill/>
+                  </a:tcPr>
+                </a:tc>
+                <a:tc>
+                  <a:txBody>
+                    <a:bodyPr/>
+                    <a:lstStyle/>
+                    <a:p>
+                      <a:pPr algn="ctr" rtl="0" fontAlgn="ctr"/>
+                      <a:r>
+                        <a:rPr lang="en-IL" sz="1200" b="0" i="0" u="none" strike="noStrike">
+                          <a:solidFill>
+                            <a:srgbClr val="000000"/>
+                          </a:solidFill>
+                          <a:effectLst/>
+                          <a:latin typeface="Segoe UI" panose="020B0502040204020203" pitchFamily="34" charset="0"/>
+                        </a:rPr>
+                        <a:t>98.02</a:t>
+                      </a:r>
+                    </a:p>
+                  </a:txBody>
+                  <a:tcPr marL="6350" marR="6350" marT="6350" marB="0" anchor="ctr">
+                    <a:lnL w="6350" cap="flat" cmpd="sng" algn="ctr">
+                      <a:solidFill>
+                        <a:srgbClr val="000000"/>
+                      </a:solidFill>
+                      <a:prstDash val="solid"/>
+                      <a:round/>
+                      <a:headEnd type="none" w="med" len="med"/>
+                      <a:tailEnd type="none" w="med" len="med"/>
+                    </a:lnL>
+                    <a:lnR w="6350" cap="flat" cmpd="sng" algn="ctr">
+                      <a:solidFill>
+                        <a:srgbClr val="000000"/>
+                      </a:solidFill>
+                      <a:prstDash val="solid"/>
+                      <a:round/>
+                      <a:headEnd type="none" w="med" len="med"/>
+                      <a:tailEnd type="none" w="med" len="med"/>
+                    </a:lnR>
+                    <a:lnT w="6350" cap="flat" cmpd="sng" algn="ctr">
+                      <a:solidFill>
+                        <a:srgbClr val="000000"/>
+                      </a:solidFill>
+                      <a:prstDash val="solid"/>
+                      <a:round/>
+                      <a:headEnd type="none" w="med" len="med"/>
+                      <a:tailEnd type="none" w="med" len="med"/>
+                    </a:lnT>
+                    <a:lnB w="6350" cap="flat" cmpd="sng" algn="ctr">
+                      <a:solidFill>
+                        <a:srgbClr val="000000"/>
+                      </a:solidFill>
+                      <a:prstDash val="solid"/>
+                      <a:round/>
+                      <a:headEnd type="none" w="med" len="med"/>
+                      <a:tailEnd type="none" w="med" len="med"/>
+                    </a:lnB>
+                    <a:noFill/>
+                  </a:tcPr>
+                </a:tc>
+                <a:extLst>
+                  <a:ext uri="{0D108BD9-81ED-4DB2-BD59-A6C34878D82A}">
+                    <a16:rowId xmlns:a16="http://schemas.microsoft.com/office/drawing/2014/main" val="1230352272"/>
+                  </a:ext>
+                </a:extLst>
+              </a:tr>
+              <a:tr h="247180">
+                <a:tc>
+                  <a:txBody>
+                    <a:bodyPr/>
+                    <a:lstStyle/>
+                    <a:p>
+                      <a:pPr algn="ctr" rtl="0" fontAlgn="ctr"/>
+                      <a:r>
+                        <a:rPr lang="en-IL" sz="1200" b="0" i="0" u="none" strike="noStrike">
+                          <a:solidFill>
+                            <a:srgbClr val="000000"/>
+                          </a:solidFill>
+                          <a:effectLst/>
+                          <a:latin typeface="Segoe UI" panose="020B0502040204020203" pitchFamily="34" charset="0"/>
+                        </a:rPr>
+                        <a:t>9</a:t>
+                      </a:r>
+                    </a:p>
+                  </a:txBody>
+                  <a:tcPr marL="6350" marR="6350" marT="6350" marB="0" anchor="ctr">
+                    <a:lnL w="6350" cap="flat" cmpd="sng" algn="ctr">
+                      <a:solidFill>
+                        <a:srgbClr val="000000"/>
+                      </a:solidFill>
+                      <a:prstDash val="solid"/>
+                      <a:round/>
+                      <a:headEnd type="none" w="med" len="med"/>
+                      <a:tailEnd type="none" w="med" len="med"/>
+                    </a:lnL>
+                    <a:lnR w="6350" cap="flat" cmpd="sng" algn="ctr">
+                      <a:solidFill>
+                        <a:srgbClr val="000000"/>
+                      </a:solidFill>
+                      <a:prstDash val="solid"/>
+                      <a:round/>
+                      <a:headEnd type="none" w="med" len="med"/>
+                      <a:tailEnd type="none" w="med" len="med"/>
+                    </a:lnR>
+                    <a:lnT w="6350" cap="flat" cmpd="sng" algn="ctr">
+                      <a:solidFill>
+                        <a:srgbClr val="000000"/>
+                      </a:solidFill>
+                      <a:prstDash val="solid"/>
+                      <a:round/>
+                      <a:headEnd type="none" w="med" len="med"/>
+                      <a:tailEnd type="none" w="med" len="med"/>
+                    </a:lnT>
+                    <a:lnB w="6350" cap="flat" cmpd="sng" algn="ctr">
+                      <a:solidFill>
+                        <a:srgbClr val="000000"/>
+                      </a:solidFill>
+                      <a:prstDash val="solid"/>
+                      <a:round/>
+                      <a:headEnd type="none" w="med" len="med"/>
+                      <a:tailEnd type="none" w="med" len="med"/>
+                    </a:lnB>
+                    <a:noFill/>
+                  </a:tcPr>
+                </a:tc>
+                <a:tc>
+                  <a:txBody>
+                    <a:bodyPr/>
+                    <a:lstStyle/>
+                    <a:p>
+                      <a:pPr algn="ctr" rtl="0" fontAlgn="ctr"/>
+                      <a:r>
+                        <a:rPr lang="en-IL" sz="1200" b="0" i="0" u="none" strike="noStrike">
+                          <a:solidFill>
+                            <a:srgbClr val="000000"/>
+                          </a:solidFill>
+                          <a:effectLst/>
+                          <a:latin typeface="Segoe UI" panose="020B0502040204020203" pitchFamily="34" charset="0"/>
+                        </a:rPr>
+                        <a:t>16</a:t>
+                      </a:r>
+                    </a:p>
+                  </a:txBody>
+                  <a:tcPr marL="6350" marR="6350" marT="6350" marB="0" anchor="ctr">
+                    <a:lnL w="6350" cap="flat" cmpd="sng" algn="ctr">
+                      <a:solidFill>
+                        <a:srgbClr val="000000"/>
+                      </a:solidFill>
+                      <a:prstDash val="solid"/>
+                      <a:round/>
+                      <a:headEnd type="none" w="med" len="med"/>
+                      <a:tailEnd type="none" w="med" len="med"/>
+                    </a:lnL>
+                    <a:lnR w="6350" cap="flat" cmpd="sng" algn="ctr">
+                      <a:solidFill>
+                        <a:srgbClr val="000000"/>
+                      </a:solidFill>
+                      <a:prstDash val="solid"/>
+                      <a:round/>
+                      <a:headEnd type="none" w="med" len="med"/>
+                      <a:tailEnd type="none" w="med" len="med"/>
+                    </a:lnR>
+                    <a:lnT w="6350" cap="flat" cmpd="sng" algn="ctr">
+                      <a:solidFill>
+                        <a:srgbClr val="000000"/>
+                      </a:solidFill>
+                      <a:prstDash val="solid"/>
+                      <a:round/>
+                      <a:headEnd type="none" w="med" len="med"/>
+                      <a:tailEnd type="none" w="med" len="med"/>
+                    </a:lnT>
+                    <a:lnB w="6350" cap="flat" cmpd="sng" algn="ctr">
+                      <a:solidFill>
+                        <a:srgbClr val="000000"/>
+                      </a:solidFill>
+                      <a:prstDash val="solid"/>
+                      <a:round/>
+                      <a:headEnd type="none" w="med" len="med"/>
+                      <a:tailEnd type="none" w="med" len="med"/>
+                    </a:lnB>
+                    <a:noFill/>
+                  </a:tcPr>
+                </a:tc>
+                <a:tc>
+                  <a:txBody>
+                    <a:bodyPr/>
+                    <a:lstStyle/>
+                    <a:p>
+                      <a:pPr algn="ctr" rtl="0" fontAlgn="ctr"/>
+                      <a:r>
+                        <a:rPr lang="en-IL" sz="1200" b="0" i="0" u="none" strike="noStrike">
+                          <a:solidFill>
+                            <a:srgbClr val="000000"/>
+                          </a:solidFill>
+                          <a:effectLst/>
+                          <a:latin typeface="Segoe UI" panose="020B0502040204020203" pitchFamily="34" charset="0"/>
+                        </a:rPr>
+                        <a:t>10</a:t>
+                      </a:r>
+                    </a:p>
+                  </a:txBody>
+                  <a:tcPr marL="6350" marR="6350" marT="6350" marB="0" anchor="ctr">
+                    <a:lnL w="6350" cap="flat" cmpd="sng" algn="ctr">
+                      <a:solidFill>
+                        <a:srgbClr val="000000"/>
+                      </a:solidFill>
+                      <a:prstDash val="solid"/>
+                      <a:round/>
+                      <a:headEnd type="none" w="med" len="med"/>
+                      <a:tailEnd type="none" w="med" len="med"/>
+                    </a:lnL>
+                    <a:lnR w="6350" cap="flat" cmpd="sng" algn="ctr">
+                      <a:solidFill>
+                        <a:srgbClr val="000000"/>
+                      </a:solidFill>
+                      <a:prstDash val="solid"/>
+                      <a:round/>
+                      <a:headEnd type="none" w="med" len="med"/>
+                      <a:tailEnd type="none" w="med" len="med"/>
+                    </a:lnR>
+                    <a:lnT w="6350" cap="flat" cmpd="sng" algn="ctr">
+                      <a:solidFill>
+                        <a:srgbClr val="000000"/>
+                      </a:solidFill>
+                      <a:prstDash val="solid"/>
+                      <a:round/>
+                      <a:headEnd type="none" w="med" len="med"/>
+                      <a:tailEnd type="none" w="med" len="med"/>
+                    </a:lnT>
+                    <a:lnB w="6350" cap="flat" cmpd="sng" algn="ctr">
+                      <a:solidFill>
+                        <a:srgbClr val="000000"/>
+                      </a:solidFill>
+                      <a:prstDash val="solid"/>
+                      <a:round/>
+                      <a:headEnd type="none" w="med" len="med"/>
+                      <a:tailEnd type="none" w="med" len="med"/>
+                    </a:lnB>
+                    <a:noFill/>
+                  </a:tcPr>
+                </a:tc>
+                <a:tc>
+                  <a:txBody>
+                    <a:bodyPr/>
+                    <a:lstStyle/>
+                    <a:p>
+                      <a:pPr algn="ctr" rtl="0" fontAlgn="ctr"/>
+                      <a:r>
+                        <a:rPr lang="en-IL" sz="1200" b="0" i="0" u="none" strike="noStrike">
+                          <a:solidFill>
+                            <a:srgbClr val="000000"/>
+                          </a:solidFill>
+                          <a:effectLst/>
+                          <a:latin typeface="Segoe UI" panose="020B0502040204020203" pitchFamily="34" charset="0"/>
+                        </a:rPr>
+                        <a:t>0.01</a:t>
+                      </a:r>
+                    </a:p>
+                  </a:txBody>
+                  <a:tcPr marL="6350" marR="6350" marT="6350" marB="0" anchor="ctr">
+                    <a:lnL w="6350" cap="flat" cmpd="sng" algn="ctr">
+                      <a:solidFill>
+                        <a:srgbClr val="000000"/>
+                      </a:solidFill>
+                      <a:prstDash val="solid"/>
+                      <a:round/>
+                      <a:headEnd type="none" w="med" len="med"/>
+                      <a:tailEnd type="none" w="med" len="med"/>
+                    </a:lnL>
+                    <a:lnR w="6350" cap="flat" cmpd="sng" algn="ctr">
+                      <a:solidFill>
+                        <a:srgbClr val="000000"/>
+                      </a:solidFill>
+                      <a:prstDash val="solid"/>
+                      <a:round/>
+                      <a:headEnd type="none" w="med" len="med"/>
+                      <a:tailEnd type="none" w="med" len="med"/>
+                    </a:lnR>
+                    <a:lnT w="6350" cap="flat" cmpd="sng" algn="ctr">
+                      <a:solidFill>
+                        <a:srgbClr val="000000"/>
+                      </a:solidFill>
+                      <a:prstDash val="solid"/>
+                      <a:round/>
+                      <a:headEnd type="none" w="med" len="med"/>
+                      <a:tailEnd type="none" w="med" len="med"/>
+                    </a:lnT>
+                    <a:lnB w="6350" cap="flat" cmpd="sng" algn="ctr">
+                      <a:solidFill>
+                        <a:srgbClr val="000000"/>
+                      </a:solidFill>
+                      <a:prstDash val="solid"/>
+                      <a:round/>
+                      <a:headEnd type="none" w="med" len="med"/>
+                      <a:tailEnd type="none" w="med" len="med"/>
+                    </a:lnB>
+                    <a:noFill/>
+                  </a:tcPr>
+                </a:tc>
+                <a:tc>
+                  <a:txBody>
+                    <a:bodyPr/>
+                    <a:lstStyle/>
+                    <a:p>
+                      <a:pPr algn="ctr" rtl="0" fontAlgn="ctr"/>
+                      <a:r>
+                        <a:rPr lang="en-IL" sz="1200" b="0" i="0" u="none" strike="noStrike">
+                          <a:solidFill>
+                            <a:srgbClr val="000000"/>
+                          </a:solidFill>
+                          <a:effectLst/>
+                          <a:latin typeface="Segoe UI" panose="020B0502040204020203" pitchFamily="34" charset="0"/>
+                        </a:rPr>
+                        <a:t>98.02</a:t>
+                      </a:r>
+                    </a:p>
+                  </a:txBody>
+                  <a:tcPr marL="6350" marR="6350" marT="6350" marB="0" anchor="ctr">
+                    <a:lnL w="6350" cap="flat" cmpd="sng" algn="ctr">
+                      <a:solidFill>
+                        <a:srgbClr val="000000"/>
+                      </a:solidFill>
+                      <a:prstDash val="solid"/>
+                      <a:round/>
+                      <a:headEnd type="none" w="med" len="med"/>
+                      <a:tailEnd type="none" w="med" len="med"/>
+                    </a:lnL>
+                    <a:lnR w="6350" cap="flat" cmpd="sng" algn="ctr">
+                      <a:solidFill>
+                        <a:srgbClr val="000000"/>
+                      </a:solidFill>
+                      <a:prstDash val="solid"/>
+                      <a:round/>
+                      <a:headEnd type="none" w="med" len="med"/>
+                      <a:tailEnd type="none" w="med" len="med"/>
+                    </a:lnR>
+                    <a:lnT w="6350" cap="flat" cmpd="sng" algn="ctr">
+                      <a:solidFill>
+                        <a:srgbClr val="000000"/>
+                      </a:solidFill>
+                      <a:prstDash val="solid"/>
+                      <a:round/>
+                      <a:headEnd type="none" w="med" len="med"/>
+                      <a:tailEnd type="none" w="med" len="med"/>
+                    </a:lnT>
+                    <a:lnB w="6350" cap="flat" cmpd="sng" algn="ctr">
+                      <a:solidFill>
+                        <a:srgbClr val="000000"/>
+                      </a:solidFill>
+                      <a:prstDash val="solid"/>
+                      <a:round/>
+                      <a:headEnd type="none" w="med" len="med"/>
+                      <a:tailEnd type="none" w="med" len="med"/>
+                    </a:lnB>
+                    <a:noFill/>
+                  </a:tcPr>
+                </a:tc>
+                <a:extLst>
+                  <a:ext uri="{0D108BD9-81ED-4DB2-BD59-A6C34878D82A}">
+                    <a16:rowId xmlns:a16="http://schemas.microsoft.com/office/drawing/2014/main" val="2952802594"/>
+                  </a:ext>
+                </a:extLst>
+              </a:tr>
+              <a:tr h="247180">
+                <a:tc>
+                  <a:txBody>
+                    <a:bodyPr/>
+                    <a:lstStyle/>
+                    <a:p>
+                      <a:pPr algn="ctr" rtl="0" fontAlgn="ctr"/>
+                      <a:r>
+                        <a:rPr lang="en-IL" sz="1200" b="0" i="0" u="none" strike="noStrike">
+                          <a:solidFill>
+                            <a:srgbClr val="000000"/>
+                          </a:solidFill>
+                          <a:effectLst/>
+                          <a:latin typeface="Segoe UI" panose="020B0502040204020203" pitchFamily="34" charset="0"/>
+                        </a:rPr>
+                        <a:t>10</a:t>
+                      </a:r>
+                    </a:p>
+                  </a:txBody>
+                  <a:tcPr marL="6350" marR="6350" marT="6350" marB="0" anchor="ctr">
+                    <a:lnL w="6350" cap="flat" cmpd="sng" algn="ctr">
+                      <a:solidFill>
+                        <a:srgbClr val="000000"/>
+                      </a:solidFill>
+                      <a:prstDash val="solid"/>
+                      <a:round/>
+                      <a:headEnd type="none" w="med" len="med"/>
+                      <a:tailEnd type="none" w="med" len="med"/>
+                    </a:lnL>
+                    <a:lnR w="6350" cap="flat" cmpd="sng" algn="ctr">
+                      <a:solidFill>
+                        <a:srgbClr val="000000"/>
+                      </a:solidFill>
+                      <a:prstDash val="solid"/>
+                      <a:round/>
+                      <a:headEnd type="none" w="med" len="med"/>
+                      <a:tailEnd type="none" w="med" len="med"/>
+                    </a:lnR>
+                    <a:lnT w="6350" cap="flat" cmpd="sng" algn="ctr">
+                      <a:solidFill>
+                        <a:srgbClr val="000000"/>
+                      </a:solidFill>
+                      <a:prstDash val="solid"/>
+                      <a:round/>
+                      <a:headEnd type="none" w="med" len="med"/>
+                      <a:tailEnd type="none" w="med" len="med"/>
+                    </a:lnT>
+                    <a:lnB w="6350" cap="flat" cmpd="sng" algn="ctr">
+                      <a:solidFill>
+                        <a:srgbClr val="000000"/>
+                      </a:solidFill>
+                      <a:prstDash val="solid"/>
+                      <a:round/>
+                      <a:headEnd type="none" w="med" len="med"/>
+                      <a:tailEnd type="none" w="med" len="med"/>
+                    </a:lnB>
+                    <a:noFill/>
+                  </a:tcPr>
+                </a:tc>
+                <a:tc>
+                  <a:txBody>
+                    <a:bodyPr/>
+                    <a:lstStyle/>
+                    <a:p>
+                      <a:pPr algn="ctr" rtl="0" fontAlgn="ctr"/>
+                      <a:r>
+                        <a:rPr lang="en-IL" sz="1200" b="0" i="0" u="none" strike="noStrike">
+                          <a:solidFill>
+                            <a:srgbClr val="000000"/>
+                          </a:solidFill>
+                          <a:effectLst/>
+                          <a:latin typeface="Segoe UI" panose="020B0502040204020203" pitchFamily="34" charset="0"/>
+                        </a:rPr>
+                        <a:t>16</a:t>
+                      </a:r>
+                    </a:p>
+                  </a:txBody>
+                  <a:tcPr marL="6350" marR="6350" marT="6350" marB="0" anchor="ctr">
+                    <a:lnL w="6350" cap="flat" cmpd="sng" algn="ctr">
+                      <a:solidFill>
+                        <a:srgbClr val="000000"/>
+                      </a:solidFill>
+                      <a:prstDash val="solid"/>
+                      <a:round/>
+                      <a:headEnd type="none" w="med" len="med"/>
+                      <a:tailEnd type="none" w="med" len="med"/>
+                    </a:lnL>
+                    <a:lnR w="6350" cap="flat" cmpd="sng" algn="ctr">
+                      <a:solidFill>
+                        <a:srgbClr val="000000"/>
+                      </a:solidFill>
+                      <a:prstDash val="solid"/>
+                      <a:round/>
+                      <a:headEnd type="none" w="med" len="med"/>
+                      <a:tailEnd type="none" w="med" len="med"/>
+                    </a:lnR>
+                    <a:lnT w="6350" cap="flat" cmpd="sng" algn="ctr">
+                      <a:solidFill>
+                        <a:srgbClr val="000000"/>
+                      </a:solidFill>
+                      <a:prstDash val="solid"/>
+                      <a:round/>
+                      <a:headEnd type="none" w="med" len="med"/>
+                      <a:tailEnd type="none" w="med" len="med"/>
+                    </a:lnT>
+                    <a:lnB w="6350" cap="flat" cmpd="sng" algn="ctr">
+                      <a:solidFill>
+                        <a:srgbClr val="000000"/>
+                      </a:solidFill>
+                      <a:prstDash val="solid"/>
+                      <a:round/>
+                      <a:headEnd type="none" w="med" len="med"/>
+                      <a:tailEnd type="none" w="med" len="med"/>
+                    </a:lnB>
+                    <a:noFill/>
+                  </a:tcPr>
+                </a:tc>
+                <a:tc>
+                  <a:txBody>
+                    <a:bodyPr/>
+                    <a:lstStyle/>
+                    <a:p>
+                      <a:pPr algn="ctr" rtl="0" fontAlgn="ctr"/>
+                      <a:r>
+                        <a:rPr lang="en-IL" sz="1200" b="0" i="0" u="none" strike="noStrike">
+                          <a:solidFill>
+                            <a:srgbClr val="000000"/>
+                          </a:solidFill>
+                          <a:effectLst/>
+                          <a:latin typeface="Segoe UI" panose="020B0502040204020203" pitchFamily="34" charset="0"/>
+                        </a:rPr>
+                        <a:t>20</a:t>
+                      </a:r>
+                    </a:p>
+                  </a:txBody>
+                  <a:tcPr marL="6350" marR="6350" marT="6350" marB="0" anchor="ctr">
+                    <a:lnL w="6350" cap="flat" cmpd="sng" algn="ctr">
+                      <a:solidFill>
+                        <a:srgbClr val="000000"/>
+                      </a:solidFill>
+                      <a:prstDash val="solid"/>
+                      <a:round/>
+                      <a:headEnd type="none" w="med" len="med"/>
+                      <a:tailEnd type="none" w="med" len="med"/>
+                    </a:lnL>
+                    <a:lnR w="6350" cap="flat" cmpd="sng" algn="ctr">
+                      <a:solidFill>
+                        <a:srgbClr val="000000"/>
+                      </a:solidFill>
+                      <a:prstDash val="solid"/>
+                      <a:round/>
+                      <a:headEnd type="none" w="med" len="med"/>
+                      <a:tailEnd type="none" w="med" len="med"/>
+                    </a:lnR>
+                    <a:lnT w="6350" cap="flat" cmpd="sng" algn="ctr">
+                      <a:solidFill>
+                        <a:srgbClr val="000000"/>
+                      </a:solidFill>
+                      <a:prstDash val="solid"/>
+                      <a:round/>
+                      <a:headEnd type="none" w="med" len="med"/>
+                      <a:tailEnd type="none" w="med" len="med"/>
+                    </a:lnT>
+                    <a:lnB w="6350" cap="flat" cmpd="sng" algn="ctr">
+                      <a:solidFill>
+                        <a:srgbClr val="000000"/>
+                      </a:solidFill>
+                      <a:prstDash val="solid"/>
+                      <a:round/>
+                      <a:headEnd type="none" w="med" len="med"/>
+                      <a:tailEnd type="none" w="med" len="med"/>
+                    </a:lnB>
+                    <a:noFill/>
+                  </a:tcPr>
+                </a:tc>
+                <a:tc>
+                  <a:txBody>
+                    <a:bodyPr/>
+                    <a:lstStyle/>
+                    <a:p>
+                      <a:pPr algn="ctr" rtl="0" fontAlgn="ctr"/>
+                      <a:r>
+                        <a:rPr lang="en-IL" sz="1200" b="0" i="0" u="none" strike="noStrike">
+                          <a:solidFill>
+                            <a:srgbClr val="000000"/>
+                          </a:solidFill>
+                          <a:effectLst/>
+                          <a:latin typeface="Segoe UI" panose="020B0502040204020203" pitchFamily="34" charset="0"/>
+                        </a:rPr>
+                        <a:t>0.001</a:t>
+                      </a:r>
+                    </a:p>
+                  </a:txBody>
+                  <a:tcPr marL="6350" marR="6350" marT="6350" marB="0" anchor="ctr">
+                    <a:lnL w="6350" cap="flat" cmpd="sng" algn="ctr">
+                      <a:solidFill>
+                        <a:srgbClr val="000000"/>
+                      </a:solidFill>
+                      <a:prstDash val="solid"/>
+                      <a:round/>
+                      <a:headEnd type="none" w="med" len="med"/>
+                      <a:tailEnd type="none" w="med" len="med"/>
+                    </a:lnL>
+                    <a:lnR w="6350" cap="flat" cmpd="sng" algn="ctr">
+                      <a:solidFill>
+                        <a:srgbClr val="000000"/>
+                      </a:solidFill>
+                      <a:prstDash val="solid"/>
+                      <a:round/>
+                      <a:headEnd type="none" w="med" len="med"/>
+                      <a:tailEnd type="none" w="med" len="med"/>
+                    </a:lnR>
+                    <a:lnT w="6350" cap="flat" cmpd="sng" algn="ctr">
+                      <a:solidFill>
+                        <a:srgbClr val="000000"/>
+                      </a:solidFill>
+                      <a:prstDash val="solid"/>
+                      <a:round/>
+                      <a:headEnd type="none" w="med" len="med"/>
+                      <a:tailEnd type="none" w="med" len="med"/>
+                    </a:lnT>
+                    <a:lnB w="6350" cap="flat" cmpd="sng" algn="ctr">
+                      <a:solidFill>
+                        <a:srgbClr val="000000"/>
+                      </a:solidFill>
+                      <a:prstDash val="solid"/>
+                      <a:round/>
+                      <a:headEnd type="none" w="med" len="med"/>
+                      <a:tailEnd type="none" w="med" len="med"/>
+                    </a:lnB>
+                    <a:noFill/>
+                  </a:tcPr>
+                </a:tc>
+                <a:tc>
+                  <a:txBody>
+                    <a:bodyPr/>
+                    <a:lstStyle/>
+                    <a:p>
+                      <a:pPr algn="ctr" rtl="0" fontAlgn="ctr"/>
+                      <a:r>
+                        <a:rPr lang="en-IL" sz="1200" b="0" i="0" u="none" strike="noStrike" dirty="0">
+                          <a:solidFill>
+                            <a:srgbClr val="000000"/>
+                          </a:solidFill>
+                          <a:effectLst/>
+                          <a:latin typeface="Segoe UI" panose="020B0502040204020203" pitchFamily="34" charset="0"/>
+                        </a:rPr>
+                        <a:t>98.01</a:t>
+                      </a:r>
+                    </a:p>
+                  </a:txBody>
+                  <a:tcPr marL="6350" marR="6350" marT="6350" marB="0" anchor="ctr">
+                    <a:lnL w="6350" cap="flat" cmpd="sng" algn="ctr">
+                      <a:solidFill>
+                        <a:srgbClr val="000000"/>
+                      </a:solidFill>
+                      <a:prstDash val="solid"/>
+                      <a:round/>
+                      <a:headEnd type="none" w="med" len="med"/>
+                      <a:tailEnd type="none" w="med" len="med"/>
+                    </a:lnL>
+                    <a:lnR w="6350" cap="flat" cmpd="sng" algn="ctr">
+                      <a:solidFill>
+                        <a:srgbClr val="000000"/>
+                      </a:solidFill>
+                      <a:prstDash val="solid"/>
+                      <a:round/>
+                      <a:headEnd type="none" w="med" len="med"/>
+                      <a:tailEnd type="none" w="med" len="med"/>
+                    </a:lnR>
+                    <a:lnT w="6350" cap="flat" cmpd="sng" algn="ctr">
+                      <a:solidFill>
+                        <a:srgbClr val="000000"/>
+                      </a:solidFill>
+                      <a:prstDash val="solid"/>
+                      <a:round/>
+                      <a:headEnd type="none" w="med" len="med"/>
+                      <a:tailEnd type="none" w="med" len="med"/>
+                    </a:lnT>
+                    <a:lnB w="6350" cap="flat" cmpd="sng" algn="ctr">
+                      <a:solidFill>
+                        <a:srgbClr val="000000"/>
+                      </a:solidFill>
+                      <a:prstDash val="solid"/>
+                      <a:round/>
+                      <a:headEnd type="none" w="med" len="med"/>
+                      <a:tailEnd type="none" w="med" len="med"/>
+                    </a:lnB>
+                    <a:noFill/>
+                  </a:tcPr>
+                </a:tc>
+                <a:extLst>
+                  <a:ext uri="{0D108BD9-81ED-4DB2-BD59-A6C34878D82A}">
+                    <a16:rowId xmlns:a16="http://schemas.microsoft.com/office/drawing/2014/main" val="2218564945"/>
+                  </a:ext>
+                </a:extLst>
+              </a:tr>
+            </a:tbl>
+          </a:graphicData>
+        </a:graphic>
+      </p:graphicFrame>
     </p:spTree>
     <p:extLst>
       <p:ext uri="{BB962C8B-B14F-4D97-AF65-F5344CB8AC3E}">
@@ -17672,7 +17933,7 @@
         </p:nvSpPr>
         <p:spPr>
           <a:xfrm>
-            <a:off x="3800181" y="365125"/>
+            <a:off x="3800180" y="170948"/>
             <a:ext cx="4591639" cy="1325563"/>
           </a:xfrm>
         </p:spPr>
@@ -17719,14 +17980,50 @@
         </p:blipFill>
         <p:spPr>
           <a:xfrm>
-            <a:off x="1212281" y="1462745"/>
-            <a:ext cx="9767438" cy="4670056"/>
+            <a:off x="231894" y="1496511"/>
+            <a:ext cx="7705476" cy="3684181"/>
           </a:xfrm>
           <a:prstGeom prst="rect">
             <a:avLst/>
           </a:prstGeom>
         </p:spPr>
       </p:pic>
+      <p:sp>
+        <p:nvSpPr>
+          <p:cNvPr id="6" name="TextBox 5">
+            <a:extLst>
+              <a:ext uri="{FF2B5EF4-FFF2-40B4-BE49-F238E27FC236}">
+                <a16:creationId xmlns:a16="http://schemas.microsoft.com/office/drawing/2014/main" id="{A2D05C67-F69B-DC78-27F8-C768DB8847D7}"/>
+              </a:ext>
+            </a:extLst>
+          </p:cNvPr>
+          <p:cNvSpPr txBox="1"/>
+          <p:nvPr/>
+        </p:nvSpPr>
+        <p:spPr>
+          <a:xfrm>
+            <a:off x="8263577" y="1496511"/>
+            <a:ext cx="3535051" cy="1477328"/>
+          </a:xfrm>
+          <a:prstGeom prst="rect">
+            <a:avLst/>
+          </a:prstGeom>
+          <a:noFill/>
+        </p:spPr>
+        <p:txBody>
+          <a:bodyPr wrap="square" rtlCol="0">
+            <a:spAutoFit/>
+          </a:bodyPr>
+          <a:lstStyle/>
+          <a:p>
+            <a:r>
+              <a:rPr lang="en-US" dirty="0"/>
+              <a:t>We can see that most of the misclassification images are cropped which could be the reason the model is having trouble classifying them correctly.</a:t>
+            </a:r>
+            <a:endParaRPr lang="en-IL" dirty="0"/>
+          </a:p>
+        </p:txBody>
+      </p:sp>
     </p:spTree>
     <p:extLst>
       <p:ext uri="{BB962C8B-B14F-4D97-AF65-F5344CB8AC3E}">
@@ -17883,8 +18180,8 @@
         </p:nvSpPr>
         <p:spPr>
           <a:xfrm>
-            <a:off x="3048786" y="2505670"/>
-            <a:ext cx="6094428" cy="923330"/>
+            <a:off x="1809946" y="1690688"/>
+            <a:ext cx="8294802" cy="3373359"/>
           </a:xfrm>
           <a:prstGeom prst="rect">
             <a:avLst/>
@@ -17897,20 +18194,124 @@
           </a:bodyPr>
           <a:lstStyle/>
           <a:p>
+            <a:pPr marL="285750" indent="-285750">
+              <a:lnSpc>
+                <a:spcPct val="150000"/>
+              </a:lnSpc>
+              <a:buFont typeface="Wingdings" panose="05000000000000000000" pitchFamily="2" charset="2"/>
+              <a:buChar char="v"/>
+            </a:pPr>
             <a:r>
-              <a:rPr lang="en-IL" dirty="0"/>
-              <a:t>Different CNN architectures/layers</a:t>
+              <a:rPr lang="en-US" b="0" i="0" dirty="0">
+                <a:effectLst/>
+                <a:latin typeface="Söhne"/>
+              </a:rPr>
+              <a:t>Implement </a:t>
+            </a:r>
+            <a:r>
+              <a:rPr lang="en-US" b="1" i="0" dirty="0">
+                <a:effectLst/>
+                <a:latin typeface="Söhne"/>
+              </a:rPr>
+              <a:t>data augmentation </a:t>
+            </a:r>
+            <a:r>
+              <a:rPr lang="en-US" b="0" i="0" dirty="0">
+                <a:effectLst/>
+                <a:latin typeface="Söhne"/>
+              </a:rPr>
+              <a:t>techniques such as rotation, translation, and scaling to increase the diversity of the training dataset and improve model robustness.</a:t>
+            </a:r>
+            <a:endParaRPr lang="en-US" dirty="0"/>
+          </a:p>
+          <a:p>
+            <a:pPr marL="285750" indent="-285750">
+              <a:lnSpc>
+                <a:spcPct val="150000"/>
+              </a:lnSpc>
+              <a:buFont typeface="Wingdings" panose="05000000000000000000" pitchFamily="2" charset="2"/>
+              <a:buChar char="v"/>
+            </a:pPr>
+            <a:r>
+              <a:rPr lang="en-US" b="1" dirty="0">
+                <a:latin typeface="Söhne"/>
+              </a:rPr>
+              <a:t>Architectural Modifications</a:t>
+            </a:r>
+            <a:r>
+              <a:rPr lang="en-US" dirty="0">
+                <a:latin typeface="Söhne"/>
+              </a:rPr>
+              <a:t>, </a:t>
+            </a:r>
+            <a:r>
+              <a:rPr lang="en-US" b="0" i="0" dirty="0">
+                <a:effectLst/>
+                <a:latin typeface="Söhne"/>
+              </a:rPr>
+              <a:t>Experiment with different neural network </a:t>
+            </a:r>
+            <a:r>
+              <a:rPr lang="en-US" dirty="0">
+                <a:latin typeface="Söhne"/>
+              </a:rPr>
+              <a:t>architectures.</a:t>
             </a:r>
           </a:p>
           <a:p>
+            <a:pPr marL="285750" indent="-285750">
+              <a:lnSpc>
+                <a:spcPct val="150000"/>
+              </a:lnSpc>
+              <a:buFont typeface="Wingdings" panose="05000000000000000000" pitchFamily="2" charset="2"/>
+              <a:buChar char="v"/>
+            </a:pPr>
             <a:r>
-              <a:rPr lang="en-IL" dirty="0"/>
-              <a:t>Reshaping before entering the model</a:t>
+              <a:rPr lang="en-US" b="1" dirty="0">
+                <a:latin typeface="Söhne"/>
+              </a:rPr>
+              <a:t>Transfer Learning, </a:t>
+            </a:r>
+            <a:r>
+              <a:rPr lang="en-US" dirty="0">
+                <a:latin typeface="Söhne"/>
+              </a:rPr>
+              <a:t>Explore the use of pre-trained models.</a:t>
             </a:r>
           </a:p>
           <a:p>
+            <a:pPr marL="285750" indent="-285750">
+              <a:lnSpc>
+                <a:spcPct val="150000"/>
+              </a:lnSpc>
+              <a:buFont typeface="Wingdings" panose="05000000000000000000" pitchFamily="2" charset="2"/>
+              <a:buChar char="v"/>
+            </a:pPr>
             <a:r>
-              <a:rPr lang="en-IL" dirty="0"/>
+              <a:rPr lang="en-US" b="1" dirty="0">
+                <a:latin typeface="Söhne"/>
+              </a:rPr>
+              <a:t>Regularization</a:t>
+            </a:r>
+            <a:r>
+              <a:rPr lang="en-US" dirty="0">
+                <a:latin typeface="Söhne"/>
+              </a:rPr>
+              <a:t> Techniques: Apply regularization techniques such as dropout to prevent overfitting and improve generalization performance.</a:t>
+            </a:r>
+          </a:p>
+          <a:p>
+            <a:pPr marL="285750" indent="-285750">
+              <a:lnSpc>
+                <a:spcPct val="150000"/>
+              </a:lnSpc>
+              <a:buFont typeface="Wingdings" panose="05000000000000000000" pitchFamily="2" charset="2"/>
+              <a:buChar char="v"/>
+            </a:pPr>
+            <a:r>
+              <a:rPr lang="en-US" b="1" dirty="0">
+                <a:latin typeface="Söhne"/>
+              </a:rPr>
               <a:t>Data cleaning</a:t>
             </a:r>
           </a:p>

--- a/results.pptx
+++ b/results.pptx
@@ -1294,7 +1294,7 @@
               <a:latin typeface="Segoe UI Light" panose="020B0502040204020203" pitchFamily="34" charset="0"/>
               <a:cs typeface="Segoe UI Light" panose="020B0502040204020203" pitchFamily="34" charset="0"/>
             </a:rPr>
-            <a:t>Relu</a:t>
+            <a:t>ReLU</a:t>
           </a:r>
           <a:endParaRPr lang="en-IL" sz="1000" dirty="0">
             <a:latin typeface="Segoe UI Light" panose="020B0502040204020203" pitchFamily="34" charset="0"/>
@@ -1380,7 +1380,7 @@
               <a:latin typeface="Segoe UI Light" panose="020B0502040204020203" pitchFamily="34" charset="0"/>
               <a:cs typeface="Segoe UI Light" panose="020B0502040204020203" pitchFamily="34" charset="0"/>
             </a:rPr>
-            <a:t>Relu</a:t>
+            <a:t>ReLU</a:t>
           </a:r>
           <a:endParaRPr lang="en-IL" sz="1000" dirty="0">
             <a:latin typeface="Segoe UI Light" panose="020B0502040204020203" pitchFamily="34" charset="0"/>
@@ -1466,7 +1466,7 @@
               <a:latin typeface="Segoe UI Light" panose="020B0502040204020203" pitchFamily="34" charset="0"/>
               <a:cs typeface="Segoe UI Light" panose="020B0502040204020203" pitchFamily="34" charset="0"/>
             </a:rPr>
-            <a:t>Relu</a:t>
+            <a:t>ReLU</a:t>
           </a:r>
           <a:endParaRPr lang="en-IL" sz="1000" dirty="0">
             <a:latin typeface="Segoe UI Light" panose="020B0502040204020203" pitchFamily="34" charset="0"/>
@@ -1595,7 +1595,7 @@
               <a:latin typeface="Segoe UI Light" panose="020B0502040204020203" pitchFamily="34" charset="0"/>
               <a:cs typeface="Segoe UI Light" panose="020B0502040204020203" pitchFamily="34" charset="0"/>
             </a:rPr>
-            <a:t>Relu</a:t>
+            <a:t>RelU</a:t>
           </a:r>
           <a:endParaRPr lang="en-US" sz="1000" b="1" dirty="0">
             <a:latin typeface="Segoe UI Light" panose="020B0502040204020203" pitchFamily="34" charset="0"/>
@@ -2403,7 +2403,7 @@
               <a:latin typeface="Segoe UI Light" panose="020B0502040204020203" pitchFamily="34" charset="0"/>
               <a:cs typeface="Segoe UI Light" panose="020B0502040204020203" pitchFamily="34" charset="0"/>
             </a:rPr>
-            <a:t>Relu</a:t>
+            <a:t>RelU</a:t>
           </a:r>
           <a:endParaRPr lang="en-US" sz="1000" b="1" kern="1200" dirty="0">
             <a:latin typeface="Segoe UI Light" panose="020B0502040204020203" pitchFamily="34" charset="0"/>
@@ -2794,7 +2794,7 @@
               <a:latin typeface="Segoe UI Light" panose="020B0502040204020203" pitchFamily="34" charset="0"/>
               <a:cs typeface="Segoe UI Light" panose="020B0502040204020203" pitchFamily="34" charset="0"/>
             </a:rPr>
-            <a:t>Relu</a:t>
+            <a:t>ReLU</a:t>
           </a:r>
           <a:endParaRPr lang="en-IL" sz="1000" kern="1200" dirty="0">
             <a:latin typeface="Segoe UI Light" panose="020B0502040204020203" pitchFamily="34" charset="0"/>
@@ -3074,7 +3074,7 @@
               <a:latin typeface="Segoe UI Light" panose="020B0502040204020203" pitchFamily="34" charset="0"/>
               <a:cs typeface="Segoe UI Light" panose="020B0502040204020203" pitchFamily="34" charset="0"/>
             </a:rPr>
-            <a:t>Relu</a:t>
+            <a:t>ReLU</a:t>
           </a:r>
           <a:endParaRPr lang="en-IL" sz="1000" kern="1200" dirty="0">
             <a:latin typeface="Segoe UI Light" panose="020B0502040204020203" pitchFamily="34" charset="0"/>
@@ -3354,7 +3354,7 @@
               <a:latin typeface="Segoe UI Light" panose="020B0502040204020203" pitchFamily="34" charset="0"/>
               <a:cs typeface="Segoe UI Light" panose="020B0502040204020203" pitchFamily="34" charset="0"/>
             </a:rPr>
-            <a:t>Relu</a:t>
+            <a:t>ReLU</a:t>
           </a:r>
           <a:endParaRPr lang="en-IL" sz="1000" kern="1200" dirty="0">
             <a:latin typeface="Segoe UI Light" panose="020B0502040204020203" pitchFamily="34" charset="0"/>
@@ -9409,6 +9409,257 @@
               <a:rPr lang="en-US" dirty="0"/>
               <a:t>Model architecture</a:t>
             </a:r>
+          </a:p>
+          <a:p>
+            <a:r>
+              <a:rPr lang="en-US" dirty="0"/>
+              <a:t>Input layer –single channel since the image is greyscale.</a:t>
+            </a:r>
+          </a:p>
+          <a:p>
+            <a:endParaRPr lang="en-US" dirty="0"/>
+          </a:p>
+          <a:p>
+            <a:r>
+              <a:rPr lang="en-US" b="0" i="0" dirty="0">
+                <a:solidFill>
+                  <a:srgbClr val="E3E3E3"/>
+                </a:solidFill>
+                <a:effectLst/>
+                <a:latin typeface="Google Sans"/>
+              </a:rPr>
+              <a:t>Convolutional Neural Networks (CNNs) are particularly well-suited for image classification tasks.</a:t>
+            </a:r>
+            <a:endParaRPr lang="en-US" dirty="0"/>
+          </a:p>
+          <a:p>
+            <a:r>
+              <a:rPr lang="en-US" b="0" i="0" dirty="0">
+                <a:solidFill>
+                  <a:srgbClr val="E3E3E3"/>
+                </a:solidFill>
+                <a:effectLst/>
+                <a:latin typeface="Google Sans"/>
+              </a:rPr>
+              <a:t>CNNs can automatically learn the relevant features from the images themselves during training.</a:t>
+            </a:r>
+          </a:p>
+          <a:p>
+            <a:r>
+              <a:rPr lang="en-US" dirty="0"/>
+              <a:t>CNNs are designed to capture the spatial relationships between pixels in an image.</a:t>
+            </a:r>
+            <a:br>
+              <a:rPr lang="en-US" dirty="0"/>
+            </a:br>
+            <a:r>
+              <a:rPr lang="en-US" dirty="0"/>
+              <a:t>This is achieved through convolutional layers that use filters to scan the image, identifying patterns like edges, textures, and shapes.</a:t>
+            </a:r>
+          </a:p>
+          <a:p>
+            <a:r>
+              <a:rPr lang="en-US" dirty="0"/>
+              <a:t>These lower-level features are then combined in subsequent layers to form more complex features, allowing the CNN to gradually recognize objects within the image.</a:t>
+            </a:r>
+          </a:p>
+          <a:p>
+            <a:endParaRPr lang="en-US" dirty="0"/>
+          </a:p>
+          <a:p>
+            <a:r>
+              <a:rPr lang="en-US" b="0" i="0" dirty="0">
+                <a:solidFill>
+                  <a:srgbClr val="ECECEC"/>
+                </a:solidFill>
+                <a:effectLst/>
+                <a:latin typeface="Söhne"/>
+              </a:rPr>
+              <a:t>Parameter sharing - where a small set of learnable filters is applied across the entire input image. This significantly reduces the number of parameters compared to fully connected networks, making CNNs more efficient</a:t>
+            </a:r>
+          </a:p>
+          <a:p>
+            <a:endParaRPr lang="en-US" b="0" i="0" dirty="0">
+              <a:solidFill>
+                <a:srgbClr val="ECECEC"/>
+              </a:solidFill>
+              <a:effectLst/>
+              <a:latin typeface="Söhne"/>
+            </a:endParaRPr>
+          </a:p>
+          <a:p>
+            <a:r>
+              <a:rPr lang="en-US" b="0" i="0" dirty="0">
+                <a:solidFill>
+                  <a:srgbClr val="ECECEC"/>
+                </a:solidFill>
+                <a:effectLst/>
+                <a:latin typeface="Söhne"/>
+              </a:rPr>
+              <a:t>Kernel 3X3 + padding 1 – feature maps remain the same</a:t>
+            </a:r>
+          </a:p>
+          <a:p>
+            <a:r>
+              <a:rPr lang="en-US" b="0" i="0" dirty="0">
+                <a:solidFill>
+                  <a:srgbClr val="ECECEC"/>
+                </a:solidFill>
+                <a:effectLst/>
+                <a:latin typeface="Söhne"/>
+              </a:rPr>
+              <a:t>Pooling helps in reducing the spatial dimensions of the feature maps while retaining the most important information.</a:t>
+            </a:r>
+          </a:p>
+          <a:p>
+            <a:r>
+              <a:rPr lang="en-US" b="0" i="0" dirty="0">
+                <a:solidFill>
+                  <a:srgbClr val="ECECEC"/>
+                </a:solidFill>
+                <a:effectLst/>
+                <a:latin typeface="Söhne"/>
+              </a:rPr>
+              <a:t>The use of non-linear activation functions like </a:t>
+            </a:r>
+            <a:r>
+              <a:rPr lang="en-US" b="0" i="0" dirty="0" err="1">
+                <a:solidFill>
+                  <a:srgbClr val="ECECEC"/>
+                </a:solidFill>
+                <a:effectLst/>
+                <a:latin typeface="Söhne"/>
+              </a:rPr>
+              <a:t>ReLU</a:t>
+            </a:r>
+            <a:r>
+              <a:rPr lang="en-US" b="0" i="0" dirty="0">
+                <a:solidFill>
+                  <a:srgbClr val="ECECEC"/>
+                </a:solidFill>
+                <a:effectLst/>
+                <a:latin typeface="Söhne"/>
+              </a:rPr>
+              <a:t> after each convolutional layer introduces non-linearity into the network, enabling it to learn complex patterns and relationships within the data.</a:t>
+            </a:r>
+          </a:p>
+          <a:p>
+            <a:r>
+              <a:rPr lang="en-US" b="0" i="0" dirty="0" err="1">
+                <a:solidFill>
+                  <a:srgbClr val="ECECEC"/>
+                </a:solidFill>
+                <a:effectLst/>
+                <a:latin typeface="Söhne"/>
+              </a:rPr>
+              <a:t>ReLU</a:t>
+            </a:r>
+            <a:r>
+              <a:rPr lang="en-US" b="0" i="0" dirty="0">
+                <a:solidFill>
+                  <a:srgbClr val="ECECEC"/>
+                </a:solidFill>
+                <a:effectLst/>
+                <a:latin typeface="Söhne"/>
+              </a:rPr>
+              <a:t>(x) = MAX(0,x)</a:t>
+            </a:r>
+          </a:p>
+          <a:p>
+            <a:r>
+              <a:rPr lang="en-US" b="0" i="0" dirty="0">
+                <a:solidFill>
+                  <a:srgbClr val="ECECEC"/>
+                </a:solidFill>
+                <a:effectLst/>
+                <a:latin typeface="Söhne"/>
+              </a:rPr>
+              <a:t>Leaky </a:t>
+            </a:r>
+            <a:r>
+              <a:rPr lang="en-US" b="0" i="0" dirty="0" err="1">
+                <a:solidFill>
+                  <a:srgbClr val="ECECEC"/>
+                </a:solidFill>
+                <a:effectLst/>
+                <a:latin typeface="Söhne"/>
+              </a:rPr>
+              <a:t>ReLU</a:t>
+            </a:r>
+            <a:r>
+              <a:rPr lang="en-US" b="0" i="0" dirty="0">
+                <a:solidFill>
+                  <a:srgbClr val="ECECEC"/>
+                </a:solidFill>
+                <a:effectLst/>
+                <a:latin typeface="Söhne"/>
+              </a:rPr>
+              <a:t>(x) = x if x&gt;0, a*x otherwise</a:t>
+            </a:r>
+          </a:p>
+          <a:p>
+            <a:endParaRPr lang="en-US" b="0" i="0" dirty="0">
+              <a:solidFill>
+                <a:srgbClr val="ECECEC"/>
+              </a:solidFill>
+              <a:effectLst/>
+              <a:latin typeface="Söhne"/>
+            </a:endParaRPr>
+          </a:p>
+          <a:p>
+            <a:r>
+              <a:rPr lang="en-US" b="0" i="0" dirty="0">
+                <a:solidFill>
+                  <a:srgbClr val="ECECEC"/>
+                </a:solidFill>
+                <a:effectLst/>
+                <a:latin typeface="Söhne"/>
+              </a:rPr>
+              <a:t>The fully connected layers (or linear layers) at the end of the network are responsible for combining the extracted features and making the final classification decision.</a:t>
+            </a:r>
+          </a:p>
+          <a:p>
+            <a:endParaRPr lang="en-US" b="0" i="0" dirty="0">
+              <a:solidFill>
+                <a:srgbClr val="ECECEC"/>
+              </a:solidFill>
+              <a:effectLst/>
+              <a:latin typeface="Söhne"/>
+            </a:endParaRPr>
+          </a:p>
+          <a:p>
+            <a:r>
+              <a:rPr lang="en-US" b="0" i="0" dirty="0">
+                <a:solidFill>
+                  <a:srgbClr val="ECECEC"/>
+                </a:solidFill>
+                <a:effectLst/>
+                <a:latin typeface="Söhne"/>
+              </a:rPr>
+              <a:t>Sigmoid activation function squashes the output of the last layer to values between 0 and 1, which can be interpreted as probabilities.(</a:t>
+            </a:r>
+            <a:r>
+              <a:rPr lang="en-US" b="0" i="0" dirty="0" err="1">
+                <a:solidFill>
+                  <a:srgbClr val="ECECEC"/>
+                </a:solidFill>
+                <a:effectLst/>
+                <a:latin typeface="Söhne"/>
+              </a:rPr>
+              <a:t>softmax</a:t>
+            </a:r>
+            <a:r>
+              <a:rPr lang="en-US" b="0" i="0" dirty="0">
+                <a:solidFill>
+                  <a:srgbClr val="ECECEC"/>
+                </a:solidFill>
+                <a:effectLst/>
+                <a:latin typeface="Söhne"/>
+              </a:rPr>
+              <a:t> is typically used in multi-class classification problems)</a:t>
+            </a:r>
+          </a:p>
+          <a:p>
             <a:endParaRPr lang="en-IL" dirty="0"/>
           </a:p>
         </p:txBody>
@@ -9592,8 +9843,10 @@
           <a:p>
             <a:r>
               <a:rPr lang="en-US" dirty="0"/>
-              <a:t>CSV attached to the project</a:t>
+              <a:t>CSV attached to the project results directory</a:t>
             </a:r>
+          </a:p>
+          <a:p>
             <a:br>
               <a:rPr lang="en-US" dirty="0"/>
             </a:br>
@@ -9683,7 +9936,7 @@
           <a:p>
             <a:r>
               <a:rPr lang="en-US" dirty="0"/>
-              <a:t>Result from </a:t>
+              <a:t>CSV Result from </a:t>
             </a:r>
             <a:r>
               <a:rPr lang="en-US" dirty="0" err="1"/>
@@ -9697,7 +9950,17 @@
           <a:p>
             <a:r>
               <a:rPr lang="en-US" dirty="0"/>
-              <a:t>Overfitting check</a:t>
+              <a:t>Overfitting check example</a:t>
+            </a:r>
+          </a:p>
+          <a:p>
+            <a:r>
+              <a:rPr lang="en-US" dirty="0"/>
+              <a:t>Importance of the </a:t>
+            </a:r>
+            <a:r>
+              <a:rPr lang="en-US" dirty="0" err="1"/>
+              <a:t>lr</a:t>
             </a:r>
             <a:endParaRPr lang="en-IL" dirty="0"/>
           </a:p>
@@ -9785,7 +10048,169 @@
           <a:p>
             <a:r>
               <a:rPr lang="en-US" dirty="0"/>
-              <a:t>Example of the first 9 mismatches</a:t>
+              <a:t>For example 10 test runs, the first 9 random mismatches images</a:t>
+            </a:r>
+          </a:p>
+          <a:p>
+            <a:r>
+              <a:rPr lang="en-US" dirty="0"/>
+              <a:t>Avg of 10 runs</a:t>
+            </a:r>
+          </a:p>
+          <a:p>
+            <a:r>
+              <a:rPr lang="en-US" dirty="0"/>
+              <a:t>Classified as face(true label non-face)</a:t>
+            </a:r>
+            <a:br>
+              <a:rPr lang="en-US" dirty="0"/>
+            </a:br>
+            <a:r>
+              <a:rPr lang="en-US" dirty="0"/>
+              <a:t>Classified as non-face(true label face)</a:t>
+            </a:r>
+          </a:p>
+          <a:p>
+            <a:endParaRPr lang="en-US" dirty="0"/>
+          </a:p>
+          <a:p>
+            <a:r>
+              <a:rPr lang="en-US" dirty="0"/>
+              <a:t>In binary classification tasks, accuracy measures the overall correctness of the model's predictions, regardless of class.</a:t>
+            </a:r>
+          </a:p>
+          <a:p>
+            <a:r>
+              <a:rPr lang="en-US" dirty="0"/>
+              <a:t>If one class (non-faces) dominates the dataset, the model may achieve high accuracy by correctly classifying the majority class while still struggling with the minority class.</a:t>
+            </a:r>
+          </a:p>
+          <a:p>
+            <a:pPr algn="l">
+              <a:buFont typeface="Arial" panose="020B0604020202020204" pitchFamily="34" charset="0"/>
+              <a:buChar char="•"/>
+            </a:pPr>
+            <a:r>
+              <a:rPr lang="en-US" b="0" i="0" dirty="0">
+                <a:solidFill>
+                  <a:srgbClr val="ECECEC"/>
+                </a:solidFill>
+                <a:effectLst/>
+                <a:latin typeface="Söhne"/>
+              </a:rPr>
+              <a:t>The model achieves high accuracy, but it struggles with recall, suggesting that it misses a significant portion of the positive class. This discrepancy could be due to various factors, such as class imbalance, model complexity, or insufficient training data for the positive class.</a:t>
+            </a:r>
+            <a:br>
+              <a:rPr lang="en-US" b="0" i="0" dirty="0">
+                <a:solidFill>
+                  <a:srgbClr val="ECECEC"/>
+                </a:solidFill>
+                <a:effectLst/>
+                <a:latin typeface="Söhne"/>
+              </a:rPr>
+            </a:br>
+            <a:br>
+              <a:rPr lang="en-US" b="0" i="0" dirty="0">
+                <a:solidFill>
+                  <a:srgbClr val="ECECEC"/>
+                </a:solidFill>
+                <a:effectLst/>
+                <a:latin typeface="Söhne"/>
+              </a:rPr>
+            </a:br>
+            <a:r>
+              <a:rPr lang="en-US" b="1" i="0" dirty="0">
+                <a:solidFill>
+                  <a:srgbClr val="ECECEC"/>
+                </a:solidFill>
+                <a:effectLst/>
+                <a:latin typeface="Söhne"/>
+              </a:rPr>
+              <a:t>Test Accuracy:</a:t>
+            </a:r>
+            <a:r>
+              <a:rPr lang="en-US" b="0" i="0" dirty="0">
+                <a:solidFill>
+                  <a:srgbClr val="ECECEC"/>
+                </a:solidFill>
+                <a:effectLst/>
+                <a:latin typeface="Söhne"/>
+              </a:rPr>
+              <a:t> The model consistently achieves high accuracy, ranging from 98.1% to 98.19%, indicating that it correctly classifies the majority of samples in the test set.</a:t>
+            </a:r>
+          </a:p>
+          <a:p>
+            <a:pPr algn="l">
+              <a:buFont typeface="Arial" panose="020B0604020202020204" pitchFamily="34" charset="0"/>
+              <a:buChar char="•"/>
+            </a:pPr>
+            <a:r>
+              <a:rPr lang="en-US" b="1" i="0" dirty="0">
+                <a:solidFill>
+                  <a:srgbClr val="ECECEC"/>
+                </a:solidFill>
+                <a:effectLst/>
+                <a:latin typeface="Söhne"/>
+              </a:rPr>
+              <a:t>Precision:</a:t>
+            </a:r>
+            <a:r>
+              <a:rPr lang="en-US" b="0" i="0" dirty="0">
+                <a:solidFill>
+                  <a:srgbClr val="ECECEC"/>
+                </a:solidFill>
+                <a:effectLst/>
+                <a:latin typeface="Söhne"/>
+              </a:rPr>
+              <a:t> The precision values range from 0.616 to 0.786, with an average precision of approximately 0.669. Precision represents the proportion of correctly predicted positive instances among all instances predicted as positive by the model.</a:t>
+            </a:r>
+          </a:p>
+          <a:p>
+            <a:pPr algn="l">
+              <a:buFont typeface="Arial" panose="020B0604020202020204" pitchFamily="34" charset="0"/>
+              <a:buChar char="•"/>
+            </a:pPr>
+            <a:r>
+              <a:rPr lang="en-US" b="1" i="0" dirty="0">
+                <a:solidFill>
+                  <a:srgbClr val="ECECEC"/>
+                </a:solidFill>
+                <a:effectLst/>
+                <a:latin typeface="Söhne"/>
+              </a:rPr>
+              <a:t>Recall:</a:t>
+            </a:r>
+            <a:r>
+              <a:rPr lang="en-US" b="0" i="0" dirty="0">
+                <a:solidFill>
+                  <a:srgbClr val="ECECEC"/>
+                </a:solidFill>
+                <a:effectLst/>
+                <a:latin typeface="Söhne"/>
+              </a:rPr>
+              <a:t> The recall values range from 0.131 to 0.239, with an average recall of approximately 0.189. Recall, also known as sensitivity, measures the proportion of actual positive instances that the model correctly identifies.</a:t>
+            </a:r>
+          </a:p>
+          <a:p>
+            <a:pPr algn="l"/>
+            <a:br>
+              <a:rPr lang="en-US" b="0" i="0" dirty="0">
+                <a:solidFill>
+                  <a:srgbClr val="ECECEC"/>
+                </a:solidFill>
+                <a:effectLst/>
+                <a:latin typeface="Söhne"/>
+              </a:rPr>
+            </a:br>
+            <a:r>
+              <a:rPr lang="en-US" b="0" i="0" dirty="0">
+                <a:solidFill>
+                  <a:srgbClr val="ECECEC"/>
+                </a:solidFill>
+                <a:effectLst/>
+                <a:latin typeface="Söhne"/>
+              </a:rPr>
+              <a:t>The high test accuracy indicates that the model performs well overall. However, the relatively low recall values suggest that the model might miss a considerable portion of positive instances. This trade-off between precision and recall should be carefully considered based on the specific requirements and constraints of the application.</a:t>
             </a:r>
           </a:p>
           <a:p>
@@ -9894,6 +10319,48 @@
                 <a:latin typeface="Söhne"/>
               </a:rPr>
               <a:t>The goal of data augmentation is to increase the diversity and variability of the training dataset, which helps the model learn more robust and invariant features.</a:t>
+            </a:r>
+          </a:p>
+          <a:p>
+            <a:endParaRPr lang="en-US" b="0" i="0" dirty="0">
+              <a:solidFill>
+                <a:srgbClr val="ECECEC"/>
+              </a:solidFill>
+              <a:effectLst/>
+              <a:latin typeface="Söhne"/>
+            </a:endParaRPr>
+          </a:p>
+          <a:p>
+            <a:r>
+              <a:rPr lang="en-US" b="0" i="0" dirty="0">
+                <a:solidFill>
+                  <a:srgbClr val="ECECEC"/>
+                </a:solidFill>
+                <a:effectLst/>
+                <a:latin typeface="Söhne"/>
+              </a:rPr>
+              <a:t>Translation: This simply means shifting the image a small distance horizontally or vertically. Imagine moving an object in the picture slightly to the left or right. By training the model on these translated versions, it learns to recognize the object regardless of its minor position within the image.</a:t>
+            </a:r>
+          </a:p>
+          <a:p>
+            <a:endParaRPr lang="en-US" b="0" i="0" dirty="0">
+              <a:solidFill>
+                <a:srgbClr val="ECECEC"/>
+              </a:solidFill>
+              <a:effectLst/>
+              <a:latin typeface="Söhne"/>
+            </a:endParaRPr>
+          </a:p>
+          <a:p>
+            <a:r>
+              <a:rPr lang="en-US" b="0" i="0" dirty="0">
+                <a:solidFill>
+                  <a:srgbClr val="ECECEC"/>
+                </a:solidFill>
+                <a:effectLst/>
+                <a:latin typeface="Söhne"/>
+              </a:rPr>
+              <a:t>Scaling: This involves resizing the image slightly larger or smaller. In the real world, objects can be closer or further away, so the model needs to be able to handle variations in size. Data augmentation with scaling helps the model achieve this.</a:t>
             </a:r>
             <a:br>
               <a:rPr lang="en-US" b="0" i="0" dirty="0">
@@ -13932,7 +14399,7 @@
           <p:nvPr>
             <p:extLst>
               <p:ext uri="{D42A27DB-BD31-4B8C-83A1-F6EECF244321}">
-                <p14:modId xmlns:p14="http://schemas.microsoft.com/office/powerpoint/2010/main" val="3193204150"/>
+                <p14:modId xmlns:p14="http://schemas.microsoft.com/office/powerpoint/2010/main" val="4224009147"/>
               </p:ext>
             </p:extLst>
           </p:nvPr>
@@ -14473,7 +14940,7 @@
         </p:nvSpPr>
         <p:spPr>
           <a:xfrm>
-            <a:off x="5072995" y="289710"/>
+            <a:off x="256967" y="94745"/>
             <a:ext cx="2046010" cy="1325563"/>
           </a:xfrm>
         </p:spPr>
@@ -14524,8 +14991,8 @@
         </p:blipFill>
         <p:spPr>
           <a:xfrm>
-            <a:off x="117409" y="103696"/>
-            <a:ext cx="3049997" cy="2287498"/>
+            <a:off x="5424897" y="190594"/>
+            <a:ext cx="3525082" cy="2643812"/>
           </a:xfrm>
           <a:prstGeom prst="rect">
             <a:avLst/>
@@ -14547,49 +15014,49 @@
           <p:nvPr>
             <p:extLst>
               <p:ext uri="{D42A27DB-BD31-4B8C-83A1-F6EECF244321}">
-                <p14:modId xmlns:p14="http://schemas.microsoft.com/office/powerpoint/2010/main" val="3348187571"/>
+                <p14:modId xmlns:p14="http://schemas.microsoft.com/office/powerpoint/2010/main" val="894081766"/>
               </p:ext>
             </p:extLst>
           </p:nvPr>
         </p:nvGraphicFramePr>
         <p:xfrm>
-          <a:off x="3609549" y="1627989"/>
-          <a:ext cx="4714320" cy="2966159"/>
+          <a:off x="340057" y="1420308"/>
+          <a:ext cx="4835055" cy="3482111"/>
         </p:xfrm>
         <a:graphic>
           <a:graphicData uri="http://schemas.openxmlformats.org/drawingml/2006/table">
             <a:tbl>
               <a:tblPr/>
               <a:tblGrid>
-                <a:gridCol w="942864">
+                <a:gridCol w="967011">
                   <a:extLst>
                     <a:ext uri="{9D8B030D-6E8A-4147-A177-3AD203B41FA5}">
                       <a16:colId xmlns:a16="http://schemas.microsoft.com/office/drawing/2014/main" val="1140409735"/>
                     </a:ext>
                   </a:extLst>
                 </a:gridCol>
-                <a:gridCol w="942864">
+                <a:gridCol w="967011">
                   <a:extLst>
                     <a:ext uri="{9D8B030D-6E8A-4147-A177-3AD203B41FA5}">
                       <a16:colId xmlns:a16="http://schemas.microsoft.com/office/drawing/2014/main" val="3583208588"/>
                     </a:ext>
                   </a:extLst>
                 </a:gridCol>
-                <a:gridCol w="942864">
+                <a:gridCol w="967011">
                   <a:extLst>
                     <a:ext uri="{9D8B030D-6E8A-4147-A177-3AD203B41FA5}">
                       <a16:colId xmlns:a16="http://schemas.microsoft.com/office/drawing/2014/main" val="3214860489"/>
                     </a:ext>
                   </a:extLst>
                 </a:gridCol>
-                <a:gridCol w="942864">
+                <a:gridCol w="967011">
                   <a:extLst>
                     <a:ext uri="{9D8B030D-6E8A-4147-A177-3AD203B41FA5}">
                       <a16:colId xmlns:a16="http://schemas.microsoft.com/office/drawing/2014/main" val="1252967015"/>
                     </a:ext>
                   </a:extLst>
                 </a:gridCol>
-                <a:gridCol w="942864">
+                <a:gridCol w="967011">
                   <a:extLst>
                     <a:ext uri="{9D8B030D-6E8A-4147-A177-3AD203B41FA5}">
                       <a16:colId xmlns:a16="http://schemas.microsoft.com/office/drawing/2014/main" val="3685884748"/>
@@ -14597,7 +15064,7 @@
                   </a:extLst>
                 </a:gridCol>
               </a:tblGrid>
-              <a:tr h="494359">
+              <a:tr h="580351">
                 <a:tc>
                   <a:txBody>
                     <a:bodyPr/>
@@ -14665,7 +15132,7 @@
                     <a:p>
                       <a:pPr algn="ctr" rtl="0" fontAlgn="ctr"/>
                       <a:r>
-                        <a:rPr lang="en-US" sz="1200" b="0" i="0" u="none" strike="noStrike">
+                        <a:rPr lang="en-US" sz="1200" b="0" i="0" u="none" strike="noStrike" dirty="0" err="1">
                           <a:solidFill>
                             <a:srgbClr val="000000"/>
                           </a:solidFill>
@@ -14674,6 +15141,13 @@
                         </a:rPr>
                         <a:t>batch_size</a:t>
                       </a:r>
+                      <a:endParaRPr lang="en-US" sz="1200" b="0" i="0" u="none" strike="noStrike" dirty="0">
+                        <a:solidFill>
+                          <a:srgbClr val="000000"/>
+                        </a:solidFill>
+                        <a:effectLst/>
+                        <a:latin typeface="Segoe UI" panose="020B0502040204020203" pitchFamily="34" charset="0"/>
+                      </a:endParaRPr>
                     </a:p>
                   </a:txBody>
                   <a:tcPr marL="6350" marR="6350" marT="6350" marB="0" anchor="ctr">
@@ -14911,7 +15385,7 @@
                   </a:ext>
                 </a:extLst>
               </a:tr>
-              <a:tr h="247180">
+              <a:tr h="290176">
                 <a:tc>
                   <a:txBody>
                     <a:bodyPr/>
@@ -15208,7 +15682,7 @@
                   </a:ext>
                 </a:extLst>
               </a:tr>
-              <a:tr h="247180">
+              <a:tr h="290176">
                 <a:tc>
                   <a:txBody>
                     <a:bodyPr/>
@@ -15505,7 +15979,7 @@
                   </a:ext>
                 </a:extLst>
               </a:tr>
-              <a:tr h="247180">
+              <a:tr h="290176">
                 <a:tc>
                   <a:txBody>
                     <a:bodyPr/>
@@ -15802,7 +16276,7 @@
                   </a:ext>
                 </a:extLst>
               </a:tr>
-              <a:tr h="247180">
+              <a:tr h="290176">
                 <a:tc>
                   <a:txBody>
                     <a:bodyPr/>
@@ -16099,7 +16573,7 @@
                   </a:ext>
                 </a:extLst>
               </a:tr>
-              <a:tr h="247180">
+              <a:tr h="290176">
                 <a:tc>
                   <a:txBody>
                     <a:bodyPr/>
@@ -16396,7 +16870,7 @@
                   </a:ext>
                 </a:extLst>
               </a:tr>
-              <a:tr h="247180">
+              <a:tr h="290176">
                 <a:tc>
                   <a:txBody>
                     <a:bodyPr/>
@@ -16693,7 +17167,7 @@
                   </a:ext>
                 </a:extLst>
               </a:tr>
-              <a:tr h="247180">
+              <a:tr h="290176">
                 <a:tc>
                   <a:txBody>
                     <a:bodyPr/>
@@ -16990,7 +17464,7 @@
                   </a:ext>
                 </a:extLst>
               </a:tr>
-              <a:tr h="247180">
+              <a:tr h="290176">
                 <a:tc>
                   <a:txBody>
                     <a:bodyPr/>
@@ -17287,7 +17761,7 @@
                   </a:ext>
                 </a:extLst>
               </a:tr>
-              <a:tr h="247180">
+              <a:tr h="290176">
                 <a:tc>
                   <a:txBody>
                     <a:bodyPr/>
@@ -17584,7 +18058,7 @@
                   </a:ext>
                 </a:extLst>
               </a:tr>
-              <a:tr h="247180">
+              <a:tr h="290176">
                 <a:tc>
                   <a:txBody>
                     <a:bodyPr/>
@@ -17885,6 +18359,36 @@
           </a:graphicData>
         </a:graphic>
       </p:graphicFrame>
+      <p:pic>
+        <p:nvPicPr>
+          <p:cNvPr id="15" name="Picture 14">
+            <a:extLst>
+              <a:ext uri="{FF2B5EF4-FFF2-40B4-BE49-F238E27FC236}">
+                <a16:creationId xmlns:a16="http://schemas.microsoft.com/office/drawing/2014/main" id="{F0CDC173-C30B-DEBD-A901-F2CB62B78EBF}"/>
+              </a:ext>
+            </a:extLst>
+          </p:cNvPr>
+          <p:cNvPicPr>
+            <a:picLocks noChangeAspect="1"/>
+          </p:cNvPicPr>
+          <p:nvPr/>
+        </p:nvPicPr>
+        <p:blipFill>
+          <a:blip r:embed="rId4"/>
+          <a:stretch>
+            <a:fillRect/>
+          </a:stretch>
+        </p:blipFill>
+        <p:spPr>
+          <a:xfrm>
+            <a:off x="5424897" y="3069076"/>
+            <a:ext cx="4826179" cy="2863443"/>
+          </a:xfrm>
+          <a:prstGeom prst="rect">
+            <a:avLst/>
+          </a:prstGeom>
+        </p:spPr>
+      </p:pic>
     </p:spTree>
     <p:extLst>
       <p:ext uri="{BB962C8B-B14F-4D97-AF65-F5344CB8AC3E}">
@@ -17933,7 +18437,7 @@
         </p:nvSpPr>
         <p:spPr>
           <a:xfrm>
-            <a:off x="3800180" y="170948"/>
+            <a:off x="278767" y="-28134"/>
             <a:ext cx="4591639" cy="1325563"/>
           </a:xfrm>
         </p:spPr>
@@ -17952,12 +18456,55 @@
           </a:p>
         </p:txBody>
       </p:sp>
+      <p:sp>
+        <p:nvSpPr>
+          <p:cNvPr id="6" name="TextBox 5">
+            <a:extLst>
+              <a:ext uri="{FF2B5EF4-FFF2-40B4-BE49-F238E27FC236}">
+                <a16:creationId xmlns:a16="http://schemas.microsoft.com/office/drawing/2014/main" id="{A2D05C67-F69B-DC78-27F8-C768DB8847D7}"/>
+              </a:ext>
+            </a:extLst>
+          </p:cNvPr>
+          <p:cNvSpPr txBox="1"/>
+          <p:nvPr/>
+        </p:nvSpPr>
+        <p:spPr>
+          <a:xfrm>
+            <a:off x="7962019" y="1018419"/>
+            <a:ext cx="3535051" cy="1754326"/>
+          </a:xfrm>
+          <a:prstGeom prst="rect">
+            <a:avLst/>
+          </a:prstGeom>
+          <a:noFill/>
+        </p:spPr>
+        <p:txBody>
+          <a:bodyPr wrap="square" rtlCol="0">
+            <a:spAutoFit/>
+          </a:bodyPr>
+          <a:lstStyle/>
+          <a:p>
+            <a:r>
+              <a:rPr lang="en-US" b="0" i="0" dirty="0">
+                <a:effectLst/>
+                <a:latin typeface="Segoe UI Light" panose="020B0502040204020203" pitchFamily="34" charset="0"/>
+                <a:cs typeface="Segoe UI Light" panose="020B0502040204020203" pitchFamily="34" charset="0"/>
+              </a:rPr>
+              <a:t>We can observe that most of the misclassified images are difficult to identify with the human eye. This could explain why the model is encountering challenges in correctly classifying them.</a:t>
+            </a:r>
+            <a:endParaRPr lang="en-IL" dirty="0">
+              <a:latin typeface="Segoe UI Light" panose="020B0502040204020203" pitchFamily="34" charset="0"/>
+              <a:cs typeface="Segoe UI Light" panose="020B0502040204020203" pitchFamily="34" charset="0"/>
+            </a:endParaRPr>
+          </a:p>
+        </p:txBody>
+      </p:sp>
       <p:pic>
         <p:nvPicPr>
-          <p:cNvPr id="5" name="Picture 4" descr="A collage of images of a person's face&#10;&#10;Description automatically generated">
+          <p:cNvPr id="8" name="Picture 7" descr="A close-up of a black and white photo&#10;&#10;Description automatically generated">
             <a:extLst>
               <a:ext uri="{FF2B5EF4-FFF2-40B4-BE49-F238E27FC236}">
-                <a16:creationId xmlns:a16="http://schemas.microsoft.com/office/drawing/2014/main" id="{34B384F8-F357-6E49-EC56-41E1ADAD5FEF}"/>
+                <a16:creationId xmlns:a16="http://schemas.microsoft.com/office/drawing/2014/main" id="{516C8DE1-5726-AF40-C0E4-3BF9B1C2DFB1}"/>
               </a:ext>
             </a:extLst>
           </p:cNvPr>
@@ -17980,8 +18527,188 @@
         </p:blipFill>
         <p:spPr>
           <a:xfrm>
-            <a:off x="231894" y="1496511"/>
-            <a:ext cx="7705476" cy="3684181"/>
+            <a:off x="278767" y="2942676"/>
+            <a:ext cx="3535051" cy="1690196"/>
+          </a:xfrm>
+          <a:prstGeom prst="rect">
+            <a:avLst/>
+          </a:prstGeom>
+        </p:spPr>
+      </p:pic>
+      <p:pic>
+        <p:nvPicPr>
+          <p:cNvPr id="10" name="Picture 9" descr="A collage of images of a person's face&#10;&#10;Description automatically generated">
+            <a:extLst>
+              <a:ext uri="{FF2B5EF4-FFF2-40B4-BE49-F238E27FC236}">
+                <a16:creationId xmlns:a16="http://schemas.microsoft.com/office/drawing/2014/main" id="{014B334A-8ABA-6E66-CE57-73EE0EF5D628}"/>
+              </a:ext>
+            </a:extLst>
+          </p:cNvPr>
+          <p:cNvPicPr>
+            <a:picLocks noChangeAspect="1"/>
+          </p:cNvPicPr>
+          <p:nvPr/>
+        </p:nvPicPr>
+        <p:blipFill>
+          <a:blip r:embed="rId4">
+            <a:extLst>
+              <a:ext uri="{28A0092B-C50C-407E-A947-70E740481C1C}">
+                <a14:useLocalDpi xmlns:a14="http://schemas.microsoft.com/office/drawing/2010/main" val="0"/>
+              </a:ext>
+            </a:extLst>
+          </a:blip>
+          <a:stretch>
+            <a:fillRect/>
+          </a:stretch>
+        </p:blipFill>
+        <p:spPr>
+          <a:xfrm>
+            <a:off x="3963362" y="2942676"/>
+            <a:ext cx="3535051" cy="1690196"/>
+          </a:xfrm>
+          <a:prstGeom prst="rect">
+            <a:avLst/>
+          </a:prstGeom>
+        </p:spPr>
+      </p:pic>
+      <p:pic>
+        <p:nvPicPr>
+          <p:cNvPr id="12" name="Picture 11" descr="A collage of images of people&#10;&#10;Description automatically generated">
+            <a:extLst>
+              <a:ext uri="{FF2B5EF4-FFF2-40B4-BE49-F238E27FC236}">
+                <a16:creationId xmlns:a16="http://schemas.microsoft.com/office/drawing/2014/main" id="{4A8F8CC8-4353-C3AE-5E78-415C8E7D6BC7}"/>
+              </a:ext>
+            </a:extLst>
+          </p:cNvPr>
+          <p:cNvPicPr>
+            <a:picLocks noChangeAspect="1"/>
+          </p:cNvPicPr>
+          <p:nvPr/>
+        </p:nvPicPr>
+        <p:blipFill>
+          <a:blip r:embed="rId5">
+            <a:extLst>
+              <a:ext uri="{28A0092B-C50C-407E-A947-70E740481C1C}">
+                <a14:useLocalDpi xmlns:a14="http://schemas.microsoft.com/office/drawing/2010/main" val="0"/>
+              </a:ext>
+            </a:extLst>
+          </a:blip>
+          <a:stretch>
+            <a:fillRect/>
+          </a:stretch>
+        </p:blipFill>
+        <p:spPr>
+          <a:xfrm>
+            <a:off x="3963363" y="1073692"/>
+            <a:ext cx="3535051" cy="1690196"/>
+          </a:xfrm>
+          <a:prstGeom prst="rect">
+            <a:avLst/>
+          </a:prstGeom>
+        </p:spPr>
+      </p:pic>
+      <p:pic>
+        <p:nvPicPr>
+          <p:cNvPr id="14" name="Picture 13" descr="A collage of images of a person's face&#10;&#10;Description automatically generated">
+            <a:extLst>
+              <a:ext uri="{FF2B5EF4-FFF2-40B4-BE49-F238E27FC236}">
+                <a16:creationId xmlns:a16="http://schemas.microsoft.com/office/drawing/2014/main" id="{B283E6C5-A7D5-5443-033D-7A2A47E15DDA}"/>
+              </a:ext>
+            </a:extLst>
+          </p:cNvPr>
+          <p:cNvPicPr>
+            <a:picLocks noChangeAspect="1"/>
+          </p:cNvPicPr>
+          <p:nvPr/>
+        </p:nvPicPr>
+        <p:blipFill>
+          <a:blip r:embed="rId6">
+            <a:extLst>
+              <a:ext uri="{28A0092B-C50C-407E-A947-70E740481C1C}">
+                <a14:useLocalDpi xmlns:a14="http://schemas.microsoft.com/office/drawing/2010/main" val="0"/>
+              </a:ext>
+            </a:extLst>
+          </a:blip>
+          <a:stretch>
+            <a:fillRect/>
+          </a:stretch>
+        </p:blipFill>
+        <p:spPr>
+          <a:xfrm>
+            <a:off x="278768" y="1050484"/>
+            <a:ext cx="3535051" cy="1690196"/>
+          </a:xfrm>
+          <a:prstGeom prst="rect">
+            <a:avLst/>
+          </a:prstGeom>
+        </p:spPr>
+      </p:pic>
+      <p:pic>
+        <p:nvPicPr>
+          <p:cNvPr id="16" name="Picture 15" descr="A collage of images of a person's face&#10;&#10;Description automatically generated">
+            <a:extLst>
+              <a:ext uri="{FF2B5EF4-FFF2-40B4-BE49-F238E27FC236}">
+                <a16:creationId xmlns:a16="http://schemas.microsoft.com/office/drawing/2014/main" id="{56F6F9D4-2EA8-6B7D-7127-06D0911CCC89}"/>
+              </a:ext>
+            </a:extLst>
+          </p:cNvPr>
+          <p:cNvPicPr>
+            <a:picLocks noChangeAspect="1"/>
+          </p:cNvPicPr>
+          <p:nvPr/>
+        </p:nvPicPr>
+        <p:blipFill>
+          <a:blip r:embed="rId7">
+            <a:extLst>
+              <a:ext uri="{28A0092B-C50C-407E-A947-70E740481C1C}">
+                <a14:useLocalDpi xmlns:a14="http://schemas.microsoft.com/office/drawing/2010/main" val="0"/>
+              </a:ext>
+            </a:extLst>
+          </a:blip>
+          <a:stretch>
+            <a:fillRect/>
+          </a:stretch>
+        </p:blipFill>
+        <p:spPr>
+          <a:xfrm>
+            <a:off x="3963363" y="4773119"/>
+            <a:ext cx="3535050" cy="1690196"/>
+          </a:xfrm>
+          <a:prstGeom prst="rect">
+            <a:avLst/>
+          </a:prstGeom>
+        </p:spPr>
+      </p:pic>
+      <p:pic>
+        <p:nvPicPr>
+          <p:cNvPr id="18" name="Picture 17" descr="A collage of images&#10;&#10;Description automatically generated">
+            <a:extLst>
+              <a:ext uri="{FF2B5EF4-FFF2-40B4-BE49-F238E27FC236}">
+                <a16:creationId xmlns:a16="http://schemas.microsoft.com/office/drawing/2014/main" id="{85310843-B300-872F-CEE6-E658F9CDC77D}"/>
+              </a:ext>
+            </a:extLst>
+          </p:cNvPr>
+          <p:cNvPicPr>
+            <a:picLocks noChangeAspect="1"/>
+          </p:cNvPicPr>
+          <p:nvPr/>
+        </p:nvPicPr>
+        <p:blipFill>
+          <a:blip r:embed="rId8">
+            <a:extLst>
+              <a:ext uri="{28A0092B-C50C-407E-A947-70E740481C1C}">
+                <a14:useLocalDpi xmlns:a14="http://schemas.microsoft.com/office/drawing/2010/main" val="0"/>
+              </a:ext>
+            </a:extLst>
+          </a:blip>
+          <a:stretch>
+            <a:fillRect/>
+          </a:stretch>
+        </p:blipFill>
+        <p:spPr>
+          <a:xfrm>
+            <a:off x="278767" y="4773119"/>
+            <a:ext cx="3535051" cy="1690196"/>
           </a:xfrm>
           <a:prstGeom prst="rect">
             <a:avLst/>
@@ -17990,10 +18717,10 @@
       </p:pic>
       <p:sp>
         <p:nvSpPr>
-          <p:cNvPr id="6" name="TextBox 5">
+          <p:cNvPr id="24" name="TextBox 23">
             <a:extLst>
               <a:ext uri="{FF2B5EF4-FFF2-40B4-BE49-F238E27FC236}">
-                <a16:creationId xmlns:a16="http://schemas.microsoft.com/office/drawing/2014/main" id="{A2D05C67-F69B-DC78-27F8-C768DB8847D7}"/>
+                <a16:creationId xmlns:a16="http://schemas.microsoft.com/office/drawing/2014/main" id="{C717D2E0-6987-57EF-8F04-CF638C7F9BEA}"/>
               </a:ext>
             </a:extLst>
           </p:cNvPr>
@@ -18002,8 +18729,8 @@
         </p:nvSpPr>
         <p:spPr>
           <a:xfrm>
-            <a:off x="8263577" y="1496511"/>
-            <a:ext cx="3535051" cy="1477328"/>
+            <a:off x="7962019" y="3715924"/>
+            <a:ext cx="3535051" cy="1200329"/>
           </a:xfrm>
           <a:prstGeom prst="rect">
             <a:avLst/>
@@ -18011,16 +18738,61 @@
           <a:noFill/>
         </p:spPr>
         <p:txBody>
-          <a:bodyPr wrap="square" rtlCol="0">
+          <a:bodyPr wrap="square">
             <a:spAutoFit/>
           </a:bodyPr>
           <a:lstStyle/>
           <a:p>
             <a:r>
-              <a:rPr lang="en-US" dirty="0"/>
-              <a:t>We can see that most of the misclassification images are cropped which could be the reason the model is having trouble classifying them correctly.</a:t>
+              <a:rPr lang="en-IL" dirty="0">
+                <a:latin typeface="Segoe UI Light" panose="020B0502040204020203" pitchFamily="34" charset="0"/>
+                <a:cs typeface="Segoe UI Light" panose="020B0502040204020203" pitchFamily="34" charset="0"/>
+              </a:rPr>
+              <a:t>Average number of </a:t>
             </a:r>
-            <a:endParaRPr lang="en-IL" dirty="0"/>
+            <a:r>
+              <a:rPr lang="en-US" dirty="0">
+                <a:latin typeface="Segoe UI Light" panose="020B0502040204020203" pitchFamily="34" charset="0"/>
+                <a:cs typeface="Segoe UI Light" panose="020B0502040204020203" pitchFamily="34" charset="0"/>
+              </a:rPr>
+              <a:t>misclassified</a:t>
+            </a:r>
+            <a:r>
+              <a:rPr lang="en-IL" dirty="0">
+                <a:latin typeface="Segoe UI Light" panose="020B0502040204020203" pitchFamily="34" charset="0"/>
+                <a:cs typeface="Segoe UI Light" panose="020B0502040204020203" pitchFamily="34" charset="0"/>
+              </a:rPr>
+              <a:t> samples</a:t>
+            </a:r>
+            <a:r>
+              <a:rPr lang="en-US" dirty="0">
+                <a:latin typeface="Segoe UI Light" panose="020B0502040204020203" pitchFamily="34" charset="0"/>
+                <a:cs typeface="Segoe UI Light" panose="020B0502040204020203" pitchFamily="34" charset="0"/>
+              </a:rPr>
+              <a:t>:</a:t>
+            </a:r>
+            <a:br>
+              <a:rPr lang="en-US" dirty="0">
+                <a:latin typeface="Segoe UI Light" panose="020B0502040204020203" pitchFamily="34" charset="0"/>
+                <a:cs typeface="Segoe UI Light" panose="020B0502040204020203" pitchFamily="34" charset="0"/>
+              </a:rPr>
+            </a:br>
+            <a:r>
+              <a:rPr lang="en-IL" dirty="0">
+                <a:latin typeface="Segoe UI Light" panose="020B0502040204020203" pitchFamily="34" charset="0"/>
+                <a:cs typeface="Segoe UI Light" panose="020B0502040204020203" pitchFamily="34" charset="0"/>
+              </a:rPr>
+              <a:t>non-face: 126.5</a:t>
+            </a:r>
+          </a:p>
+          <a:p>
+            <a:r>
+              <a:rPr lang="en-IL" dirty="0">
+                <a:latin typeface="Segoe UI Light" panose="020B0502040204020203" pitchFamily="34" charset="0"/>
+                <a:cs typeface="Segoe UI Light" panose="020B0502040204020203" pitchFamily="34" charset="0"/>
+              </a:rPr>
+              <a:t>face: 342.8</a:t>
+            </a:r>
           </a:p>
         </p:txBody>
       </p:sp>
@@ -18072,8 +18844,8 @@
         </p:nvSpPr>
         <p:spPr>
           <a:xfrm>
-            <a:off x="3041323" y="365125"/>
-            <a:ext cx="6109355" cy="1325563"/>
+            <a:off x="1671441" y="213782"/>
+            <a:ext cx="8654567" cy="1325563"/>
           </a:xfrm>
         </p:spPr>
         <p:txBody>
@@ -18086,7 +18858,253 @@
                 <a:latin typeface="Segoe UI Light" panose="020B0502040204020203" pitchFamily="34" charset="0"/>
                 <a:cs typeface="Segoe UI Light" panose="020B0502040204020203" pitchFamily="34" charset="0"/>
               </a:rPr>
-              <a:t>Visualization of Features</a:t>
+              <a:t>Visualization of Computed Features</a:t>
+            </a:r>
+            <a:endParaRPr lang="en-IL" dirty="0">
+              <a:latin typeface="Segoe UI Light" panose="020B0502040204020203" pitchFamily="34" charset="0"/>
+              <a:cs typeface="Segoe UI Light" panose="020B0502040204020203" pitchFamily="34" charset="0"/>
+            </a:endParaRPr>
+          </a:p>
+        </p:txBody>
+      </p:sp>
+      <p:pic>
+        <p:nvPicPr>
+          <p:cNvPr id="5" name="Picture 4" descr="A close-up of a line&#10;&#10;Description automatically generated">
+            <a:extLst>
+              <a:ext uri="{FF2B5EF4-FFF2-40B4-BE49-F238E27FC236}">
+                <a16:creationId xmlns:a16="http://schemas.microsoft.com/office/drawing/2014/main" id="{C39EE13D-CE52-F8ED-A302-05973E7D53BD}"/>
+              </a:ext>
+            </a:extLst>
+          </p:cNvPr>
+          <p:cNvPicPr>
+            <a:picLocks noChangeAspect="1"/>
+          </p:cNvPicPr>
+          <p:nvPr/>
+        </p:nvPicPr>
+        <p:blipFill rotWithShape="1">
+          <a:blip r:embed="rId2">
+            <a:extLst>
+              <a:ext uri="{28A0092B-C50C-407E-A947-70E740481C1C}">
+                <a14:useLocalDpi xmlns:a14="http://schemas.microsoft.com/office/drawing/2010/main" val="0"/>
+              </a:ext>
+            </a:extLst>
+          </a:blip>
+          <a:srcRect l="11104" t="47715" r="8258" b="46012"/>
+          <a:stretch/>
+        </p:blipFill>
+        <p:spPr>
+          <a:xfrm>
+            <a:off x="267329" y="2124967"/>
+            <a:ext cx="11656981" cy="433568"/>
+          </a:xfrm>
+          <a:prstGeom prst="rect">
+            <a:avLst/>
+          </a:prstGeom>
+        </p:spPr>
+      </p:pic>
+      <p:pic>
+        <p:nvPicPr>
+          <p:cNvPr id="7" name="Picture 6" descr="A line of colorful squares&#10;&#10;Description automatically generated">
+            <a:extLst>
+              <a:ext uri="{FF2B5EF4-FFF2-40B4-BE49-F238E27FC236}">
+                <a16:creationId xmlns:a16="http://schemas.microsoft.com/office/drawing/2014/main" id="{86A53007-84E4-9632-3619-A20A00B951DB}"/>
+              </a:ext>
+            </a:extLst>
+          </p:cNvPr>
+          <p:cNvPicPr>
+            <a:picLocks noChangeAspect="1"/>
+          </p:cNvPicPr>
+          <p:nvPr/>
+        </p:nvPicPr>
+        <p:blipFill rotWithShape="1">
+          <a:blip r:embed="rId3">
+            <a:extLst>
+              <a:ext uri="{28A0092B-C50C-407E-A947-70E740481C1C}">
+                <a14:useLocalDpi xmlns:a14="http://schemas.microsoft.com/office/drawing/2010/main" val="0"/>
+              </a:ext>
+            </a:extLst>
+          </a:blip>
+          <a:srcRect l="11001" t="47945" r="8187" b="47038"/>
+          <a:stretch/>
+        </p:blipFill>
+        <p:spPr>
+          <a:xfrm>
+            <a:off x="252255" y="3370792"/>
+            <a:ext cx="11656981" cy="345989"/>
+          </a:xfrm>
+          <a:prstGeom prst="rect">
+            <a:avLst/>
+          </a:prstGeom>
+        </p:spPr>
+      </p:pic>
+      <p:pic>
+        <p:nvPicPr>
+          <p:cNvPr id="9" name="Picture 8" descr="A line of colorful lines&#10;&#10;Description automatically generated with medium confidence">
+            <a:extLst>
+              <a:ext uri="{FF2B5EF4-FFF2-40B4-BE49-F238E27FC236}">
+                <a16:creationId xmlns:a16="http://schemas.microsoft.com/office/drawing/2014/main" id="{0515176E-58FF-45C2-7989-36B364584378}"/>
+              </a:ext>
+            </a:extLst>
+          </p:cNvPr>
+          <p:cNvPicPr>
+            <a:picLocks noChangeAspect="1"/>
+          </p:cNvPicPr>
+          <p:nvPr/>
+        </p:nvPicPr>
+        <p:blipFill rotWithShape="1">
+          <a:blip r:embed="rId4">
+            <a:extLst>
+              <a:ext uri="{28A0092B-C50C-407E-A947-70E740481C1C}">
+                <a14:useLocalDpi xmlns:a14="http://schemas.microsoft.com/office/drawing/2010/main" val="0"/>
+              </a:ext>
+            </a:extLst>
+          </a:blip>
+          <a:srcRect l="11307" t="48617" r="8928" b="47912"/>
+          <a:stretch/>
+        </p:blipFill>
+        <p:spPr>
+          <a:xfrm>
+            <a:off x="252255" y="4784696"/>
+            <a:ext cx="11687487" cy="243192"/>
+          </a:xfrm>
+          <a:prstGeom prst="rect">
+            <a:avLst/>
+          </a:prstGeom>
+        </p:spPr>
+      </p:pic>
+      <p:sp>
+        <p:nvSpPr>
+          <p:cNvPr id="10" name="TextBox 9">
+            <a:extLst>
+              <a:ext uri="{FF2B5EF4-FFF2-40B4-BE49-F238E27FC236}">
+                <a16:creationId xmlns:a16="http://schemas.microsoft.com/office/drawing/2014/main" id="{427D3F41-6318-574A-371D-E6AFFCDF07AE}"/>
+              </a:ext>
+            </a:extLst>
+          </p:cNvPr>
+          <p:cNvSpPr txBox="1"/>
+          <p:nvPr/>
+        </p:nvSpPr>
+        <p:spPr>
+          <a:xfrm>
+            <a:off x="267330" y="1670308"/>
+            <a:ext cx="1778436" cy="369332"/>
+          </a:xfrm>
+          <a:prstGeom prst="rect">
+            <a:avLst/>
+          </a:prstGeom>
+          <a:noFill/>
+        </p:spPr>
+        <p:txBody>
+          <a:bodyPr wrap="none" rtlCol="0">
+            <a:spAutoFit/>
+          </a:bodyPr>
+          <a:lstStyle/>
+          <a:p>
+            <a:r>
+              <a:rPr lang="en-US" dirty="0">
+                <a:latin typeface="Segoe UI Light" panose="020B0502040204020203" pitchFamily="34" charset="0"/>
+                <a:cs typeface="Segoe UI Light" panose="020B0502040204020203" pitchFamily="34" charset="0"/>
+              </a:rPr>
+              <a:t>Conv1(</a:t>
+            </a:r>
+            <a:r>
+              <a:rPr lang="en-US" b="0" i="0" dirty="0">
+                <a:effectLst/>
+                <a:latin typeface="Segoe UI Light" panose="020B0502040204020203" pitchFamily="34" charset="0"/>
+                <a:cs typeface="Segoe UI Light" panose="020B0502040204020203" pitchFamily="34" charset="0"/>
+              </a:rPr>
+              <a:t>32 filters</a:t>
+            </a:r>
+            <a:r>
+              <a:rPr lang="en-US" dirty="0">
+                <a:latin typeface="Segoe UI Light" panose="020B0502040204020203" pitchFamily="34" charset="0"/>
+                <a:cs typeface="Segoe UI Light" panose="020B0502040204020203" pitchFamily="34" charset="0"/>
+              </a:rPr>
+              <a:t>)</a:t>
+            </a:r>
+            <a:endParaRPr lang="en-IL" dirty="0">
+              <a:latin typeface="Segoe UI Light" panose="020B0502040204020203" pitchFamily="34" charset="0"/>
+              <a:cs typeface="Segoe UI Light" panose="020B0502040204020203" pitchFamily="34" charset="0"/>
+            </a:endParaRPr>
+          </a:p>
+        </p:txBody>
+      </p:sp>
+      <p:sp>
+        <p:nvSpPr>
+          <p:cNvPr id="12" name="TextBox 11">
+            <a:extLst>
+              <a:ext uri="{FF2B5EF4-FFF2-40B4-BE49-F238E27FC236}">
+                <a16:creationId xmlns:a16="http://schemas.microsoft.com/office/drawing/2014/main" id="{062D97C0-0C5D-7E63-05E4-3FCF0BDBAA00}"/>
+              </a:ext>
+            </a:extLst>
+          </p:cNvPr>
+          <p:cNvSpPr txBox="1"/>
+          <p:nvPr/>
+        </p:nvSpPr>
+        <p:spPr>
+          <a:xfrm>
+            <a:off x="252256" y="2824942"/>
+            <a:ext cx="1818383" cy="369332"/>
+          </a:xfrm>
+          <a:prstGeom prst="rect">
+            <a:avLst/>
+          </a:prstGeom>
+          <a:noFill/>
+        </p:spPr>
+        <p:txBody>
+          <a:bodyPr wrap="none" rtlCol="0">
+            <a:spAutoFit/>
+          </a:bodyPr>
+          <a:lstStyle/>
+          <a:p>
+            <a:r>
+              <a:rPr lang="en-US" dirty="0">
+                <a:latin typeface="Segoe UI Light" panose="020B0502040204020203" pitchFamily="34" charset="0"/>
+                <a:cs typeface="Segoe UI Light" panose="020B0502040204020203" pitchFamily="34" charset="0"/>
+              </a:rPr>
+              <a:t>Conv2(64 filters)</a:t>
+            </a:r>
+            <a:endParaRPr lang="en-IL" dirty="0">
+              <a:latin typeface="Segoe UI Light" panose="020B0502040204020203" pitchFamily="34" charset="0"/>
+              <a:cs typeface="Segoe UI Light" panose="020B0502040204020203" pitchFamily="34" charset="0"/>
+            </a:endParaRPr>
+          </a:p>
+        </p:txBody>
+      </p:sp>
+      <p:sp>
+        <p:nvSpPr>
+          <p:cNvPr id="13" name="TextBox 12">
+            <a:extLst>
+              <a:ext uri="{FF2B5EF4-FFF2-40B4-BE49-F238E27FC236}">
+                <a16:creationId xmlns:a16="http://schemas.microsoft.com/office/drawing/2014/main" id="{1B467787-8B82-A315-6B2A-61747D1805E2}"/>
+              </a:ext>
+            </a:extLst>
+          </p:cNvPr>
+          <p:cNvSpPr txBox="1"/>
+          <p:nvPr/>
+        </p:nvSpPr>
+        <p:spPr>
+          <a:xfrm>
+            <a:off x="252255" y="4090392"/>
+            <a:ext cx="1831592" cy="369332"/>
+          </a:xfrm>
+          <a:prstGeom prst="rect">
+            <a:avLst/>
+          </a:prstGeom>
+          <a:noFill/>
+        </p:spPr>
+        <p:txBody>
+          <a:bodyPr wrap="none" rtlCol="0">
+            <a:spAutoFit/>
+          </a:bodyPr>
+          <a:lstStyle/>
+          <a:p>
+            <a:r>
+              <a:rPr lang="en-US" dirty="0">
+                <a:latin typeface="Segoe UI Light" panose="020B0502040204020203" pitchFamily="34" charset="0"/>
+                <a:cs typeface="Segoe UI Light" panose="020B0502040204020203" pitchFamily="34" charset="0"/>
+              </a:rPr>
+              <a:t>Conv3(128 filters)</a:t>
             </a:r>
             <a:endParaRPr lang="en-IL" dirty="0">
               <a:latin typeface="Segoe UI Light" panose="020B0502040204020203" pitchFamily="34" charset="0"/>
@@ -18236,13 +19254,13 @@
               <a:rPr lang="en-US" b="1" dirty="0">
                 <a:latin typeface="Söhne"/>
               </a:rPr>
-              <a:t>Architectural Modifications</a:t>
+              <a:t>Architectural Modifications:</a:t>
             </a:r>
             <a:r>
               <a:rPr lang="en-US" dirty="0">
                 <a:latin typeface="Söhne"/>
               </a:rPr>
-              <a:t>, </a:t>
+              <a:t> </a:t>
             </a:r>
             <a:r>
               <a:rPr lang="en-US" b="0" i="0" dirty="0">
@@ -18270,7 +19288,7 @@
               <a:rPr lang="en-US" b="1" dirty="0">
                 <a:latin typeface="Söhne"/>
               </a:rPr>
-              <a:t>Transfer Learning, </a:t>
+              <a:t>Transfer Learning: </a:t>
             </a:r>
             <a:r>
               <a:rPr lang="en-US" dirty="0">
@@ -18291,13 +19309,13 @@
               <a:rPr lang="en-US" b="1" dirty="0">
                 <a:latin typeface="Söhne"/>
               </a:rPr>
-              <a:t>Regularization</a:t>
+              <a:t>Regularization: </a:t>
             </a:r>
             <a:r>
               <a:rPr lang="en-US" dirty="0">
                 <a:latin typeface="Söhne"/>
               </a:rPr>
-              <a:t> Techniques: Apply regularization techniques such as dropout to prevent overfitting and improve generalization performance.</a:t>
+              <a:t>Apply regularization techniques such as dropout to prevent overfitting and improve generalization performance.</a:t>
             </a:r>
           </a:p>
           <a:p>

--- a/results.pptx
+++ b/results.pptx
@@ -9321,6 +9321,10 @@
           <a:bodyPr/>
           <a:lstStyle/>
           <a:p>
+            <a:r>
+              <a:rPr lang="en-US" dirty="0"/>
+              <a:t>Dataset overview</a:t>
+            </a:r>
             <a:endParaRPr lang="en-IL" dirty="0"/>
           </a:p>
         </p:txBody>
@@ -10048,7 +10052,7 @@
           <a:p>
             <a:r>
               <a:rPr lang="en-US" dirty="0"/>
-              <a:t>For example 10 test runs, the first 9 random mismatches images</a:t>
+              <a:t>10 test runs for the example, the first 9 random mismatches images</a:t>
             </a:r>
           </a:p>
           <a:p>
@@ -14169,7 +14173,7 @@
         <p:spPr>
           <a:xfrm>
             <a:off x="912495" y="1607440"/>
-            <a:ext cx="10367010" cy="2031325"/>
+            <a:ext cx="10367010" cy="1754326"/>
           </a:xfrm>
           <a:prstGeom prst="rect">
             <a:avLst/>
@@ -14190,13 +14194,13 @@
               </a:rPr>
               <a:t>In this task, our objective is to develop an image classifier capable of accurately distinguishing between faces</a:t>
             </a:r>
-            <a:br>
-              <a:rPr lang="en-US" sz="1800" b="0" i="0" dirty="0">
-                <a:effectLst/>
+            <a:r>
+              <a:rPr lang="en-US" dirty="0">
                 <a:latin typeface="Segoe UI Light" panose="020B0502040204020203" pitchFamily="34" charset="0"/>
                 <a:cs typeface="Segoe UI Light" panose="020B0502040204020203" pitchFamily="34" charset="0"/>
               </a:rPr>
-            </a:br>
+              <a:t> </a:t>
+            </a:r>
             <a:r>
               <a:rPr lang="en-US" sz="1800" b="0" i="0" dirty="0">
                 <a:effectLst/>
@@ -19199,7 +19203,7 @@
         <p:spPr>
           <a:xfrm>
             <a:off x="1809946" y="1690688"/>
-            <a:ext cx="8294802" cy="3373359"/>
+            <a:ext cx="8294802" cy="3788858"/>
           </a:xfrm>
           <a:prstGeom prst="rect">
             <a:avLst/>
@@ -19331,6 +19335,21 @@
                 <a:latin typeface="Söhne"/>
               </a:rPr>
               <a:t>Data cleaning</a:t>
+            </a:r>
+          </a:p>
+          <a:p>
+            <a:pPr marL="285750" indent="-285750">
+              <a:lnSpc>
+                <a:spcPct val="150000"/>
+              </a:lnSpc>
+              <a:buFont typeface="Wingdings" panose="05000000000000000000" pitchFamily="2" charset="2"/>
+              <a:buChar char="v"/>
+            </a:pPr>
+            <a:r>
+              <a:rPr lang="en-US" b="1" dirty="0">
+                <a:latin typeface="Söhne"/>
+              </a:rPr>
+              <a:t>Use Cloud/CUDA GPU to explore more hyperparameters</a:t>
             </a:r>
           </a:p>
         </p:txBody>

--- a/results.pptx
+++ b/results.pptx
@@ -10364,7 +10364,27 @@
                 <a:effectLst/>
                 <a:latin typeface="Söhne"/>
               </a:rPr>
-              <a:t>Scaling: This involves resizing the image slightly larger or smaller. In the real world, objects can be closer or further away, so the model needs to be able to handle variations in size. Data augmentation with scaling helps the model achieve this.</a:t>
+              <a:t>Scaling: This involves resizing the image slightly larger or smaller. In the real world, objects can be closer </a:t>
+            </a:r>
+            <a:r>
+              <a:rPr lang="en-US" b="0" i="0">
+                <a:solidFill>
+                  <a:srgbClr val="ECECEC"/>
+                </a:solidFill>
+                <a:effectLst/>
+                <a:latin typeface="Söhne"/>
+              </a:rPr>
+              <a:t>or farther </a:t>
+            </a:r>
+            <a:r>
+              <a:rPr lang="en-US" b="0" i="0" dirty="0">
+                <a:solidFill>
+                  <a:srgbClr val="ECECEC"/>
+                </a:solidFill>
+                <a:effectLst/>
+                <a:latin typeface="Söhne"/>
+              </a:rPr>
+              <a:t>away, so the model needs to be able to handle variations in size. Data augmentation with scaling helps the model achieve this.</a:t>
             </a:r>
             <a:br>
               <a:rPr lang="en-US" b="0" i="0" dirty="0">
@@ -10384,6 +10404,12 @@
             </a:endParaRPr>
           </a:p>
           <a:p>
+            <a:r>
+              <a:rPr lang="en-US" b="1" dirty="0">
+                <a:latin typeface="Söhne"/>
+              </a:rPr>
+              <a:t>Architectural Modifications </a:t>
+            </a:r>
             <a:r>
               <a:rPr lang="en-US" b="1" i="0" dirty="0">
                 <a:solidFill>

--- a/results.pptx
+++ b/results.pptx
@@ -10197,6 +10197,68 @@
           </a:p>
           <a:p>
             <a:pPr algn="l"/>
+            <a:endParaRPr lang="en-US" b="0" i="0" dirty="0">
+              <a:solidFill>
+                <a:srgbClr val="ECECEC"/>
+              </a:solidFill>
+              <a:effectLst/>
+              <a:latin typeface="Söhne"/>
+            </a:endParaRPr>
+          </a:p>
+          <a:p>
+            <a:pPr algn="l"/>
+            <a:r>
+              <a:rPr lang="en-US" b="0" i="0" dirty="0">
+                <a:solidFill>
+                  <a:srgbClr val="ECECEC"/>
+                </a:solidFill>
+                <a:effectLst/>
+                <a:latin typeface="Söhne"/>
+              </a:rPr>
+              <a:t>(Run with batch norm)</a:t>
+            </a:r>
+          </a:p>
+          <a:p>
+            <a:pPr algn="l"/>
+            <a:r>
+              <a:rPr lang="en-US" b="0" i="0" dirty="0">
+                <a:solidFill>
+                  <a:srgbClr val="ECECEC"/>
+                </a:solidFill>
+                <a:effectLst/>
+                <a:latin typeface="Söhne"/>
+              </a:rPr>
+              <a:t>Test accuracy: 98.08</a:t>
+            </a:r>
+          </a:p>
+          <a:p>
+            <a:pPr algn="l"/>
+            <a:r>
+              <a:rPr lang="en-US" b="0" i="0" dirty="0">
+                <a:solidFill>
+                  <a:srgbClr val="ECECEC"/>
+                </a:solidFill>
+                <a:effectLst/>
+                <a:latin typeface="Söhne"/>
+              </a:rPr>
+              <a:t>Average Precision: 0.6956928138455083</a:t>
+            </a:r>
+          </a:p>
+          <a:p>
+            <a:pPr algn="l"/>
+            <a:r>
+              <a:rPr lang="en-US" b="0" i="0" dirty="0">
+                <a:solidFill>
+                  <a:srgbClr val="ECECEC"/>
+                </a:solidFill>
+                <a:effectLst/>
+                <a:latin typeface="Söhne"/>
+              </a:rPr>
+              <a:t>Average Recall: 0.22521186440677968</a:t>
+            </a:r>
+          </a:p>
+          <a:p>
+            <a:pPr algn="l"/>
             <a:br>
               <a:rPr lang="en-US" b="0" i="0" dirty="0">
                 <a:solidFill>
@@ -10364,27 +10426,7 @@
                 <a:effectLst/>
                 <a:latin typeface="Söhne"/>
               </a:rPr>
-              <a:t>Scaling: This involves resizing the image slightly larger or smaller. In the real world, objects can be closer </a:t>
-            </a:r>
-            <a:r>
-              <a:rPr lang="en-US" b="0" i="0">
-                <a:solidFill>
-                  <a:srgbClr val="ECECEC"/>
-                </a:solidFill>
-                <a:effectLst/>
-                <a:latin typeface="Söhne"/>
-              </a:rPr>
-              <a:t>or farther </a:t>
-            </a:r>
-            <a:r>
-              <a:rPr lang="en-US" b="0" i="0" dirty="0">
-                <a:solidFill>
-                  <a:srgbClr val="ECECEC"/>
-                </a:solidFill>
-                <a:effectLst/>
-                <a:latin typeface="Söhne"/>
-              </a:rPr>
-              <a:t>away, so the model needs to be able to handle variations in size. Data augmentation with scaling helps the model achieve this.</a:t>
+              <a:t>Scaling: This involves resizing the image slightly larger or smaller. In the real world, objects can be closer or farther away, so the model needs to be able to handle variations in size. Data augmentation with scaling helps the model achieve this.</a:t>
             </a:r>
             <a:br>
               <a:rPr lang="en-US" b="0" i="0" dirty="0">
@@ -18812,8 +18854,19 @@
                 <a:latin typeface="Segoe UI Light" panose="020B0502040204020203" pitchFamily="34" charset="0"/>
                 <a:cs typeface="Segoe UI Light" panose="020B0502040204020203" pitchFamily="34" charset="0"/>
               </a:rPr>
-              <a:t>non-face: 126.5</a:t>
-            </a:r>
+              <a:t>non-face: </a:t>
+            </a:r>
+            <a:r>
+              <a:rPr lang="en-US" dirty="0">
+                <a:latin typeface="Segoe UI Light" panose="020B0502040204020203" pitchFamily="34" charset="0"/>
+                <a:cs typeface="Segoe UI Light" panose="020B0502040204020203" pitchFamily="34" charset="0"/>
+              </a:rPr>
+              <a:t>58.6</a:t>
+            </a:r>
+            <a:endParaRPr lang="en-IL" dirty="0">
+              <a:latin typeface="Segoe UI Light" panose="020B0502040204020203" pitchFamily="34" charset="0"/>
+              <a:cs typeface="Segoe UI Light" panose="020B0502040204020203" pitchFamily="34" charset="0"/>
+            </a:endParaRPr>
           </a:p>
           <a:p>
             <a:r>
@@ -18821,8 +18874,19 @@
                 <a:latin typeface="Segoe UI Light" panose="020B0502040204020203" pitchFamily="34" charset="0"/>
                 <a:cs typeface="Segoe UI Light" panose="020B0502040204020203" pitchFamily="34" charset="0"/>
               </a:rPr>
-              <a:t>face: 342.8</a:t>
-            </a:r>
+              <a:t>face: </a:t>
+            </a:r>
+            <a:r>
+              <a:rPr lang="en-US" dirty="0">
+                <a:latin typeface="Segoe UI Light" panose="020B0502040204020203" pitchFamily="34" charset="0"/>
+                <a:cs typeface="Segoe UI Light" panose="020B0502040204020203" pitchFamily="34" charset="0"/>
+              </a:rPr>
+              <a:t>337</a:t>
+            </a:r>
+            <a:endParaRPr lang="en-IL" dirty="0">
+              <a:latin typeface="Segoe UI Light" panose="020B0502040204020203" pitchFamily="34" charset="0"/>
+              <a:cs typeface="Segoe UI Light" panose="020B0502040204020203" pitchFamily="34" charset="0"/>
+            </a:endParaRPr>
           </a:p>
         </p:txBody>
       </p:sp>

--- a/results.pptx
+++ b/results.pptx
@@ -10052,7 +10052,7 @@
           <a:p>
             <a:r>
               <a:rPr lang="en-US" dirty="0"/>
-              <a:t>10 test runs for the example, the first 9 random mismatches images</a:t>
+              <a:t>10 test runs for the example, the first 9 random mis-matches images</a:t>
             </a:r>
           </a:p>
           <a:p>
@@ -10276,10 +10276,8 @@
                 <a:effectLst/>
                 <a:latin typeface="Söhne"/>
               </a:rPr>
-              <a:t>The high test accuracy indicates that the model performs well overall. However, the relatively low recall values suggest that the model might miss a considerable portion of positive instances. This trade-off between precision and recall should be carefully considered based on the specific requirements and constraints of the application.</a:t>
-            </a:r>
-          </a:p>
-          <a:p>
+              <a:t>The high test accuracy indicates that the model performs well overall. However, the relatively low recall values suggest that the model might miss a considerable portion of positive instances.</a:t>
+            </a:r>
             <a:endParaRPr lang="en-IL" dirty="0"/>
           </a:p>
         </p:txBody>
@@ -10321,6 +10319,90 @@
 </file>
 
 <file path=ppt/notesSlides/notesSlide7.xml><?xml version="1.0" encoding="utf-8"?>
+<p:notes xmlns:a="http://schemas.openxmlformats.org/drawingml/2006/main" xmlns:r="http://schemas.openxmlformats.org/officeDocument/2006/relationships" xmlns:p="http://schemas.openxmlformats.org/presentationml/2006/main">
+  <p:cSld>
+    <p:spTree>
+      <p:nvGrpSpPr>
+        <p:cNvPr id="1" name=""/>
+        <p:cNvGrpSpPr/>
+        <p:nvPr/>
+      </p:nvGrpSpPr>
+      <p:grpSpPr>
+        <a:xfrm>
+          <a:off x="0" y="0"/>
+          <a:ext cx="0" cy="0"/>
+          <a:chOff x="0" y="0"/>
+          <a:chExt cx="0" cy="0"/>
+        </a:xfrm>
+      </p:grpSpPr>
+      <p:sp>
+        <p:nvSpPr>
+          <p:cNvPr id="2" name="Slide Image Placeholder 1"/>
+          <p:cNvSpPr>
+            <a:spLocks noGrp="1" noRot="1" noChangeAspect="1"/>
+          </p:cNvSpPr>
+          <p:nvPr>
+            <p:ph type="sldImg"/>
+          </p:nvPr>
+        </p:nvSpPr>
+        <p:spPr/>
+      </p:sp>
+      <p:sp>
+        <p:nvSpPr>
+          <p:cNvPr id="3" name="Notes Placeholder 2"/>
+          <p:cNvSpPr>
+            <a:spLocks noGrp="1"/>
+          </p:cNvSpPr>
+          <p:nvPr>
+            <p:ph type="body" idx="1"/>
+          </p:nvPr>
+        </p:nvSpPr>
+        <p:spPr/>
+        <p:txBody>
+          <a:bodyPr/>
+          <a:lstStyle/>
+          <a:p>
+            <a:endParaRPr lang="en-IL" dirty="0"/>
+          </a:p>
+        </p:txBody>
+      </p:sp>
+      <p:sp>
+        <p:nvSpPr>
+          <p:cNvPr id="4" name="Slide Number Placeholder 3"/>
+          <p:cNvSpPr>
+            <a:spLocks noGrp="1"/>
+          </p:cNvSpPr>
+          <p:nvPr>
+            <p:ph type="sldNum" sz="quarter" idx="5"/>
+          </p:nvPr>
+        </p:nvSpPr>
+        <p:spPr/>
+        <p:txBody>
+          <a:bodyPr/>
+          <a:lstStyle/>
+          <a:p>
+            <a:fld id="{E1992672-F9C1-406E-8F5D-2612E9678624}" type="slidenum">
+              <a:rPr lang="en-IL" smtClean="0"/>
+              <a:t>8</a:t>
+            </a:fld>
+            <a:endParaRPr lang="en-IL"/>
+          </a:p>
+        </p:txBody>
+      </p:sp>
+    </p:spTree>
+    <p:extLst>
+      <p:ext uri="{BB962C8B-B14F-4D97-AF65-F5344CB8AC3E}">
+        <p14:creationId xmlns:p14="http://schemas.microsoft.com/office/powerpoint/2010/main" val="1581819613"/>
+      </p:ext>
+    </p:extLst>
+  </p:cSld>
+  <p:clrMapOvr>
+    <a:masterClrMapping/>
+  </p:clrMapOvr>
+</p:notes>
+</file>
+
+<file path=ppt/notesSlides/notesSlide8.xml><?xml version="1.0" encoding="utf-8"?>
 <p:notes xmlns:a="http://schemas.openxmlformats.org/drawingml/2006/main" xmlns:r="http://schemas.openxmlformats.org/officeDocument/2006/relationships" xmlns:p="http://schemas.openxmlformats.org/presentationml/2006/main">
   <p:cSld>
     <p:spTree>
@@ -14028,7 +14110,7 @@
         </p:nvSpPr>
         <p:spPr>
           <a:xfrm>
-            <a:off x="6220206" y="4352544"/>
+            <a:off x="6220206" y="3710517"/>
             <a:ext cx="3627882" cy="1754326"/>
           </a:xfrm>
           <a:prstGeom prst="rect">
@@ -14134,7 +14216,7 @@
         </p:nvSpPr>
         <p:spPr>
           <a:xfrm>
-            <a:off x="1858518" y="4352544"/>
+            <a:off x="1858518" y="3710517"/>
             <a:ext cx="3362706" cy="1754326"/>
           </a:xfrm>
           <a:prstGeom prst="rect">
@@ -18841,7 +18923,7 @@
                 <a:latin typeface="Segoe UI Light" panose="020B0502040204020203" pitchFamily="34" charset="0"/>
                 <a:cs typeface="Segoe UI Light" panose="020B0502040204020203" pitchFamily="34" charset="0"/>
               </a:rPr>
-              <a:t>:</a:t>
+              <a:t>(example):</a:t>
             </a:r>
             <a:br>
               <a:rPr lang="en-US" dirty="0">
@@ -18976,7 +19058,7 @@
           <p:nvPr/>
         </p:nvPicPr>
         <p:blipFill rotWithShape="1">
-          <a:blip r:embed="rId2">
+          <a:blip r:embed="rId3">
             <a:extLst>
               <a:ext uri="{28A0092B-C50C-407E-A947-70E740481C1C}">
                 <a14:useLocalDpi xmlns:a14="http://schemas.microsoft.com/office/drawing/2010/main" val="0"/>
@@ -19011,7 +19093,7 @@
           <p:nvPr/>
         </p:nvPicPr>
         <p:blipFill rotWithShape="1">
-          <a:blip r:embed="rId3">
+          <a:blip r:embed="rId4">
             <a:extLst>
               <a:ext uri="{28A0092B-C50C-407E-A947-70E740481C1C}">
                 <a14:useLocalDpi xmlns:a14="http://schemas.microsoft.com/office/drawing/2010/main" val="0"/>
@@ -19046,7 +19128,7 @@
           <p:nvPr/>
         </p:nvPicPr>
         <p:blipFill rotWithShape="1">
-          <a:blip r:embed="rId4">
+          <a:blip r:embed="rId5">
             <a:extLst>
               <a:ext uri="{28A0092B-C50C-407E-A947-70E740481C1C}">
                 <a14:useLocalDpi xmlns:a14="http://schemas.microsoft.com/office/drawing/2010/main" val="0"/>

--- a/results.pptx
+++ b/results.pptx
@@ -116,6 +116,11 @@
       </a:defRPr>
     </a:lvl9pPr>
   </p:defaultTextStyle>
+  <p:extLst>
+    <p:ext uri="{EFAFB233-063F-42B5-8137-9DF3F51BA10A}">
+      <p15:sldGuideLst xmlns:p15="http://schemas.microsoft.com/office/powerpoint/2012/main"/>
+    </p:ext>
+  </p:extLst>
 </p:presentation>
 </file>
 
@@ -9009,7 +9014,7 @@
           <a:p>
             <a:fld id="{32B0E28C-D243-4601-8856-50625908F8E8}" type="datetimeFigureOut">
               <a:rPr lang="en-IL" smtClean="0"/>
-              <a:t>31/03/2024</a:t>
+              <a:t>07/04/2024</a:t>
             </a:fld>
             <a:endParaRPr lang="en-IL"/>
           </a:p>
@@ -9325,6 +9330,81 @@
               <a:rPr lang="en-US" dirty="0"/>
               <a:t>Dataset overview</a:t>
             </a:r>
+          </a:p>
+          <a:p>
+            <a:endParaRPr lang="en-US" dirty="0"/>
+          </a:p>
+          <a:p>
+            <a:r>
+              <a:rPr lang="en-US" b="1" i="0" dirty="0">
+                <a:solidFill>
+                  <a:srgbClr val="E3E3E3"/>
+                </a:solidFill>
+                <a:effectLst/>
+                <a:highlight>
+                  <a:srgbClr val="131314"/>
+                </a:highlight>
+                <a:latin typeface="Google Sans"/>
+              </a:rPr>
+              <a:t>Class imbalance:</a:t>
+            </a:r>
+            <a:endParaRPr lang="en-US" dirty="0"/>
+          </a:p>
+          <a:p>
+            <a:r>
+              <a:rPr lang="en-US" b="1" dirty="0"/>
+              <a:t>Train Data: 65% non-face, 35% face</a:t>
+            </a:r>
+          </a:p>
+          <a:p>
+            <a:r>
+              <a:rPr lang="en-US" b="1" dirty="0"/>
+              <a:t>Test Data: 98% non-face, 2% face</a:t>
+            </a:r>
+            <a:br>
+              <a:rPr lang="en-US" dirty="0"/>
+            </a:br>
+            <a:r>
+              <a:rPr lang="en-US" b="0" i="0" dirty="0">
+                <a:solidFill>
+                  <a:srgbClr val="E3E3E3"/>
+                </a:solidFill>
+                <a:effectLst/>
+                <a:highlight>
+                  <a:srgbClr val="131314"/>
+                </a:highlight>
+                <a:latin typeface="Google Sans"/>
+              </a:rPr>
+              <a:t>The class imbalance (more non-face images) can bias the model towards the majority class.</a:t>
+            </a:r>
+            <a:endParaRPr lang="en-US" dirty="0"/>
+          </a:p>
+          <a:p>
+            <a:endParaRPr lang="en-US" b="0" i="0" dirty="0">
+              <a:solidFill>
+                <a:srgbClr val="E3E3E3"/>
+              </a:solidFill>
+              <a:effectLst/>
+              <a:highlight>
+                <a:srgbClr val="131314"/>
+              </a:highlight>
+              <a:latin typeface="Google Sans"/>
+            </a:endParaRPr>
+          </a:p>
+          <a:p>
+            <a:r>
+              <a:rPr lang="en-US" b="0" i="0" dirty="0">
+                <a:solidFill>
+                  <a:srgbClr val="E3E3E3"/>
+                </a:solidFill>
+                <a:effectLst/>
+                <a:highlight>
+                  <a:srgbClr val="131314"/>
+                </a:highlight>
+                <a:latin typeface="Google Sans"/>
+              </a:rPr>
+              <a:t>The images in the dataset are grayscale and of a small size, 19x19 pixels.</a:t>
+            </a:r>
             <a:endParaRPr lang="en-IL" dirty="0"/>
           </a:p>
         </p:txBody>
@@ -10058,20 +10138,36 @@
           <a:p>
             <a:r>
               <a:rPr lang="en-US" dirty="0"/>
-              <a:t>Avg of 10 runs</a:t>
-            </a:r>
-          </a:p>
-          <a:p>
+              <a:t>Avg of 10 runs:</a:t>
+            </a:r>
+          </a:p>
+          <a:p>
+            <a:pPr marL="0" marR="0" lvl="0" indent="0" algn="l" defTabSz="914400" rtl="0" eaLnBrk="1" fontAlgn="auto" latinLnBrk="0" hangingPunct="1">
+              <a:lnSpc>
+                <a:spcPct val="100000"/>
+              </a:lnSpc>
+              <a:spcBef>
+                <a:spcPts val="0"/>
+              </a:spcBef>
+              <a:spcAft>
+                <a:spcPts val="0"/>
+              </a:spcAft>
+              <a:buClrTx/>
+              <a:buSzTx/>
+              <a:buFontTx/>
+              <a:buNone/>
+              <a:tabLst/>
+              <a:defRPr/>
+            </a:pPr>
             <a:r>
               <a:rPr lang="en-US" dirty="0"/>
-              <a:t>Classified as face(true label non-face)</a:t>
-            </a:r>
-            <a:br>
+              <a:t>Classified as non-face(true label face) = FN (most of the miss-matches)</a:t>
+            </a:r>
+          </a:p>
+          <a:p>
+            <a:r>
               <a:rPr lang="en-US" dirty="0"/>
-            </a:br>
-            <a:r>
-              <a:rPr lang="en-US" dirty="0"/>
-              <a:t>Classified as non-face(true label face)</a:t>
+              <a:t>Classified as face(true label non-face) = FP</a:t>
             </a:r>
           </a:p>
           <a:p>
@@ -10102,7 +10198,23 @@
                 <a:effectLst/>
                 <a:latin typeface="Söhne"/>
               </a:rPr>
-              <a:t>The model achieves high accuracy, but it struggles with recall, suggesting that it misses a significant portion of the positive class. This discrepancy could be due to various factors, such as class imbalance, model complexity, or insufficient training data for the positive class.</a:t>
+              <a:t>The model achieves high accuracy, but it struggles with recall, suggesting that it misses a significant portion of the positive class.</a:t>
+            </a:r>
+          </a:p>
+          <a:p>
+            <a:pPr algn="l">
+              <a:buFont typeface="Arial" panose="020B0604020202020204" pitchFamily="34" charset="0"/>
+              <a:buNone/>
+            </a:pPr>
+            <a:r>
+              <a:rPr lang="en-US" b="0" i="0" dirty="0">
+                <a:solidFill>
+                  <a:srgbClr val="ECECEC"/>
+                </a:solidFill>
+                <a:effectLst/>
+                <a:latin typeface="Söhne"/>
+              </a:rPr>
+              <a:t>This discrepancy could be due to various factors, such as class imbalance(65-53), model complexity, or insufficient training data for the positive class.</a:t>
             </a:r>
             <a:br>
               <a:rPr lang="en-US" b="0" i="0" dirty="0">
@@ -10259,6 +10371,127 @@
           </a:p>
           <a:p>
             <a:pPr algn="l"/>
+            <a:endParaRPr lang="en-US" b="0" i="0" dirty="0">
+              <a:solidFill>
+                <a:srgbClr val="ECECEC"/>
+              </a:solidFill>
+              <a:effectLst/>
+              <a:latin typeface="Söhne"/>
+            </a:endParaRPr>
+          </a:p>
+          <a:p>
+            <a:pPr algn="l"/>
+            <a:r>
+              <a:rPr lang="en-US" b="0" i="0" dirty="0">
+                <a:solidFill>
+                  <a:srgbClr val="ECECEC"/>
+                </a:solidFill>
+                <a:effectLst/>
+                <a:latin typeface="Söhne"/>
+              </a:rPr>
+              <a:t>(More even data distribution in the train)</a:t>
+            </a:r>
+          </a:p>
+          <a:p>
+            <a:pPr algn="l"/>
+            <a:r>
+              <a:rPr lang="en-US" b="0" i="0" dirty="0">
+                <a:solidFill>
+                  <a:srgbClr val="ECECEC"/>
+                </a:solidFill>
+                <a:effectLst/>
+                <a:latin typeface="Söhne"/>
+              </a:rPr>
+              <a:t>Average Precision and Recall over 10 runs:</a:t>
+            </a:r>
+          </a:p>
+          <a:p>
+            <a:pPr algn="l"/>
+            <a:r>
+              <a:rPr lang="en-US" b="0" i="0" dirty="0">
+                <a:solidFill>
+                  <a:srgbClr val="ECECEC"/>
+                </a:solidFill>
+                <a:effectLst/>
+                <a:latin typeface="Söhne"/>
+              </a:rPr>
+              <a:t>Average Precision: 0.9331463614096582</a:t>
+            </a:r>
+          </a:p>
+          <a:p>
+            <a:pPr algn="l"/>
+            <a:r>
+              <a:rPr lang="en-US" b="0" i="0" dirty="0">
+                <a:solidFill>
+                  <a:srgbClr val="ECECEC"/>
+                </a:solidFill>
+                <a:effectLst/>
+                <a:latin typeface="Söhne"/>
+              </a:rPr>
+              <a:t>Average Recall: 0.2942796610169492</a:t>
+            </a:r>
+          </a:p>
+          <a:p>
+            <a:pPr algn="l"/>
+            <a:endParaRPr lang="en-US" b="0" i="0" dirty="0">
+              <a:solidFill>
+                <a:srgbClr val="ECECEC"/>
+              </a:solidFill>
+              <a:effectLst/>
+              <a:latin typeface="Söhne"/>
+            </a:endParaRPr>
+          </a:p>
+          <a:p>
+            <a:pPr algn="l"/>
+            <a:r>
+              <a:rPr lang="en-US" b="0" i="0" dirty="0">
+                <a:solidFill>
+                  <a:srgbClr val="ECECEC"/>
+                </a:solidFill>
+                <a:effectLst/>
+                <a:latin typeface="Söhne"/>
+              </a:rPr>
+              <a:t>(20 epochs + normalization)</a:t>
+            </a:r>
+          </a:p>
+          <a:p>
+            <a:pPr algn="l"/>
+            <a:r>
+              <a:rPr lang="en-US" b="0" i="0" dirty="0">
+                <a:solidFill>
+                  <a:srgbClr val="ECECEC"/>
+                </a:solidFill>
+                <a:effectLst/>
+                <a:latin typeface="Söhne"/>
+              </a:rPr>
+              <a:t>Average Precision: 0.9325678323048292</a:t>
+            </a:r>
+          </a:p>
+          <a:p>
+            <a:pPr algn="l"/>
+            <a:r>
+              <a:rPr lang="en-US" b="0" i="0" dirty="0">
+                <a:solidFill>
+                  <a:srgbClr val="ECECEC"/>
+                </a:solidFill>
+                <a:effectLst/>
+                <a:latin typeface="Söhne"/>
+              </a:rPr>
+              <a:t>Average Recall: 0.32521186440677974</a:t>
+            </a:r>
+          </a:p>
+          <a:p>
+            <a:pPr algn="l"/>
+            <a:endParaRPr lang="en-US" b="0" i="0" dirty="0">
+              <a:solidFill>
+                <a:srgbClr val="ECECEC"/>
+              </a:solidFill>
+              <a:effectLst/>
+              <a:latin typeface="Söhne"/>
+            </a:endParaRPr>
+          </a:p>
+          <a:p>
+            <a:pPr algn="l"/>
             <a:br>
               <a:rPr lang="en-US" b="0" i="0" dirty="0">
                 <a:solidFill>
@@ -10276,7 +10509,20 @@
                 <a:effectLst/>
                 <a:latin typeface="Söhne"/>
               </a:rPr>
-              <a:t>The high test accuracy indicates that the model performs well overall. However, the relatively low recall values suggest that the model might miss a considerable portion of positive instances.</a:t>
+              <a:t>The high test accuracy indicates that the model performs well overall.</a:t>
+            </a:r>
+          </a:p>
+          <a:p>
+            <a:pPr algn="l"/>
+            <a:r>
+              <a:rPr lang="en-US" b="0" i="0" dirty="0">
+                <a:solidFill>
+                  <a:srgbClr val="ECECEC"/>
+                </a:solidFill>
+                <a:effectLst/>
+                <a:latin typeface="Söhne"/>
+              </a:rPr>
+              <a:t>However, the relatively low recall values suggest that the model might miss a considerable portion of positive instances.</a:t>
             </a:r>
             <a:endParaRPr lang="en-IL" dirty="0"/>
           </a:p>
@@ -10361,6 +10607,404 @@
         <p:txBody>
           <a:bodyPr/>
           <a:lstStyle/>
+          <a:p>
+            <a:r>
+              <a:rPr lang="en-US" dirty="0">
+                <a:solidFill>
+                  <a:srgbClr val="FFC66D"/>
+                </a:solidFill>
+                <a:effectLst/>
+              </a:rPr>
+              <a:t>Feature maps</a:t>
+            </a:r>
+          </a:p>
+          <a:p>
+            <a:pPr marL="0" marR="0" lvl="0" indent="0" algn="l" defTabSz="914400" rtl="0" eaLnBrk="1" fontAlgn="auto" latinLnBrk="0" hangingPunct="1">
+              <a:lnSpc>
+                <a:spcPct val="100000"/>
+              </a:lnSpc>
+              <a:spcBef>
+                <a:spcPts val="0"/>
+              </a:spcBef>
+              <a:spcAft>
+                <a:spcPts val="0"/>
+              </a:spcAft>
+              <a:buClrTx/>
+              <a:buSzTx/>
+              <a:buFontTx/>
+              <a:buNone/>
+              <a:tabLst/>
+              <a:defRPr/>
+            </a:pPr>
+            <a:br>
+              <a:rPr lang="en-US" dirty="0"/>
+            </a:br>
+            <a:r>
+              <a:rPr lang="en-US" b="1" i="0" dirty="0">
+                <a:solidFill>
+                  <a:srgbClr val="ECECEC"/>
+                </a:solidFill>
+                <a:effectLst/>
+                <a:highlight>
+                  <a:srgbClr val="212121"/>
+                </a:highlight>
+                <a:latin typeface="Söhne"/>
+              </a:rPr>
+              <a:t>Activation Maps/Feature Maps</a:t>
+            </a:r>
+            <a:r>
+              <a:rPr lang="en-US" b="0" i="0" dirty="0">
+                <a:solidFill>
+                  <a:srgbClr val="ECECEC"/>
+                </a:solidFill>
+                <a:effectLst/>
+                <a:highlight>
+                  <a:srgbClr val="212121"/>
+                </a:highlight>
+                <a:latin typeface="Söhne"/>
+              </a:rPr>
+              <a:t>: These are visualizations of the output of individual neurons in a convolutional neural network (CNN).</a:t>
+            </a:r>
+          </a:p>
+          <a:p>
+            <a:pPr marL="0" marR="0" lvl="0" indent="0" algn="l" defTabSz="914400" rtl="0" eaLnBrk="1" fontAlgn="auto" latinLnBrk="0" hangingPunct="1">
+              <a:lnSpc>
+                <a:spcPct val="100000"/>
+              </a:lnSpc>
+              <a:spcBef>
+                <a:spcPts val="0"/>
+              </a:spcBef>
+              <a:spcAft>
+                <a:spcPts val="0"/>
+              </a:spcAft>
+              <a:buClrTx/>
+              <a:buSzTx/>
+              <a:buFontTx/>
+              <a:buNone/>
+              <a:tabLst/>
+              <a:defRPr/>
+            </a:pPr>
+            <a:r>
+              <a:rPr lang="en-US" b="0" i="0" dirty="0">
+                <a:solidFill>
+                  <a:srgbClr val="ECECEC"/>
+                </a:solidFill>
+                <a:effectLst/>
+                <a:highlight>
+                  <a:srgbClr val="212121"/>
+                </a:highlight>
+                <a:latin typeface="Söhne"/>
+              </a:rPr>
+              <a:t>Activation maps show which parts of the input image or data are being activated or emphasized by specific neurons.</a:t>
+            </a:r>
+          </a:p>
+          <a:p>
+            <a:endParaRPr lang="en-US" dirty="0"/>
+          </a:p>
+          <a:p>
+            <a:r>
+              <a:rPr lang="en-US" b="0" i="0" dirty="0">
+                <a:solidFill>
+                  <a:srgbClr val="ECECEC"/>
+                </a:solidFill>
+                <a:effectLst/>
+                <a:highlight>
+                  <a:srgbClr val="212121"/>
+                </a:highlight>
+                <a:latin typeface="Söhne"/>
+              </a:rPr>
+              <a:t>The different colors represent the strength or intensity of the activations at different spatial locations within the feature map.</a:t>
+            </a:r>
+          </a:p>
+          <a:p>
+            <a:r>
+              <a:rPr lang="en-US" b="1" i="0" dirty="0">
+                <a:solidFill>
+                  <a:srgbClr val="ECECEC"/>
+                </a:solidFill>
+                <a:effectLst/>
+                <a:highlight>
+                  <a:srgbClr val="212121"/>
+                </a:highlight>
+                <a:latin typeface="Söhne"/>
+              </a:rPr>
+              <a:t>Brighter Colors (Yellow/Green)</a:t>
+            </a:r>
+            <a:r>
+              <a:rPr lang="en-US" b="0" i="0" dirty="0">
+                <a:solidFill>
+                  <a:srgbClr val="ECECEC"/>
+                </a:solidFill>
+                <a:effectLst/>
+                <a:highlight>
+                  <a:srgbClr val="212121"/>
+                </a:highlight>
+                <a:latin typeface="Söhne"/>
+              </a:rPr>
+              <a:t>: These indicate </a:t>
+            </a:r>
+            <a:r>
+              <a:rPr lang="en-US" b="1" i="0" dirty="0">
+                <a:solidFill>
+                  <a:srgbClr val="ECECEC"/>
+                </a:solidFill>
+                <a:effectLst/>
+                <a:highlight>
+                  <a:srgbClr val="212121"/>
+                </a:highlight>
+                <a:latin typeface="Söhne"/>
+              </a:rPr>
+              <a:t>higher activations </a:t>
+            </a:r>
+            <a:r>
+              <a:rPr lang="en-US" b="0" i="0" dirty="0">
+                <a:solidFill>
+                  <a:srgbClr val="ECECEC"/>
+                </a:solidFill>
+                <a:effectLst/>
+                <a:highlight>
+                  <a:srgbClr val="212121"/>
+                </a:highlight>
+                <a:latin typeface="Söhne"/>
+              </a:rPr>
+              <a:t>or stronger responses from the neurons in the corresponding locations of the feature map. (These areas might correspond to edges, corners, or other distinctive facial features.)</a:t>
+            </a:r>
+          </a:p>
+          <a:p>
+            <a:pPr marL="0" marR="0" lvl="0" indent="0" algn="l" defTabSz="914400" rtl="0" eaLnBrk="1" fontAlgn="auto" latinLnBrk="0" hangingPunct="1">
+              <a:lnSpc>
+                <a:spcPct val="100000"/>
+              </a:lnSpc>
+              <a:spcBef>
+                <a:spcPts val="0"/>
+              </a:spcBef>
+              <a:spcAft>
+                <a:spcPts val="0"/>
+              </a:spcAft>
+              <a:buClrTx/>
+              <a:buSzTx/>
+              <a:buFontTx/>
+              <a:buNone/>
+              <a:tabLst/>
+              <a:defRPr/>
+            </a:pPr>
+            <a:r>
+              <a:rPr lang="en-US" b="1" i="0" dirty="0">
+                <a:solidFill>
+                  <a:srgbClr val="ECECEC"/>
+                </a:solidFill>
+                <a:effectLst/>
+                <a:highlight>
+                  <a:srgbClr val="212121"/>
+                </a:highlight>
+                <a:latin typeface="Söhne"/>
+              </a:rPr>
+              <a:t>Darker Colors (Purple/Blue)</a:t>
+            </a:r>
+            <a:r>
+              <a:rPr lang="en-US" b="0" i="0" dirty="0">
+                <a:solidFill>
+                  <a:srgbClr val="ECECEC"/>
+                </a:solidFill>
+                <a:effectLst/>
+                <a:highlight>
+                  <a:srgbClr val="212121"/>
+                </a:highlight>
+                <a:latin typeface="Söhne"/>
+              </a:rPr>
+              <a:t>: Conversely, these indicate </a:t>
+            </a:r>
+            <a:r>
+              <a:rPr lang="en-US" b="1" i="0" dirty="0">
+                <a:solidFill>
+                  <a:srgbClr val="ECECEC"/>
+                </a:solidFill>
+                <a:effectLst/>
+                <a:highlight>
+                  <a:srgbClr val="212121"/>
+                </a:highlight>
+                <a:latin typeface="Söhne"/>
+              </a:rPr>
+              <a:t>lower activations </a:t>
+            </a:r>
+            <a:r>
+              <a:rPr lang="en-US" b="0" i="0" dirty="0">
+                <a:solidFill>
+                  <a:srgbClr val="ECECEC"/>
+                </a:solidFill>
+                <a:effectLst/>
+                <a:highlight>
+                  <a:srgbClr val="212121"/>
+                </a:highlight>
+                <a:latin typeface="Söhne"/>
+              </a:rPr>
+              <a:t>or weaker responses from the neurons. Darker regions might correspond to areas where the CNN has not detected significant features or where the features are less prominent.</a:t>
+            </a:r>
+          </a:p>
+          <a:p>
+            <a:pPr marL="0" marR="0" lvl="0" indent="0" algn="l" defTabSz="914400" rtl="0" eaLnBrk="1" fontAlgn="auto" latinLnBrk="0" hangingPunct="1">
+              <a:lnSpc>
+                <a:spcPct val="100000"/>
+              </a:lnSpc>
+              <a:spcBef>
+                <a:spcPts val="0"/>
+              </a:spcBef>
+              <a:spcAft>
+                <a:spcPts val="0"/>
+              </a:spcAft>
+              <a:buClrTx/>
+              <a:buSzTx/>
+              <a:buFontTx/>
+              <a:buNone/>
+              <a:tabLst/>
+              <a:defRPr/>
+            </a:pPr>
+            <a:endParaRPr lang="en-US" b="0" i="0" dirty="0">
+              <a:solidFill>
+                <a:srgbClr val="ECECEC"/>
+              </a:solidFill>
+              <a:effectLst/>
+              <a:highlight>
+                <a:srgbClr val="212121"/>
+              </a:highlight>
+              <a:latin typeface="Söhne"/>
+            </a:endParaRPr>
+          </a:p>
+          <a:p>
+            <a:pPr marL="0" marR="0" lvl="0" indent="0" algn="l" defTabSz="914400" rtl="0" eaLnBrk="1" fontAlgn="auto" latinLnBrk="0" hangingPunct="1">
+              <a:lnSpc>
+                <a:spcPct val="100000"/>
+              </a:lnSpc>
+              <a:spcBef>
+                <a:spcPts val="0"/>
+              </a:spcBef>
+              <a:spcAft>
+                <a:spcPts val="0"/>
+              </a:spcAft>
+              <a:buClrTx/>
+              <a:buSzTx/>
+              <a:buFontTx/>
+              <a:buNone/>
+              <a:tabLst/>
+              <a:defRPr/>
+            </a:pPr>
+            <a:r>
+              <a:rPr lang="en-US" b="1" i="0" dirty="0">
+                <a:solidFill>
+                  <a:srgbClr val="ECECEC"/>
+                </a:solidFill>
+                <a:effectLst/>
+                <a:highlight>
+                  <a:srgbClr val="212121"/>
+                </a:highlight>
+                <a:latin typeface="Söhne"/>
+              </a:rPr>
+              <a:t>Conv1</a:t>
+            </a:r>
+            <a:r>
+              <a:rPr lang="en-US" b="0" i="0" dirty="0">
+                <a:solidFill>
+                  <a:srgbClr val="ECECEC"/>
+                </a:solidFill>
+                <a:effectLst/>
+                <a:highlight>
+                  <a:srgbClr val="212121"/>
+                </a:highlight>
+                <a:latin typeface="Söhne"/>
+              </a:rPr>
+              <a:t>: The activations in the first convolutional layer often capture low-level features such as edges, textures, and color gradients. </a:t>
+            </a:r>
+          </a:p>
+          <a:p>
+            <a:pPr marL="0" marR="0" lvl="0" indent="0" algn="l" defTabSz="914400" rtl="0" eaLnBrk="1" fontAlgn="auto" latinLnBrk="0" hangingPunct="1">
+              <a:lnSpc>
+                <a:spcPct val="100000"/>
+              </a:lnSpc>
+              <a:spcBef>
+                <a:spcPts val="0"/>
+              </a:spcBef>
+              <a:spcAft>
+                <a:spcPts val="0"/>
+              </a:spcAft>
+              <a:buClrTx/>
+              <a:buSzTx/>
+              <a:buFontTx/>
+              <a:buNone/>
+              <a:tabLst/>
+              <a:defRPr/>
+            </a:pPr>
+            <a:r>
+              <a:rPr lang="en-US" b="1" i="0" dirty="0">
+                <a:solidFill>
+                  <a:srgbClr val="ECECEC"/>
+                </a:solidFill>
+                <a:effectLst/>
+                <a:highlight>
+                  <a:srgbClr val="212121"/>
+                </a:highlight>
+                <a:latin typeface="Söhne"/>
+              </a:rPr>
+              <a:t>Conv2</a:t>
+            </a:r>
+            <a:r>
+              <a:rPr lang="en-US" b="0" i="0" dirty="0">
+                <a:solidFill>
+                  <a:srgbClr val="ECECEC"/>
+                </a:solidFill>
+                <a:effectLst/>
+                <a:highlight>
+                  <a:srgbClr val="212121"/>
+                </a:highlight>
+                <a:latin typeface="Söhne"/>
+              </a:rPr>
+              <a:t>: As you move deeper into the network, the activations in subsequent convolutional layers tend to capture increasingly complex and abstract features.</a:t>
+            </a:r>
+          </a:p>
+          <a:p>
+            <a:pPr marL="0" marR="0" lvl="0" indent="0" algn="l" defTabSz="914400" rtl="0" eaLnBrk="1" fontAlgn="auto" latinLnBrk="0" hangingPunct="1">
+              <a:lnSpc>
+                <a:spcPct val="100000"/>
+              </a:lnSpc>
+              <a:spcBef>
+                <a:spcPts val="0"/>
+              </a:spcBef>
+              <a:spcAft>
+                <a:spcPts val="0"/>
+              </a:spcAft>
+              <a:buClrTx/>
+              <a:buSzTx/>
+              <a:buFontTx/>
+              <a:buNone/>
+              <a:tabLst/>
+              <a:defRPr/>
+            </a:pPr>
+            <a:r>
+              <a:rPr lang="en-US" b="1" i="0" dirty="0">
+                <a:solidFill>
+                  <a:srgbClr val="ECECEC"/>
+                </a:solidFill>
+                <a:effectLst/>
+                <a:highlight>
+                  <a:srgbClr val="212121"/>
+                </a:highlight>
+                <a:latin typeface="Söhne"/>
+              </a:rPr>
+              <a:t>Conv3</a:t>
+            </a:r>
+            <a:r>
+              <a:rPr lang="en-US" b="0" i="0" dirty="0">
+                <a:solidFill>
+                  <a:srgbClr val="ECECEC"/>
+                </a:solidFill>
+                <a:effectLst/>
+                <a:highlight>
+                  <a:srgbClr val="212121"/>
+                </a:highlight>
+                <a:latin typeface="Söhne"/>
+              </a:rPr>
+              <a:t>: The activations in deeper layers like Conv3 may represent even higher-level features, such as parts of objects or entire object shapes.</a:t>
+            </a:r>
+          </a:p>
           <a:p>
             <a:endParaRPr lang="en-IL" dirty="0"/>
           </a:p>
@@ -10752,7 +11396,7 @@
           <a:p>
             <a:fld id="{77E7F97C-1CED-42CA-9BAD-46039A336FEC}" type="datetimeFigureOut">
               <a:rPr lang="en-IL" smtClean="0"/>
-              <a:t>31/03/2024</a:t>
+              <a:t>07/04/2024</a:t>
             </a:fld>
             <a:endParaRPr lang="en-IL"/>
           </a:p>
@@ -10952,7 +11596,7 @@
           <a:p>
             <a:fld id="{77E7F97C-1CED-42CA-9BAD-46039A336FEC}" type="datetimeFigureOut">
               <a:rPr lang="en-IL" smtClean="0"/>
-              <a:t>31/03/2024</a:t>
+              <a:t>07/04/2024</a:t>
             </a:fld>
             <a:endParaRPr lang="en-IL"/>
           </a:p>
@@ -11162,7 +11806,7 @@
           <a:p>
             <a:fld id="{77E7F97C-1CED-42CA-9BAD-46039A336FEC}" type="datetimeFigureOut">
               <a:rPr lang="en-IL" smtClean="0"/>
-              <a:t>31/03/2024</a:t>
+              <a:t>07/04/2024</a:t>
             </a:fld>
             <a:endParaRPr lang="en-IL"/>
           </a:p>
@@ -11362,7 +12006,7 @@
           <a:p>
             <a:fld id="{77E7F97C-1CED-42CA-9BAD-46039A336FEC}" type="datetimeFigureOut">
               <a:rPr lang="en-IL" smtClean="0"/>
-              <a:t>31/03/2024</a:t>
+              <a:t>07/04/2024</a:t>
             </a:fld>
             <a:endParaRPr lang="en-IL"/>
           </a:p>
@@ -11638,7 +12282,7 @@
           <a:p>
             <a:fld id="{77E7F97C-1CED-42CA-9BAD-46039A336FEC}" type="datetimeFigureOut">
               <a:rPr lang="en-IL" smtClean="0"/>
-              <a:t>31/03/2024</a:t>
+              <a:t>07/04/2024</a:t>
             </a:fld>
             <a:endParaRPr lang="en-IL"/>
           </a:p>
@@ -11906,7 +12550,7 @@
           <a:p>
             <a:fld id="{77E7F97C-1CED-42CA-9BAD-46039A336FEC}" type="datetimeFigureOut">
               <a:rPr lang="en-IL" smtClean="0"/>
-              <a:t>31/03/2024</a:t>
+              <a:t>07/04/2024</a:t>
             </a:fld>
             <a:endParaRPr lang="en-IL"/>
           </a:p>
@@ -12321,7 +12965,7 @@
           <a:p>
             <a:fld id="{77E7F97C-1CED-42CA-9BAD-46039A336FEC}" type="datetimeFigureOut">
               <a:rPr lang="en-IL" smtClean="0"/>
-              <a:t>31/03/2024</a:t>
+              <a:t>07/04/2024</a:t>
             </a:fld>
             <a:endParaRPr lang="en-IL"/>
           </a:p>
@@ -12463,7 +13107,7 @@
           <a:p>
             <a:fld id="{77E7F97C-1CED-42CA-9BAD-46039A336FEC}" type="datetimeFigureOut">
               <a:rPr lang="en-IL" smtClean="0"/>
-              <a:t>31/03/2024</a:t>
+              <a:t>07/04/2024</a:t>
             </a:fld>
             <a:endParaRPr lang="en-IL"/>
           </a:p>
@@ -12576,7 +13220,7 @@
           <a:p>
             <a:fld id="{77E7F97C-1CED-42CA-9BAD-46039A336FEC}" type="datetimeFigureOut">
               <a:rPr lang="en-IL" smtClean="0"/>
-              <a:t>31/03/2024</a:t>
+              <a:t>07/04/2024</a:t>
             </a:fld>
             <a:endParaRPr lang="en-IL"/>
           </a:p>
@@ -12889,7 +13533,7 @@
           <a:p>
             <a:fld id="{77E7F97C-1CED-42CA-9BAD-46039A336FEC}" type="datetimeFigureOut">
               <a:rPr lang="en-IL" smtClean="0"/>
-              <a:t>31/03/2024</a:t>
+              <a:t>07/04/2024</a:t>
             </a:fld>
             <a:endParaRPr lang="en-IL"/>
           </a:p>
@@ -13178,7 +13822,7 @@
           <a:p>
             <a:fld id="{77E7F97C-1CED-42CA-9BAD-46039A336FEC}" type="datetimeFigureOut">
               <a:rPr lang="en-IL" smtClean="0"/>
-              <a:t>31/03/2024</a:t>
+              <a:t>07/04/2024</a:t>
             </a:fld>
             <a:endParaRPr lang="en-IL"/>
           </a:p>
@@ -13431,7 +14075,7 @@
           <a:p>
             <a:fld id="{77E7F97C-1CED-42CA-9BAD-46039A336FEC}" type="datetimeFigureOut">
               <a:rPr lang="en-IL" smtClean="0"/>
-              <a:t>31/03/2024</a:t>
+              <a:t>07/04/2024</a:t>
             </a:fld>
             <a:endParaRPr lang="en-IL"/>
           </a:p>
@@ -18625,7 +19269,7 @@
         <p:spPr>
           <a:xfrm>
             <a:off x="7962019" y="1018419"/>
-            <a:ext cx="3535051" cy="1754326"/>
+            <a:ext cx="3535051" cy="1477328"/>
           </a:xfrm>
           <a:prstGeom prst="rect">
             <a:avLst/>
@@ -18639,17 +19283,12 @@
           <a:lstStyle/>
           <a:p>
             <a:r>
-              <a:rPr lang="en-US" b="0" i="0" dirty="0">
-                <a:effectLst/>
+              <a:rPr lang="en-US" dirty="0">
                 <a:latin typeface="Segoe UI Light" panose="020B0502040204020203" pitchFamily="34" charset="0"/>
                 <a:cs typeface="Segoe UI Light" panose="020B0502040204020203" pitchFamily="34" charset="0"/>
               </a:rPr>
-              <a:t>We can observe that most of the misclassified images are difficult to identify with the human eye. This could explain why the model is encountering challenges in correctly classifying them.</a:t>
-            </a:r>
-            <a:endParaRPr lang="en-IL" dirty="0">
-              <a:latin typeface="Segoe UI Light" panose="020B0502040204020203" pitchFamily="34" charset="0"/>
-              <a:cs typeface="Segoe UI Light" panose="020B0502040204020203" pitchFamily="34" charset="0"/>
-            </a:endParaRPr>
+              <a:t>one factor that can contribute to the model misclassification is class imbalance (the model can become biased towards the majority class during training</a:t>
+            </a:r>
           </a:p>
         </p:txBody>
       </p:sp>
@@ -18883,8 +19522,8 @@
         </p:nvSpPr>
         <p:spPr>
           <a:xfrm>
-            <a:off x="7962019" y="3715924"/>
-            <a:ext cx="3535051" cy="1200329"/>
+            <a:off x="7647957" y="3013501"/>
+            <a:ext cx="4544043" cy="1323439"/>
           </a:xfrm>
           <a:prstGeom prst="rect">
             <a:avLst/>
@@ -18898,74 +19537,100 @@
           <a:lstStyle/>
           <a:p>
             <a:r>
-              <a:rPr lang="en-IL" dirty="0">
+              <a:rPr lang="en-IL" sz="1600" dirty="0">
                 <a:latin typeface="Segoe UI Light" panose="020B0502040204020203" pitchFamily="34" charset="0"/>
                 <a:cs typeface="Segoe UI Light" panose="020B0502040204020203" pitchFamily="34" charset="0"/>
               </a:rPr>
               <a:t>Average number of </a:t>
             </a:r>
             <a:r>
-              <a:rPr lang="en-US" dirty="0">
+              <a:rPr lang="en-US" sz="1600" dirty="0">
                 <a:latin typeface="Segoe UI Light" panose="020B0502040204020203" pitchFamily="34" charset="0"/>
                 <a:cs typeface="Segoe UI Light" panose="020B0502040204020203" pitchFamily="34" charset="0"/>
               </a:rPr>
               <a:t>misclassified</a:t>
             </a:r>
             <a:r>
-              <a:rPr lang="en-IL" dirty="0">
+              <a:rPr lang="en-IL" sz="1600" dirty="0">
                 <a:latin typeface="Segoe UI Light" panose="020B0502040204020203" pitchFamily="34" charset="0"/>
                 <a:cs typeface="Segoe UI Light" panose="020B0502040204020203" pitchFamily="34" charset="0"/>
               </a:rPr>
               <a:t> samples</a:t>
             </a:r>
             <a:r>
-              <a:rPr lang="en-US" dirty="0">
+              <a:rPr lang="en-US" sz="1600" dirty="0">
                 <a:latin typeface="Segoe UI Light" panose="020B0502040204020203" pitchFamily="34" charset="0"/>
                 <a:cs typeface="Segoe UI Light" panose="020B0502040204020203" pitchFamily="34" charset="0"/>
               </a:rPr>
               <a:t>(example):</a:t>
             </a:r>
             <a:br>
-              <a:rPr lang="en-US" dirty="0">
+              <a:rPr lang="en-US" sz="1600" dirty="0">
                 <a:latin typeface="Segoe UI Light" panose="020B0502040204020203" pitchFamily="34" charset="0"/>
                 <a:cs typeface="Segoe UI Light" panose="020B0502040204020203" pitchFamily="34" charset="0"/>
               </a:rPr>
             </a:br>
             <a:r>
-              <a:rPr lang="en-IL" dirty="0">
+              <a:rPr lang="en-US" sz="1600" b="1" dirty="0">
+                <a:latin typeface="Segoe UI Light" panose="020B0502040204020203" pitchFamily="34" charset="0"/>
+                <a:cs typeface="Segoe UI Light" panose="020B0502040204020203" pitchFamily="34" charset="0"/>
+              </a:rPr>
+              <a:t>FP - Classified as face true label </a:t>
+            </a:r>
+            <a:r>
+              <a:rPr lang="en-IL" sz="1600" b="1" dirty="0">
                 <a:latin typeface="Segoe UI Light" panose="020B0502040204020203" pitchFamily="34" charset="0"/>
                 <a:cs typeface="Segoe UI Light" panose="020B0502040204020203" pitchFamily="34" charset="0"/>
               </a:rPr>
               <a:t>non-face: </a:t>
             </a:r>
-            <a:r>
-              <a:rPr lang="en-US" dirty="0">
+            <a:endParaRPr lang="en-US" sz="1600" b="1" dirty="0">
+              <a:latin typeface="Segoe UI Light" panose="020B0502040204020203" pitchFamily="34" charset="0"/>
+              <a:cs typeface="Segoe UI Light" panose="020B0502040204020203" pitchFamily="34" charset="0"/>
+            </a:endParaRPr>
+          </a:p>
+          <a:p>
+            <a:r>
+              <a:rPr lang="en-US" sz="1600" b="1" dirty="0">
                 <a:latin typeface="Segoe UI Light" panose="020B0502040204020203" pitchFamily="34" charset="0"/>
                 <a:cs typeface="Segoe UI Light" panose="020B0502040204020203" pitchFamily="34" charset="0"/>
               </a:rPr>
-              <a:t>58.6</a:t>
-            </a:r>
-            <a:endParaRPr lang="en-IL" dirty="0">
+              <a:t>~50</a:t>
+            </a:r>
+            <a:endParaRPr lang="en-IL" sz="1600" b="1" dirty="0">
               <a:latin typeface="Segoe UI Light" panose="020B0502040204020203" pitchFamily="34" charset="0"/>
               <a:cs typeface="Segoe UI Light" panose="020B0502040204020203" pitchFamily="34" charset="0"/>
             </a:endParaRPr>
           </a:p>
           <a:p>
             <a:r>
-              <a:rPr lang="en-IL" dirty="0">
+              <a:rPr lang="en-US" sz="1600" b="1" dirty="0">
+                <a:latin typeface="Segoe UI Light" panose="020B0502040204020203" pitchFamily="34" charset="0"/>
+                <a:cs typeface="Segoe UI Light" panose="020B0502040204020203" pitchFamily="34" charset="0"/>
+              </a:rPr>
+              <a:t>FN - Classified as non-face true label </a:t>
+            </a:r>
+            <a:r>
+              <a:rPr lang="en-IL" sz="1600" b="1" dirty="0">
                 <a:latin typeface="Segoe UI Light" panose="020B0502040204020203" pitchFamily="34" charset="0"/>
                 <a:cs typeface="Segoe UI Light" panose="020B0502040204020203" pitchFamily="34" charset="0"/>
               </a:rPr>
               <a:t>face: </a:t>
             </a:r>
-            <a:r>
-              <a:rPr lang="en-US" dirty="0">
+            <a:endParaRPr lang="en-US" sz="1600" b="1" dirty="0">
+              <a:latin typeface="Segoe UI Light" panose="020B0502040204020203" pitchFamily="34" charset="0"/>
+              <a:cs typeface="Segoe UI Light" panose="020B0502040204020203" pitchFamily="34" charset="0"/>
+            </a:endParaRPr>
+          </a:p>
+          <a:p>
+            <a:r>
+              <a:rPr lang="en-US" sz="1600" b="1" dirty="0">
                 <a:latin typeface="Segoe UI Light" panose="020B0502040204020203" pitchFamily="34" charset="0"/>
                 <a:cs typeface="Segoe UI Light" panose="020B0502040204020203" pitchFamily="34" charset="0"/>
               </a:rPr>
-              <a:t>337</a:t>
-            </a:r>
-            <a:endParaRPr lang="en-IL" dirty="0">
+              <a:t>~360</a:t>
+            </a:r>
+            <a:endParaRPr lang="en-IL" sz="1600" b="1" dirty="0">
               <a:latin typeface="Segoe UI Light" panose="020B0502040204020203" pitchFamily="34" charset="0"/>
               <a:cs typeface="Segoe UI Light" panose="020B0502040204020203" pitchFamily="34" charset="0"/>
             </a:endParaRPr>

--- a/results.pptx
+++ b/results.pptx
@@ -9493,6 +9493,545 @@
               <a:rPr lang="en-US" dirty="0"/>
               <a:t>Model architecture</a:t>
             </a:r>
+            <a:br>
+              <a:rPr lang="en-US" dirty="0"/>
+            </a:br>
+            <a:r>
+              <a:rPr lang="en-US" dirty="0">
+                <a:solidFill>
+                  <a:srgbClr val="94558D"/>
+                </a:solidFill>
+                <a:effectLst/>
+              </a:rPr>
+              <a:t>self</a:t>
+            </a:r>
+            <a:r>
+              <a:rPr lang="en-US" dirty="0"/>
+              <a:t>.conv1 = nn.Conv2d(</a:t>
+            </a:r>
+            <a:r>
+              <a:rPr lang="en-US" dirty="0">
+                <a:solidFill>
+                  <a:srgbClr val="6897BB"/>
+                </a:solidFill>
+                <a:effectLst/>
+              </a:rPr>
+              <a:t>1</a:t>
+            </a:r>
+            <a:r>
+              <a:rPr lang="en-US" dirty="0">
+                <a:solidFill>
+                  <a:srgbClr val="CC7832"/>
+                </a:solidFill>
+                <a:effectLst/>
+              </a:rPr>
+              <a:t>, </a:t>
+            </a:r>
+            <a:r>
+              <a:rPr lang="en-US" dirty="0">
+                <a:solidFill>
+                  <a:srgbClr val="6897BB"/>
+                </a:solidFill>
+                <a:effectLst/>
+              </a:rPr>
+              <a:t>32</a:t>
+            </a:r>
+            <a:r>
+              <a:rPr lang="en-US" dirty="0">
+                <a:solidFill>
+                  <a:srgbClr val="CC7832"/>
+                </a:solidFill>
+                <a:effectLst/>
+              </a:rPr>
+              <a:t>, </a:t>
+            </a:r>
+            <a:r>
+              <a:rPr lang="en-US" dirty="0" err="1">
+                <a:solidFill>
+                  <a:srgbClr val="AA4926"/>
+                </a:solidFill>
+                <a:effectLst/>
+              </a:rPr>
+              <a:t>kernel_size</a:t>
+            </a:r>
+            <a:r>
+              <a:rPr lang="en-US" dirty="0"/>
+              <a:t>=</a:t>
+            </a:r>
+            <a:r>
+              <a:rPr lang="en-US" dirty="0">
+                <a:solidFill>
+                  <a:srgbClr val="6897BB"/>
+                </a:solidFill>
+                <a:effectLst/>
+              </a:rPr>
+              <a:t>3</a:t>
+            </a:r>
+            <a:r>
+              <a:rPr lang="en-US" dirty="0">
+                <a:solidFill>
+                  <a:srgbClr val="CC7832"/>
+                </a:solidFill>
+                <a:effectLst/>
+              </a:rPr>
+              <a:t>, </a:t>
+            </a:r>
+            <a:r>
+              <a:rPr lang="en-US" dirty="0">
+                <a:solidFill>
+                  <a:srgbClr val="AA4926"/>
+                </a:solidFill>
+                <a:effectLst/>
+              </a:rPr>
+              <a:t>padding</a:t>
+            </a:r>
+            <a:r>
+              <a:rPr lang="en-US" dirty="0"/>
+              <a:t>=</a:t>
+            </a:r>
+            <a:r>
+              <a:rPr lang="en-US" dirty="0">
+                <a:solidFill>
+                  <a:srgbClr val="6897BB"/>
+                </a:solidFill>
+                <a:effectLst/>
+              </a:rPr>
+              <a:t>1</a:t>
+            </a:r>
+            <a:r>
+              <a:rPr lang="en-US" dirty="0"/>
+              <a:t>)</a:t>
+            </a:r>
+            <a:br>
+              <a:rPr lang="en-US" dirty="0"/>
+            </a:br>
+            <a:r>
+              <a:rPr lang="en-US" dirty="0">
+                <a:solidFill>
+                  <a:srgbClr val="94558D"/>
+                </a:solidFill>
+                <a:effectLst/>
+              </a:rPr>
+              <a:t>self</a:t>
+            </a:r>
+            <a:r>
+              <a:rPr lang="en-US" dirty="0"/>
+              <a:t>.conv2 = nn.Conv2d(</a:t>
+            </a:r>
+            <a:r>
+              <a:rPr lang="en-US" dirty="0">
+                <a:solidFill>
+                  <a:srgbClr val="6897BB"/>
+                </a:solidFill>
+                <a:effectLst/>
+              </a:rPr>
+              <a:t>32</a:t>
+            </a:r>
+            <a:r>
+              <a:rPr lang="en-US" dirty="0">
+                <a:solidFill>
+                  <a:srgbClr val="CC7832"/>
+                </a:solidFill>
+                <a:effectLst/>
+              </a:rPr>
+              <a:t>, </a:t>
+            </a:r>
+            <a:r>
+              <a:rPr lang="en-US" dirty="0">
+                <a:solidFill>
+                  <a:srgbClr val="6897BB"/>
+                </a:solidFill>
+                <a:effectLst/>
+              </a:rPr>
+              <a:t>64</a:t>
+            </a:r>
+            <a:r>
+              <a:rPr lang="en-US" dirty="0">
+                <a:solidFill>
+                  <a:srgbClr val="CC7832"/>
+                </a:solidFill>
+                <a:effectLst/>
+              </a:rPr>
+              <a:t>, </a:t>
+            </a:r>
+            <a:r>
+              <a:rPr lang="en-US" dirty="0" err="1">
+                <a:solidFill>
+                  <a:srgbClr val="AA4926"/>
+                </a:solidFill>
+                <a:effectLst/>
+              </a:rPr>
+              <a:t>kernel_size</a:t>
+            </a:r>
+            <a:r>
+              <a:rPr lang="en-US" dirty="0"/>
+              <a:t>=</a:t>
+            </a:r>
+            <a:r>
+              <a:rPr lang="en-US" dirty="0">
+                <a:solidFill>
+                  <a:srgbClr val="6897BB"/>
+                </a:solidFill>
+                <a:effectLst/>
+              </a:rPr>
+              <a:t>3</a:t>
+            </a:r>
+            <a:r>
+              <a:rPr lang="en-US" dirty="0">
+                <a:solidFill>
+                  <a:srgbClr val="CC7832"/>
+                </a:solidFill>
+                <a:effectLst/>
+              </a:rPr>
+              <a:t>, </a:t>
+            </a:r>
+            <a:r>
+              <a:rPr lang="en-US" dirty="0">
+                <a:solidFill>
+                  <a:srgbClr val="AA4926"/>
+                </a:solidFill>
+                <a:effectLst/>
+              </a:rPr>
+              <a:t>padding</a:t>
+            </a:r>
+            <a:r>
+              <a:rPr lang="en-US" dirty="0"/>
+              <a:t>=</a:t>
+            </a:r>
+            <a:r>
+              <a:rPr lang="en-US" dirty="0">
+                <a:solidFill>
+                  <a:srgbClr val="6897BB"/>
+                </a:solidFill>
+                <a:effectLst/>
+              </a:rPr>
+              <a:t>1</a:t>
+            </a:r>
+            <a:r>
+              <a:rPr lang="en-US" dirty="0"/>
+              <a:t>)</a:t>
+            </a:r>
+            <a:br>
+              <a:rPr lang="en-US" dirty="0"/>
+            </a:br>
+            <a:r>
+              <a:rPr lang="en-US" dirty="0">
+                <a:solidFill>
+                  <a:srgbClr val="94558D"/>
+                </a:solidFill>
+                <a:effectLst/>
+              </a:rPr>
+              <a:t>self</a:t>
+            </a:r>
+            <a:r>
+              <a:rPr lang="en-US" dirty="0"/>
+              <a:t>.conv3 = nn.Conv2d(</a:t>
+            </a:r>
+            <a:r>
+              <a:rPr lang="en-US" dirty="0">
+                <a:solidFill>
+                  <a:srgbClr val="6897BB"/>
+                </a:solidFill>
+                <a:effectLst/>
+              </a:rPr>
+              <a:t>64</a:t>
+            </a:r>
+            <a:r>
+              <a:rPr lang="en-US" dirty="0">
+                <a:solidFill>
+                  <a:srgbClr val="CC7832"/>
+                </a:solidFill>
+                <a:effectLst/>
+              </a:rPr>
+              <a:t>, </a:t>
+            </a:r>
+            <a:r>
+              <a:rPr lang="en-US" dirty="0">
+                <a:solidFill>
+                  <a:srgbClr val="6897BB"/>
+                </a:solidFill>
+                <a:effectLst/>
+              </a:rPr>
+              <a:t>128</a:t>
+            </a:r>
+            <a:r>
+              <a:rPr lang="en-US" dirty="0">
+                <a:solidFill>
+                  <a:srgbClr val="CC7832"/>
+                </a:solidFill>
+                <a:effectLst/>
+              </a:rPr>
+              <a:t>, </a:t>
+            </a:r>
+            <a:r>
+              <a:rPr lang="en-US" dirty="0" err="1">
+                <a:solidFill>
+                  <a:srgbClr val="AA4926"/>
+                </a:solidFill>
+                <a:effectLst/>
+              </a:rPr>
+              <a:t>kernel_size</a:t>
+            </a:r>
+            <a:r>
+              <a:rPr lang="en-US" dirty="0"/>
+              <a:t>=</a:t>
+            </a:r>
+            <a:r>
+              <a:rPr lang="en-US" dirty="0">
+                <a:solidFill>
+                  <a:srgbClr val="6897BB"/>
+                </a:solidFill>
+                <a:effectLst/>
+              </a:rPr>
+              <a:t>3</a:t>
+            </a:r>
+            <a:r>
+              <a:rPr lang="en-US" dirty="0">
+                <a:solidFill>
+                  <a:srgbClr val="CC7832"/>
+                </a:solidFill>
+                <a:effectLst/>
+              </a:rPr>
+              <a:t>, </a:t>
+            </a:r>
+            <a:r>
+              <a:rPr lang="en-US" dirty="0">
+                <a:solidFill>
+                  <a:srgbClr val="AA4926"/>
+                </a:solidFill>
+                <a:effectLst/>
+              </a:rPr>
+              <a:t>padding</a:t>
+            </a:r>
+            <a:r>
+              <a:rPr lang="en-US" dirty="0"/>
+              <a:t>=</a:t>
+            </a:r>
+            <a:r>
+              <a:rPr lang="en-US" dirty="0">
+                <a:solidFill>
+                  <a:srgbClr val="6897BB"/>
+                </a:solidFill>
+                <a:effectLst/>
+              </a:rPr>
+              <a:t>1</a:t>
+            </a:r>
+            <a:r>
+              <a:rPr lang="en-US" dirty="0"/>
+              <a:t>)</a:t>
+            </a:r>
+            <a:br>
+              <a:rPr lang="en-US" dirty="0"/>
+            </a:br>
+            <a:r>
+              <a:rPr lang="en-US" dirty="0" err="1">
+                <a:solidFill>
+                  <a:srgbClr val="94558D"/>
+                </a:solidFill>
+                <a:effectLst/>
+              </a:rPr>
+              <a:t>self</a:t>
+            </a:r>
+            <a:r>
+              <a:rPr lang="en-US" dirty="0" err="1"/>
+              <a:t>.pool</a:t>
+            </a:r>
+            <a:r>
+              <a:rPr lang="en-US" dirty="0"/>
+              <a:t> = nn.MaxPool2d(</a:t>
+            </a:r>
+            <a:r>
+              <a:rPr lang="en-US" dirty="0">
+                <a:solidFill>
+                  <a:srgbClr val="6897BB"/>
+                </a:solidFill>
+                <a:effectLst/>
+              </a:rPr>
+              <a:t>2</a:t>
+            </a:r>
+            <a:r>
+              <a:rPr lang="en-US" dirty="0">
+                <a:solidFill>
+                  <a:srgbClr val="CC7832"/>
+                </a:solidFill>
+                <a:effectLst/>
+              </a:rPr>
+              <a:t>, </a:t>
+            </a:r>
+            <a:r>
+              <a:rPr lang="en-US" dirty="0">
+                <a:solidFill>
+                  <a:srgbClr val="6897BB"/>
+                </a:solidFill>
+                <a:effectLst/>
+              </a:rPr>
+              <a:t>2</a:t>
+            </a:r>
+            <a:r>
+              <a:rPr lang="en-US" dirty="0"/>
+              <a:t>)</a:t>
+            </a:r>
+            <a:br>
+              <a:rPr lang="en-US" dirty="0">
+                <a:solidFill>
+                  <a:srgbClr val="808080"/>
+                </a:solidFill>
+                <a:effectLst/>
+              </a:rPr>
+            </a:br>
+            <a:r>
+              <a:rPr lang="en-US" dirty="0">
+                <a:solidFill>
+                  <a:srgbClr val="94558D"/>
+                </a:solidFill>
+                <a:effectLst/>
+              </a:rPr>
+              <a:t>self</a:t>
+            </a:r>
+            <a:r>
+              <a:rPr lang="en-US" dirty="0"/>
+              <a:t>.fc1 = </a:t>
+            </a:r>
+            <a:r>
+              <a:rPr lang="en-US" dirty="0" err="1"/>
+              <a:t>nn.Linear</a:t>
+            </a:r>
+            <a:r>
+              <a:rPr lang="en-US" dirty="0"/>
+              <a:t>(</a:t>
+            </a:r>
+            <a:r>
+              <a:rPr lang="en-US" dirty="0">
+                <a:solidFill>
+                  <a:srgbClr val="6897BB"/>
+                </a:solidFill>
+                <a:effectLst/>
+              </a:rPr>
+              <a:t>128 </a:t>
+            </a:r>
+            <a:r>
+              <a:rPr lang="en-US" dirty="0"/>
+              <a:t>* </a:t>
+            </a:r>
+            <a:r>
+              <a:rPr lang="en-US" dirty="0">
+                <a:solidFill>
+                  <a:srgbClr val="6897BB"/>
+                </a:solidFill>
+                <a:effectLst/>
+              </a:rPr>
+              <a:t>2 </a:t>
+            </a:r>
+            <a:r>
+              <a:rPr lang="en-US" dirty="0"/>
+              <a:t>* </a:t>
+            </a:r>
+            <a:r>
+              <a:rPr lang="en-US" dirty="0">
+                <a:solidFill>
+                  <a:srgbClr val="6897BB"/>
+                </a:solidFill>
+                <a:effectLst/>
+              </a:rPr>
+              <a:t>2</a:t>
+            </a:r>
+            <a:r>
+              <a:rPr lang="en-US" dirty="0">
+                <a:solidFill>
+                  <a:srgbClr val="CC7832"/>
+                </a:solidFill>
+                <a:effectLst/>
+              </a:rPr>
+              <a:t>, </a:t>
+            </a:r>
+            <a:r>
+              <a:rPr lang="en-US" dirty="0">
+                <a:solidFill>
+                  <a:srgbClr val="6897BB"/>
+                </a:solidFill>
+                <a:effectLst/>
+              </a:rPr>
+              <a:t>256</a:t>
+            </a:r>
+            <a:r>
+              <a:rPr lang="en-US" dirty="0"/>
+              <a:t>)</a:t>
+            </a:r>
+            <a:br>
+              <a:rPr lang="en-US" dirty="0"/>
+            </a:br>
+            <a:r>
+              <a:rPr lang="en-US" dirty="0">
+                <a:solidFill>
+                  <a:srgbClr val="94558D"/>
+                </a:solidFill>
+                <a:effectLst/>
+              </a:rPr>
+              <a:t>self</a:t>
+            </a:r>
+            <a:r>
+              <a:rPr lang="en-US" dirty="0"/>
+              <a:t>.fc2 = </a:t>
+            </a:r>
+            <a:r>
+              <a:rPr lang="en-US" dirty="0" err="1"/>
+              <a:t>nn.Linear</a:t>
+            </a:r>
+            <a:r>
+              <a:rPr lang="en-US" dirty="0"/>
+              <a:t>(</a:t>
+            </a:r>
+            <a:r>
+              <a:rPr lang="en-US" dirty="0">
+                <a:solidFill>
+                  <a:srgbClr val="6897BB"/>
+                </a:solidFill>
+                <a:effectLst/>
+              </a:rPr>
+              <a:t>256</a:t>
+            </a:r>
+            <a:r>
+              <a:rPr lang="en-US" dirty="0">
+                <a:solidFill>
+                  <a:srgbClr val="CC7832"/>
+                </a:solidFill>
+                <a:effectLst/>
+              </a:rPr>
+              <a:t>, </a:t>
+            </a:r>
+            <a:r>
+              <a:rPr lang="en-US" dirty="0">
+                <a:solidFill>
+                  <a:srgbClr val="6897BB"/>
+                </a:solidFill>
+                <a:effectLst/>
+              </a:rPr>
+              <a:t>2</a:t>
+            </a:r>
+            <a:r>
+              <a:rPr lang="en-US" dirty="0"/>
+              <a:t>)  </a:t>
+            </a:r>
+            <a:r>
+              <a:rPr lang="en-US" dirty="0">
+                <a:solidFill>
+                  <a:srgbClr val="808080"/>
+                </a:solidFill>
+                <a:effectLst/>
+              </a:rPr>
+              <a:t># 2 output classes: face or non-face</a:t>
+            </a:r>
+          </a:p>
+          <a:p>
+            <a:endParaRPr lang="en-US" dirty="0">
+              <a:solidFill>
+                <a:srgbClr val="808080"/>
+              </a:solidFill>
+              <a:effectLst/>
+            </a:endParaRPr>
+          </a:p>
+          <a:p>
+            <a:endParaRPr lang="en-US" dirty="0"/>
           </a:p>
           <a:p>
             <a:r>
@@ -9742,6 +10281,1137 @@
               </a:rPr>
               <a:t> is typically used in multi-class classification problems)</a:t>
             </a:r>
+          </a:p>
+          <a:p>
+            <a:endParaRPr lang="en-US" dirty="0"/>
+          </a:p>
+          <a:p>
+            <a:endParaRPr lang="en-US" dirty="0"/>
+          </a:p>
+          <a:p>
+            <a:pPr>
+              <a:lnSpc>
+                <a:spcPct val="107000"/>
+              </a:lnSpc>
+              <a:spcAft>
+                <a:spcPts val="800"/>
+              </a:spcAft>
+            </a:pPr>
+            <a:r>
+              <a:rPr lang="en-IL" sz="1800" kern="0" dirty="0">
+                <a:effectLst/>
+                <a:latin typeface="Arial" panose="020B0604020202020204" pitchFamily="34" charset="0"/>
+                <a:ea typeface="Times New Roman" panose="02020603050405020304" pitchFamily="18" charset="0"/>
+                <a:cs typeface="Arial" panose="020B0604020202020204" pitchFamily="34" charset="0"/>
+              </a:rPr>
+              <a:t>Input</a:t>
+            </a:r>
+            <a:endParaRPr lang="en-IL" sz="1800" kern="100" dirty="0">
+              <a:effectLst/>
+              <a:latin typeface="Calibri" panose="020F0502020204030204" pitchFamily="34" charset="0"/>
+              <a:ea typeface="Calibri" panose="020F0502020204030204" pitchFamily="34" charset="0"/>
+              <a:cs typeface="Arial" panose="020B0604020202020204" pitchFamily="34" charset="0"/>
+            </a:endParaRPr>
+          </a:p>
+          <a:p>
+            <a:pPr>
+              <a:lnSpc>
+                <a:spcPct val="107000"/>
+              </a:lnSpc>
+              <a:spcAft>
+                <a:spcPts val="800"/>
+              </a:spcAft>
+            </a:pPr>
+            <a:r>
+              <a:rPr lang="en-IL" sz="1800" kern="0" dirty="0">
+                <a:effectLst/>
+                <a:latin typeface="Arial" panose="020B0604020202020204" pitchFamily="34" charset="0"/>
+                <a:ea typeface="Times New Roman" panose="02020603050405020304" pitchFamily="18" charset="0"/>
+                <a:cs typeface="Arial" panose="020B0604020202020204" pitchFamily="34" charset="0"/>
+              </a:rPr>
+              <a:t>(32, 1, 19, 19)</a:t>
+            </a:r>
+            <a:endParaRPr lang="en-IL" sz="1800" kern="100" dirty="0">
+              <a:effectLst/>
+              <a:latin typeface="Calibri" panose="020F0502020204030204" pitchFamily="34" charset="0"/>
+              <a:ea typeface="Calibri" panose="020F0502020204030204" pitchFamily="34" charset="0"/>
+              <a:cs typeface="Arial" panose="020B0604020202020204" pitchFamily="34" charset="0"/>
+            </a:endParaRPr>
+          </a:p>
+          <a:p>
+            <a:pPr>
+              <a:lnSpc>
+                <a:spcPct val="107000"/>
+              </a:lnSpc>
+              <a:spcAft>
+                <a:spcPts val="800"/>
+              </a:spcAft>
+            </a:pPr>
+            <a:r>
+              <a:rPr lang="en-IL" sz="1800" kern="0" dirty="0">
+                <a:effectLst/>
+                <a:latin typeface="Arial" panose="020B0604020202020204" pitchFamily="34" charset="0"/>
+                <a:ea typeface="Times New Roman" panose="02020603050405020304" pitchFamily="18" charset="0"/>
+                <a:cs typeface="Arial" panose="020B0604020202020204" pitchFamily="34" charset="0"/>
+              </a:rPr>
+              <a:t>- (No parameters)</a:t>
+            </a:r>
+            <a:endParaRPr lang="en-IL" sz="1800" kern="100" dirty="0">
+              <a:effectLst/>
+              <a:latin typeface="Calibri" panose="020F0502020204030204" pitchFamily="34" charset="0"/>
+              <a:ea typeface="Calibri" panose="020F0502020204030204" pitchFamily="34" charset="0"/>
+              <a:cs typeface="Arial" panose="020B0604020202020204" pitchFamily="34" charset="0"/>
+            </a:endParaRPr>
+          </a:p>
+          <a:p>
+            <a:pPr>
+              <a:lnSpc>
+                <a:spcPct val="107000"/>
+              </a:lnSpc>
+              <a:spcAft>
+                <a:spcPts val="800"/>
+              </a:spcAft>
+            </a:pPr>
+            <a:r>
+              <a:rPr lang="en-IL" sz="1800" kern="0" dirty="0">
+                <a:effectLst/>
+                <a:latin typeface="Arial" panose="020B0604020202020204" pitchFamily="34" charset="0"/>
+                <a:ea typeface="Times New Roman" panose="02020603050405020304" pitchFamily="18" charset="0"/>
+                <a:cs typeface="Arial" panose="020B0604020202020204" pitchFamily="34" charset="0"/>
+              </a:rPr>
+              <a:t>Conv1</a:t>
+            </a:r>
+            <a:endParaRPr lang="en-IL" sz="1800" kern="100" dirty="0">
+              <a:effectLst/>
+              <a:latin typeface="Calibri" panose="020F0502020204030204" pitchFamily="34" charset="0"/>
+              <a:ea typeface="Calibri" panose="020F0502020204030204" pitchFamily="34" charset="0"/>
+              <a:cs typeface="Arial" panose="020B0604020202020204" pitchFamily="34" charset="0"/>
+            </a:endParaRPr>
+          </a:p>
+          <a:p>
+            <a:pPr>
+              <a:lnSpc>
+                <a:spcPct val="107000"/>
+              </a:lnSpc>
+              <a:spcAft>
+                <a:spcPts val="800"/>
+              </a:spcAft>
+            </a:pPr>
+            <a:r>
+              <a:rPr lang="en-IL" sz="1800" kern="0" dirty="0">
+                <a:effectLst/>
+                <a:latin typeface="Arial" panose="020B0604020202020204" pitchFamily="34" charset="0"/>
+                <a:ea typeface="Times New Roman" panose="02020603050405020304" pitchFamily="18" charset="0"/>
+                <a:cs typeface="Arial" panose="020B0604020202020204" pitchFamily="34" charset="0"/>
+              </a:rPr>
+              <a:t>(32, 32, 19, 19)</a:t>
+            </a:r>
+            <a:endParaRPr lang="en-IL" sz="1800" kern="100" dirty="0">
+              <a:effectLst/>
+              <a:latin typeface="Calibri" panose="020F0502020204030204" pitchFamily="34" charset="0"/>
+              <a:ea typeface="Calibri" panose="020F0502020204030204" pitchFamily="34" charset="0"/>
+              <a:cs typeface="Arial" panose="020B0604020202020204" pitchFamily="34" charset="0"/>
+            </a:endParaRPr>
+          </a:p>
+          <a:p>
+            <a:pPr>
+              <a:lnSpc>
+                <a:spcPct val="107000"/>
+              </a:lnSpc>
+              <a:spcAft>
+                <a:spcPts val="800"/>
+              </a:spcAft>
+            </a:pPr>
+            <a:r>
+              <a:rPr lang="en-IL" sz="1800" kern="0" dirty="0">
+                <a:effectLst/>
+                <a:latin typeface="Arial" panose="020B0604020202020204" pitchFamily="34" charset="0"/>
+                <a:ea typeface="Times New Roman" panose="02020603050405020304" pitchFamily="18" charset="0"/>
+                <a:cs typeface="Arial" panose="020B0604020202020204" pitchFamily="34" charset="0"/>
+              </a:rPr>
+              <a:t>(3 * 3 * 1 + 1) * 32 = 320</a:t>
+            </a:r>
+            <a:endParaRPr lang="en-IL" sz="1800" kern="100" dirty="0">
+              <a:effectLst/>
+              <a:latin typeface="Calibri" panose="020F0502020204030204" pitchFamily="34" charset="0"/>
+              <a:ea typeface="Calibri" panose="020F0502020204030204" pitchFamily="34" charset="0"/>
+              <a:cs typeface="Arial" panose="020B0604020202020204" pitchFamily="34" charset="0"/>
+            </a:endParaRPr>
+          </a:p>
+          <a:p>
+            <a:pPr>
+              <a:lnSpc>
+                <a:spcPct val="107000"/>
+              </a:lnSpc>
+              <a:spcAft>
+                <a:spcPts val="800"/>
+              </a:spcAft>
+            </a:pPr>
+            <a:r>
+              <a:rPr lang="en-IL" sz="1800" kern="0" dirty="0">
+                <a:effectLst/>
+                <a:latin typeface="Arial" panose="020B0604020202020204" pitchFamily="34" charset="0"/>
+                <a:ea typeface="Times New Roman" panose="02020603050405020304" pitchFamily="18" charset="0"/>
+                <a:cs typeface="Arial" panose="020B0604020202020204" pitchFamily="34" charset="0"/>
+              </a:rPr>
+              <a:t>ReLU1</a:t>
+            </a:r>
+            <a:endParaRPr lang="en-IL" sz="1800" kern="100" dirty="0">
+              <a:effectLst/>
+              <a:latin typeface="Calibri" panose="020F0502020204030204" pitchFamily="34" charset="0"/>
+              <a:ea typeface="Calibri" panose="020F0502020204030204" pitchFamily="34" charset="0"/>
+              <a:cs typeface="Arial" panose="020B0604020202020204" pitchFamily="34" charset="0"/>
+            </a:endParaRPr>
+          </a:p>
+          <a:p>
+            <a:pPr>
+              <a:lnSpc>
+                <a:spcPct val="107000"/>
+              </a:lnSpc>
+              <a:spcAft>
+                <a:spcPts val="800"/>
+              </a:spcAft>
+            </a:pPr>
+            <a:r>
+              <a:rPr lang="en-IL" sz="1800" kern="0" dirty="0">
+                <a:effectLst/>
+                <a:latin typeface="Arial" panose="020B0604020202020204" pitchFamily="34" charset="0"/>
+                <a:ea typeface="Times New Roman" panose="02020603050405020304" pitchFamily="18" charset="0"/>
+                <a:cs typeface="Arial" panose="020B0604020202020204" pitchFamily="34" charset="0"/>
+              </a:rPr>
+              <a:t>(32, 32, 19, 19)</a:t>
+            </a:r>
+            <a:endParaRPr lang="en-IL" sz="1800" kern="100" dirty="0">
+              <a:effectLst/>
+              <a:latin typeface="Calibri" panose="020F0502020204030204" pitchFamily="34" charset="0"/>
+              <a:ea typeface="Calibri" panose="020F0502020204030204" pitchFamily="34" charset="0"/>
+              <a:cs typeface="Arial" panose="020B0604020202020204" pitchFamily="34" charset="0"/>
+            </a:endParaRPr>
+          </a:p>
+          <a:p>
+            <a:pPr>
+              <a:lnSpc>
+                <a:spcPct val="107000"/>
+              </a:lnSpc>
+              <a:spcAft>
+                <a:spcPts val="800"/>
+              </a:spcAft>
+            </a:pPr>
+            <a:r>
+              <a:rPr lang="en-IL" sz="1800" kern="0" dirty="0">
+                <a:effectLst/>
+                <a:latin typeface="Arial" panose="020B0604020202020204" pitchFamily="34" charset="0"/>
+                <a:ea typeface="Times New Roman" panose="02020603050405020304" pitchFamily="18" charset="0"/>
+                <a:cs typeface="Arial" panose="020B0604020202020204" pitchFamily="34" charset="0"/>
+              </a:rPr>
+              <a:t>- (No additional parameters)</a:t>
+            </a:r>
+            <a:endParaRPr lang="en-IL" sz="1800" kern="100" dirty="0">
+              <a:effectLst/>
+              <a:latin typeface="Calibri" panose="020F0502020204030204" pitchFamily="34" charset="0"/>
+              <a:ea typeface="Calibri" panose="020F0502020204030204" pitchFamily="34" charset="0"/>
+              <a:cs typeface="Arial" panose="020B0604020202020204" pitchFamily="34" charset="0"/>
+            </a:endParaRPr>
+          </a:p>
+          <a:p>
+            <a:pPr>
+              <a:lnSpc>
+                <a:spcPct val="107000"/>
+              </a:lnSpc>
+              <a:spcAft>
+                <a:spcPts val="800"/>
+              </a:spcAft>
+            </a:pPr>
+            <a:r>
+              <a:rPr lang="en-IL" sz="1800" kern="0" dirty="0">
+                <a:effectLst/>
+                <a:latin typeface="Arial" panose="020B0604020202020204" pitchFamily="34" charset="0"/>
+                <a:ea typeface="Times New Roman" panose="02020603050405020304" pitchFamily="18" charset="0"/>
+                <a:cs typeface="Arial" panose="020B0604020202020204" pitchFamily="34" charset="0"/>
+              </a:rPr>
+              <a:t>Pool1</a:t>
+            </a:r>
+            <a:endParaRPr lang="en-IL" sz="1800" kern="100" dirty="0">
+              <a:effectLst/>
+              <a:latin typeface="Calibri" panose="020F0502020204030204" pitchFamily="34" charset="0"/>
+              <a:ea typeface="Calibri" panose="020F0502020204030204" pitchFamily="34" charset="0"/>
+              <a:cs typeface="Arial" panose="020B0604020202020204" pitchFamily="34" charset="0"/>
+            </a:endParaRPr>
+          </a:p>
+          <a:p>
+            <a:pPr>
+              <a:lnSpc>
+                <a:spcPct val="107000"/>
+              </a:lnSpc>
+              <a:spcAft>
+                <a:spcPts val="800"/>
+              </a:spcAft>
+            </a:pPr>
+            <a:r>
+              <a:rPr lang="en-IL" sz="1800" kern="0" dirty="0">
+                <a:effectLst/>
+                <a:latin typeface="Arial" panose="020B0604020202020204" pitchFamily="34" charset="0"/>
+                <a:ea typeface="Times New Roman" panose="02020603050405020304" pitchFamily="18" charset="0"/>
+                <a:cs typeface="Arial" panose="020B0604020202020204" pitchFamily="34" charset="0"/>
+              </a:rPr>
+              <a:t>(32, 32, 9, 9)</a:t>
+            </a:r>
+            <a:endParaRPr lang="en-IL" sz="1800" kern="100" dirty="0">
+              <a:effectLst/>
+              <a:latin typeface="Calibri" panose="020F0502020204030204" pitchFamily="34" charset="0"/>
+              <a:ea typeface="Calibri" panose="020F0502020204030204" pitchFamily="34" charset="0"/>
+              <a:cs typeface="Arial" panose="020B0604020202020204" pitchFamily="34" charset="0"/>
+            </a:endParaRPr>
+          </a:p>
+          <a:p>
+            <a:pPr>
+              <a:lnSpc>
+                <a:spcPct val="107000"/>
+              </a:lnSpc>
+              <a:spcAft>
+                <a:spcPts val="800"/>
+              </a:spcAft>
+            </a:pPr>
+            <a:r>
+              <a:rPr lang="en-IL" sz="1800" kern="0" dirty="0">
+                <a:effectLst/>
+                <a:latin typeface="Arial" panose="020B0604020202020204" pitchFamily="34" charset="0"/>
+                <a:ea typeface="Times New Roman" panose="02020603050405020304" pitchFamily="18" charset="0"/>
+                <a:cs typeface="Arial" panose="020B0604020202020204" pitchFamily="34" charset="0"/>
+              </a:rPr>
+              <a:t>- (No parameters)</a:t>
+            </a:r>
+            <a:endParaRPr lang="en-IL" sz="1800" kern="100" dirty="0">
+              <a:effectLst/>
+              <a:latin typeface="Calibri" panose="020F0502020204030204" pitchFamily="34" charset="0"/>
+              <a:ea typeface="Calibri" panose="020F0502020204030204" pitchFamily="34" charset="0"/>
+              <a:cs typeface="Arial" panose="020B0604020202020204" pitchFamily="34" charset="0"/>
+            </a:endParaRPr>
+          </a:p>
+          <a:p>
+            <a:pPr>
+              <a:lnSpc>
+                <a:spcPct val="107000"/>
+              </a:lnSpc>
+              <a:spcAft>
+                <a:spcPts val="800"/>
+              </a:spcAft>
+            </a:pPr>
+            <a:r>
+              <a:rPr lang="en-IL" sz="1800" kern="0" dirty="0">
+                <a:effectLst/>
+                <a:latin typeface="Arial" panose="020B0604020202020204" pitchFamily="34" charset="0"/>
+                <a:ea typeface="Times New Roman" panose="02020603050405020304" pitchFamily="18" charset="0"/>
+                <a:cs typeface="Arial" panose="020B0604020202020204" pitchFamily="34" charset="0"/>
+              </a:rPr>
+              <a:t>Conv2</a:t>
+            </a:r>
+            <a:endParaRPr lang="en-IL" sz="1800" kern="100" dirty="0">
+              <a:effectLst/>
+              <a:latin typeface="Calibri" panose="020F0502020204030204" pitchFamily="34" charset="0"/>
+              <a:ea typeface="Calibri" panose="020F0502020204030204" pitchFamily="34" charset="0"/>
+              <a:cs typeface="Arial" panose="020B0604020202020204" pitchFamily="34" charset="0"/>
+            </a:endParaRPr>
+          </a:p>
+          <a:p>
+            <a:pPr>
+              <a:lnSpc>
+                <a:spcPct val="107000"/>
+              </a:lnSpc>
+              <a:spcAft>
+                <a:spcPts val="800"/>
+              </a:spcAft>
+            </a:pPr>
+            <a:r>
+              <a:rPr lang="en-IL" sz="1800" kern="0" dirty="0">
+                <a:effectLst/>
+                <a:latin typeface="Arial" panose="020B0604020202020204" pitchFamily="34" charset="0"/>
+                <a:ea typeface="Times New Roman" panose="02020603050405020304" pitchFamily="18" charset="0"/>
+                <a:cs typeface="Arial" panose="020B0604020202020204" pitchFamily="34" charset="0"/>
+              </a:rPr>
+              <a:t>(32, 64, 9, 9)</a:t>
+            </a:r>
+            <a:endParaRPr lang="en-IL" sz="1800" kern="100" dirty="0">
+              <a:effectLst/>
+              <a:latin typeface="Calibri" panose="020F0502020204030204" pitchFamily="34" charset="0"/>
+              <a:ea typeface="Calibri" panose="020F0502020204030204" pitchFamily="34" charset="0"/>
+              <a:cs typeface="Arial" panose="020B0604020202020204" pitchFamily="34" charset="0"/>
+            </a:endParaRPr>
+          </a:p>
+          <a:p>
+            <a:pPr>
+              <a:lnSpc>
+                <a:spcPct val="107000"/>
+              </a:lnSpc>
+              <a:spcAft>
+                <a:spcPts val="800"/>
+              </a:spcAft>
+            </a:pPr>
+            <a:r>
+              <a:rPr lang="en-IL" sz="1800" kern="0" dirty="0">
+                <a:effectLst/>
+                <a:latin typeface="Arial" panose="020B0604020202020204" pitchFamily="34" charset="0"/>
+                <a:ea typeface="Times New Roman" panose="02020603050405020304" pitchFamily="18" charset="0"/>
+                <a:cs typeface="Arial" panose="020B0604020202020204" pitchFamily="34" charset="0"/>
+              </a:rPr>
+              <a:t>(3 * 3 * 32 + 1) * 64 = 18496</a:t>
+            </a:r>
+            <a:endParaRPr lang="en-IL" sz="1800" kern="100" dirty="0">
+              <a:effectLst/>
+              <a:latin typeface="Calibri" panose="020F0502020204030204" pitchFamily="34" charset="0"/>
+              <a:ea typeface="Calibri" panose="020F0502020204030204" pitchFamily="34" charset="0"/>
+              <a:cs typeface="Arial" panose="020B0604020202020204" pitchFamily="34" charset="0"/>
+            </a:endParaRPr>
+          </a:p>
+          <a:p>
+            <a:pPr>
+              <a:lnSpc>
+                <a:spcPct val="107000"/>
+              </a:lnSpc>
+              <a:spcAft>
+                <a:spcPts val="800"/>
+              </a:spcAft>
+            </a:pPr>
+            <a:r>
+              <a:rPr lang="en-IL" sz="1800" kern="0" dirty="0">
+                <a:effectLst/>
+                <a:latin typeface="Arial" panose="020B0604020202020204" pitchFamily="34" charset="0"/>
+                <a:ea typeface="Times New Roman" panose="02020603050405020304" pitchFamily="18" charset="0"/>
+                <a:cs typeface="Arial" panose="020B0604020202020204" pitchFamily="34" charset="0"/>
+              </a:rPr>
+              <a:t>ReLU2</a:t>
+            </a:r>
+            <a:endParaRPr lang="en-IL" sz="1800" kern="100" dirty="0">
+              <a:effectLst/>
+              <a:latin typeface="Calibri" panose="020F0502020204030204" pitchFamily="34" charset="0"/>
+              <a:ea typeface="Calibri" panose="020F0502020204030204" pitchFamily="34" charset="0"/>
+              <a:cs typeface="Arial" panose="020B0604020202020204" pitchFamily="34" charset="0"/>
+            </a:endParaRPr>
+          </a:p>
+          <a:p>
+            <a:pPr>
+              <a:lnSpc>
+                <a:spcPct val="107000"/>
+              </a:lnSpc>
+              <a:spcAft>
+                <a:spcPts val="800"/>
+              </a:spcAft>
+            </a:pPr>
+            <a:r>
+              <a:rPr lang="en-IL" sz="1800" kern="0" dirty="0">
+                <a:effectLst/>
+                <a:latin typeface="Arial" panose="020B0604020202020204" pitchFamily="34" charset="0"/>
+                <a:ea typeface="Times New Roman" panose="02020603050405020304" pitchFamily="18" charset="0"/>
+                <a:cs typeface="Arial" panose="020B0604020202020204" pitchFamily="34" charset="0"/>
+              </a:rPr>
+              <a:t>(32, 64, 9, 9)</a:t>
+            </a:r>
+            <a:endParaRPr lang="en-IL" sz="1800" kern="100" dirty="0">
+              <a:effectLst/>
+              <a:latin typeface="Calibri" panose="020F0502020204030204" pitchFamily="34" charset="0"/>
+              <a:ea typeface="Calibri" panose="020F0502020204030204" pitchFamily="34" charset="0"/>
+              <a:cs typeface="Arial" panose="020B0604020202020204" pitchFamily="34" charset="0"/>
+            </a:endParaRPr>
+          </a:p>
+          <a:p>
+            <a:pPr>
+              <a:lnSpc>
+                <a:spcPct val="107000"/>
+              </a:lnSpc>
+              <a:spcAft>
+                <a:spcPts val="800"/>
+              </a:spcAft>
+            </a:pPr>
+            <a:r>
+              <a:rPr lang="en-IL" sz="1800" kern="0" dirty="0">
+                <a:effectLst/>
+                <a:latin typeface="Arial" panose="020B0604020202020204" pitchFamily="34" charset="0"/>
+                <a:ea typeface="Times New Roman" panose="02020603050405020304" pitchFamily="18" charset="0"/>
+                <a:cs typeface="Arial" panose="020B0604020202020204" pitchFamily="34" charset="0"/>
+              </a:rPr>
+              <a:t>- (No additional parameters)</a:t>
+            </a:r>
+            <a:endParaRPr lang="en-IL" sz="1800" kern="100" dirty="0">
+              <a:effectLst/>
+              <a:latin typeface="Calibri" panose="020F0502020204030204" pitchFamily="34" charset="0"/>
+              <a:ea typeface="Calibri" panose="020F0502020204030204" pitchFamily="34" charset="0"/>
+              <a:cs typeface="Arial" panose="020B0604020202020204" pitchFamily="34" charset="0"/>
+            </a:endParaRPr>
+          </a:p>
+          <a:p>
+            <a:pPr>
+              <a:lnSpc>
+                <a:spcPct val="107000"/>
+              </a:lnSpc>
+              <a:spcAft>
+                <a:spcPts val="800"/>
+              </a:spcAft>
+            </a:pPr>
+            <a:r>
+              <a:rPr lang="en-IL" sz="1800" kern="0" dirty="0">
+                <a:effectLst/>
+                <a:latin typeface="Arial" panose="020B0604020202020204" pitchFamily="34" charset="0"/>
+                <a:ea typeface="Times New Roman" panose="02020603050405020304" pitchFamily="18" charset="0"/>
+                <a:cs typeface="Arial" panose="020B0604020202020204" pitchFamily="34" charset="0"/>
+              </a:rPr>
+              <a:t>Pool2</a:t>
+            </a:r>
+            <a:endParaRPr lang="en-IL" sz="1800" kern="100" dirty="0">
+              <a:effectLst/>
+              <a:latin typeface="Calibri" panose="020F0502020204030204" pitchFamily="34" charset="0"/>
+              <a:ea typeface="Calibri" panose="020F0502020204030204" pitchFamily="34" charset="0"/>
+              <a:cs typeface="Arial" panose="020B0604020202020204" pitchFamily="34" charset="0"/>
+            </a:endParaRPr>
+          </a:p>
+          <a:p>
+            <a:pPr>
+              <a:lnSpc>
+                <a:spcPct val="107000"/>
+              </a:lnSpc>
+              <a:spcAft>
+                <a:spcPts val="800"/>
+              </a:spcAft>
+            </a:pPr>
+            <a:r>
+              <a:rPr lang="en-IL" sz="1800" kern="0" dirty="0">
+                <a:effectLst/>
+                <a:latin typeface="Arial" panose="020B0604020202020204" pitchFamily="34" charset="0"/>
+                <a:ea typeface="Times New Roman" panose="02020603050405020304" pitchFamily="18" charset="0"/>
+                <a:cs typeface="Arial" panose="020B0604020202020204" pitchFamily="34" charset="0"/>
+              </a:rPr>
+              <a:t>(32, 64, 4, 4)</a:t>
+            </a:r>
+            <a:endParaRPr lang="en-IL" sz="1800" kern="100" dirty="0">
+              <a:effectLst/>
+              <a:latin typeface="Calibri" panose="020F0502020204030204" pitchFamily="34" charset="0"/>
+              <a:ea typeface="Calibri" panose="020F0502020204030204" pitchFamily="34" charset="0"/>
+              <a:cs typeface="Arial" panose="020B0604020202020204" pitchFamily="34" charset="0"/>
+            </a:endParaRPr>
+          </a:p>
+          <a:p>
+            <a:pPr>
+              <a:lnSpc>
+                <a:spcPct val="107000"/>
+              </a:lnSpc>
+              <a:spcAft>
+                <a:spcPts val="800"/>
+              </a:spcAft>
+            </a:pPr>
+            <a:r>
+              <a:rPr lang="en-IL" sz="1800" kern="0" dirty="0">
+                <a:effectLst/>
+                <a:latin typeface="Arial" panose="020B0604020202020204" pitchFamily="34" charset="0"/>
+                <a:ea typeface="Times New Roman" panose="02020603050405020304" pitchFamily="18" charset="0"/>
+                <a:cs typeface="Arial" panose="020B0604020202020204" pitchFamily="34" charset="0"/>
+              </a:rPr>
+              <a:t>- (No parameters)</a:t>
+            </a:r>
+            <a:endParaRPr lang="en-IL" sz="1800" kern="100" dirty="0">
+              <a:effectLst/>
+              <a:latin typeface="Calibri" panose="020F0502020204030204" pitchFamily="34" charset="0"/>
+              <a:ea typeface="Calibri" panose="020F0502020204030204" pitchFamily="34" charset="0"/>
+              <a:cs typeface="Arial" panose="020B0604020202020204" pitchFamily="34" charset="0"/>
+            </a:endParaRPr>
+          </a:p>
+          <a:p>
+            <a:pPr>
+              <a:lnSpc>
+                <a:spcPct val="107000"/>
+              </a:lnSpc>
+              <a:spcAft>
+                <a:spcPts val="800"/>
+              </a:spcAft>
+            </a:pPr>
+            <a:r>
+              <a:rPr lang="en-IL" sz="1800" kern="0" dirty="0">
+                <a:effectLst/>
+                <a:latin typeface="Arial" panose="020B0604020202020204" pitchFamily="34" charset="0"/>
+                <a:ea typeface="Times New Roman" panose="02020603050405020304" pitchFamily="18" charset="0"/>
+                <a:cs typeface="Arial" panose="020B0604020202020204" pitchFamily="34" charset="0"/>
+              </a:rPr>
+              <a:t>Conv3</a:t>
+            </a:r>
+            <a:endParaRPr lang="en-IL" sz="1800" kern="100" dirty="0">
+              <a:effectLst/>
+              <a:latin typeface="Calibri" panose="020F0502020204030204" pitchFamily="34" charset="0"/>
+              <a:ea typeface="Calibri" panose="020F0502020204030204" pitchFamily="34" charset="0"/>
+              <a:cs typeface="Arial" panose="020B0604020202020204" pitchFamily="34" charset="0"/>
+            </a:endParaRPr>
+          </a:p>
+          <a:p>
+            <a:pPr>
+              <a:lnSpc>
+                <a:spcPct val="107000"/>
+              </a:lnSpc>
+              <a:spcAft>
+                <a:spcPts val="800"/>
+              </a:spcAft>
+            </a:pPr>
+            <a:r>
+              <a:rPr lang="en-IL" sz="1800" kern="0" dirty="0">
+                <a:effectLst/>
+                <a:latin typeface="Arial" panose="020B0604020202020204" pitchFamily="34" charset="0"/>
+                <a:ea typeface="Times New Roman" panose="02020603050405020304" pitchFamily="18" charset="0"/>
+                <a:cs typeface="Arial" panose="020B0604020202020204" pitchFamily="34" charset="0"/>
+              </a:rPr>
+              <a:t>(32, 128, 4, 4)</a:t>
+            </a:r>
+            <a:endParaRPr lang="en-IL" sz="1800" kern="100" dirty="0">
+              <a:effectLst/>
+              <a:latin typeface="Calibri" panose="020F0502020204030204" pitchFamily="34" charset="0"/>
+              <a:ea typeface="Calibri" panose="020F0502020204030204" pitchFamily="34" charset="0"/>
+              <a:cs typeface="Arial" panose="020B0604020202020204" pitchFamily="34" charset="0"/>
+            </a:endParaRPr>
+          </a:p>
+          <a:p>
+            <a:pPr>
+              <a:lnSpc>
+                <a:spcPct val="107000"/>
+              </a:lnSpc>
+              <a:spcAft>
+                <a:spcPts val="800"/>
+              </a:spcAft>
+            </a:pPr>
+            <a:r>
+              <a:rPr lang="en-IL" sz="1800" kern="0" dirty="0">
+                <a:effectLst/>
+                <a:latin typeface="Arial" panose="020B0604020202020204" pitchFamily="34" charset="0"/>
+                <a:ea typeface="Times New Roman" panose="02020603050405020304" pitchFamily="18" charset="0"/>
+                <a:cs typeface="Arial" panose="020B0604020202020204" pitchFamily="34" charset="0"/>
+              </a:rPr>
+              <a:t>(3 * 3 * 64 + 1) * 128 = 73728</a:t>
+            </a:r>
+            <a:endParaRPr lang="en-IL" sz="1800" kern="100" dirty="0">
+              <a:effectLst/>
+              <a:latin typeface="Calibri" panose="020F0502020204030204" pitchFamily="34" charset="0"/>
+              <a:ea typeface="Calibri" panose="020F0502020204030204" pitchFamily="34" charset="0"/>
+              <a:cs typeface="Arial" panose="020B0604020202020204" pitchFamily="34" charset="0"/>
+            </a:endParaRPr>
+          </a:p>
+          <a:p>
+            <a:pPr>
+              <a:lnSpc>
+                <a:spcPct val="107000"/>
+              </a:lnSpc>
+              <a:spcAft>
+                <a:spcPts val="800"/>
+              </a:spcAft>
+            </a:pPr>
+            <a:r>
+              <a:rPr lang="en-IL" sz="1800" kern="0" dirty="0">
+                <a:effectLst/>
+                <a:latin typeface="Arial" panose="020B0604020202020204" pitchFamily="34" charset="0"/>
+                <a:ea typeface="Times New Roman" panose="02020603050405020304" pitchFamily="18" charset="0"/>
+                <a:cs typeface="Arial" panose="020B0604020202020204" pitchFamily="34" charset="0"/>
+              </a:rPr>
+              <a:t>ReLU3</a:t>
+            </a:r>
+            <a:endParaRPr lang="en-IL" sz="1800" kern="100" dirty="0">
+              <a:effectLst/>
+              <a:latin typeface="Calibri" panose="020F0502020204030204" pitchFamily="34" charset="0"/>
+              <a:ea typeface="Calibri" panose="020F0502020204030204" pitchFamily="34" charset="0"/>
+              <a:cs typeface="Arial" panose="020B0604020202020204" pitchFamily="34" charset="0"/>
+            </a:endParaRPr>
+          </a:p>
+          <a:p>
+            <a:pPr>
+              <a:lnSpc>
+                <a:spcPct val="107000"/>
+              </a:lnSpc>
+              <a:spcAft>
+                <a:spcPts val="800"/>
+              </a:spcAft>
+            </a:pPr>
+            <a:r>
+              <a:rPr lang="en-IL" sz="1800" kern="0" dirty="0">
+                <a:effectLst/>
+                <a:latin typeface="Arial" panose="020B0604020202020204" pitchFamily="34" charset="0"/>
+                <a:ea typeface="Times New Roman" panose="02020603050405020304" pitchFamily="18" charset="0"/>
+                <a:cs typeface="Arial" panose="020B0604020202020204" pitchFamily="34" charset="0"/>
+              </a:rPr>
+              <a:t>(32, 128, 4, 4)</a:t>
+            </a:r>
+            <a:endParaRPr lang="en-IL" sz="1800" kern="100" dirty="0">
+              <a:effectLst/>
+              <a:latin typeface="Calibri" panose="020F0502020204030204" pitchFamily="34" charset="0"/>
+              <a:ea typeface="Calibri" panose="020F0502020204030204" pitchFamily="34" charset="0"/>
+              <a:cs typeface="Arial" panose="020B0604020202020204" pitchFamily="34" charset="0"/>
+            </a:endParaRPr>
+          </a:p>
+          <a:p>
+            <a:pPr>
+              <a:lnSpc>
+                <a:spcPct val="107000"/>
+              </a:lnSpc>
+              <a:spcAft>
+                <a:spcPts val="800"/>
+              </a:spcAft>
+            </a:pPr>
+            <a:r>
+              <a:rPr lang="en-IL" sz="1800" kern="0" dirty="0">
+                <a:effectLst/>
+                <a:latin typeface="Arial" panose="020B0604020202020204" pitchFamily="34" charset="0"/>
+                <a:ea typeface="Times New Roman" panose="02020603050405020304" pitchFamily="18" charset="0"/>
+                <a:cs typeface="Arial" panose="020B0604020202020204" pitchFamily="34" charset="0"/>
+              </a:rPr>
+              <a:t>- (No additional parameters)</a:t>
+            </a:r>
+            <a:endParaRPr lang="en-IL" sz="1800" kern="100" dirty="0">
+              <a:effectLst/>
+              <a:latin typeface="Calibri" panose="020F0502020204030204" pitchFamily="34" charset="0"/>
+              <a:ea typeface="Calibri" panose="020F0502020204030204" pitchFamily="34" charset="0"/>
+              <a:cs typeface="Arial" panose="020B0604020202020204" pitchFamily="34" charset="0"/>
+            </a:endParaRPr>
+          </a:p>
+          <a:p>
+            <a:pPr>
+              <a:lnSpc>
+                <a:spcPct val="107000"/>
+              </a:lnSpc>
+              <a:spcAft>
+                <a:spcPts val="800"/>
+              </a:spcAft>
+            </a:pPr>
+            <a:r>
+              <a:rPr lang="en-IL" sz="1800" kern="0" dirty="0">
+                <a:effectLst/>
+                <a:latin typeface="Arial" panose="020B0604020202020204" pitchFamily="34" charset="0"/>
+                <a:ea typeface="Times New Roman" panose="02020603050405020304" pitchFamily="18" charset="0"/>
+                <a:cs typeface="Arial" panose="020B0604020202020204" pitchFamily="34" charset="0"/>
+              </a:rPr>
+              <a:t>Pool3</a:t>
+            </a:r>
+            <a:endParaRPr lang="en-IL" sz="1800" kern="100" dirty="0">
+              <a:effectLst/>
+              <a:latin typeface="Calibri" panose="020F0502020204030204" pitchFamily="34" charset="0"/>
+              <a:ea typeface="Calibri" panose="020F0502020204030204" pitchFamily="34" charset="0"/>
+              <a:cs typeface="Arial" panose="020B0604020202020204" pitchFamily="34" charset="0"/>
+            </a:endParaRPr>
+          </a:p>
+          <a:p>
+            <a:pPr>
+              <a:lnSpc>
+                <a:spcPct val="107000"/>
+              </a:lnSpc>
+              <a:spcAft>
+                <a:spcPts val="800"/>
+              </a:spcAft>
+            </a:pPr>
+            <a:r>
+              <a:rPr lang="en-IL" sz="1800" kern="0" dirty="0">
+                <a:effectLst/>
+                <a:latin typeface="Arial" panose="020B0604020202020204" pitchFamily="34" charset="0"/>
+                <a:ea typeface="Times New Roman" panose="02020603050405020304" pitchFamily="18" charset="0"/>
+                <a:cs typeface="Arial" panose="020B0604020202020204" pitchFamily="34" charset="0"/>
+              </a:rPr>
+              <a:t>(32, 128, 2, 2)</a:t>
+            </a:r>
+            <a:endParaRPr lang="en-IL" sz="1800" kern="100" dirty="0">
+              <a:effectLst/>
+              <a:latin typeface="Calibri" panose="020F0502020204030204" pitchFamily="34" charset="0"/>
+              <a:ea typeface="Calibri" panose="020F0502020204030204" pitchFamily="34" charset="0"/>
+              <a:cs typeface="Arial" panose="020B0604020202020204" pitchFamily="34" charset="0"/>
+            </a:endParaRPr>
+          </a:p>
+          <a:p>
+            <a:pPr>
+              <a:lnSpc>
+                <a:spcPct val="107000"/>
+              </a:lnSpc>
+              <a:spcAft>
+                <a:spcPts val="800"/>
+              </a:spcAft>
+            </a:pPr>
+            <a:r>
+              <a:rPr lang="en-IL" sz="1800" kern="0" dirty="0">
+                <a:effectLst/>
+                <a:latin typeface="Arial" panose="020B0604020202020204" pitchFamily="34" charset="0"/>
+                <a:ea typeface="Times New Roman" panose="02020603050405020304" pitchFamily="18" charset="0"/>
+                <a:cs typeface="Arial" panose="020B0604020202020204" pitchFamily="34" charset="0"/>
+              </a:rPr>
+              <a:t>- (No parameters)</a:t>
+            </a:r>
+            <a:endParaRPr lang="en-IL" sz="1800" kern="100" dirty="0">
+              <a:effectLst/>
+              <a:latin typeface="Calibri" panose="020F0502020204030204" pitchFamily="34" charset="0"/>
+              <a:ea typeface="Calibri" panose="020F0502020204030204" pitchFamily="34" charset="0"/>
+              <a:cs typeface="Arial" panose="020B0604020202020204" pitchFamily="34" charset="0"/>
+            </a:endParaRPr>
+          </a:p>
+          <a:p>
+            <a:pPr>
+              <a:lnSpc>
+                <a:spcPct val="107000"/>
+              </a:lnSpc>
+              <a:spcAft>
+                <a:spcPts val="800"/>
+              </a:spcAft>
+            </a:pPr>
+            <a:r>
+              <a:rPr lang="en-IL" sz="1800" kern="0" dirty="0">
+                <a:effectLst/>
+                <a:latin typeface="Arial" panose="020B0604020202020204" pitchFamily="34" charset="0"/>
+                <a:ea typeface="Times New Roman" panose="02020603050405020304" pitchFamily="18" charset="0"/>
+                <a:cs typeface="Arial" panose="020B0604020202020204" pitchFamily="34" charset="0"/>
+              </a:rPr>
+              <a:t>Flatten</a:t>
+            </a:r>
+            <a:endParaRPr lang="en-IL" sz="1800" kern="100" dirty="0">
+              <a:effectLst/>
+              <a:latin typeface="Calibri" panose="020F0502020204030204" pitchFamily="34" charset="0"/>
+              <a:ea typeface="Calibri" panose="020F0502020204030204" pitchFamily="34" charset="0"/>
+              <a:cs typeface="Arial" panose="020B0604020202020204" pitchFamily="34" charset="0"/>
+            </a:endParaRPr>
+          </a:p>
+          <a:p>
+            <a:pPr>
+              <a:lnSpc>
+                <a:spcPct val="107000"/>
+              </a:lnSpc>
+              <a:spcAft>
+                <a:spcPts val="800"/>
+              </a:spcAft>
+            </a:pPr>
+            <a:r>
+              <a:rPr lang="en-IL" sz="1800" kern="0" dirty="0">
+                <a:effectLst/>
+                <a:latin typeface="Arial" panose="020B0604020202020204" pitchFamily="34" charset="0"/>
+                <a:ea typeface="Times New Roman" panose="02020603050405020304" pitchFamily="18" charset="0"/>
+                <a:cs typeface="Arial" panose="020B0604020202020204" pitchFamily="34" charset="0"/>
+              </a:rPr>
+              <a:t>(32, 128 * 2 * 2)</a:t>
+            </a:r>
+            <a:endParaRPr lang="en-IL" sz="1800" kern="100" dirty="0">
+              <a:effectLst/>
+              <a:latin typeface="Calibri" panose="020F0502020204030204" pitchFamily="34" charset="0"/>
+              <a:ea typeface="Calibri" panose="020F0502020204030204" pitchFamily="34" charset="0"/>
+              <a:cs typeface="Arial" panose="020B0604020202020204" pitchFamily="34" charset="0"/>
+            </a:endParaRPr>
+          </a:p>
+          <a:p>
+            <a:pPr>
+              <a:lnSpc>
+                <a:spcPct val="107000"/>
+              </a:lnSpc>
+              <a:spcAft>
+                <a:spcPts val="800"/>
+              </a:spcAft>
+            </a:pPr>
+            <a:r>
+              <a:rPr lang="en-IL" sz="1800" kern="0" dirty="0">
+                <a:effectLst/>
+                <a:latin typeface="Arial" panose="020B0604020202020204" pitchFamily="34" charset="0"/>
+                <a:ea typeface="Times New Roman" panose="02020603050405020304" pitchFamily="18" charset="0"/>
+                <a:cs typeface="Arial" panose="020B0604020202020204" pitchFamily="34" charset="0"/>
+              </a:rPr>
+              <a:t>- (No parameters)</a:t>
+            </a:r>
+            <a:endParaRPr lang="en-IL" sz="1800" kern="100" dirty="0">
+              <a:effectLst/>
+              <a:latin typeface="Calibri" panose="020F0502020204030204" pitchFamily="34" charset="0"/>
+              <a:ea typeface="Calibri" panose="020F0502020204030204" pitchFamily="34" charset="0"/>
+              <a:cs typeface="Arial" panose="020B0604020202020204" pitchFamily="34" charset="0"/>
+            </a:endParaRPr>
+          </a:p>
+          <a:p>
+            <a:pPr>
+              <a:lnSpc>
+                <a:spcPct val="107000"/>
+              </a:lnSpc>
+              <a:spcAft>
+                <a:spcPts val="800"/>
+              </a:spcAft>
+            </a:pPr>
+            <a:r>
+              <a:rPr lang="en-IL" sz="1800" kern="0" dirty="0">
+                <a:effectLst/>
+                <a:latin typeface="Arial" panose="020B0604020202020204" pitchFamily="34" charset="0"/>
+                <a:ea typeface="Times New Roman" panose="02020603050405020304" pitchFamily="18" charset="0"/>
+                <a:cs typeface="Arial" panose="020B0604020202020204" pitchFamily="34" charset="0"/>
+              </a:rPr>
+              <a:t>FC1</a:t>
+            </a:r>
+            <a:endParaRPr lang="en-IL" sz="1800" kern="100" dirty="0">
+              <a:effectLst/>
+              <a:latin typeface="Calibri" panose="020F0502020204030204" pitchFamily="34" charset="0"/>
+              <a:ea typeface="Calibri" panose="020F0502020204030204" pitchFamily="34" charset="0"/>
+              <a:cs typeface="Arial" panose="020B0604020202020204" pitchFamily="34" charset="0"/>
+            </a:endParaRPr>
+          </a:p>
+          <a:p>
+            <a:pPr>
+              <a:lnSpc>
+                <a:spcPct val="107000"/>
+              </a:lnSpc>
+              <a:spcAft>
+                <a:spcPts val="800"/>
+              </a:spcAft>
+            </a:pPr>
+            <a:r>
+              <a:rPr lang="en-IL" sz="1800" kern="0" dirty="0">
+                <a:effectLst/>
+                <a:latin typeface="Arial" panose="020B0604020202020204" pitchFamily="34" charset="0"/>
+                <a:ea typeface="Times New Roman" panose="02020603050405020304" pitchFamily="18" charset="0"/>
+                <a:cs typeface="Arial" panose="020B0604020202020204" pitchFamily="34" charset="0"/>
+              </a:rPr>
+              <a:t>(32, 256)</a:t>
+            </a:r>
+            <a:endParaRPr lang="en-IL" sz="1800" kern="100" dirty="0">
+              <a:effectLst/>
+              <a:latin typeface="Calibri" panose="020F0502020204030204" pitchFamily="34" charset="0"/>
+              <a:ea typeface="Calibri" panose="020F0502020204030204" pitchFamily="34" charset="0"/>
+              <a:cs typeface="Arial" panose="020B0604020202020204" pitchFamily="34" charset="0"/>
+            </a:endParaRPr>
+          </a:p>
+          <a:p>
+            <a:pPr>
+              <a:lnSpc>
+                <a:spcPct val="107000"/>
+              </a:lnSpc>
+              <a:spcAft>
+                <a:spcPts val="800"/>
+              </a:spcAft>
+            </a:pPr>
+            <a:r>
+              <a:rPr lang="en-IL" sz="1800" kern="0" dirty="0">
+                <a:effectLst/>
+                <a:latin typeface="Arial" panose="020B0604020202020204" pitchFamily="34" charset="0"/>
+                <a:ea typeface="Times New Roman" panose="02020603050405020304" pitchFamily="18" charset="0"/>
+                <a:cs typeface="Arial" panose="020B0604020202020204" pitchFamily="34" charset="0"/>
+              </a:rPr>
+              <a:t>(128 * 2 * 2 + 1) * 256 = 81920</a:t>
+            </a:r>
+            <a:endParaRPr lang="en-IL" sz="1800" kern="100" dirty="0">
+              <a:effectLst/>
+              <a:latin typeface="Calibri" panose="020F0502020204030204" pitchFamily="34" charset="0"/>
+              <a:ea typeface="Calibri" panose="020F0502020204030204" pitchFamily="34" charset="0"/>
+              <a:cs typeface="Arial" panose="020B0604020202020204" pitchFamily="34" charset="0"/>
+            </a:endParaRPr>
+          </a:p>
+          <a:p>
+            <a:pPr>
+              <a:lnSpc>
+                <a:spcPct val="107000"/>
+              </a:lnSpc>
+              <a:spcAft>
+                <a:spcPts val="800"/>
+              </a:spcAft>
+            </a:pPr>
+            <a:r>
+              <a:rPr lang="en-IL" sz="1800" kern="0" dirty="0">
+                <a:effectLst/>
+                <a:latin typeface="Arial" panose="020B0604020202020204" pitchFamily="34" charset="0"/>
+                <a:ea typeface="Times New Roman" panose="02020603050405020304" pitchFamily="18" charset="0"/>
+                <a:cs typeface="Arial" panose="020B0604020202020204" pitchFamily="34" charset="0"/>
+              </a:rPr>
+              <a:t>ReLU4</a:t>
+            </a:r>
+            <a:endParaRPr lang="en-IL" sz="1800" kern="100" dirty="0">
+              <a:effectLst/>
+              <a:latin typeface="Calibri" panose="020F0502020204030204" pitchFamily="34" charset="0"/>
+              <a:ea typeface="Calibri" panose="020F0502020204030204" pitchFamily="34" charset="0"/>
+              <a:cs typeface="Arial" panose="020B0604020202020204" pitchFamily="34" charset="0"/>
+            </a:endParaRPr>
+          </a:p>
+          <a:p>
+            <a:pPr>
+              <a:lnSpc>
+                <a:spcPct val="107000"/>
+              </a:lnSpc>
+              <a:spcAft>
+                <a:spcPts val="800"/>
+              </a:spcAft>
+            </a:pPr>
+            <a:r>
+              <a:rPr lang="en-IL" sz="1800" kern="0" dirty="0">
+                <a:effectLst/>
+                <a:latin typeface="Arial" panose="020B0604020202020204" pitchFamily="34" charset="0"/>
+                <a:ea typeface="Times New Roman" panose="02020603050405020304" pitchFamily="18" charset="0"/>
+                <a:cs typeface="Arial" panose="020B0604020202020204" pitchFamily="34" charset="0"/>
+              </a:rPr>
+              <a:t>(32, 256)</a:t>
+            </a:r>
+            <a:endParaRPr lang="en-IL" sz="1800" kern="100" dirty="0">
+              <a:effectLst/>
+              <a:latin typeface="Calibri" panose="020F0502020204030204" pitchFamily="34" charset="0"/>
+              <a:ea typeface="Calibri" panose="020F0502020204030204" pitchFamily="34" charset="0"/>
+              <a:cs typeface="Arial" panose="020B0604020202020204" pitchFamily="34" charset="0"/>
+            </a:endParaRPr>
+          </a:p>
+          <a:p>
+            <a:pPr>
+              <a:lnSpc>
+                <a:spcPct val="107000"/>
+              </a:lnSpc>
+              <a:spcAft>
+                <a:spcPts val="800"/>
+              </a:spcAft>
+            </a:pPr>
+            <a:r>
+              <a:rPr lang="en-IL" sz="1800" kern="0" dirty="0">
+                <a:effectLst/>
+                <a:latin typeface="Arial" panose="020B0604020202020204" pitchFamily="34" charset="0"/>
+                <a:ea typeface="Times New Roman" panose="02020603050405020304" pitchFamily="18" charset="0"/>
+                <a:cs typeface="Arial" panose="020B0604020202020204" pitchFamily="34" charset="0"/>
+              </a:rPr>
+              <a:t>- (No additional parameters)</a:t>
+            </a:r>
+            <a:endParaRPr lang="en-IL" sz="1800" kern="100" dirty="0">
+              <a:effectLst/>
+              <a:latin typeface="Calibri" panose="020F0502020204030204" pitchFamily="34" charset="0"/>
+              <a:ea typeface="Calibri" panose="020F0502020204030204" pitchFamily="34" charset="0"/>
+              <a:cs typeface="Arial" panose="020B0604020202020204" pitchFamily="34" charset="0"/>
+            </a:endParaRPr>
+          </a:p>
+          <a:p>
+            <a:pPr>
+              <a:lnSpc>
+                <a:spcPct val="107000"/>
+              </a:lnSpc>
+              <a:spcAft>
+                <a:spcPts val="800"/>
+              </a:spcAft>
+            </a:pPr>
+            <a:r>
+              <a:rPr lang="en-IL" sz="1800" kern="0" dirty="0">
+                <a:effectLst/>
+                <a:latin typeface="Arial" panose="020B0604020202020204" pitchFamily="34" charset="0"/>
+                <a:ea typeface="Times New Roman" panose="02020603050405020304" pitchFamily="18" charset="0"/>
+                <a:cs typeface="Arial" panose="020B0604020202020204" pitchFamily="34" charset="0"/>
+              </a:rPr>
+              <a:t>FC2</a:t>
+            </a:r>
+            <a:endParaRPr lang="en-IL" sz="1800" kern="100" dirty="0">
+              <a:effectLst/>
+              <a:latin typeface="Calibri" panose="020F0502020204030204" pitchFamily="34" charset="0"/>
+              <a:ea typeface="Calibri" panose="020F0502020204030204" pitchFamily="34" charset="0"/>
+              <a:cs typeface="Arial" panose="020B0604020202020204" pitchFamily="34" charset="0"/>
+            </a:endParaRPr>
+          </a:p>
+          <a:p>
+            <a:pPr>
+              <a:lnSpc>
+                <a:spcPct val="107000"/>
+              </a:lnSpc>
+              <a:spcAft>
+                <a:spcPts val="800"/>
+              </a:spcAft>
+            </a:pPr>
+            <a:r>
+              <a:rPr lang="en-IL" sz="1800" kern="0" dirty="0">
+                <a:effectLst/>
+                <a:latin typeface="Arial" panose="020B0604020202020204" pitchFamily="34" charset="0"/>
+                <a:ea typeface="Times New Roman" panose="02020603050405020304" pitchFamily="18" charset="0"/>
+                <a:cs typeface="Arial" panose="020B0604020202020204" pitchFamily="34" charset="0"/>
+              </a:rPr>
+              <a:t>(32, 2)</a:t>
+            </a:r>
+            <a:endParaRPr lang="en-IL" sz="1800" kern="100" dirty="0">
+              <a:effectLst/>
+              <a:latin typeface="Calibri" panose="020F0502020204030204" pitchFamily="34" charset="0"/>
+              <a:ea typeface="Calibri" panose="020F0502020204030204" pitchFamily="34" charset="0"/>
+              <a:cs typeface="Arial" panose="020B0604020202020204" pitchFamily="34" charset="0"/>
+            </a:endParaRPr>
+          </a:p>
+          <a:p>
+            <a:pPr>
+              <a:lnSpc>
+                <a:spcPct val="107000"/>
+              </a:lnSpc>
+              <a:spcAft>
+                <a:spcPts val="800"/>
+              </a:spcAft>
+            </a:pPr>
+            <a:r>
+              <a:rPr lang="en-IL" sz="1800" kern="0" dirty="0">
+                <a:effectLst/>
+                <a:latin typeface="Arial" panose="020B0604020202020204" pitchFamily="34" charset="0"/>
+                <a:ea typeface="Times New Roman" panose="02020603050405020304" pitchFamily="18" charset="0"/>
+                <a:cs typeface="Arial" panose="020B0604020202020204" pitchFamily="34" charset="0"/>
+              </a:rPr>
+              <a:t>(256 + 1) * 2 = 512</a:t>
+            </a:r>
+            <a:endParaRPr lang="en-IL" sz="1800" kern="100" dirty="0">
+              <a:effectLst/>
+              <a:latin typeface="Calibri" panose="020F0502020204030204" pitchFamily="34" charset="0"/>
+              <a:ea typeface="Calibri" panose="020F0502020204030204" pitchFamily="34" charset="0"/>
+              <a:cs typeface="Arial" panose="020B0604020202020204" pitchFamily="34" charset="0"/>
+            </a:endParaRPr>
+          </a:p>
+          <a:p>
+            <a:pPr>
+              <a:lnSpc>
+                <a:spcPct val="107000"/>
+              </a:lnSpc>
+              <a:spcAft>
+                <a:spcPts val="800"/>
+              </a:spcAft>
+            </a:pPr>
+            <a:r>
+              <a:rPr lang="en-IL" sz="1800" kern="0" dirty="0">
+                <a:effectLst/>
+                <a:latin typeface="Arial" panose="020B0604020202020204" pitchFamily="34" charset="0"/>
+                <a:ea typeface="Times New Roman" panose="02020603050405020304" pitchFamily="18" charset="0"/>
+                <a:cs typeface="Arial" panose="020B0604020202020204" pitchFamily="34" charset="0"/>
+              </a:rPr>
+              <a:t>Sigmoid</a:t>
+            </a:r>
+            <a:endParaRPr lang="en-IL" sz="1800" kern="100" dirty="0">
+              <a:effectLst/>
+              <a:latin typeface="Calibri" panose="020F0502020204030204" pitchFamily="34" charset="0"/>
+              <a:ea typeface="Calibri" panose="020F0502020204030204" pitchFamily="34" charset="0"/>
+              <a:cs typeface="Arial" panose="020B0604020202020204" pitchFamily="34" charset="0"/>
+            </a:endParaRPr>
+          </a:p>
+          <a:p>
+            <a:pPr>
+              <a:lnSpc>
+                <a:spcPct val="107000"/>
+              </a:lnSpc>
+              <a:spcAft>
+                <a:spcPts val="800"/>
+              </a:spcAft>
+            </a:pPr>
+            <a:r>
+              <a:rPr lang="en-IL" sz="1800" kern="0" dirty="0">
+                <a:effectLst/>
+                <a:latin typeface="Arial" panose="020B0604020202020204" pitchFamily="34" charset="0"/>
+                <a:ea typeface="Times New Roman" panose="02020603050405020304" pitchFamily="18" charset="0"/>
+                <a:cs typeface="Arial" panose="020B0604020202020204" pitchFamily="34" charset="0"/>
+              </a:rPr>
+              <a:t>(32, 2)</a:t>
+            </a:r>
+            <a:endParaRPr lang="en-IL" sz="1800" kern="100" dirty="0">
+              <a:effectLst/>
+              <a:latin typeface="Calibri" panose="020F0502020204030204" pitchFamily="34" charset="0"/>
+              <a:ea typeface="Calibri" panose="020F0502020204030204" pitchFamily="34" charset="0"/>
+              <a:cs typeface="Arial" panose="020B0604020202020204" pitchFamily="34" charset="0"/>
+            </a:endParaRPr>
+          </a:p>
+          <a:p>
+            <a:pPr>
+              <a:lnSpc>
+                <a:spcPct val="107000"/>
+              </a:lnSpc>
+              <a:spcAft>
+                <a:spcPts val="800"/>
+              </a:spcAft>
+            </a:pPr>
+            <a:r>
+              <a:rPr lang="en-IL" sz="1800" kern="0" dirty="0">
+                <a:effectLst/>
+                <a:latin typeface="Arial" panose="020B0604020202020204" pitchFamily="34" charset="0"/>
+                <a:ea typeface="Times New Roman" panose="02020603050405020304" pitchFamily="18" charset="0"/>
+                <a:cs typeface="Arial" panose="020B0604020202020204" pitchFamily="34" charset="0"/>
+              </a:rPr>
+              <a:t>- (No parameters)</a:t>
+            </a:r>
+            <a:endParaRPr lang="en-IL" sz="1800" kern="100" dirty="0">
+              <a:effectLst/>
+              <a:latin typeface="Calibri" panose="020F0502020204030204" pitchFamily="34" charset="0"/>
+              <a:ea typeface="Calibri" panose="020F0502020204030204" pitchFamily="34" charset="0"/>
+              <a:cs typeface="Arial" panose="020B0604020202020204" pitchFamily="34" charset="0"/>
+            </a:endParaRPr>
           </a:p>
           <a:p>
             <a:endParaRPr lang="en-IL" dirty="0"/>
@@ -19268,8 +20938,8 @@
         </p:nvSpPr>
         <p:spPr>
           <a:xfrm>
-            <a:off x="7962019" y="1018419"/>
-            <a:ext cx="3535051" cy="1477328"/>
+            <a:off x="3958663" y="4898241"/>
+            <a:ext cx="7515942" cy="1077218"/>
           </a:xfrm>
           <a:prstGeom prst="rect">
             <a:avLst/>
@@ -19283,11 +20953,24 @@
           <a:lstStyle/>
           <a:p>
             <a:r>
-              <a:rPr lang="en-US" dirty="0">
+              <a:rPr lang="en-US" sz="1600" dirty="0">
                 <a:latin typeface="Segoe UI Light" panose="020B0502040204020203" pitchFamily="34" charset="0"/>
                 <a:cs typeface="Segoe UI Light" panose="020B0502040204020203" pitchFamily="34" charset="0"/>
               </a:rPr>
-              <a:t>one factor that can contribute to the model misclassification is class imbalance (the model can become biased towards the majority class during training</a:t>
+              <a:t>Class imbalance, where one class significantly outweighs the other in the dataset, can contribute to model misclassification.</a:t>
+            </a:r>
+            <a:br>
+              <a:rPr lang="en-US" sz="1600" dirty="0">
+                <a:latin typeface="Segoe UI Light" panose="020B0502040204020203" pitchFamily="34" charset="0"/>
+                <a:cs typeface="Segoe UI Light" panose="020B0502040204020203" pitchFamily="34" charset="0"/>
+              </a:rPr>
+            </a:br>
+            <a:r>
+              <a:rPr lang="en-US" sz="1600" dirty="0">
+                <a:latin typeface="Segoe UI Light" panose="020B0502040204020203" pitchFamily="34" charset="0"/>
+                <a:cs typeface="Segoe UI Light" panose="020B0502040204020203" pitchFamily="34" charset="0"/>
+              </a:rPr>
+              <a:t>This imbalance may lead the model to become biased towards the majority class during training, affecting its ability to properly distinguish between classes.</a:t>
             </a:r>
           </a:p>
         </p:txBody>
@@ -19320,7 +21003,7 @@
         </p:blipFill>
         <p:spPr>
           <a:xfrm>
-            <a:off x="278767" y="2942676"/>
+            <a:off x="3958663" y="2898072"/>
             <a:ext cx="3535051" cy="1690196"/>
           </a:xfrm>
           <a:prstGeom prst="rect">
@@ -19356,7 +21039,7 @@
         </p:blipFill>
         <p:spPr>
           <a:xfrm>
-            <a:off x="3963362" y="2942676"/>
+            <a:off x="7643258" y="2898072"/>
             <a:ext cx="3535051" cy="1690196"/>
           </a:xfrm>
           <a:prstGeom prst="rect">
@@ -19464,7 +21147,7 @@
         </p:blipFill>
         <p:spPr>
           <a:xfrm>
-            <a:off x="3963363" y="4773119"/>
+            <a:off x="278768" y="4726650"/>
             <a:ext cx="3535050" cy="1690196"/>
           </a:xfrm>
           <a:prstGeom prst="rect">
@@ -19500,7 +21183,7 @@
         </p:blipFill>
         <p:spPr>
           <a:xfrm>
-            <a:off x="278767" y="4773119"/>
+            <a:off x="278767" y="2888567"/>
             <a:ext cx="3535051" cy="1690196"/>
           </a:xfrm>
           <a:prstGeom prst="rect">
@@ -19522,8 +21205,8 @@
         </p:nvSpPr>
         <p:spPr>
           <a:xfrm>
-            <a:off x="7647957" y="3013501"/>
-            <a:ext cx="4544043" cy="1323439"/>
+            <a:off x="7543017" y="1050484"/>
+            <a:ext cx="4143461" cy="1323439"/>
           </a:xfrm>
           <a:prstGeom prst="rect">
             <a:avLst/>
@@ -19537,98 +21220,57 @@
           <a:lstStyle/>
           <a:p>
             <a:r>
-              <a:rPr lang="en-IL" sz="1600" dirty="0">
+              <a:rPr lang="en-US" sz="1600" b="1" dirty="0">
                 <a:latin typeface="Segoe UI Light" panose="020B0502040204020203" pitchFamily="34" charset="0"/>
                 <a:cs typeface="Segoe UI Light" panose="020B0502040204020203" pitchFamily="34" charset="0"/>
               </a:rPr>
-              <a:t>Average number of </a:t>
+              <a:t>Average number of misclassified samples:</a:t>
+            </a:r>
+          </a:p>
+          <a:p>
+            <a:r>
+              <a:rPr lang="en-US" sz="1600" b="1" dirty="0">
+                <a:latin typeface="Segoe UI Light" panose="020B0502040204020203" pitchFamily="34" charset="0"/>
+                <a:cs typeface="Segoe UI Light" panose="020B0502040204020203" pitchFamily="34" charset="0"/>
+              </a:rPr>
+              <a:t>False Positive </a:t>
             </a:r>
             <a:r>
               <a:rPr lang="en-US" sz="1600" dirty="0">
                 <a:latin typeface="Segoe UI Light" panose="020B0502040204020203" pitchFamily="34" charset="0"/>
                 <a:cs typeface="Segoe UI Light" panose="020B0502040204020203" pitchFamily="34" charset="0"/>
               </a:rPr>
-              <a:t>misclassified</a:t>
-            </a:r>
-            <a:r>
-              <a:rPr lang="en-IL" sz="1600" dirty="0">
+              <a:t>- Classified as face when the true label is non-face: ~</a:t>
+            </a:r>
+            <a:r>
+              <a:rPr lang="en-US" sz="1600" b="1" dirty="0">
                 <a:latin typeface="Segoe UI Light" panose="020B0502040204020203" pitchFamily="34" charset="0"/>
                 <a:cs typeface="Segoe UI Light" panose="020B0502040204020203" pitchFamily="34" charset="0"/>
               </a:rPr>
-              <a:t> samples</a:t>
+              <a:t>50</a:t>
+            </a:r>
+          </a:p>
+          <a:p>
+            <a:r>
+              <a:rPr lang="en-US" sz="1600" b="1" dirty="0">
+                <a:latin typeface="Segoe UI Light" panose="020B0502040204020203" pitchFamily="34" charset="0"/>
+                <a:cs typeface="Segoe UI Light" panose="020B0502040204020203" pitchFamily="34" charset="0"/>
+              </a:rPr>
+              <a:t>False Negative </a:t>
             </a:r>
             <a:r>
               <a:rPr lang="en-US" sz="1600" dirty="0">
                 <a:latin typeface="Segoe UI Light" panose="020B0502040204020203" pitchFamily="34" charset="0"/>
                 <a:cs typeface="Segoe UI Light" panose="020B0502040204020203" pitchFamily="34" charset="0"/>
               </a:rPr>
-              <a:t>(example):</a:t>
-            </a:r>
-            <a:br>
-              <a:rPr lang="en-US" sz="1600" dirty="0">
-                <a:latin typeface="Segoe UI Light" panose="020B0502040204020203" pitchFamily="34" charset="0"/>
-                <a:cs typeface="Segoe UI Light" panose="020B0502040204020203" pitchFamily="34" charset="0"/>
-              </a:rPr>
-            </a:br>
+              <a:t>- Classified as non-face when the true label is face: ~</a:t>
+            </a:r>
             <a:r>
               <a:rPr lang="en-US" sz="1600" b="1" dirty="0">
                 <a:latin typeface="Segoe UI Light" panose="020B0502040204020203" pitchFamily="34" charset="0"/>
                 <a:cs typeface="Segoe UI Light" panose="020B0502040204020203" pitchFamily="34" charset="0"/>
               </a:rPr>
-              <a:t>FP - Classified as face true label </a:t>
-            </a:r>
-            <a:r>
-              <a:rPr lang="en-IL" sz="1600" b="1" dirty="0">
-                <a:latin typeface="Segoe UI Light" panose="020B0502040204020203" pitchFamily="34" charset="0"/>
-                <a:cs typeface="Segoe UI Light" panose="020B0502040204020203" pitchFamily="34" charset="0"/>
-              </a:rPr>
-              <a:t>non-face: </a:t>
-            </a:r>
-            <a:endParaRPr lang="en-US" sz="1600" b="1" dirty="0">
-              <a:latin typeface="Segoe UI Light" panose="020B0502040204020203" pitchFamily="34" charset="0"/>
-              <a:cs typeface="Segoe UI Light" panose="020B0502040204020203" pitchFamily="34" charset="0"/>
-            </a:endParaRPr>
-          </a:p>
-          <a:p>
-            <a:r>
-              <a:rPr lang="en-US" sz="1600" b="1" dirty="0">
-                <a:latin typeface="Segoe UI Light" panose="020B0502040204020203" pitchFamily="34" charset="0"/>
-                <a:cs typeface="Segoe UI Light" panose="020B0502040204020203" pitchFamily="34" charset="0"/>
-              </a:rPr>
-              <a:t>~50</a:t>
-            </a:r>
-            <a:endParaRPr lang="en-IL" sz="1600" b="1" dirty="0">
-              <a:latin typeface="Segoe UI Light" panose="020B0502040204020203" pitchFamily="34" charset="0"/>
-              <a:cs typeface="Segoe UI Light" panose="020B0502040204020203" pitchFamily="34" charset="0"/>
-            </a:endParaRPr>
-          </a:p>
-          <a:p>
-            <a:r>
-              <a:rPr lang="en-US" sz="1600" b="1" dirty="0">
-                <a:latin typeface="Segoe UI Light" panose="020B0502040204020203" pitchFamily="34" charset="0"/>
-                <a:cs typeface="Segoe UI Light" panose="020B0502040204020203" pitchFamily="34" charset="0"/>
-              </a:rPr>
-              <a:t>FN - Classified as non-face true label </a:t>
-            </a:r>
-            <a:r>
-              <a:rPr lang="en-IL" sz="1600" b="1" dirty="0">
-                <a:latin typeface="Segoe UI Light" panose="020B0502040204020203" pitchFamily="34" charset="0"/>
-                <a:cs typeface="Segoe UI Light" panose="020B0502040204020203" pitchFamily="34" charset="0"/>
-              </a:rPr>
-              <a:t>face: </a:t>
-            </a:r>
-            <a:endParaRPr lang="en-US" sz="1600" b="1" dirty="0">
-              <a:latin typeface="Segoe UI Light" panose="020B0502040204020203" pitchFamily="34" charset="0"/>
-              <a:cs typeface="Segoe UI Light" panose="020B0502040204020203" pitchFamily="34" charset="0"/>
-            </a:endParaRPr>
-          </a:p>
-          <a:p>
-            <a:r>
-              <a:rPr lang="en-US" sz="1600" b="1" dirty="0">
-                <a:latin typeface="Segoe UI Light" panose="020B0502040204020203" pitchFamily="34" charset="0"/>
-                <a:cs typeface="Segoe UI Light" panose="020B0502040204020203" pitchFamily="34" charset="0"/>
-              </a:rPr>
-              <a:t>~360</a:t>
+              <a:t>360</a:t>
             </a:r>
             <a:endParaRPr lang="en-IL" sz="1600" b="1" dirty="0">
               <a:latin typeface="Segoe UI Light" panose="020B0502040204020203" pitchFamily="34" charset="0"/>
